--- a/02_files/02 controlflow.pptx
+++ b/02_files/02 controlflow.pptx
@@ -1633,7 +1633,7 @@
             <a:fld id="{78417F83-4CBA-48F2-BAD0-783AE3701E32}" type="datetimeFigureOut">
               <a:rPr lang="en-GB" smtClean="0"/>
               <a:pPr/>
-              <a:t>06/11/2023</a:t>
+              <a:t>20/11/2023</a:t>
             </a:fld>
             <a:r>
               <a:rPr lang="en-GB" dirty="0"/>
@@ -1843,7 +1843,7 @@
             <a:fld id="{78417F83-4CBA-48F2-BAD0-783AE3701E32}" type="datetimeFigureOut">
               <a:rPr lang="en-GB" smtClean="0"/>
               <a:pPr/>
-              <a:t>06/11/2023</a:t>
+              <a:t>20/11/2023</a:t>
             </a:fld>
             <a:r>
               <a:rPr lang="en-GB" dirty="0"/>
@@ -2084,7 +2084,7 @@
             <a:fld id="{78417F83-4CBA-48F2-BAD0-783AE3701E32}" type="datetimeFigureOut">
               <a:rPr lang="en-GB" smtClean="0"/>
               <a:pPr/>
-              <a:t>06/11/2023</a:t>
+              <a:t>20/11/2023</a:t>
             </a:fld>
             <a:r>
               <a:rPr lang="en-GB" dirty="0"/>
@@ -2254,7 +2254,7 @@
             <a:fld id="{78417F83-4CBA-48F2-BAD0-783AE3701E32}" type="datetimeFigureOut">
               <a:rPr lang="en-GB" smtClean="0"/>
               <a:pPr/>
-              <a:t>06/11/2023</a:t>
+              <a:t>20/11/2023</a:t>
             </a:fld>
             <a:r>
               <a:rPr lang="en-GB" dirty="0"/>
@@ -2428,7 +2428,7 @@
             <a:fld id="{78417F83-4CBA-48F2-BAD0-783AE3701E32}" type="datetimeFigureOut">
               <a:rPr lang="en-GB" smtClean="0"/>
               <a:pPr/>
-              <a:t>06/11/2023</a:t>
+              <a:t>20/11/2023</a:t>
             </a:fld>
             <a:r>
               <a:rPr lang="en-GB" dirty="0"/>
@@ -2765,7 +2765,7 @@
             <a:fld id="{78417F83-4CBA-48F2-BAD0-783AE3701E32}" type="datetimeFigureOut">
               <a:rPr lang="en-GB" smtClean="0"/>
               <a:pPr/>
-              <a:t>06/11/2023</a:t>
+              <a:t>20/11/2023</a:t>
             </a:fld>
             <a:r>
               <a:rPr lang="en-GB" dirty="0"/>
@@ -2936,7 +2936,7 @@
             <a:fld id="{78417F83-4CBA-48F2-BAD0-783AE3701E32}" type="datetimeFigureOut">
               <a:rPr lang="en-GB" smtClean="0"/>
               <a:pPr/>
-              <a:t>06/11/2023</a:t>
+              <a:t>20/11/2023</a:t>
             </a:fld>
             <a:r>
               <a:rPr lang="en-GB" dirty="0"/>
@@ -3132,7 +3132,7 @@
             <a:fld id="{78417F83-4CBA-48F2-BAD0-783AE3701E32}" type="datetimeFigureOut">
               <a:rPr lang="en-GB" smtClean="0"/>
               <a:pPr/>
-              <a:t>06/11/2023</a:t>
+              <a:t>20/11/2023</a:t>
             </a:fld>
             <a:r>
               <a:rPr lang="en-GB" dirty="0"/>
@@ -3301,7 +3301,7 @@
             <a:fld id="{78417F83-4CBA-48F2-BAD0-783AE3701E32}" type="datetimeFigureOut">
               <a:rPr lang="en-GB" smtClean="0"/>
               <a:pPr/>
-              <a:t>06/11/2023</a:t>
+              <a:t>20/11/2023</a:t>
             </a:fld>
             <a:r>
               <a:rPr lang="en-GB" dirty="0"/>
@@ -3455,7 +3455,7 @@
             <a:fld id="{78417F83-4CBA-48F2-BAD0-783AE3701E32}" type="datetimeFigureOut">
               <a:rPr lang="en-GB" smtClean="0"/>
               <a:pPr/>
-              <a:t>06/11/2023</a:t>
+              <a:t>20/11/2023</a:t>
             </a:fld>
             <a:r>
               <a:rPr lang="en-GB" dirty="0"/>
@@ -4344,7 +4344,7 @@
             <a:fld id="{78417F83-4CBA-48F2-BAD0-783AE3701E32}" type="datetimeFigureOut">
               <a:rPr lang="en-GB" smtClean="0"/>
               <a:pPr/>
-              <a:t>06/11/2023</a:t>
+              <a:t>20/11/2023</a:t>
             </a:fld>
             <a:r>
               <a:rPr lang="en-GB" dirty="0"/>
@@ -5160,7 +5160,7 @@
             <a:fld id="{78417F83-4CBA-48F2-BAD0-783AE3701E32}" type="datetimeFigureOut">
               <a:rPr lang="en-GB" smtClean="0"/>
               <a:pPr/>
-              <a:t>06/11/2023</a:t>
+              <a:t>20/11/2023</a:t>
             </a:fld>
             <a:r>
               <a:rPr lang="en-GB" dirty="0"/>
@@ -5390,7 +5390,7 @@
             <a:fld id="{78417F83-4CBA-48F2-BAD0-783AE3701E32}" type="datetimeFigureOut">
               <a:rPr lang="en-GB" smtClean="0"/>
               <a:pPr/>
-              <a:t>06/11/2023</a:t>
+              <a:t>20/11/2023</a:t>
             </a:fld>
             <a:r>
               <a:rPr lang="en-GB" dirty="0"/>
@@ -5625,7 +5625,7 @@
           <a:p>
             <a:fld id="{3C2B07E4-CDF9-4C88-A2F3-04620E58224D}" type="datetimeFigureOut">
               <a:rPr lang="en-US" smtClean="0"/>
-              <a:t>11/6/2023</a:t>
+              <a:t>11/20/2023</a:t>
             </a:fld>
             <a:endParaRPr lang="en-US"/>
           </a:p>
@@ -6318,7 +6318,7 @@
             <a:fld id="{78417F83-4CBA-48F2-BAD0-783AE3701E32}" type="datetimeFigureOut">
               <a:rPr lang="en-GB" smtClean="0"/>
               <a:pPr/>
-              <a:t>06/11/2023</a:t>
+              <a:t>20/11/2023</a:t>
             </a:fld>
             <a:r>
               <a:rPr lang="en-GB" dirty="0"/>
@@ -6609,7 +6609,7 @@
             <a:fld id="{78417F83-4CBA-48F2-BAD0-783AE3701E32}" type="datetimeFigureOut">
               <a:rPr lang="en-GB" smtClean="0"/>
               <a:pPr/>
-              <a:t>06/11/2023</a:t>
+              <a:t>20/11/2023</a:t>
             </a:fld>
             <a:r>
               <a:rPr lang="en-GB" dirty="0"/>
@@ -6983,7 +6983,7 @@
             <a:fld id="{78417F83-4CBA-48F2-BAD0-783AE3701E32}" type="datetimeFigureOut">
               <a:rPr lang="en-GB" smtClean="0"/>
               <a:pPr/>
-              <a:t>06/11/2023</a:t>
+              <a:t>20/11/2023</a:t>
             </a:fld>
             <a:r>
               <a:rPr lang="en-GB" dirty="0"/>
@@ -7410,7 +7410,7 @@
             <a:fld id="{78417F83-4CBA-48F2-BAD0-783AE3701E32}" type="datetimeFigureOut">
               <a:rPr lang="en-GB" smtClean="0"/>
               <a:pPr/>
-              <a:t>06/11/2023</a:t>
+              <a:t>20/11/2023</a:t>
             </a:fld>
             <a:r>
               <a:rPr lang="en-GB" dirty="0"/>
@@ -7850,7 +7850,7 @@
             <a:fld id="{78417F83-4CBA-48F2-BAD0-783AE3701E32}" type="datetimeFigureOut">
               <a:rPr lang="en-GB" smtClean="0"/>
               <a:pPr/>
-              <a:t>06/11/2023</a:t>
+              <a:t>20/11/2023</a:t>
             </a:fld>
             <a:r>
               <a:rPr lang="en-GB" dirty="0"/>
@@ -8018,7 +8018,7 @@
             <a:fld id="{78417F83-4CBA-48F2-BAD0-783AE3701E32}" type="datetimeFigureOut">
               <a:rPr lang="en-GB" smtClean="0"/>
               <a:pPr/>
-              <a:t>06/11/2023</a:t>
+              <a:t>20/11/2023</a:t>
             </a:fld>
             <a:r>
               <a:rPr lang="en-GB" dirty="0"/>
@@ -8199,7 +8199,7 @@
             <a:fld id="{78417F83-4CBA-48F2-BAD0-783AE3701E32}" type="datetimeFigureOut">
               <a:rPr lang="en-GB" smtClean="0"/>
               <a:pPr/>
-              <a:t>06/11/2023</a:t>
+              <a:t>20/11/2023</a:t>
             </a:fld>
             <a:r>
               <a:rPr lang="en-GB" dirty="0"/>
@@ -8971,7 +8971,7 @@
             <a:fld id="{78417F83-4CBA-48F2-BAD0-783AE3701E32}" type="datetimeFigureOut">
               <a:rPr lang="en-GB" smtClean="0"/>
               <a:pPr/>
-              <a:t>06/11/2023</a:t>
+              <a:t>20/11/2023</a:t>
             </a:fld>
             <a:r>
               <a:rPr lang="en-GB"/>
@@ -9985,7 +9985,47 @@
             </a:pPr>
             <a:r>
               <a:rPr lang="en-GB" dirty="0"/>
+              <a:t>Functions</a:t>
+            </a:r>
+          </a:p>
+          <a:p>
+            <a:pPr marL="342900" indent="-342900">
+              <a:buFont typeface="Arial" panose="020B0604020202020204" pitchFamily="34" charset="0"/>
+              <a:buChar char="•"/>
+            </a:pPr>
+            <a:r>
+              <a:rPr lang="en-GB" dirty="0"/>
+              <a:t>Loops</a:t>
+            </a:r>
+          </a:p>
+          <a:p>
+            <a:pPr marL="342900" indent="-342900">
+              <a:buFont typeface="Arial" panose="020B0604020202020204" pitchFamily="34" charset="0"/>
+              <a:buChar char="•"/>
+            </a:pPr>
+            <a:r>
+              <a:rPr lang="en-GB" dirty="0"/>
+              <a:t>Control flow</a:t>
+            </a:r>
+          </a:p>
+          <a:p>
+            <a:pPr marL="342900" indent="-342900">
+              <a:buFont typeface="Arial" panose="020B0604020202020204" pitchFamily="34" charset="0"/>
+              <a:buChar char="•"/>
+            </a:pPr>
+            <a:r>
+              <a:rPr lang="en-GB" dirty="0"/>
               <a:t>Debugging</a:t>
+            </a:r>
+          </a:p>
+          <a:p>
+            <a:pPr marL="342900" indent="-342900">
+              <a:buFont typeface="Arial" panose="020B0604020202020204" pitchFamily="34" charset="0"/>
+              <a:buChar char="•"/>
+            </a:pPr>
+            <a:r>
+              <a:rPr lang="en-GB"/>
+              <a:t>Applys</a:t>
             </a:r>
             <a:endParaRPr lang="en-US" dirty="0"/>
           </a:p>
@@ -10113,7 +10153,7 @@
           <a:p>
             <a:fld id="{FB1A12EF-4D31-47C4-8B07-E3C83309B782}" type="datetime1">
               <a:rPr lang="en-GB" smtClean="0"/>
-              <a:t>06/11/2023</a:t>
+              <a:t>20/11/2023</a:t>
             </a:fld>
             <a:r>
               <a:rPr lang="en-GB"/>

--- a/02_files/02 controlflow.pptx
+++ b/02_files/02 controlflow.pptx
@@ -5,51 +5,67 @@
     <p:sldMasterId id="2147483648" r:id="rId1"/>
   </p:sldMasterIdLst>
   <p:notesMasterIdLst>
-    <p:notesMasterId r:id="rId5"/>
+    <p:notesMasterId r:id="rId17"/>
   </p:notesMasterIdLst>
   <p:handoutMasterIdLst>
-    <p:handoutMasterId r:id="rId6"/>
+    <p:handoutMasterId r:id="rId18"/>
   </p:handoutMasterIdLst>
   <p:sldIdLst>
     <p:sldId id="256" r:id="rId2"/>
     <p:sldId id="258" r:id="rId3"/>
-    <p:sldId id="280" r:id="rId4"/>
+    <p:sldId id="281" r:id="rId4"/>
+    <p:sldId id="282" r:id="rId5"/>
+    <p:sldId id="283" r:id="rId6"/>
+    <p:sldId id="284" r:id="rId7"/>
+    <p:sldId id="287" r:id="rId8"/>
+    <p:sldId id="286" r:id="rId9"/>
+    <p:sldId id="285" r:id="rId10"/>
+    <p:sldId id="288" r:id="rId11"/>
+    <p:sldId id="289" r:id="rId12"/>
+    <p:sldId id="290" r:id="rId13"/>
+    <p:sldId id="291" r:id="rId14"/>
+    <p:sldId id="292" r:id="rId15"/>
+    <p:sldId id="280" r:id="rId16"/>
   </p:sldIdLst>
   <p:sldSz cx="12188825" cy="6858000"/>
   <p:notesSz cx="6797675" cy="9926638"/>
   <p:embeddedFontLst>
     <p:embeddedFont>
       <p:font typeface="AU Passata" panose="020B0503030502030804" pitchFamily="34" charset="0"/>
-      <p:regular r:id="rId7"/>
-      <p:bold r:id="rId8"/>
+      <p:regular r:id="rId19"/>
+      <p:bold r:id="rId20"/>
     </p:embeddedFont>
     <p:embeddedFont>
       <p:font typeface="AU Passata Light" panose="020B0303030902030804" pitchFamily="34" charset="0"/>
-      <p:regular r:id="rId9"/>
-      <p:bold r:id="rId10"/>
+      <p:regular r:id="rId21"/>
+      <p:bold r:id="rId22"/>
     </p:embeddedFont>
     <p:embeddedFont>
       <p:font typeface="AU Peto" panose="040C0B07020602020301" pitchFamily="82" charset="0"/>
-      <p:regular r:id="rId11"/>
-      <p:bold r:id="rId12"/>
+      <p:regular r:id="rId23"/>
+      <p:bold r:id="rId24"/>
     </p:embeddedFont>
     <p:embeddedFont>
       <p:font typeface="Calibri" panose="020F0502020204030204" pitchFamily="34" charset="0"/>
-      <p:regular r:id="rId13"/>
-      <p:bold r:id="rId14"/>
-      <p:italic r:id="rId15"/>
-      <p:boldItalic r:id="rId16"/>
+      <p:regular r:id="rId25"/>
+      <p:bold r:id="rId26"/>
+      <p:italic r:id="rId27"/>
+      <p:boldItalic r:id="rId28"/>
     </p:embeddedFont>
     <p:embeddedFont>
       <p:font typeface="Georgia" panose="02040502050405020303" pitchFamily="18" charset="0"/>
-      <p:regular r:id="rId17"/>
-      <p:bold r:id="rId18"/>
-      <p:italic r:id="rId19"/>
-      <p:boldItalic r:id="rId20"/>
+      <p:regular r:id="rId29"/>
+      <p:bold r:id="rId30"/>
+      <p:italic r:id="rId31"/>
+      <p:boldItalic r:id="rId32"/>
+    </p:embeddedFont>
+    <p:embeddedFont>
+      <p:font typeface="Lucida Console" panose="020B0609040504020204" pitchFamily="49" charset="0"/>
+      <p:regular r:id="rId33"/>
     </p:embeddedFont>
     <p:embeddedFont>
       <p:font typeface="Wingdings 3" panose="05040102010807070707" pitchFamily="18" charset="2"/>
-      <p:regular r:id="rId21"/>
+      <p:regular r:id="rId34"/>
     </p:embeddedFont>
   </p:embeddedFontLst>
   <p:defaultTextStyle>
@@ -9925,6 +9941,2490 @@
 </p:sld>
 </file>
 
+<file path=ppt/slides/slide10.xml><?xml version="1.0" encoding="utf-8"?>
+<p:sld xmlns:a="http://schemas.openxmlformats.org/drawingml/2006/main" xmlns:r="http://schemas.openxmlformats.org/officeDocument/2006/relationships" xmlns:p="http://schemas.openxmlformats.org/presentationml/2006/main">
+  <p:cSld>
+    <p:spTree>
+      <p:nvGrpSpPr>
+        <p:cNvPr id="1" name=""/>
+        <p:cNvGrpSpPr/>
+        <p:nvPr/>
+      </p:nvGrpSpPr>
+      <p:grpSpPr>
+        <a:xfrm>
+          <a:off x="0" y="0"/>
+          <a:ext cx="0" cy="0"/>
+          <a:chOff x="0" y="0"/>
+          <a:chExt cx="0" cy="0"/>
+        </a:xfrm>
+      </p:grpSpPr>
+      <p:sp>
+        <p:nvSpPr>
+          <p:cNvPr id="2" name="Title 1">
+            <a:extLst>
+              <a:ext uri="{FF2B5EF4-FFF2-40B4-BE49-F238E27FC236}">
+                <a16:creationId xmlns:a16="http://schemas.microsoft.com/office/drawing/2014/main" id="{C13F6EE5-360B-F05C-7829-AF55EFE29529}"/>
+              </a:ext>
+            </a:extLst>
+          </p:cNvPr>
+          <p:cNvSpPr>
+            <a:spLocks noGrp="1"/>
+          </p:cNvSpPr>
+          <p:nvPr>
+            <p:ph type="title"/>
+          </p:nvPr>
+        </p:nvSpPr>
+        <p:spPr/>
+        <p:txBody>
+          <a:bodyPr/>
+          <a:lstStyle/>
+          <a:p>
+            <a:r>
+              <a:rPr lang="da-DK" dirty="0"/>
+              <a:t>Control flow</a:t>
+            </a:r>
+          </a:p>
+        </p:txBody>
+      </p:sp>
+      <p:sp>
+        <p:nvSpPr>
+          <p:cNvPr id="3" name="Content Placeholder 2">
+            <a:extLst>
+              <a:ext uri="{FF2B5EF4-FFF2-40B4-BE49-F238E27FC236}">
+                <a16:creationId xmlns:a16="http://schemas.microsoft.com/office/drawing/2014/main" id="{3C5B38D1-3128-5812-67B4-B5CF0BA50390}"/>
+              </a:ext>
+            </a:extLst>
+          </p:cNvPr>
+          <p:cNvSpPr>
+            <a:spLocks noGrp="1"/>
+          </p:cNvSpPr>
+          <p:nvPr>
+            <p:ph idx="1"/>
+          </p:nvPr>
+        </p:nvSpPr>
+        <p:spPr/>
+        <p:txBody>
+          <a:bodyPr/>
+          <a:lstStyle/>
+          <a:p>
+            <a:r>
+              <a:rPr lang="en-US" dirty="0"/>
+              <a:t>The else statement is paired with the if statement to handle the case where the condition specified in the if statement is false</a:t>
+            </a:r>
+          </a:p>
+          <a:p>
+            <a:r>
+              <a:rPr lang="en-US" sz="1600" dirty="0" err="1">
+                <a:latin typeface="Lucida Console" panose="020B0609040504020204" pitchFamily="49" charset="0"/>
+              </a:rPr>
+              <a:t>myFunction</a:t>
+            </a:r>
+            <a:r>
+              <a:rPr lang="en-US" sz="1600" dirty="0">
+                <a:latin typeface="Lucida Console" panose="020B0609040504020204" pitchFamily="49" charset="0"/>
+              </a:rPr>
+              <a:t> = function(x) {</a:t>
+            </a:r>
+          </a:p>
+          <a:p>
+            <a:r>
+              <a:rPr lang="en-US" sz="1600" dirty="0">
+                <a:latin typeface="Lucida Console" panose="020B0609040504020204" pitchFamily="49" charset="0"/>
+              </a:rPr>
+              <a:t>  if(x &gt; 5) {</a:t>
+            </a:r>
+          </a:p>
+          <a:p>
+            <a:r>
+              <a:rPr lang="en-US" sz="1600" dirty="0">
+                <a:latin typeface="Lucida Console" panose="020B0609040504020204" pitchFamily="49" charset="0"/>
+              </a:rPr>
+              <a:t>    return("x is greater than 5")</a:t>
+            </a:r>
+          </a:p>
+          <a:p>
+            <a:r>
+              <a:rPr lang="en-US" sz="1600" dirty="0">
+                <a:latin typeface="Lucida Console" panose="020B0609040504020204" pitchFamily="49" charset="0"/>
+              </a:rPr>
+              <a:t>  } else {</a:t>
+            </a:r>
+          </a:p>
+          <a:p>
+            <a:r>
+              <a:rPr lang="en-US" sz="1600" dirty="0">
+                <a:latin typeface="Lucida Console" panose="020B0609040504020204" pitchFamily="49" charset="0"/>
+              </a:rPr>
+              <a:t>    return("x is not greater than 5“)</a:t>
+            </a:r>
+          </a:p>
+          <a:p>
+            <a:r>
+              <a:rPr lang="en-US" sz="1600" dirty="0">
+                <a:latin typeface="Lucida Console" panose="020B0609040504020204" pitchFamily="49" charset="0"/>
+              </a:rPr>
+              <a:t>  }</a:t>
+            </a:r>
+          </a:p>
+          <a:p>
+            <a:r>
+              <a:rPr lang="en-US" sz="1600" dirty="0">
+                <a:latin typeface="Lucida Console" panose="020B0609040504020204" pitchFamily="49" charset="0"/>
+              </a:rPr>
+              <a:t>}</a:t>
+            </a:r>
+          </a:p>
+          <a:p>
+            <a:endParaRPr lang="da-DK" dirty="0"/>
+          </a:p>
+        </p:txBody>
+      </p:sp>
+      <p:sp>
+        <p:nvSpPr>
+          <p:cNvPr id="4" name="Date Placeholder 3">
+            <a:extLst>
+              <a:ext uri="{FF2B5EF4-FFF2-40B4-BE49-F238E27FC236}">
+                <a16:creationId xmlns:a16="http://schemas.microsoft.com/office/drawing/2014/main" id="{725FC008-0CF0-22A2-8BCE-53DB921972E2}"/>
+              </a:ext>
+            </a:extLst>
+          </p:cNvPr>
+          <p:cNvSpPr>
+            <a:spLocks noGrp="1"/>
+          </p:cNvSpPr>
+          <p:nvPr>
+            <p:ph type="dt" sz="half" idx="10"/>
+          </p:nvPr>
+        </p:nvSpPr>
+        <p:spPr/>
+        <p:txBody>
+          <a:bodyPr/>
+          <a:lstStyle/>
+          <a:p>
+            <a:fld id="{1462DDB0-5516-429B-8397-9D1992890718}" type="datetime1">
+              <a:rPr lang="en-GB" smtClean="0"/>
+              <a:t>20/11/2023</a:t>
+            </a:fld>
+            <a:r>
+              <a:rPr lang="en-GB"/>
+              <a:t>07/11/2023</a:t>
+            </a:r>
+            <a:endParaRPr lang="en-GB" dirty="0"/>
+          </a:p>
+        </p:txBody>
+      </p:sp>
+    </p:spTree>
+    <p:extLst>
+      <p:ext uri="{BB962C8B-B14F-4D97-AF65-F5344CB8AC3E}">
+        <p14:creationId xmlns:p14="http://schemas.microsoft.com/office/powerpoint/2010/main" val="3107794968"/>
+      </p:ext>
+    </p:extLst>
+  </p:cSld>
+  <p:clrMapOvr>
+    <a:masterClrMapping/>
+  </p:clrMapOvr>
+</p:sld>
+</file>
+
+<file path=ppt/slides/slide11.xml><?xml version="1.0" encoding="utf-8"?>
+<p:sld xmlns:a="http://schemas.openxmlformats.org/drawingml/2006/main" xmlns:r="http://schemas.openxmlformats.org/officeDocument/2006/relationships" xmlns:p="http://schemas.openxmlformats.org/presentationml/2006/main">
+  <p:cSld>
+    <p:spTree>
+      <p:nvGrpSpPr>
+        <p:cNvPr id="1" name=""/>
+        <p:cNvGrpSpPr/>
+        <p:nvPr/>
+      </p:nvGrpSpPr>
+      <p:grpSpPr>
+        <a:xfrm>
+          <a:off x="0" y="0"/>
+          <a:ext cx="0" cy="0"/>
+          <a:chOff x="0" y="0"/>
+          <a:chExt cx="0" cy="0"/>
+        </a:xfrm>
+      </p:grpSpPr>
+      <p:sp>
+        <p:nvSpPr>
+          <p:cNvPr id="2" name="Title 1">
+            <a:extLst>
+              <a:ext uri="{FF2B5EF4-FFF2-40B4-BE49-F238E27FC236}">
+                <a16:creationId xmlns:a16="http://schemas.microsoft.com/office/drawing/2014/main" id="{C13F6EE5-360B-F05C-7829-AF55EFE29529}"/>
+              </a:ext>
+            </a:extLst>
+          </p:cNvPr>
+          <p:cNvSpPr>
+            <a:spLocks noGrp="1"/>
+          </p:cNvSpPr>
+          <p:nvPr>
+            <p:ph type="title"/>
+          </p:nvPr>
+        </p:nvSpPr>
+        <p:spPr/>
+        <p:txBody>
+          <a:bodyPr/>
+          <a:lstStyle/>
+          <a:p>
+            <a:r>
+              <a:rPr lang="da-DK" dirty="0"/>
+              <a:t>Control flow</a:t>
+            </a:r>
+          </a:p>
+        </p:txBody>
+      </p:sp>
+      <p:sp>
+        <p:nvSpPr>
+          <p:cNvPr id="3" name="Content Placeholder 2">
+            <a:extLst>
+              <a:ext uri="{FF2B5EF4-FFF2-40B4-BE49-F238E27FC236}">
+                <a16:creationId xmlns:a16="http://schemas.microsoft.com/office/drawing/2014/main" id="{3C5B38D1-3128-5812-67B4-B5CF0BA50390}"/>
+              </a:ext>
+            </a:extLst>
+          </p:cNvPr>
+          <p:cNvSpPr>
+            <a:spLocks noGrp="1"/>
+          </p:cNvSpPr>
+          <p:nvPr>
+            <p:ph idx="1"/>
+          </p:nvPr>
+        </p:nvSpPr>
+        <p:spPr/>
+        <p:txBody>
+          <a:bodyPr/>
+          <a:lstStyle/>
+          <a:p>
+            <a:r>
+              <a:rPr lang="en-US" dirty="0"/>
+              <a:t>The else statement is paired with the if statement to handle the case where the condition specified in the if statement is false. If can be paired with else.</a:t>
+            </a:r>
+          </a:p>
+          <a:p>
+            <a:r>
+              <a:rPr lang="en-US" sz="1600" dirty="0" err="1">
+                <a:latin typeface="Lucida Console" panose="020B0609040504020204" pitchFamily="49" charset="0"/>
+              </a:rPr>
+              <a:t>myFunction</a:t>
+            </a:r>
+            <a:r>
+              <a:rPr lang="en-US" sz="1600" dirty="0">
+                <a:latin typeface="Lucida Console" panose="020B0609040504020204" pitchFamily="49" charset="0"/>
+              </a:rPr>
+              <a:t> = function(x) {</a:t>
+            </a:r>
+          </a:p>
+          <a:p>
+            <a:r>
+              <a:rPr lang="en-US" sz="1600" dirty="0">
+                <a:latin typeface="Lucida Console" panose="020B0609040504020204" pitchFamily="49" charset="0"/>
+              </a:rPr>
+              <a:t>  if(x &gt; 5) {</a:t>
+            </a:r>
+          </a:p>
+          <a:p>
+            <a:r>
+              <a:rPr lang="en-US" sz="1600" dirty="0">
+                <a:latin typeface="Lucida Console" panose="020B0609040504020204" pitchFamily="49" charset="0"/>
+              </a:rPr>
+              <a:t>    return("x is greater than 5")</a:t>
+            </a:r>
+          </a:p>
+          <a:p>
+            <a:r>
+              <a:rPr lang="en-US" sz="1600" dirty="0">
+                <a:latin typeface="Lucida Console" panose="020B0609040504020204" pitchFamily="49" charset="0"/>
+              </a:rPr>
+              <a:t>  } else if (x == 5) {</a:t>
+            </a:r>
+          </a:p>
+          <a:p>
+            <a:r>
+              <a:rPr lang="en-US" sz="1600" dirty="0">
+                <a:latin typeface="Lucida Console" panose="020B0609040504020204" pitchFamily="49" charset="0"/>
+              </a:rPr>
+              <a:t>    return("x is 5")</a:t>
+            </a:r>
+          </a:p>
+          <a:p>
+            <a:r>
+              <a:rPr lang="en-US" sz="1600" dirty="0">
+                <a:latin typeface="Lucida Console" panose="020B0609040504020204" pitchFamily="49" charset="0"/>
+              </a:rPr>
+              <a:t>  } else {</a:t>
+            </a:r>
+          </a:p>
+          <a:p>
+            <a:r>
+              <a:rPr lang="en-US" sz="1600" dirty="0">
+                <a:latin typeface="Lucida Console" panose="020B0609040504020204" pitchFamily="49" charset="0"/>
+              </a:rPr>
+              <a:t>    return("x less than 5")</a:t>
+            </a:r>
+          </a:p>
+          <a:p>
+            <a:r>
+              <a:rPr lang="en-US" sz="1600" dirty="0">
+                <a:latin typeface="Lucida Console" panose="020B0609040504020204" pitchFamily="49" charset="0"/>
+              </a:rPr>
+              <a:t>  }</a:t>
+            </a:r>
+          </a:p>
+          <a:p>
+            <a:r>
+              <a:rPr lang="en-US" sz="1600" dirty="0">
+                <a:latin typeface="Lucida Console" panose="020B0609040504020204" pitchFamily="49" charset="0"/>
+              </a:rPr>
+              <a:t>}</a:t>
+            </a:r>
+          </a:p>
+          <a:p>
+            <a:endParaRPr lang="en-US" dirty="0"/>
+          </a:p>
+          <a:p>
+            <a:r>
+              <a:rPr lang="en-US" dirty="0"/>
+              <a:t>If many conditions, use switch instead</a:t>
+            </a:r>
+            <a:endParaRPr lang="da-DK" dirty="0"/>
+          </a:p>
+        </p:txBody>
+      </p:sp>
+      <p:sp>
+        <p:nvSpPr>
+          <p:cNvPr id="4" name="Date Placeholder 3">
+            <a:extLst>
+              <a:ext uri="{FF2B5EF4-FFF2-40B4-BE49-F238E27FC236}">
+                <a16:creationId xmlns:a16="http://schemas.microsoft.com/office/drawing/2014/main" id="{725FC008-0CF0-22A2-8BCE-53DB921972E2}"/>
+              </a:ext>
+            </a:extLst>
+          </p:cNvPr>
+          <p:cNvSpPr>
+            <a:spLocks noGrp="1"/>
+          </p:cNvSpPr>
+          <p:nvPr>
+            <p:ph type="dt" sz="half" idx="10"/>
+          </p:nvPr>
+        </p:nvSpPr>
+        <p:spPr/>
+        <p:txBody>
+          <a:bodyPr/>
+          <a:lstStyle/>
+          <a:p>
+            <a:fld id="{1462DDB0-5516-429B-8397-9D1992890718}" type="datetime1">
+              <a:rPr lang="en-GB" smtClean="0"/>
+              <a:t>20/11/2023</a:t>
+            </a:fld>
+            <a:r>
+              <a:rPr lang="en-GB"/>
+              <a:t>07/11/2023</a:t>
+            </a:r>
+            <a:endParaRPr lang="en-GB" dirty="0"/>
+          </a:p>
+        </p:txBody>
+      </p:sp>
+      <p:sp>
+        <p:nvSpPr>
+          <p:cNvPr id="5" name="TextBox 4">
+            <a:extLst>
+              <a:ext uri="{FF2B5EF4-FFF2-40B4-BE49-F238E27FC236}">
+                <a16:creationId xmlns:a16="http://schemas.microsoft.com/office/drawing/2014/main" id="{BB60FB8B-24AA-D111-D60A-5467B3DDDFC0}"/>
+              </a:ext>
+            </a:extLst>
+          </p:cNvPr>
+          <p:cNvSpPr txBox="1"/>
+          <p:nvPr/>
+        </p:nvSpPr>
+        <p:spPr>
+          <a:xfrm>
+            <a:off x="6987496" y="2204864"/>
+            <a:ext cx="4895727" cy="4268861"/>
+          </a:xfrm>
+          <a:prstGeom prst="rect">
+            <a:avLst/>
+          </a:prstGeom>
+          <a:noFill/>
+        </p:spPr>
+        <p:txBody>
+          <a:bodyPr wrap="square" lIns="0" tIns="0" rIns="0" bIns="0" rtlCol="0">
+            <a:spAutoFit/>
+          </a:bodyPr>
+          <a:lstStyle/>
+          <a:p>
+            <a:pPr>
+              <a:lnSpc>
+                <a:spcPct val="95000"/>
+              </a:lnSpc>
+            </a:pPr>
+            <a:r>
+              <a:rPr lang="en-US" sz="1600" dirty="0" err="1">
+                <a:latin typeface="Lucida Console" panose="020B0609040504020204" pitchFamily="49" charset="0"/>
+              </a:rPr>
+              <a:t>centre</a:t>
+            </a:r>
+            <a:r>
+              <a:rPr lang="en-US" sz="1600" dirty="0">
+                <a:latin typeface="Lucida Console" panose="020B0609040504020204" pitchFamily="49" charset="0"/>
+              </a:rPr>
+              <a:t> = function(x, type) {</a:t>
+            </a:r>
+          </a:p>
+          <a:p>
+            <a:pPr>
+              <a:lnSpc>
+                <a:spcPct val="95000"/>
+              </a:lnSpc>
+            </a:pPr>
+            <a:r>
+              <a:rPr lang="en-US" sz="1600" dirty="0">
+                <a:latin typeface="Lucida Console" panose="020B0609040504020204" pitchFamily="49" charset="0"/>
+              </a:rPr>
+              <a:t>  switch(type,</a:t>
+            </a:r>
+          </a:p>
+          <a:p>
+            <a:pPr>
+              <a:lnSpc>
+                <a:spcPct val="95000"/>
+              </a:lnSpc>
+            </a:pPr>
+            <a:r>
+              <a:rPr lang="en-US" sz="1600" dirty="0">
+                <a:latin typeface="Lucida Console" panose="020B0609040504020204" pitchFamily="49" charset="0"/>
+              </a:rPr>
+              <a:t>         mean = mean(x),</a:t>
+            </a:r>
+          </a:p>
+          <a:p>
+            <a:pPr>
+              <a:lnSpc>
+                <a:spcPct val="95000"/>
+              </a:lnSpc>
+            </a:pPr>
+            <a:r>
+              <a:rPr lang="en-US" sz="1600" dirty="0">
+                <a:latin typeface="Lucida Console" panose="020B0609040504020204" pitchFamily="49" charset="0"/>
+              </a:rPr>
+              <a:t>         median = median(x),</a:t>
+            </a:r>
+          </a:p>
+          <a:p>
+            <a:pPr>
+              <a:lnSpc>
+                <a:spcPct val="95000"/>
+              </a:lnSpc>
+            </a:pPr>
+            <a:r>
+              <a:rPr lang="en-US" sz="1600" dirty="0">
+                <a:latin typeface="Lucida Console" panose="020B0609040504020204" pitchFamily="49" charset="0"/>
+              </a:rPr>
+              <a:t>         trimmed = mean(x, trim = .1))</a:t>
+            </a:r>
+          </a:p>
+          <a:p>
+            <a:pPr>
+              <a:lnSpc>
+                <a:spcPct val="95000"/>
+              </a:lnSpc>
+            </a:pPr>
+            <a:r>
+              <a:rPr lang="en-US" sz="1600" dirty="0">
+                <a:latin typeface="Lucida Console" panose="020B0609040504020204" pitchFamily="49" charset="0"/>
+              </a:rPr>
+              <a:t>}</a:t>
+            </a:r>
+          </a:p>
+          <a:p>
+            <a:pPr>
+              <a:lnSpc>
+                <a:spcPct val="95000"/>
+              </a:lnSpc>
+            </a:pPr>
+            <a:endParaRPr lang="en-US" sz="1600" dirty="0">
+              <a:latin typeface="Lucida Console" panose="020B0609040504020204" pitchFamily="49" charset="0"/>
+            </a:endParaRPr>
+          </a:p>
+          <a:p>
+            <a:pPr>
+              <a:lnSpc>
+                <a:spcPct val="95000"/>
+              </a:lnSpc>
+            </a:pPr>
+            <a:r>
+              <a:rPr lang="en-US" sz="2000" dirty="0">
+                <a:latin typeface="+mj-lt"/>
+              </a:rPr>
+              <a:t>Is the same as:</a:t>
+            </a:r>
+          </a:p>
+          <a:p>
+            <a:pPr>
+              <a:lnSpc>
+                <a:spcPct val="95000"/>
+              </a:lnSpc>
+            </a:pPr>
+            <a:r>
+              <a:rPr lang="en-US" sz="1600" dirty="0" err="1">
+                <a:latin typeface="Lucida Console" panose="020B0609040504020204" pitchFamily="49" charset="0"/>
+              </a:rPr>
+              <a:t>centre</a:t>
+            </a:r>
+            <a:r>
+              <a:rPr lang="en-US" sz="1600" dirty="0">
+                <a:latin typeface="Lucida Console" panose="020B0609040504020204" pitchFamily="49" charset="0"/>
+              </a:rPr>
+              <a:t> = function(x, type) {</a:t>
+            </a:r>
+          </a:p>
+          <a:p>
+            <a:pPr>
+              <a:lnSpc>
+                <a:spcPct val="95000"/>
+              </a:lnSpc>
+            </a:pPr>
+            <a:r>
+              <a:rPr lang="en-US" sz="1600" dirty="0">
+                <a:latin typeface="Lucida Console" panose="020B0609040504020204" pitchFamily="49" charset="0"/>
+              </a:rPr>
+              <a:t>  if (type == "mean") {</a:t>
+            </a:r>
+          </a:p>
+          <a:p>
+            <a:pPr>
+              <a:lnSpc>
+                <a:spcPct val="95000"/>
+              </a:lnSpc>
+            </a:pPr>
+            <a:r>
+              <a:rPr lang="en-US" sz="1600" dirty="0">
+                <a:latin typeface="Lucida Console" panose="020B0609040504020204" pitchFamily="49" charset="0"/>
+              </a:rPr>
+              <a:t>    return(mean(x))</a:t>
+            </a:r>
+          </a:p>
+          <a:p>
+            <a:pPr>
+              <a:lnSpc>
+                <a:spcPct val="95000"/>
+              </a:lnSpc>
+            </a:pPr>
+            <a:r>
+              <a:rPr lang="en-US" sz="1600" dirty="0">
+                <a:latin typeface="Lucida Console" panose="020B0609040504020204" pitchFamily="49" charset="0"/>
+              </a:rPr>
+              <a:t>  } else if (type == "median") {</a:t>
+            </a:r>
+          </a:p>
+          <a:p>
+            <a:pPr>
+              <a:lnSpc>
+                <a:spcPct val="95000"/>
+              </a:lnSpc>
+            </a:pPr>
+            <a:r>
+              <a:rPr lang="en-US" sz="1600" dirty="0">
+                <a:latin typeface="Lucida Console" panose="020B0609040504020204" pitchFamily="49" charset="0"/>
+              </a:rPr>
+              <a:t>    return(median(x))</a:t>
+            </a:r>
+          </a:p>
+          <a:p>
+            <a:pPr>
+              <a:lnSpc>
+                <a:spcPct val="95000"/>
+              </a:lnSpc>
+            </a:pPr>
+            <a:r>
+              <a:rPr lang="en-US" sz="1600" dirty="0">
+                <a:latin typeface="Lucida Console" panose="020B0609040504020204" pitchFamily="49" charset="0"/>
+              </a:rPr>
+              <a:t>  } else if (type == "trimmed") {</a:t>
+            </a:r>
+          </a:p>
+          <a:p>
+            <a:pPr>
+              <a:lnSpc>
+                <a:spcPct val="95000"/>
+              </a:lnSpc>
+            </a:pPr>
+            <a:r>
+              <a:rPr lang="en-US" sz="1600" dirty="0">
+                <a:latin typeface="Lucida Console" panose="020B0609040504020204" pitchFamily="49" charset="0"/>
+              </a:rPr>
+              <a:t>    return(mean(x, trim = .1))</a:t>
+            </a:r>
+          </a:p>
+          <a:p>
+            <a:pPr>
+              <a:lnSpc>
+                <a:spcPct val="95000"/>
+              </a:lnSpc>
+            </a:pPr>
+            <a:r>
+              <a:rPr lang="en-US" sz="1600" dirty="0">
+                <a:latin typeface="Lucida Console" panose="020B0609040504020204" pitchFamily="49" charset="0"/>
+              </a:rPr>
+              <a:t>  }</a:t>
+            </a:r>
+          </a:p>
+          <a:p>
+            <a:pPr>
+              <a:lnSpc>
+                <a:spcPct val="95000"/>
+              </a:lnSpc>
+            </a:pPr>
+            <a:r>
+              <a:rPr lang="en-US" sz="1600" dirty="0">
+                <a:latin typeface="Lucida Console" panose="020B0609040504020204" pitchFamily="49" charset="0"/>
+              </a:rPr>
+              <a:t>}</a:t>
+            </a:r>
+          </a:p>
+          <a:p>
+            <a:pPr>
+              <a:lnSpc>
+                <a:spcPct val="95000"/>
+              </a:lnSpc>
+            </a:pPr>
+            <a:endParaRPr lang="da-DK" sz="1600" dirty="0">
+              <a:latin typeface="Lucida Console" panose="020B0609040504020204" pitchFamily="49" charset="0"/>
+            </a:endParaRPr>
+          </a:p>
+        </p:txBody>
+      </p:sp>
+    </p:spTree>
+    <p:extLst>
+      <p:ext uri="{BB962C8B-B14F-4D97-AF65-F5344CB8AC3E}">
+        <p14:creationId xmlns:p14="http://schemas.microsoft.com/office/powerpoint/2010/main" val="1539290493"/>
+      </p:ext>
+    </p:extLst>
+  </p:cSld>
+  <p:clrMapOvr>
+    <a:masterClrMapping/>
+  </p:clrMapOvr>
+  <p:timing>
+    <p:tnLst>
+      <p:par>
+        <p:cTn id="1" dur="indefinite" restart="never" nodeType="tmRoot">
+          <p:childTnLst>
+            <p:seq concurrent="1" nextAc="seek">
+              <p:cTn id="2" dur="indefinite" nodeType="mainSeq">
+                <p:childTnLst>
+                  <p:par>
+                    <p:cTn id="3" fill="hold">
+                      <p:stCondLst>
+                        <p:cond delay="indefinite"/>
+                      </p:stCondLst>
+                      <p:childTnLst>
+                        <p:par>
+                          <p:cTn id="4" fill="hold">
+                            <p:stCondLst>
+                              <p:cond delay="0"/>
+                            </p:stCondLst>
+                            <p:childTnLst>
+                              <p:par>
+                                <p:cTn id="5" presetID="1" presetClass="entr" presetSubtype="0" fill="hold" nodeType="clickEffect">
+                                  <p:stCondLst>
+                                    <p:cond delay="0"/>
+                                  </p:stCondLst>
+                                  <p:childTnLst>
+                                    <p:set>
+                                      <p:cBhvr>
+                                        <p:cTn id="6" dur="1" fill="hold">
+                                          <p:stCondLst>
+                                            <p:cond delay="0"/>
+                                          </p:stCondLst>
+                                        </p:cTn>
+                                        <p:tgtEl>
+                                          <p:spTgt spid="3">
+                                            <p:txEl>
+                                              <p:pRg st="11" end="11"/>
+                                            </p:txEl>
+                                          </p:spTgt>
+                                        </p:tgtEl>
+                                        <p:attrNameLst>
+                                          <p:attrName>style.visibility</p:attrName>
+                                        </p:attrNameLst>
+                                      </p:cBhvr>
+                                      <p:to>
+                                        <p:strVal val="visible"/>
+                                      </p:to>
+                                    </p:set>
+                                  </p:childTnLst>
+                                </p:cTn>
+                              </p:par>
+                              <p:par>
+                                <p:cTn id="7" presetID="1" presetClass="entr" presetSubtype="0" fill="hold" grpId="0" nodeType="withEffect">
+                                  <p:stCondLst>
+                                    <p:cond delay="0"/>
+                                  </p:stCondLst>
+                                  <p:childTnLst>
+                                    <p:set>
+                                      <p:cBhvr>
+                                        <p:cTn id="8" dur="1" fill="hold">
+                                          <p:stCondLst>
+                                            <p:cond delay="0"/>
+                                          </p:stCondLst>
+                                        </p:cTn>
+                                        <p:tgtEl>
+                                          <p:spTgt spid="5"/>
+                                        </p:tgtEl>
+                                        <p:attrNameLst>
+                                          <p:attrName>style.visibility</p:attrName>
+                                        </p:attrNameLst>
+                                      </p:cBhvr>
+                                      <p:to>
+                                        <p:strVal val="visible"/>
+                                      </p:to>
+                                    </p:set>
+                                  </p:childTnLst>
+                                </p:cTn>
+                              </p:par>
+                            </p:childTnLst>
+                          </p:cTn>
+                        </p:par>
+                      </p:childTnLst>
+                    </p:cTn>
+                  </p:par>
+                </p:childTnLst>
+              </p:cTn>
+              <p:prevCondLst>
+                <p:cond evt="onPrev" delay="0">
+                  <p:tgtEl>
+                    <p:sldTgt/>
+                  </p:tgtEl>
+                </p:cond>
+              </p:prevCondLst>
+              <p:nextCondLst>
+                <p:cond evt="onNext" delay="0">
+                  <p:tgtEl>
+                    <p:sldTgt/>
+                  </p:tgtEl>
+                </p:cond>
+              </p:nextCondLst>
+            </p:seq>
+          </p:childTnLst>
+        </p:cTn>
+      </p:par>
+    </p:tnLst>
+    <p:bldLst>
+      <p:bldP spid="5" grpId="0"/>
+    </p:bldLst>
+  </p:timing>
+</p:sld>
+</file>
+
+<file path=ppt/slides/slide12.xml><?xml version="1.0" encoding="utf-8"?>
+<p:sld xmlns:a="http://schemas.openxmlformats.org/drawingml/2006/main" xmlns:r="http://schemas.openxmlformats.org/officeDocument/2006/relationships" xmlns:p="http://schemas.openxmlformats.org/presentationml/2006/main">
+  <p:cSld>
+    <p:spTree>
+      <p:nvGrpSpPr>
+        <p:cNvPr id="1" name=""/>
+        <p:cNvGrpSpPr/>
+        <p:nvPr/>
+      </p:nvGrpSpPr>
+      <p:grpSpPr>
+        <a:xfrm>
+          <a:off x="0" y="0"/>
+          <a:ext cx="0" cy="0"/>
+          <a:chOff x="0" y="0"/>
+          <a:chExt cx="0" cy="0"/>
+        </a:xfrm>
+      </p:grpSpPr>
+      <p:sp>
+        <p:nvSpPr>
+          <p:cNvPr id="2" name="Title 1">
+            <a:extLst>
+              <a:ext uri="{FF2B5EF4-FFF2-40B4-BE49-F238E27FC236}">
+                <a16:creationId xmlns:a16="http://schemas.microsoft.com/office/drawing/2014/main" id="{5A1248FF-DB0F-6076-EDAB-E3A14FE5BDAB}"/>
+              </a:ext>
+            </a:extLst>
+          </p:cNvPr>
+          <p:cNvSpPr>
+            <a:spLocks noGrp="1"/>
+          </p:cNvSpPr>
+          <p:nvPr>
+            <p:ph type="title"/>
+          </p:nvPr>
+        </p:nvSpPr>
+        <p:spPr/>
+        <p:txBody>
+          <a:bodyPr/>
+          <a:lstStyle/>
+          <a:p>
+            <a:r>
+              <a:rPr lang="en-US" dirty="0"/>
+              <a:t>Control flow</a:t>
+            </a:r>
+            <a:endParaRPr lang="da-DK" dirty="0"/>
+          </a:p>
+        </p:txBody>
+      </p:sp>
+      <p:sp>
+        <p:nvSpPr>
+          <p:cNvPr id="3" name="Content Placeholder 2">
+            <a:extLst>
+              <a:ext uri="{FF2B5EF4-FFF2-40B4-BE49-F238E27FC236}">
+                <a16:creationId xmlns:a16="http://schemas.microsoft.com/office/drawing/2014/main" id="{CF171E63-5B2E-FA5C-ABC2-A9D2499CFFA4}"/>
+              </a:ext>
+            </a:extLst>
+          </p:cNvPr>
+          <p:cNvSpPr>
+            <a:spLocks noGrp="1"/>
+          </p:cNvSpPr>
+          <p:nvPr>
+            <p:ph idx="1"/>
+          </p:nvPr>
+        </p:nvSpPr>
+        <p:spPr/>
+        <p:txBody>
+          <a:bodyPr/>
+          <a:lstStyle/>
+          <a:p>
+            <a:pPr marL="342900" indent="-342900">
+              <a:buFont typeface="Arial" panose="020B0604020202020204" pitchFamily="34" charset="0"/>
+              <a:buChar char="•"/>
+            </a:pPr>
+            <a:r>
+              <a:rPr lang="en-US" dirty="0"/>
+              <a:t>The break statement is used to prematurely exit a loop:</a:t>
+            </a:r>
+          </a:p>
+          <a:p>
+            <a:r>
+              <a:rPr lang="en-US" sz="1600" dirty="0">
+                <a:latin typeface="Lucida Console" panose="020B0609040504020204" pitchFamily="49" charset="0"/>
+              </a:rPr>
+              <a:t>for (</a:t>
+            </a:r>
+            <a:r>
+              <a:rPr lang="en-US" sz="1600" dirty="0" err="1">
+                <a:latin typeface="Lucida Console" panose="020B0609040504020204" pitchFamily="49" charset="0"/>
+              </a:rPr>
+              <a:t>i</a:t>
+            </a:r>
+            <a:r>
+              <a:rPr lang="en-US" sz="1600" dirty="0">
+                <a:latin typeface="Lucida Console" panose="020B0609040504020204" pitchFamily="49" charset="0"/>
+              </a:rPr>
+              <a:t> in -10:10) {</a:t>
+            </a:r>
+          </a:p>
+          <a:p>
+            <a:r>
+              <a:rPr lang="en-US" sz="1600" dirty="0">
+                <a:latin typeface="Lucida Console" panose="020B0609040504020204" pitchFamily="49" charset="0"/>
+              </a:rPr>
+              <a:t>  if (</a:t>
+            </a:r>
+            <a:r>
+              <a:rPr lang="en-US" sz="1600" dirty="0" err="1">
+                <a:latin typeface="Lucida Console" panose="020B0609040504020204" pitchFamily="49" charset="0"/>
+              </a:rPr>
+              <a:t>i</a:t>
+            </a:r>
+            <a:r>
+              <a:rPr lang="en-US" sz="1600" dirty="0">
+                <a:latin typeface="Lucida Console" panose="020B0609040504020204" pitchFamily="49" charset="0"/>
+              </a:rPr>
+              <a:t> == 0) {</a:t>
+            </a:r>
+          </a:p>
+          <a:p>
+            <a:r>
+              <a:rPr lang="en-US" sz="1600" dirty="0">
+                <a:latin typeface="Lucida Console" panose="020B0609040504020204" pitchFamily="49" charset="0"/>
+              </a:rPr>
+              <a:t>    break # Exit the loop</a:t>
+            </a:r>
+          </a:p>
+          <a:p>
+            <a:r>
+              <a:rPr lang="en-US" sz="1600" dirty="0">
+                <a:latin typeface="Lucida Console" panose="020B0609040504020204" pitchFamily="49" charset="0"/>
+              </a:rPr>
+              <a:t>    print(10/</a:t>
+            </a:r>
+            <a:r>
+              <a:rPr lang="en-US" sz="1600" dirty="0" err="1">
+                <a:latin typeface="Lucida Console" panose="020B0609040504020204" pitchFamily="49" charset="0"/>
+              </a:rPr>
+              <a:t>i</a:t>
+            </a:r>
+            <a:r>
+              <a:rPr lang="en-US" sz="1600" dirty="0">
+                <a:latin typeface="Lucida Console" panose="020B0609040504020204" pitchFamily="49" charset="0"/>
+              </a:rPr>
+              <a:t>)</a:t>
+            </a:r>
+          </a:p>
+          <a:p>
+            <a:r>
+              <a:rPr lang="en-US" sz="1600" dirty="0">
+                <a:latin typeface="Lucida Console" panose="020B0609040504020204" pitchFamily="49" charset="0"/>
+              </a:rPr>
+              <a:t>  }</a:t>
+            </a:r>
+          </a:p>
+          <a:p>
+            <a:r>
+              <a:rPr lang="en-US" sz="1600" dirty="0">
+                <a:latin typeface="Lucida Console" panose="020B0609040504020204" pitchFamily="49" charset="0"/>
+              </a:rPr>
+              <a:t>}</a:t>
+            </a:r>
+          </a:p>
+          <a:p>
+            <a:pPr marL="342900" indent="-342900">
+              <a:buFont typeface="Arial" panose="020B0604020202020204" pitchFamily="34" charset="0"/>
+              <a:buChar char="•"/>
+            </a:pPr>
+            <a:r>
+              <a:rPr lang="en-US" dirty="0"/>
+              <a:t>The next statement is used within loops to skip the remaining code for the current iteration and move on to the next one</a:t>
+            </a:r>
+          </a:p>
+          <a:p>
+            <a:r>
+              <a:rPr lang="en-US" sz="1600" dirty="0">
+                <a:latin typeface="Lucida Console" panose="020B0609040504020204" pitchFamily="49" charset="0"/>
+              </a:rPr>
+              <a:t>for (</a:t>
+            </a:r>
+            <a:r>
+              <a:rPr lang="en-US" sz="1600" dirty="0" err="1">
+                <a:latin typeface="Lucida Console" panose="020B0609040504020204" pitchFamily="49" charset="0"/>
+              </a:rPr>
+              <a:t>i</a:t>
+            </a:r>
+            <a:r>
+              <a:rPr lang="en-US" sz="1600" dirty="0">
+                <a:latin typeface="Lucida Console" panose="020B0609040504020204" pitchFamily="49" charset="0"/>
+              </a:rPr>
+              <a:t> in -10:10) {</a:t>
+            </a:r>
+          </a:p>
+          <a:p>
+            <a:r>
+              <a:rPr lang="en-US" sz="1600" dirty="0">
+                <a:latin typeface="Lucida Console" panose="020B0609040504020204" pitchFamily="49" charset="0"/>
+              </a:rPr>
+              <a:t>  if (</a:t>
+            </a:r>
+            <a:r>
+              <a:rPr lang="en-US" sz="1600" dirty="0" err="1">
+                <a:latin typeface="Lucida Console" panose="020B0609040504020204" pitchFamily="49" charset="0"/>
+              </a:rPr>
+              <a:t>i</a:t>
+            </a:r>
+            <a:r>
+              <a:rPr lang="en-US" sz="1600" dirty="0">
+                <a:latin typeface="Lucida Console" panose="020B0609040504020204" pitchFamily="49" charset="0"/>
+              </a:rPr>
+              <a:t> == 0) {</a:t>
+            </a:r>
+          </a:p>
+          <a:p>
+            <a:r>
+              <a:rPr lang="en-US" sz="1600" dirty="0">
+                <a:latin typeface="Lucida Console" panose="020B0609040504020204" pitchFamily="49" charset="0"/>
+              </a:rPr>
+              <a:t>    next # Skip this number</a:t>
+            </a:r>
+          </a:p>
+          <a:p>
+            <a:r>
+              <a:rPr lang="en-US" sz="1600" dirty="0">
+                <a:latin typeface="Lucida Console" panose="020B0609040504020204" pitchFamily="49" charset="0"/>
+              </a:rPr>
+              <a:t>    print(10/</a:t>
+            </a:r>
+            <a:r>
+              <a:rPr lang="en-US" sz="1600" dirty="0" err="1">
+                <a:latin typeface="Lucida Console" panose="020B0609040504020204" pitchFamily="49" charset="0"/>
+              </a:rPr>
+              <a:t>i</a:t>
+            </a:r>
+            <a:r>
+              <a:rPr lang="en-US" sz="1600" dirty="0">
+                <a:latin typeface="Lucida Console" panose="020B0609040504020204" pitchFamily="49" charset="0"/>
+              </a:rPr>
+              <a:t>)</a:t>
+            </a:r>
+          </a:p>
+          <a:p>
+            <a:r>
+              <a:rPr lang="en-US" sz="1600" dirty="0">
+                <a:latin typeface="Lucida Console" panose="020B0609040504020204" pitchFamily="49" charset="0"/>
+              </a:rPr>
+              <a:t>  }</a:t>
+            </a:r>
+          </a:p>
+          <a:p>
+            <a:r>
+              <a:rPr lang="en-US" sz="1600" dirty="0">
+                <a:latin typeface="Lucida Console" panose="020B0609040504020204" pitchFamily="49" charset="0"/>
+              </a:rPr>
+              <a:t>}</a:t>
+            </a:r>
+          </a:p>
+          <a:p>
+            <a:pPr>
+              <a:buNone/>
+            </a:pPr>
+            <a:endParaRPr lang="da-DK" dirty="0"/>
+          </a:p>
+        </p:txBody>
+      </p:sp>
+      <p:sp>
+        <p:nvSpPr>
+          <p:cNvPr id="4" name="Date Placeholder 3">
+            <a:extLst>
+              <a:ext uri="{FF2B5EF4-FFF2-40B4-BE49-F238E27FC236}">
+                <a16:creationId xmlns:a16="http://schemas.microsoft.com/office/drawing/2014/main" id="{C2209A65-42F6-B9D4-ECF6-41AB70F788B7}"/>
+              </a:ext>
+            </a:extLst>
+          </p:cNvPr>
+          <p:cNvSpPr>
+            <a:spLocks noGrp="1"/>
+          </p:cNvSpPr>
+          <p:nvPr>
+            <p:ph type="dt" sz="half" idx="10"/>
+          </p:nvPr>
+        </p:nvSpPr>
+        <p:spPr/>
+        <p:txBody>
+          <a:bodyPr/>
+          <a:lstStyle/>
+          <a:p>
+            <a:fld id="{91539E5F-DD1A-46A4-8C1B-89E9A768A829}" type="datetime1">
+              <a:rPr lang="en-GB" smtClean="0"/>
+              <a:t>20/11/2023</a:t>
+            </a:fld>
+            <a:r>
+              <a:rPr lang="en-GB"/>
+              <a:t>07/11/2023</a:t>
+            </a:r>
+            <a:endParaRPr lang="en-GB" dirty="0"/>
+          </a:p>
+        </p:txBody>
+      </p:sp>
+    </p:spTree>
+    <p:extLst>
+      <p:ext uri="{BB962C8B-B14F-4D97-AF65-F5344CB8AC3E}">
+        <p14:creationId xmlns:p14="http://schemas.microsoft.com/office/powerpoint/2010/main" val="1028691698"/>
+      </p:ext>
+    </p:extLst>
+  </p:cSld>
+  <p:clrMapOvr>
+    <a:masterClrMapping/>
+  </p:clrMapOvr>
+  <p:timing>
+    <p:tnLst>
+      <p:par>
+        <p:cTn id="1" dur="indefinite" restart="never" nodeType="tmRoot">
+          <p:childTnLst>
+            <p:seq concurrent="1" nextAc="seek">
+              <p:cTn id="2" dur="indefinite" nodeType="mainSeq">
+                <p:childTnLst>
+                  <p:par>
+                    <p:cTn id="3" fill="hold">
+                      <p:stCondLst>
+                        <p:cond delay="indefinite"/>
+                      </p:stCondLst>
+                      <p:childTnLst>
+                        <p:par>
+                          <p:cTn id="4" fill="hold">
+                            <p:stCondLst>
+                              <p:cond delay="0"/>
+                            </p:stCondLst>
+                            <p:childTnLst>
+                              <p:par>
+                                <p:cTn id="5" presetID="1" presetClass="entr" presetSubtype="0" fill="hold" nodeType="clickEffect">
+                                  <p:stCondLst>
+                                    <p:cond delay="0"/>
+                                  </p:stCondLst>
+                                  <p:childTnLst>
+                                    <p:set>
+                                      <p:cBhvr>
+                                        <p:cTn id="6" dur="1" fill="hold">
+                                          <p:stCondLst>
+                                            <p:cond delay="0"/>
+                                          </p:stCondLst>
+                                        </p:cTn>
+                                        <p:tgtEl>
+                                          <p:spTgt spid="3">
+                                            <p:txEl>
+                                              <p:pRg st="7" end="7"/>
+                                            </p:txEl>
+                                          </p:spTgt>
+                                        </p:tgtEl>
+                                        <p:attrNameLst>
+                                          <p:attrName>style.visibility</p:attrName>
+                                        </p:attrNameLst>
+                                      </p:cBhvr>
+                                      <p:to>
+                                        <p:strVal val="visible"/>
+                                      </p:to>
+                                    </p:set>
+                                  </p:childTnLst>
+                                </p:cTn>
+                              </p:par>
+                              <p:par>
+                                <p:cTn id="7" presetID="1" presetClass="entr" presetSubtype="0" fill="hold" nodeType="withEffect">
+                                  <p:stCondLst>
+                                    <p:cond delay="0"/>
+                                  </p:stCondLst>
+                                  <p:childTnLst>
+                                    <p:set>
+                                      <p:cBhvr>
+                                        <p:cTn id="8" dur="1" fill="hold">
+                                          <p:stCondLst>
+                                            <p:cond delay="0"/>
+                                          </p:stCondLst>
+                                        </p:cTn>
+                                        <p:tgtEl>
+                                          <p:spTgt spid="3">
+                                            <p:txEl>
+                                              <p:pRg st="8" end="8"/>
+                                            </p:txEl>
+                                          </p:spTgt>
+                                        </p:tgtEl>
+                                        <p:attrNameLst>
+                                          <p:attrName>style.visibility</p:attrName>
+                                        </p:attrNameLst>
+                                      </p:cBhvr>
+                                      <p:to>
+                                        <p:strVal val="visible"/>
+                                      </p:to>
+                                    </p:set>
+                                  </p:childTnLst>
+                                </p:cTn>
+                              </p:par>
+                              <p:par>
+                                <p:cTn id="9" presetID="1" presetClass="entr" presetSubtype="0" fill="hold" nodeType="withEffect">
+                                  <p:stCondLst>
+                                    <p:cond delay="0"/>
+                                  </p:stCondLst>
+                                  <p:childTnLst>
+                                    <p:set>
+                                      <p:cBhvr>
+                                        <p:cTn id="10" dur="1" fill="hold">
+                                          <p:stCondLst>
+                                            <p:cond delay="0"/>
+                                          </p:stCondLst>
+                                        </p:cTn>
+                                        <p:tgtEl>
+                                          <p:spTgt spid="3">
+                                            <p:txEl>
+                                              <p:pRg st="9" end="9"/>
+                                            </p:txEl>
+                                          </p:spTgt>
+                                        </p:tgtEl>
+                                        <p:attrNameLst>
+                                          <p:attrName>style.visibility</p:attrName>
+                                        </p:attrNameLst>
+                                      </p:cBhvr>
+                                      <p:to>
+                                        <p:strVal val="visible"/>
+                                      </p:to>
+                                    </p:set>
+                                  </p:childTnLst>
+                                </p:cTn>
+                              </p:par>
+                              <p:par>
+                                <p:cTn id="11" presetID="1" presetClass="entr" presetSubtype="0" fill="hold" nodeType="withEffect">
+                                  <p:stCondLst>
+                                    <p:cond delay="0"/>
+                                  </p:stCondLst>
+                                  <p:childTnLst>
+                                    <p:set>
+                                      <p:cBhvr>
+                                        <p:cTn id="12" dur="1" fill="hold">
+                                          <p:stCondLst>
+                                            <p:cond delay="0"/>
+                                          </p:stCondLst>
+                                        </p:cTn>
+                                        <p:tgtEl>
+                                          <p:spTgt spid="3">
+                                            <p:txEl>
+                                              <p:pRg st="10" end="10"/>
+                                            </p:txEl>
+                                          </p:spTgt>
+                                        </p:tgtEl>
+                                        <p:attrNameLst>
+                                          <p:attrName>style.visibility</p:attrName>
+                                        </p:attrNameLst>
+                                      </p:cBhvr>
+                                      <p:to>
+                                        <p:strVal val="visible"/>
+                                      </p:to>
+                                    </p:set>
+                                  </p:childTnLst>
+                                </p:cTn>
+                              </p:par>
+                              <p:par>
+                                <p:cTn id="13" presetID="1" presetClass="entr" presetSubtype="0" fill="hold" nodeType="withEffect">
+                                  <p:stCondLst>
+                                    <p:cond delay="0"/>
+                                  </p:stCondLst>
+                                  <p:childTnLst>
+                                    <p:set>
+                                      <p:cBhvr>
+                                        <p:cTn id="14" dur="1" fill="hold">
+                                          <p:stCondLst>
+                                            <p:cond delay="0"/>
+                                          </p:stCondLst>
+                                        </p:cTn>
+                                        <p:tgtEl>
+                                          <p:spTgt spid="3">
+                                            <p:txEl>
+                                              <p:pRg st="11" end="11"/>
+                                            </p:txEl>
+                                          </p:spTgt>
+                                        </p:tgtEl>
+                                        <p:attrNameLst>
+                                          <p:attrName>style.visibility</p:attrName>
+                                        </p:attrNameLst>
+                                      </p:cBhvr>
+                                      <p:to>
+                                        <p:strVal val="visible"/>
+                                      </p:to>
+                                    </p:set>
+                                  </p:childTnLst>
+                                </p:cTn>
+                              </p:par>
+                              <p:par>
+                                <p:cTn id="15" presetID="1" presetClass="entr" presetSubtype="0" fill="hold" nodeType="withEffect">
+                                  <p:stCondLst>
+                                    <p:cond delay="0"/>
+                                  </p:stCondLst>
+                                  <p:childTnLst>
+                                    <p:set>
+                                      <p:cBhvr>
+                                        <p:cTn id="16" dur="1" fill="hold">
+                                          <p:stCondLst>
+                                            <p:cond delay="0"/>
+                                          </p:stCondLst>
+                                        </p:cTn>
+                                        <p:tgtEl>
+                                          <p:spTgt spid="3">
+                                            <p:txEl>
+                                              <p:pRg st="12" end="12"/>
+                                            </p:txEl>
+                                          </p:spTgt>
+                                        </p:tgtEl>
+                                        <p:attrNameLst>
+                                          <p:attrName>style.visibility</p:attrName>
+                                        </p:attrNameLst>
+                                      </p:cBhvr>
+                                      <p:to>
+                                        <p:strVal val="visible"/>
+                                      </p:to>
+                                    </p:set>
+                                  </p:childTnLst>
+                                </p:cTn>
+                              </p:par>
+                              <p:par>
+                                <p:cTn id="17" presetID="1" presetClass="entr" presetSubtype="0" fill="hold" nodeType="withEffect">
+                                  <p:stCondLst>
+                                    <p:cond delay="0"/>
+                                  </p:stCondLst>
+                                  <p:childTnLst>
+                                    <p:set>
+                                      <p:cBhvr>
+                                        <p:cTn id="18" dur="1" fill="hold">
+                                          <p:stCondLst>
+                                            <p:cond delay="0"/>
+                                          </p:stCondLst>
+                                        </p:cTn>
+                                        <p:tgtEl>
+                                          <p:spTgt spid="3">
+                                            <p:txEl>
+                                              <p:pRg st="13" end="13"/>
+                                            </p:txEl>
+                                          </p:spTgt>
+                                        </p:tgtEl>
+                                        <p:attrNameLst>
+                                          <p:attrName>style.visibility</p:attrName>
+                                        </p:attrNameLst>
+                                      </p:cBhvr>
+                                      <p:to>
+                                        <p:strVal val="visible"/>
+                                      </p:to>
+                                    </p:set>
+                                  </p:childTnLst>
+                                </p:cTn>
+                              </p:par>
+                            </p:childTnLst>
+                          </p:cTn>
+                        </p:par>
+                      </p:childTnLst>
+                    </p:cTn>
+                  </p:par>
+                </p:childTnLst>
+              </p:cTn>
+              <p:prevCondLst>
+                <p:cond evt="onPrev" delay="0">
+                  <p:tgtEl>
+                    <p:sldTgt/>
+                  </p:tgtEl>
+                </p:cond>
+              </p:prevCondLst>
+              <p:nextCondLst>
+                <p:cond evt="onNext" delay="0">
+                  <p:tgtEl>
+                    <p:sldTgt/>
+                  </p:tgtEl>
+                </p:cond>
+              </p:nextCondLst>
+            </p:seq>
+          </p:childTnLst>
+        </p:cTn>
+      </p:par>
+    </p:tnLst>
+  </p:timing>
+</p:sld>
+</file>
+
+<file path=ppt/slides/slide13.xml><?xml version="1.0" encoding="utf-8"?>
+<p:sld xmlns:a="http://schemas.openxmlformats.org/drawingml/2006/main" xmlns:r="http://schemas.openxmlformats.org/officeDocument/2006/relationships" xmlns:p="http://schemas.openxmlformats.org/presentationml/2006/main">
+  <p:cSld>
+    <p:spTree>
+      <p:nvGrpSpPr>
+        <p:cNvPr id="1" name=""/>
+        <p:cNvGrpSpPr/>
+        <p:nvPr/>
+      </p:nvGrpSpPr>
+      <p:grpSpPr>
+        <a:xfrm>
+          <a:off x="0" y="0"/>
+          <a:ext cx="0" cy="0"/>
+          <a:chOff x="0" y="0"/>
+          <a:chExt cx="0" cy="0"/>
+        </a:xfrm>
+      </p:grpSpPr>
+      <p:sp>
+        <p:nvSpPr>
+          <p:cNvPr id="2" name="Title 1">
+            <a:extLst>
+              <a:ext uri="{FF2B5EF4-FFF2-40B4-BE49-F238E27FC236}">
+                <a16:creationId xmlns:a16="http://schemas.microsoft.com/office/drawing/2014/main" id="{5A1248FF-DB0F-6076-EDAB-E3A14FE5BDAB}"/>
+              </a:ext>
+            </a:extLst>
+          </p:cNvPr>
+          <p:cNvSpPr>
+            <a:spLocks noGrp="1"/>
+          </p:cNvSpPr>
+          <p:nvPr>
+            <p:ph type="title"/>
+          </p:nvPr>
+        </p:nvSpPr>
+        <p:spPr/>
+        <p:txBody>
+          <a:bodyPr/>
+          <a:lstStyle/>
+          <a:p>
+            <a:r>
+              <a:rPr lang="en-US" dirty="0"/>
+              <a:t>Control flow</a:t>
+            </a:r>
+            <a:endParaRPr lang="da-DK" dirty="0"/>
+          </a:p>
+        </p:txBody>
+      </p:sp>
+      <p:sp>
+        <p:nvSpPr>
+          <p:cNvPr id="3" name="Content Placeholder 2">
+            <a:extLst>
+              <a:ext uri="{FF2B5EF4-FFF2-40B4-BE49-F238E27FC236}">
+                <a16:creationId xmlns:a16="http://schemas.microsoft.com/office/drawing/2014/main" id="{CF171E63-5B2E-FA5C-ABC2-A9D2499CFFA4}"/>
+              </a:ext>
+            </a:extLst>
+          </p:cNvPr>
+          <p:cNvSpPr>
+            <a:spLocks noGrp="1"/>
+          </p:cNvSpPr>
+          <p:nvPr>
+            <p:ph idx="1"/>
+          </p:nvPr>
+        </p:nvSpPr>
+        <p:spPr/>
+        <p:txBody>
+          <a:bodyPr/>
+          <a:lstStyle/>
+          <a:p>
+            <a:pPr marL="342900" indent="-342900">
+              <a:buFont typeface="Arial" panose="020B0604020202020204" pitchFamily="34" charset="0"/>
+              <a:buChar char="•"/>
+            </a:pPr>
+            <a:r>
+              <a:rPr lang="en-US" dirty="0"/>
+              <a:t>The break statement is used to prematurely exit a loop:</a:t>
+            </a:r>
+          </a:p>
+          <a:p>
+            <a:r>
+              <a:rPr lang="en-US" sz="1600" dirty="0">
+                <a:latin typeface="Lucida Console" panose="020B0609040504020204" pitchFamily="49" charset="0"/>
+              </a:rPr>
+              <a:t>for (</a:t>
+            </a:r>
+            <a:r>
+              <a:rPr lang="en-US" sz="1600" dirty="0" err="1">
+                <a:latin typeface="Lucida Console" panose="020B0609040504020204" pitchFamily="49" charset="0"/>
+              </a:rPr>
+              <a:t>i</a:t>
+            </a:r>
+            <a:r>
+              <a:rPr lang="en-US" sz="1600" dirty="0">
+                <a:latin typeface="Lucida Console" panose="020B0609040504020204" pitchFamily="49" charset="0"/>
+              </a:rPr>
+              <a:t> in -10:10) {</a:t>
+            </a:r>
+          </a:p>
+          <a:p>
+            <a:r>
+              <a:rPr lang="en-US" sz="1600" dirty="0">
+                <a:latin typeface="Lucida Console" panose="020B0609040504020204" pitchFamily="49" charset="0"/>
+              </a:rPr>
+              <a:t>  if (</a:t>
+            </a:r>
+            <a:r>
+              <a:rPr lang="en-US" sz="1600" dirty="0" err="1">
+                <a:latin typeface="Lucida Console" panose="020B0609040504020204" pitchFamily="49" charset="0"/>
+              </a:rPr>
+              <a:t>i</a:t>
+            </a:r>
+            <a:r>
+              <a:rPr lang="en-US" sz="1600" dirty="0">
+                <a:latin typeface="Lucida Console" panose="020B0609040504020204" pitchFamily="49" charset="0"/>
+              </a:rPr>
+              <a:t> == 0) {</a:t>
+            </a:r>
+          </a:p>
+          <a:p>
+            <a:r>
+              <a:rPr lang="en-US" sz="1600" dirty="0">
+                <a:latin typeface="Lucida Console" panose="020B0609040504020204" pitchFamily="49" charset="0"/>
+              </a:rPr>
+              <a:t>    stop("</a:t>
+            </a:r>
+            <a:r>
+              <a:rPr lang="en-US" sz="1600" dirty="0" err="1">
+                <a:latin typeface="Lucida Console" panose="020B0609040504020204" pitchFamily="49" charset="0"/>
+              </a:rPr>
+              <a:t>i</a:t>
+            </a:r>
+            <a:r>
+              <a:rPr lang="en-US" sz="1600" dirty="0">
+                <a:latin typeface="Lucida Console" panose="020B0609040504020204" pitchFamily="49" charset="0"/>
+              </a:rPr>
+              <a:t> cannot be zero!") # Stops execution and prints the message</a:t>
+            </a:r>
+          </a:p>
+          <a:p>
+            <a:r>
+              <a:rPr lang="en-US" sz="1600" dirty="0">
+                <a:latin typeface="Lucida Console" panose="020B0609040504020204" pitchFamily="49" charset="0"/>
+              </a:rPr>
+              <a:t>    print(10/</a:t>
+            </a:r>
+            <a:r>
+              <a:rPr lang="en-US" sz="1600" dirty="0" err="1">
+                <a:latin typeface="Lucida Console" panose="020B0609040504020204" pitchFamily="49" charset="0"/>
+              </a:rPr>
+              <a:t>i</a:t>
+            </a:r>
+            <a:r>
+              <a:rPr lang="en-US" sz="1600" dirty="0">
+                <a:latin typeface="Lucida Console" panose="020B0609040504020204" pitchFamily="49" charset="0"/>
+              </a:rPr>
+              <a:t>)</a:t>
+            </a:r>
+          </a:p>
+          <a:p>
+            <a:r>
+              <a:rPr lang="en-US" sz="1600" dirty="0">
+                <a:latin typeface="Lucida Console" panose="020B0609040504020204" pitchFamily="49" charset="0"/>
+              </a:rPr>
+              <a:t>  }</a:t>
+            </a:r>
+          </a:p>
+          <a:p>
+            <a:r>
+              <a:rPr lang="en-US" sz="1600" dirty="0">
+                <a:latin typeface="Lucida Console" panose="020B0609040504020204" pitchFamily="49" charset="0"/>
+              </a:rPr>
+              <a:t>}</a:t>
+            </a:r>
+          </a:p>
+          <a:p>
+            <a:pPr>
+              <a:buNone/>
+            </a:pPr>
+            <a:endParaRPr lang="da-DK" dirty="0"/>
+          </a:p>
+        </p:txBody>
+      </p:sp>
+      <p:sp>
+        <p:nvSpPr>
+          <p:cNvPr id="4" name="Date Placeholder 3">
+            <a:extLst>
+              <a:ext uri="{FF2B5EF4-FFF2-40B4-BE49-F238E27FC236}">
+                <a16:creationId xmlns:a16="http://schemas.microsoft.com/office/drawing/2014/main" id="{C2209A65-42F6-B9D4-ECF6-41AB70F788B7}"/>
+              </a:ext>
+            </a:extLst>
+          </p:cNvPr>
+          <p:cNvSpPr>
+            <a:spLocks noGrp="1"/>
+          </p:cNvSpPr>
+          <p:nvPr>
+            <p:ph type="dt" sz="half" idx="10"/>
+          </p:nvPr>
+        </p:nvSpPr>
+        <p:spPr/>
+        <p:txBody>
+          <a:bodyPr/>
+          <a:lstStyle/>
+          <a:p>
+            <a:fld id="{91539E5F-DD1A-46A4-8C1B-89E9A768A829}" type="datetime1">
+              <a:rPr lang="en-GB" smtClean="0"/>
+              <a:t>20/11/2023</a:t>
+            </a:fld>
+            <a:r>
+              <a:rPr lang="en-GB"/>
+              <a:t>07/11/2023</a:t>
+            </a:r>
+            <a:endParaRPr lang="en-GB" dirty="0"/>
+          </a:p>
+        </p:txBody>
+      </p:sp>
+    </p:spTree>
+    <p:extLst>
+      <p:ext uri="{BB962C8B-B14F-4D97-AF65-F5344CB8AC3E}">
+        <p14:creationId xmlns:p14="http://schemas.microsoft.com/office/powerpoint/2010/main" val="2532278233"/>
+      </p:ext>
+    </p:extLst>
+  </p:cSld>
+  <p:clrMapOvr>
+    <a:masterClrMapping/>
+  </p:clrMapOvr>
+  <p:timing>
+    <p:tnLst>
+      <p:par>
+        <p:cTn id="1" dur="indefinite" restart="never" nodeType="tmRoot">
+          <p:childTnLst>
+            <p:seq concurrent="1" nextAc="seek">
+              <p:cTn id="2" dur="indefinite" nodeType="mainSeq">
+                <p:childTnLst>
+                  <p:par>
+                    <p:cTn id="3" fill="hold">
+                      <p:stCondLst>
+                        <p:cond delay="indefinite"/>
+                        <p:cond evt="onBegin" delay="0">
+                          <p:tn val="2"/>
+                        </p:cond>
+                      </p:stCondLst>
+                      <p:childTnLst>
+                        <p:par>
+                          <p:cTn id="4" fill="hold">
+                            <p:stCondLst>
+                              <p:cond delay="0"/>
+                            </p:stCondLst>
+                            <p:childTnLst>
+                              <p:par>
+                                <p:cTn id="5" presetID="1" presetClass="entr" presetSubtype="0" fill="hold" nodeType="withEffect">
+                                  <p:stCondLst>
+                                    <p:cond delay="0"/>
+                                  </p:stCondLst>
+                                  <p:childTnLst>
+                                    <p:set>
+                                      <p:cBhvr>
+                                        <p:cTn id="6" dur="1" fill="hold">
+                                          <p:stCondLst>
+                                            <p:cond delay="0"/>
+                                          </p:stCondLst>
+                                        </p:cTn>
+                                        <p:tgtEl>
+                                          <p:spTgt spid="3">
+                                            <p:txEl>
+                                              <p:pRg st="1" end="1"/>
+                                            </p:txEl>
+                                          </p:spTgt>
+                                        </p:tgtEl>
+                                        <p:attrNameLst>
+                                          <p:attrName>style.visibility</p:attrName>
+                                        </p:attrNameLst>
+                                      </p:cBhvr>
+                                      <p:to>
+                                        <p:strVal val="visible"/>
+                                      </p:to>
+                                    </p:set>
+                                  </p:childTnLst>
+                                </p:cTn>
+                              </p:par>
+                              <p:par>
+                                <p:cTn id="7" presetID="1" presetClass="entr" presetSubtype="0" fill="hold" nodeType="withEffect">
+                                  <p:stCondLst>
+                                    <p:cond delay="0"/>
+                                  </p:stCondLst>
+                                  <p:childTnLst>
+                                    <p:set>
+                                      <p:cBhvr>
+                                        <p:cTn id="8" dur="1" fill="hold">
+                                          <p:stCondLst>
+                                            <p:cond delay="0"/>
+                                          </p:stCondLst>
+                                        </p:cTn>
+                                        <p:tgtEl>
+                                          <p:spTgt spid="3">
+                                            <p:txEl>
+                                              <p:pRg st="2" end="2"/>
+                                            </p:txEl>
+                                          </p:spTgt>
+                                        </p:tgtEl>
+                                        <p:attrNameLst>
+                                          <p:attrName>style.visibility</p:attrName>
+                                        </p:attrNameLst>
+                                      </p:cBhvr>
+                                      <p:to>
+                                        <p:strVal val="visible"/>
+                                      </p:to>
+                                    </p:set>
+                                  </p:childTnLst>
+                                </p:cTn>
+                              </p:par>
+                              <p:par>
+                                <p:cTn id="9" presetID="1" presetClass="entr" presetSubtype="0" fill="hold" nodeType="withEffect">
+                                  <p:stCondLst>
+                                    <p:cond delay="0"/>
+                                  </p:stCondLst>
+                                  <p:childTnLst>
+                                    <p:set>
+                                      <p:cBhvr>
+                                        <p:cTn id="10" dur="1" fill="hold">
+                                          <p:stCondLst>
+                                            <p:cond delay="0"/>
+                                          </p:stCondLst>
+                                        </p:cTn>
+                                        <p:tgtEl>
+                                          <p:spTgt spid="3">
+                                            <p:txEl>
+                                              <p:pRg st="3" end="3"/>
+                                            </p:txEl>
+                                          </p:spTgt>
+                                        </p:tgtEl>
+                                        <p:attrNameLst>
+                                          <p:attrName>style.visibility</p:attrName>
+                                        </p:attrNameLst>
+                                      </p:cBhvr>
+                                      <p:to>
+                                        <p:strVal val="visible"/>
+                                      </p:to>
+                                    </p:set>
+                                  </p:childTnLst>
+                                </p:cTn>
+                              </p:par>
+                              <p:par>
+                                <p:cTn id="11" presetID="1" presetClass="entr" presetSubtype="0" fill="hold" nodeType="withEffect">
+                                  <p:stCondLst>
+                                    <p:cond delay="0"/>
+                                  </p:stCondLst>
+                                  <p:childTnLst>
+                                    <p:set>
+                                      <p:cBhvr>
+                                        <p:cTn id="12" dur="1" fill="hold">
+                                          <p:stCondLst>
+                                            <p:cond delay="0"/>
+                                          </p:stCondLst>
+                                        </p:cTn>
+                                        <p:tgtEl>
+                                          <p:spTgt spid="3">
+                                            <p:txEl>
+                                              <p:pRg st="4" end="4"/>
+                                            </p:txEl>
+                                          </p:spTgt>
+                                        </p:tgtEl>
+                                        <p:attrNameLst>
+                                          <p:attrName>style.visibility</p:attrName>
+                                        </p:attrNameLst>
+                                      </p:cBhvr>
+                                      <p:to>
+                                        <p:strVal val="visible"/>
+                                      </p:to>
+                                    </p:set>
+                                  </p:childTnLst>
+                                </p:cTn>
+                              </p:par>
+                              <p:par>
+                                <p:cTn id="13" presetID="1" presetClass="entr" presetSubtype="0" fill="hold" nodeType="withEffect">
+                                  <p:stCondLst>
+                                    <p:cond delay="0"/>
+                                  </p:stCondLst>
+                                  <p:childTnLst>
+                                    <p:set>
+                                      <p:cBhvr>
+                                        <p:cTn id="14" dur="1" fill="hold">
+                                          <p:stCondLst>
+                                            <p:cond delay="0"/>
+                                          </p:stCondLst>
+                                        </p:cTn>
+                                        <p:tgtEl>
+                                          <p:spTgt spid="3">
+                                            <p:txEl>
+                                              <p:pRg st="5" end="5"/>
+                                            </p:txEl>
+                                          </p:spTgt>
+                                        </p:tgtEl>
+                                        <p:attrNameLst>
+                                          <p:attrName>style.visibility</p:attrName>
+                                        </p:attrNameLst>
+                                      </p:cBhvr>
+                                      <p:to>
+                                        <p:strVal val="visible"/>
+                                      </p:to>
+                                    </p:set>
+                                  </p:childTnLst>
+                                </p:cTn>
+                              </p:par>
+                              <p:par>
+                                <p:cTn id="15" presetID="1" presetClass="entr" presetSubtype="0" fill="hold" nodeType="withEffect">
+                                  <p:stCondLst>
+                                    <p:cond delay="0"/>
+                                  </p:stCondLst>
+                                  <p:childTnLst>
+                                    <p:set>
+                                      <p:cBhvr>
+                                        <p:cTn id="16" dur="1" fill="hold">
+                                          <p:stCondLst>
+                                            <p:cond delay="0"/>
+                                          </p:stCondLst>
+                                        </p:cTn>
+                                        <p:tgtEl>
+                                          <p:spTgt spid="3">
+                                            <p:txEl>
+                                              <p:pRg st="6" end="6"/>
+                                            </p:txEl>
+                                          </p:spTgt>
+                                        </p:tgtEl>
+                                        <p:attrNameLst>
+                                          <p:attrName>style.visibility</p:attrName>
+                                        </p:attrNameLst>
+                                      </p:cBhvr>
+                                      <p:to>
+                                        <p:strVal val="visible"/>
+                                      </p:to>
+                                    </p:set>
+                                  </p:childTnLst>
+                                </p:cTn>
+                              </p:par>
+                            </p:childTnLst>
+                          </p:cTn>
+                        </p:par>
+                      </p:childTnLst>
+                    </p:cTn>
+                  </p:par>
+                </p:childTnLst>
+              </p:cTn>
+              <p:prevCondLst>
+                <p:cond evt="onPrev" delay="0">
+                  <p:tgtEl>
+                    <p:sldTgt/>
+                  </p:tgtEl>
+                </p:cond>
+              </p:prevCondLst>
+              <p:nextCondLst>
+                <p:cond evt="onNext" delay="0">
+                  <p:tgtEl>
+                    <p:sldTgt/>
+                  </p:tgtEl>
+                </p:cond>
+              </p:nextCondLst>
+            </p:seq>
+          </p:childTnLst>
+        </p:cTn>
+      </p:par>
+    </p:tnLst>
+  </p:timing>
+</p:sld>
+</file>
+
+<file path=ppt/slides/slide14.xml><?xml version="1.0" encoding="utf-8"?>
+<p:sld xmlns:a="http://schemas.openxmlformats.org/drawingml/2006/main" xmlns:r="http://schemas.openxmlformats.org/officeDocument/2006/relationships" xmlns:p="http://schemas.openxmlformats.org/presentationml/2006/main">
+  <p:cSld>
+    <p:spTree>
+      <p:nvGrpSpPr>
+        <p:cNvPr id="1" name=""/>
+        <p:cNvGrpSpPr/>
+        <p:nvPr/>
+      </p:nvGrpSpPr>
+      <p:grpSpPr>
+        <a:xfrm>
+          <a:off x="0" y="0"/>
+          <a:ext cx="0" cy="0"/>
+          <a:chOff x="0" y="0"/>
+          <a:chExt cx="0" cy="0"/>
+        </a:xfrm>
+      </p:grpSpPr>
+      <p:sp>
+        <p:nvSpPr>
+          <p:cNvPr id="2" name="Title 1">
+            <a:extLst>
+              <a:ext uri="{FF2B5EF4-FFF2-40B4-BE49-F238E27FC236}">
+                <a16:creationId xmlns:a16="http://schemas.microsoft.com/office/drawing/2014/main" id="{8198E2B0-6F49-F1DF-2E4D-7A469B1D2E3C}"/>
+              </a:ext>
+            </a:extLst>
+          </p:cNvPr>
+          <p:cNvSpPr>
+            <a:spLocks noGrp="1"/>
+          </p:cNvSpPr>
+          <p:nvPr>
+            <p:ph type="title"/>
+          </p:nvPr>
+        </p:nvSpPr>
+        <p:spPr/>
+        <p:txBody>
+          <a:bodyPr/>
+          <a:lstStyle/>
+          <a:p>
+            <a:r>
+              <a:rPr lang="en-US" dirty="0"/>
+              <a:t>Group task – writing functions</a:t>
+            </a:r>
+            <a:endParaRPr lang="da-DK" dirty="0"/>
+          </a:p>
+        </p:txBody>
+      </p:sp>
+      <p:sp>
+        <p:nvSpPr>
+          <p:cNvPr id="3" name="Content Placeholder 2">
+            <a:extLst>
+              <a:ext uri="{FF2B5EF4-FFF2-40B4-BE49-F238E27FC236}">
+                <a16:creationId xmlns:a16="http://schemas.microsoft.com/office/drawing/2014/main" id="{6827349D-830F-544B-A011-0E4FA55E96B4}"/>
+              </a:ext>
+            </a:extLst>
+          </p:cNvPr>
+          <p:cNvSpPr>
+            <a:spLocks noGrp="1"/>
+          </p:cNvSpPr>
+          <p:nvPr>
+            <p:ph idx="1"/>
+          </p:nvPr>
+        </p:nvSpPr>
+        <p:spPr>
+          <a:xfrm>
+            <a:off x="985838" y="1373021"/>
+            <a:ext cx="9789093" cy="752101"/>
+          </a:xfrm>
+        </p:spPr>
+        <p:txBody>
+          <a:bodyPr/>
+          <a:lstStyle/>
+          <a:p>
+            <a:r>
+              <a:rPr lang="en-US" dirty="0"/>
+              <a:t>1) open ./MOMAR/02_files/02_functions_part2.R</a:t>
+            </a:r>
+          </a:p>
+          <a:p>
+            <a:r>
+              <a:rPr lang="en-US" dirty="0"/>
+              <a:t>2) in small groups, try to write the body of the indicated functions</a:t>
+            </a:r>
+          </a:p>
+          <a:p>
+            <a:endParaRPr lang="en-US" dirty="0"/>
+          </a:p>
+          <a:p>
+            <a:endParaRPr lang="da-DK" dirty="0"/>
+          </a:p>
+        </p:txBody>
+      </p:sp>
+      <p:sp>
+        <p:nvSpPr>
+          <p:cNvPr id="4" name="Date Placeholder 3">
+            <a:extLst>
+              <a:ext uri="{FF2B5EF4-FFF2-40B4-BE49-F238E27FC236}">
+                <a16:creationId xmlns:a16="http://schemas.microsoft.com/office/drawing/2014/main" id="{66C4E607-BB75-0880-0065-F2F146B772D0}"/>
+              </a:ext>
+            </a:extLst>
+          </p:cNvPr>
+          <p:cNvSpPr>
+            <a:spLocks noGrp="1"/>
+          </p:cNvSpPr>
+          <p:nvPr>
+            <p:ph type="dt" sz="half" idx="10"/>
+          </p:nvPr>
+        </p:nvSpPr>
+        <p:spPr/>
+        <p:txBody>
+          <a:bodyPr/>
+          <a:lstStyle/>
+          <a:p>
+            <a:fld id="{638DA670-DA22-4F3D-8A0F-EFE97634B4C8}" type="datetime1">
+              <a:rPr lang="en-GB" smtClean="0"/>
+              <a:t>20/11/2023</a:t>
+            </a:fld>
+            <a:r>
+              <a:rPr lang="en-GB" dirty="0"/>
+              <a:t>07/11/2023</a:t>
+            </a:r>
+          </a:p>
+        </p:txBody>
+      </p:sp>
+      <p:sp>
+        <p:nvSpPr>
+          <p:cNvPr id="5" name="Content Placeholder 2">
+            <a:extLst>
+              <a:ext uri="{FF2B5EF4-FFF2-40B4-BE49-F238E27FC236}">
+                <a16:creationId xmlns:a16="http://schemas.microsoft.com/office/drawing/2014/main" id="{9249ED41-AEA4-06B1-E8DB-6D1DEA1AA277}"/>
+              </a:ext>
+            </a:extLst>
+          </p:cNvPr>
+          <p:cNvSpPr txBox="1">
+            <a:spLocks/>
+          </p:cNvSpPr>
+          <p:nvPr/>
+        </p:nvSpPr>
+        <p:spPr bwMode="auto">
+          <a:xfrm>
+            <a:off x="985839" y="2348880"/>
+            <a:ext cx="10581578" cy="3744416"/>
+          </a:xfrm>
+          <a:prstGeom prst="rect">
+            <a:avLst/>
+          </a:prstGeom>
+          <a:noFill/>
+          <a:ln w="9525">
+            <a:noFill/>
+            <a:miter lim="800000"/>
+            <a:headEnd/>
+            <a:tailEnd/>
+          </a:ln>
+        </p:spPr>
+        <p:txBody>
+          <a:bodyPr vert="horz" wrap="square" lIns="0" tIns="0" rIns="0" bIns="0" numCol="1" anchor="t" anchorCtr="0" compatLnSpc="1">
+            <a:prstTxWarp prst="textNoShape">
+              <a:avLst/>
+            </a:prstTxWarp>
+          </a:bodyPr>
+          <a:lstStyle>
+            <a:lvl1pPr marL="0" indent="0" algn="l" rtl="0" eaLnBrk="1" fontAlgn="base" hangingPunct="1">
+              <a:lnSpc>
+                <a:spcPct val="99000"/>
+              </a:lnSpc>
+              <a:spcBef>
+                <a:spcPts val="600"/>
+              </a:spcBef>
+              <a:spcAft>
+                <a:spcPct val="0"/>
+              </a:spcAft>
+              <a:buClr>
+                <a:schemeClr val="tx1"/>
+              </a:buClr>
+              <a:buSzPct val="100000"/>
+              <a:buFont typeface="Calibri" panose="020F0502020204030204" pitchFamily="34" charset="0"/>
+              <a:buChar char="​"/>
+              <a:defRPr sz="2000" b="0">
+                <a:solidFill>
+                  <a:schemeClr val="tx1"/>
+                </a:solidFill>
+                <a:latin typeface="+mn-lt"/>
+                <a:ea typeface="+mn-ea"/>
+                <a:cs typeface="+mn-cs"/>
+              </a:defRPr>
+            </a:lvl1pPr>
+            <a:lvl2pPr marL="432000" indent="-180000" algn="l" rtl="0" eaLnBrk="1" fontAlgn="base" hangingPunct="1">
+              <a:lnSpc>
+                <a:spcPct val="99000"/>
+              </a:lnSpc>
+              <a:spcBef>
+                <a:spcPts val="600"/>
+              </a:spcBef>
+              <a:spcAft>
+                <a:spcPct val="0"/>
+              </a:spcAft>
+              <a:buClr>
+                <a:schemeClr val="tx1"/>
+              </a:buClr>
+              <a:buSzPct val="100000"/>
+              <a:buFont typeface="Arial" panose="020B0604020202020204" pitchFamily="34" charset="0"/>
+              <a:buChar char="•"/>
+              <a:defRPr sz="2000">
+                <a:solidFill>
+                  <a:schemeClr val="tx1"/>
+                </a:solidFill>
+                <a:latin typeface="+mn-lt"/>
+              </a:defRPr>
+            </a:lvl2pPr>
+            <a:lvl3pPr marL="756000" indent="-180000" algn="l" rtl="0" eaLnBrk="1" fontAlgn="base" hangingPunct="1">
+              <a:lnSpc>
+                <a:spcPct val="99000"/>
+              </a:lnSpc>
+              <a:spcBef>
+                <a:spcPts val="600"/>
+              </a:spcBef>
+              <a:spcAft>
+                <a:spcPct val="0"/>
+              </a:spcAft>
+              <a:buClr>
+                <a:schemeClr val="tx1"/>
+              </a:buClr>
+              <a:buSzPct val="100000"/>
+              <a:buFont typeface="Arial" panose="020B0604020202020204" pitchFamily="34" charset="0"/>
+              <a:buChar char="•"/>
+              <a:defRPr sz="2000">
+                <a:solidFill>
+                  <a:schemeClr val="tx1"/>
+                </a:solidFill>
+                <a:latin typeface="+mn-lt"/>
+              </a:defRPr>
+            </a:lvl3pPr>
+            <a:lvl4pPr marL="1152000" indent="-180000" algn="l" rtl="0" eaLnBrk="1" fontAlgn="base" hangingPunct="1">
+              <a:lnSpc>
+                <a:spcPct val="99000"/>
+              </a:lnSpc>
+              <a:spcBef>
+                <a:spcPts val="600"/>
+              </a:spcBef>
+              <a:spcAft>
+                <a:spcPct val="0"/>
+              </a:spcAft>
+              <a:buClr>
+                <a:schemeClr val="tx1"/>
+              </a:buClr>
+              <a:buSzPct val="100000"/>
+              <a:buFont typeface="Arial" panose="020B0604020202020204" pitchFamily="34" charset="0"/>
+              <a:buChar char="•"/>
+              <a:defRPr sz="2000">
+                <a:solidFill>
+                  <a:schemeClr val="tx1"/>
+                </a:solidFill>
+                <a:latin typeface="+mn-lt"/>
+              </a:defRPr>
+            </a:lvl4pPr>
+            <a:lvl5pPr marL="1512000" indent="-180000" algn="l" rtl="0" eaLnBrk="1" fontAlgn="base" hangingPunct="1">
+              <a:lnSpc>
+                <a:spcPct val="99000"/>
+              </a:lnSpc>
+              <a:spcBef>
+                <a:spcPts val="600"/>
+              </a:spcBef>
+              <a:spcAft>
+                <a:spcPct val="0"/>
+              </a:spcAft>
+              <a:buClr>
+                <a:schemeClr val="tx1"/>
+              </a:buClr>
+              <a:buSzPct val="100000"/>
+              <a:buFont typeface="Arial" panose="020B0604020202020204" pitchFamily="34" charset="0"/>
+              <a:buChar char="•"/>
+              <a:defRPr sz="2000">
+                <a:solidFill>
+                  <a:schemeClr val="tx1"/>
+                </a:solidFill>
+                <a:latin typeface="+mn-lt"/>
+              </a:defRPr>
+            </a:lvl5pPr>
+            <a:lvl6pPr marL="1836000" indent="-180000" algn="l" rtl="0" eaLnBrk="1" fontAlgn="base" hangingPunct="1">
+              <a:lnSpc>
+                <a:spcPct val="99000"/>
+              </a:lnSpc>
+              <a:spcBef>
+                <a:spcPts val="600"/>
+              </a:spcBef>
+              <a:spcAft>
+                <a:spcPct val="0"/>
+              </a:spcAft>
+              <a:buClr>
+                <a:schemeClr val="tx1"/>
+              </a:buClr>
+              <a:buFont typeface="Arial" panose="020B0604020202020204" pitchFamily="34" charset="0"/>
+              <a:buChar char="•"/>
+              <a:defRPr sz="2000">
+                <a:solidFill>
+                  <a:schemeClr val="tx1"/>
+                </a:solidFill>
+                <a:latin typeface="+mn-lt"/>
+              </a:defRPr>
+            </a:lvl6pPr>
+            <a:lvl7pPr marL="1836000" indent="-180000" algn="l" rtl="0" eaLnBrk="1" fontAlgn="base" hangingPunct="1">
+              <a:lnSpc>
+                <a:spcPct val="99000"/>
+              </a:lnSpc>
+              <a:spcBef>
+                <a:spcPts val="600"/>
+              </a:spcBef>
+              <a:spcAft>
+                <a:spcPct val="0"/>
+              </a:spcAft>
+              <a:buClr>
+                <a:schemeClr val="tx1"/>
+              </a:buClr>
+              <a:buFont typeface="Arial" panose="020B0604020202020204" pitchFamily="34" charset="0"/>
+              <a:buChar char="•"/>
+              <a:defRPr sz="2000">
+                <a:solidFill>
+                  <a:schemeClr val="tx1"/>
+                </a:solidFill>
+                <a:latin typeface="+mn-lt"/>
+              </a:defRPr>
+            </a:lvl7pPr>
+            <a:lvl8pPr marL="1836000" indent="-180000" algn="l" rtl="0" eaLnBrk="1" fontAlgn="base" hangingPunct="1">
+              <a:lnSpc>
+                <a:spcPct val="99000"/>
+              </a:lnSpc>
+              <a:spcBef>
+                <a:spcPts val="600"/>
+              </a:spcBef>
+              <a:spcAft>
+                <a:spcPct val="0"/>
+              </a:spcAft>
+              <a:buClr>
+                <a:schemeClr val="tx1"/>
+              </a:buClr>
+              <a:buFont typeface="Arial" panose="020B0604020202020204" pitchFamily="34" charset="0"/>
+              <a:buChar char="•"/>
+              <a:defRPr sz="2000">
+                <a:solidFill>
+                  <a:schemeClr val="tx1"/>
+                </a:solidFill>
+                <a:latin typeface="+mn-lt"/>
+              </a:defRPr>
+            </a:lvl8pPr>
+            <a:lvl9pPr marL="1836000" indent="-180000" algn="l" rtl="0" eaLnBrk="1" fontAlgn="base" hangingPunct="1">
+              <a:lnSpc>
+                <a:spcPct val="99000"/>
+              </a:lnSpc>
+              <a:spcBef>
+                <a:spcPts val="600"/>
+              </a:spcBef>
+              <a:spcAft>
+                <a:spcPct val="0"/>
+              </a:spcAft>
+              <a:buClr>
+                <a:schemeClr val="tx1"/>
+              </a:buClr>
+              <a:buFont typeface="Arial" panose="020B0604020202020204" pitchFamily="34" charset="0"/>
+              <a:buChar char="•"/>
+              <a:defRPr sz="2000">
+                <a:solidFill>
+                  <a:schemeClr val="tx1"/>
+                </a:solidFill>
+                <a:latin typeface="+mn-lt"/>
+              </a:defRPr>
+            </a:lvl9pPr>
+          </a:lstStyle>
+          <a:p>
+            <a:r>
+              <a:rPr lang="en-US" sz="1200" kern="0" dirty="0">
+                <a:latin typeface="Lucida Console" panose="020B0609040504020204" pitchFamily="49" charset="0"/>
+              </a:rPr>
+              <a:t>if: Conditional statement for decision-making in code.</a:t>
+            </a:r>
+          </a:p>
+          <a:p>
+            <a:r>
+              <a:rPr lang="en-US" sz="1200" kern="0" dirty="0">
+                <a:latin typeface="Lucida Console" panose="020B0609040504020204" pitchFamily="49" charset="0"/>
+              </a:rPr>
+              <a:t>Example: if (condition) { code }</a:t>
+            </a:r>
+          </a:p>
+          <a:p>
+            <a:endParaRPr lang="en-US" sz="1200" kern="0" dirty="0">
+              <a:latin typeface="Lucida Console" panose="020B0609040504020204" pitchFamily="49" charset="0"/>
+            </a:endParaRPr>
+          </a:p>
+          <a:p>
+            <a:r>
+              <a:rPr lang="en-US" sz="1200" kern="0" dirty="0">
+                <a:latin typeface="Lucida Console" panose="020B0609040504020204" pitchFamily="49" charset="0"/>
+              </a:rPr>
+              <a:t>else: Alternative code block for false condition in an if statement.</a:t>
+            </a:r>
+          </a:p>
+          <a:p>
+            <a:r>
+              <a:rPr lang="en-US" sz="1200" kern="0" dirty="0">
+                <a:latin typeface="Lucida Console" panose="020B0609040504020204" pitchFamily="49" charset="0"/>
+              </a:rPr>
+              <a:t>Example: if (condition) { code } else { </a:t>
+            </a:r>
+            <a:r>
+              <a:rPr lang="en-US" sz="1200" kern="0" dirty="0" err="1">
+                <a:latin typeface="Lucida Console" panose="020B0609040504020204" pitchFamily="49" charset="0"/>
+              </a:rPr>
+              <a:t>alternative_code</a:t>
+            </a:r>
+            <a:r>
+              <a:rPr lang="en-US" sz="1200" kern="0" dirty="0">
+                <a:latin typeface="Lucida Console" panose="020B0609040504020204" pitchFamily="49" charset="0"/>
+              </a:rPr>
+              <a:t> }</a:t>
+            </a:r>
+          </a:p>
+          <a:p>
+            <a:endParaRPr lang="en-US" sz="1200" kern="0" dirty="0">
+              <a:latin typeface="Lucida Console" panose="020B0609040504020204" pitchFamily="49" charset="0"/>
+            </a:endParaRPr>
+          </a:p>
+          <a:p>
+            <a:r>
+              <a:rPr lang="en-US" sz="1200" kern="0" dirty="0">
+                <a:latin typeface="Lucida Console" panose="020B0609040504020204" pitchFamily="49" charset="0"/>
+              </a:rPr>
+              <a:t>break: Exit a loop prematurely, terminating its execution.</a:t>
+            </a:r>
+          </a:p>
+          <a:p>
+            <a:r>
+              <a:rPr lang="en-US" sz="1200" kern="0" dirty="0">
+                <a:latin typeface="Lucida Console" panose="020B0609040504020204" pitchFamily="49" charset="0"/>
+              </a:rPr>
+              <a:t>Example: for (</a:t>
+            </a:r>
+            <a:r>
+              <a:rPr lang="en-US" sz="1200" kern="0" dirty="0" err="1">
+                <a:latin typeface="Lucida Console" panose="020B0609040504020204" pitchFamily="49" charset="0"/>
+              </a:rPr>
+              <a:t>i</a:t>
+            </a:r>
+            <a:r>
+              <a:rPr lang="en-US" sz="1200" kern="0" dirty="0">
+                <a:latin typeface="Lucida Console" panose="020B0609040504020204" pitchFamily="49" charset="0"/>
+              </a:rPr>
+              <a:t> in 1:10) { if (</a:t>
+            </a:r>
+            <a:r>
+              <a:rPr lang="en-US" sz="1200" kern="0" dirty="0" err="1">
+                <a:latin typeface="Lucida Console" panose="020B0609040504020204" pitchFamily="49" charset="0"/>
+              </a:rPr>
+              <a:t>i</a:t>
+            </a:r>
+            <a:r>
+              <a:rPr lang="en-US" sz="1200" kern="0" dirty="0">
+                <a:latin typeface="Lucida Console" panose="020B0609040504020204" pitchFamily="49" charset="0"/>
+              </a:rPr>
+              <a:t> == 5) { break } }</a:t>
+            </a:r>
+          </a:p>
+          <a:p>
+            <a:endParaRPr lang="en-US" sz="1200" kern="0" dirty="0">
+              <a:latin typeface="Lucida Console" panose="020B0609040504020204" pitchFamily="49" charset="0"/>
+            </a:endParaRPr>
+          </a:p>
+          <a:p>
+            <a:r>
+              <a:rPr lang="en-US" sz="1200" kern="0" dirty="0">
+                <a:latin typeface="Lucida Console" panose="020B0609040504020204" pitchFamily="49" charset="0"/>
+              </a:rPr>
+              <a:t>next: Skip the rest of the current iteration in a loop.</a:t>
+            </a:r>
+          </a:p>
+          <a:p>
+            <a:r>
+              <a:rPr lang="en-US" sz="1200" kern="0" dirty="0">
+                <a:latin typeface="Lucida Console" panose="020B0609040504020204" pitchFamily="49" charset="0"/>
+              </a:rPr>
+              <a:t>Example: for (</a:t>
+            </a:r>
+            <a:r>
+              <a:rPr lang="en-US" sz="1200" kern="0" dirty="0" err="1">
+                <a:latin typeface="Lucida Console" panose="020B0609040504020204" pitchFamily="49" charset="0"/>
+              </a:rPr>
+              <a:t>i</a:t>
+            </a:r>
+            <a:r>
+              <a:rPr lang="en-US" sz="1200" kern="0" dirty="0">
+                <a:latin typeface="Lucida Console" panose="020B0609040504020204" pitchFamily="49" charset="0"/>
+              </a:rPr>
+              <a:t> in 1:10) { if (</a:t>
+            </a:r>
+            <a:r>
+              <a:rPr lang="en-US" sz="1200" kern="0" dirty="0" err="1">
+                <a:latin typeface="Lucida Console" panose="020B0609040504020204" pitchFamily="49" charset="0"/>
+              </a:rPr>
+              <a:t>i</a:t>
+            </a:r>
+            <a:r>
+              <a:rPr lang="en-US" sz="1200" kern="0" dirty="0">
+                <a:latin typeface="Lucida Console" panose="020B0609040504020204" pitchFamily="49" charset="0"/>
+              </a:rPr>
+              <a:t> == 0) { next } }</a:t>
+            </a:r>
+          </a:p>
+          <a:p>
+            <a:endParaRPr lang="en-US" sz="1200" kern="0" dirty="0">
+              <a:latin typeface="Lucida Console" panose="020B0609040504020204" pitchFamily="49" charset="0"/>
+            </a:endParaRPr>
+          </a:p>
+          <a:p>
+            <a:r>
+              <a:rPr lang="en-US" sz="1200" kern="0" dirty="0">
+                <a:latin typeface="Lucida Console" panose="020B0609040504020204" pitchFamily="49" charset="0"/>
+              </a:rPr>
+              <a:t>stop: Halt function execution, generating an error message.</a:t>
+            </a:r>
+          </a:p>
+          <a:p>
+            <a:r>
+              <a:rPr lang="en-US" sz="1200" kern="0" dirty="0">
+                <a:latin typeface="Lucida Console" panose="020B0609040504020204" pitchFamily="49" charset="0"/>
+              </a:rPr>
+              <a:t>Example: if (</a:t>
+            </a:r>
+            <a:r>
+              <a:rPr lang="en-US" sz="1200" kern="0" dirty="0" err="1">
+                <a:latin typeface="Lucida Console" panose="020B0609040504020204" pitchFamily="49" charset="0"/>
+              </a:rPr>
+              <a:t>error_condition</a:t>
+            </a:r>
+            <a:r>
+              <a:rPr lang="en-US" sz="1200" kern="0" dirty="0">
+                <a:latin typeface="Lucida Console" panose="020B0609040504020204" pitchFamily="49" charset="0"/>
+              </a:rPr>
+              <a:t>) { stop("Error message.") }</a:t>
+            </a:r>
+            <a:endParaRPr lang="da-DK" sz="1200" kern="0" dirty="0">
+              <a:latin typeface="Lucida Console" panose="020B0609040504020204" pitchFamily="49" charset="0"/>
+            </a:endParaRPr>
+          </a:p>
+        </p:txBody>
+      </p:sp>
+    </p:spTree>
+    <p:extLst>
+      <p:ext uri="{BB962C8B-B14F-4D97-AF65-F5344CB8AC3E}">
+        <p14:creationId xmlns:p14="http://schemas.microsoft.com/office/powerpoint/2010/main" val="2911838739"/>
+      </p:ext>
+    </p:extLst>
+  </p:cSld>
+  <p:clrMapOvr>
+    <a:masterClrMapping/>
+  </p:clrMapOvr>
+</p:sld>
+</file>
+
+<file path=ppt/slides/slide15.xml><?xml version="1.0" encoding="utf-8"?>
+<p:sld xmlns:a="http://schemas.openxmlformats.org/drawingml/2006/main" xmlns:r="http://schemas.openxmlformats.org/officeDocument/2006/relationships" xmlns:p="http://schemas.openxmlformats.org/presentationml/2006/main">
+  <p:cSld>
+    <p:spTree>
+      <p:nvGrpSpPr>
+        <p:cNvPr id="1" name=""/>
+        <p:cNvGrpSpPr/>
+        <p:nvPr/>
+      </p:nvGrpSpPr>
+      <p:grpSpPr>
+        <a:xfrm>
+          <a:off x="0" y="0"/>
+          <a:ext cx="0" cy="0"/>
+          <a:chOff x="0" y="0"/>
+          <a:chExt cx="0" cy="0"/>
+        </a:xfrm>
+      </p:grpSpPr>
+      <p:sp>
+        <p:nvSpPr>
+          <p:cNvPr id="2" name="Title 1">
+            <a:extLst>
+              <a:ext uri="{FF2B5EF4-FFF2-40B4-BE49-F238E27FC236}">
+                <a16:creationId xmlns:a16="http://schemas.microsoft.com/office/drawing/2014/main" id="{CB1DDA07-408A-104A-E3C9-3F0B4F4DC692}"/>
+              </a:ext>
+            </a:extLst>
+          </p:cNvPr>
+          <p:cNvSpPr>
+            <a:spLocks noGrp="1"/>
+          </p:cNvSpPr>
+          <p:nvPr>
+            <p:ph type="title"/>
+          </p:nvPr>
+        </p:nvSpPr>
+        <p:spPr/>
+        <p:txBody>
+          <a:bodyPr/>
+          <a:lstStyle/>
+          <a:p>
+            <a:r>
+              <a:rPr lang="en-US" dirty="0"/>
+              <a:t>Debugging</a:t>
+            </a:r>
+            <a:endParaRPr lang="da-DK" dirty="0"/>
+          </a:p>
+        </p:txBody>
+      </p:sp>
+      <p:sp>
+        <p:nvSpPr>
+          <p:cNvPr id="3" name="Content Placeholder 2">
+            <a:extLst>
+              <a:ext uri="{FF2B5EF4-FFF2-40B4-BE49-F238E27FC236}">
+                <a16:creationId xmlns:a16="http://schemas.microsoft.com/office/drawing/2014/main" id="{27BBE1F7-0BA2-402E-BBB9-A54CF1A156B7}"/>
+              </a:ext>
+            </a:extLst>
+          </p:cNvPr>
+          <p:cNvSpPr>
+            <a:spLocks noGrp="1"/>
+          </p:cNvSpPr>
+          <p:nvPr>
+            <p:ph idx="1"/>
+          </p:nvPr>
+        </p:nvSpPr>
+        <p:spPr/>
+        <p:txBody>
+          <a:bodyPr/>
+          <a:lstStyle/>
+          <a:p>
+            <a:r>
+              <a:rPr lang="en-US" dirty="0"/>
+              <a:t>1) open ./MOMA R/Understanding R/01_files/01_debug.R</a:t>
+            </a:r>
+          </a:p>
+          <a:p>
+            <a:endParaRPr lang="da-DK" dirty="0"/>
+          </a:p>
+        </p:txBody>
+      </p:sp>
+      <p:sp>
+        <p:nvSpPr>
+          <p:cNvPr id="4" name="Date Placeholder 3">
+            <a:extLst>
+              <a:ext uri="{FF2B5EF4-FFF2-40B4-BE49-F238E27FC236}">
+                <a16:creationId xmlns:a16="http://schemas.microsoft.com/office/drawing/2014/main" id="{204954D6-38EE-F000-60EE-A9CBA1784614}"/>
+              </a:ext>
+            </a:extLst>
+          </p:cNvPr>
+          <p:cNvSpPr>
+            <a:spLocks noGrp="1"/>
+          </p:cNvSpPr>
+          <p:nvPr>
+            <p:ph type="dt" sz="half" idx="10"/>
+          </p:nvPr>
+        </p:nvSpPr>
+        <p:spPr/>
+        <p:txBody>
+          <a:bodyPr/>
+          <a:lstStyle/>
+          <a:p>
+            <a:fld id="{FB1A12EF-4D31-47C4-8B07-E3C83309B782}" type="datetime1">
+              <a:rPr lang="en-GB" smtClean="0"/>
+              <a:t>20/11/2023</a:t>
+            </a:fld>
+            <a:r>
+              <a:rPr lang="en-GB"/>
+              <a:t>07/11/2023</a:t>
+            </a:r>
+            <a:endParaRPr lang="en-GB" dirty="0"/>
+          </a:p>
+        </p:txBody>
+      </p:sp>
+    </p:spTree>
+    <p:extLst>
+      <p:ext uri="{BB962C8B-B14F-4D97-AF65-F5344CB8AC3E}">
+        <p14:creationId xmlns:p14="http://schemas.microsoft.com/office/powerpoint/2010/main" val="3815178459"/>
+      </p:ext>
+    </p:extLst>
+  </p:cSld>
+  <p:clrMapOvr>
+    <a:masterClrMapping/>
+  </p:clrMapOvr>
+</p:sld>
+</file>
+
 <file path=ppt/slides/slide2.xml><?xml version="1.0" encoding="utf-8"?>
 <p:sld xmlns:a="http://schemas.openxmlformats.org/drawingml/2006/main" xmlns:r="http://schemas.openxmlformats.org/officeDocument/2006/relationships" xmlns:p="http://schemas.openxmlformats.org/presentationml/2006/main">
   <p:cSld>
@@ -10024,8 +12524,8 @@
               <a:buChar char="•"/>
             </a:pPr>
             <a:r>
-              <a:rPr lang="en-GB"/>
-              <a:t>Applys</a:t>
+              <a:rPr lang="en-GB" dirty="0"/>
+              <a:t>Apply</a:t>
             </a:r>
             <a:endParaRPr lang="en-US" dirty="0"/>
           </a:p>
@@ -10075,7 +12575,7 @@
           <p:cNvPr id="2" name="Title 1">
             <a:extLst>
               <a:ext uri="{FF2B5EF4-FFF2-40B4-BE49-F238E27FC236}">
-                <a16:creationId xmlns:a16="http://schemas.microsoft.com/office/drawing/2014/main" id="{CB1DDA07-408A-104A-E3C9-3F0B4F4DC692}"/>
+                <a16:creationId xmlns:a16="http://schemas.microsoft.com/office/drawing/2014/main" id="{B1C04CEF-EA55-CDB3-1430-49EB2BD243C5}"/>
               </a:ext>
             </a:extLst>
           </p:cNvPr>
@@ -10093,7 +12593,7 @@
           <a:p>
             <a:r>
               <a:rPr lang="en-US" dirty="0"/>
-              <a:t>Debugging</a:t>
+              <a:t>Functions</a:t>
             </a:r>
             <a:endParaRPr lang="da-DK" dirty="0"/>
           </a:p>
@@ -10104,7 +12604,7 @@
           <p:cNvPr id="3" name="Content Placeholder 2">
             <a:extLst>
               <a:ext uri="{FF2B5EF4-FFF2-40B4-BE49-F238E27FC236}">
-                <a16:creationId xmlns:a16="http://schemas.microsoft.com/office/drawing/2014/main" id="{27BBE1F7-0BA2-402E-BBB9-A54CF1A156B7}"/>
+                <a16:creationId xmlns:a16="http://schemas.microsoft.com/office/drawing/2014/main" id="{E2F6D392-92E3-2C97-A3A7-44B1E96BEF5E}"/>
               </a:ext>
             </a:extLst>
           </p:cNvPr>
@@ -10120,13 +12620,124 @@
           <a:bodyPr/>
           <a:lstStyle/>
           <a:p>
+            <a:pPr marL="342900" indent="-342900">
+              <a:buFont typeface="Arial" panose="020B0604020202020204" pitchFamily="34" charset="0"/>
+              <a:buChar char="•"/>
+            </a:pPr>
             <a:r>
               <a:rPr lang="en-US" dirty="0"/>
-              <a:t>1) open ./MOMA R/Understanding R/01_files/01_debug.R</a:t>
-            </a:r>
-          </a:p>
-          <a:p>
-            <a:endParaRPr lang="da-DK" dirty="0"/>
+              <a:t>A function is a set of instructions that performs a specific task.</a:t>
+            </a:r>
+          </a:p>
+          <a:p>
+            <a:pPr marL="342900" indent="-342900">
+              <a:buFont typeface="Arial" panose="020B0604020202020204" pitchFamily="34" charset="0"/>
+              <a:buChar char="•"/>
+            </a:pPr>
+            <a:r>
+              <a:rPr lang="en-US" dirty="0"/>
+              <a:t>Define a function using the function() keyword.</a:t>
+            </a:r>
+          </a:p>
+          <a:p>
+            <a:endParaRPr lang="en-US" dirty="0"/>
+          </a:p>
+          <a:p>
+            <a:r>
+              <a:rPr lang="en-US" sz="1600" dirty="0" err="1">
+                <a:latin typeface="Lucida Console" panose="020B0609040504020204" pitchFamily="49" charset="0"/>
+              </a:rPr>
+              <a:t>myFunction</a:t>
+            </a:r>
+            <a:r>
+              <a:rPr lang="en-US" sz="1600" dirty="0">
+                <a:latin typeface="Lucida Console" panose="020B0609040504020204" pitchFamily="49" charset="0"/>
+              </a:rPr>
+              <a:t> = function(parameter1, parameter2) {</a:t>
+            </a:r>
+          </a:p>
+          <a:p>
+            <a:r>
+              <a:rPr lang="en-US" sz="1600" dirty="0">
+                <a:latin typeface="Lucida Console" panose="020B0609040504020204" pitchFamily="49" charset="0"/>
+              </a:rPr>
+              <a:t>  # Function body</a:t>
+            </a:r>
+          </a:p>
+          <a:p>
+            <a:r>
+              <a:rPr lang="en-US" sz="1600" dirty="0">
+                <a:latin typeface="Lucida Console" panose="020B0609040504020204" pitchFamily="49" charset="0"/>
+              </a:rPr>
+              <a:t>  # Code to be executed</a:t>
+            </a:r>
+          </a:p>
+          <a:p>
+            <a:r>
+              <a:rPr lang="en-US" sz="1600" dirty="0">
+                <a:latin typeface="Lucida Console" panose="020B0609040504020204" pitchFamily="49" charset="0"/>
+              </a:rPr>
+              <a:t>}</a:t>
+            </a:r>
+          </a:p>
+          <a:p>
+            <a:endParaRPr lang="en-US" sz="1600" dirty="0">
+              <a:latin typeface="Lucida Console" panose="020B0609040504020204" pitchFamily="49" charset="0"/>
+            </a:endParaRPr>
+          </a:p>
+          <a:p>
+            <a:pPr marL="342900" indent="-342900">
+              <a:buFont typeface="Arial" panose="020B0604020202020204" pitchFamily="34" charset="0"/>
+              <a:buChar char="•"/>
+            </a:pPr>
+            <a:r>
+              <a:rPr lang="en-US" dirty="0"/>
+              <a:t>Either returns the last line, or use the return keyword/function</a:t>
+            </a:r>
+          </a:p>
+          <a:p>
+            <a:endParaRPr lang="en-US" sz="1600" dirty="0"/>
+          </a:p>
+          <a:p>
+            <a:r>
+              <a:rPr lang="en-US" sz="1600" dirty="0" err="1">
+                <a:latin typeface="Lucida Console" panose="020B0609040504020204" pitchFamily="49" charset="0"/>
+              </a:rPr>
+              <a:t>addNumbers</a:t>
+            </a:r>
+            <a:r>
+              <a:rPr lang="en-US" sz="1600" dirty="0">
+                <a:latin typeface="Lucida Console" panose="020B0609040504020204" pitchFamily="49" charset="0"/>
+              </a:rPr>
+              <a:t> = function(a, b) {</a:t>
+            </a:r>
+          </a:p>
+          <a:p>
+            <a:r>
+              <a:rPr lang="en-US" sz="1600" dirty="0">
+                <a:latin typeface="Lucida Console" panose="020B0609040504020204" pitchFamily="49" charset="0"/>
+              </a:rPr>
+              <a:t>  result = a + b</a:t>
+            </a:r>
+          </a:p>
+          <a:p>
+            <a:r>
+              <a:rPr lang="en-US" sz="1600" dirty="0">
+                <a:latin typeface="Lucida Console" panose="020B0609040504020204" pitchFamily="49" charset="0"/>
+              </a:rPr>
+              <a:t>  return(result)</a:t>
+            </a:r>
+          </a:p>
+          <a:p>
+            <a:r>
+              <a:rPr lang="en-US" sz="1600" dirty="0">
+                <a:latin typeface="Lucida Console" panose="020B0609040504020204" pitchFamily="49" charset="0"/>
+              </a:rPr>
+              <a:t>}</a:t>
+            </a:r>
+            <a:endParaRPr lang="da-DK" sz="1600" dirty="0">
+              <a:latin typeface="Lucida Console" panose="020B0609040504020204" pitchFamily="49" charset="0"/>
+            </a:endParaRPr>
           </a:p>
         </p:txBody>
       </p:sp>
@@ -10135,7 +12746,7 @@
           <p:cNvPr id="4" name="Date Placeholder 3">
             <a:extLst>
               <a:ext uri="{FF2B5EF4-FFF2-40B4-BE49-F238E27FC236}">
-                <a16:creationId xmlns:a16="http://schemas.microsoft.com/office/drawing/2014/main" id="{204954D6-38EE-F000-60EE-A9CBA1784614}"/>
+                <a16:creationId xmlns:a16="http://schemas.microsoft.com/office/drawing/2014/main" id="{A50824F2-BAAC-8385-A60B-5074A1D3EADF}"/>
               </a:ext>
             </a:extLst>
           </p:cNvPr>
@@ -10151,28 +12762,4617 @@
           <a:bodyPr/>
           <a:lstStyle/>
           <a:p>
-            <a:fld id="{FB1A12EF-4D31-47C4-8B07-E3C83309B782}" type="datetime1">
+            <a:fld id="{0C91B5C9-0F94-46DE-A64F-0C7DD4CD84FB}" type="datetime1">
               <a:rPr lang="en-GB" smtClean="0"/>
               <a:t>20/11/2023</a:t>
             </a:fld>
             <a:r>
-              <a:rPr lang="en-GB"/>
+              <a:rPr lang="en-GB" dirty="0"/>
               <a:t>07/11/2023</a:t>
             </a:r>
-            <a:endParaRPr lang="en-GB" dirty="0"/>
           </a:p>
         </p:txBody>
       </p:sp>
     </p:spTree>
     <p:extLst>
       <p:ext uri="{BB962C8B-B14F-4D97-AF65-F5344CB8AC3E}">
-        <p14:creationId xmlns:p14="http://schemas.microsoft.com/office/powerpoint/2010/main" val="3815178459"/>
+        <p14:creationId xmlns:p14="http://schemas.microsoft.com/office/powerpoint/2010/main" val="1726589673"/>
       </p:ext>
     </p:extLst>
   </p:cSld>
   <p:clrMapOvr>
     <a:masterClrMapping/>
   </p:clrMapOvr>
+  <p:timing>
+    <p:tnLst>
+      <p:par>
+        <p:cTn id="1" dur="indefinite" restart="never" nodeType="tmRoot">
+          <p:childTnLst>
+            <p:seq concurrent="1" nextAc="seek">
+              <p:cTn id="2" dur="indefinite" nodeType="mainSeq">
+                <p:childTnLst>
+                  <p:par>
+                    <p:cTn id="3" fill="hold">
+                      <p:stCondLst>
+                        <p:cond delay="indefinite"/>
+                      </p:stCondLst>
+                      <p:childTnLst>
+                        <p:par>
+                          <p:cTn id="4" fill="hold">
+                            <p:stCondLst>
+                              <p:cond delay="0"/>
+                            </p:stCondLst>
+                            <p:childTnLst>
+                              <p:par>
+                                <p:cTn id="5" presetID="1" presetClass="entr" presetSubtype="0" fill="hold" nodeType="clickEffect">
+                                  <p:stCondLst>
+                                    <p:cond delay="0"/>
+                                  </p:stCondLst>
+                                  <p:childTnLst>
+                                    <p:set>
+                                      <p:cBhvr>
+                                        <p:cTn id="6" dur="1" fill="hold">
+                                          <p:stCondLst>
+                                            <p:cond delay="0"/>
+                                          </p:stCondLst>
+                                        </p:cTn>
+                                        <p:tgtEl>
+                                          <p:spTgt spid="3">
+                                            <p:txEl>
+                                              <p:pRg st="8" end="8"/>
+                                            </p:txEl>
+                                          </p:spTgt>
+                                        </p:tgtEl>
+                                        <p:attrNameLst>
+                                          <p:attrName>style.visibility</p:attrName>
+                                        </p:attrNameLst>
+                                      </p:cBhvr>
+                                      <p:to>
+                                        <p:strVal val="visible"/>
+                                      </p:to>
+                                    </p:set>
+                                  </p:childTnLst>
+                                </p:cTn>
+                              </p:par>
+                              <p:par>
+                                <p:cTn id="7" presetID="1" presetClass="entr" presetSubtype="0" fill="hold" nodeType="withEffect">
+                                  <p:stCondLst>
+                                    <p:cond delay="0"/>
+                                  </p:stCondLst>
+                                  <p:childTnLst>
+                                    <p:set>
+                                      <p:cBhvr>
+                                        <p:cTn id="8" dur="1" fill="hold">
+                                          <p:stCondLst>
+                                            <p:cond delay="0"/>
+                                          </p:stCondLst>
+                                        </p:cTn>
+                                        <p:tgtEl>
+                                          <p:spTgt spid="3">
+                                            <p:txEl>
+                                              <p:pRg st="10" end="10"/>
+                                            </p:txEl>
+                                          </p:spTgt>
+                                        </p:tgtEl>
+                                        <p:attrNameLst>
+                                          <p:attrName>style.visibility</p:attrName>
+                                        </p:attrNameLst>
+                                      </p:cBhvr>
+                                      <p:to>
+                                        <p:strVal val="visible"/>
+                                      </p:to>
+                                    </p:set>
+                                  </p:childTnLst>
+                                </p:cTn>
+                              </p:par>
+                              <p:par>
+                                <p:cTn id="9" presetID="1" presetClass="entr" presetSubtype="0" fill="hold" nodeType="withEffect">
+                                  <p:stCondLst>
+                                    <p:cond delay="0"/>
+                                  </p:stCondLst>
+                                  <p:childTnLst>
+                                    <p:set>
+                                      <p:cBhvr>
+                                        <p:cTn id="10" dur="1" fill="hold">
+                                          <p:stCondLst>
+                                            <p:cond delay="0"/>
+                                          </p:stCondLst>
+                                        </p:cTn>
+                                        <p:tgtEl>
+                                          <p:spTgt spid="3">
+                                            <p:txEl>
+                                              <p:pRg st="11" end="11"/>
+                                            </p:txEl>
+                                          </p:spTgt>
+                                        </p:tgtEl>
+                                        <p:attrNameLst>
+                                          <p:attrName>style.visibility</p:attrName>
+                                        </p:attrNameLst>
+                                      </p:cBhvr>
+                                      <p:to>
+                                        <p:strVal val="visible"/>
+                                      </p:to>
+                                    </p:set>
+                                  </p:childTnLst>
+                                </p:cTn>
+                              </p:par>
+                              <p:par>
+                                <p:cTn id="11" presetID="1" presetClass="entr" presetSubtype="0" fill="hold" nodeType="withEffect">
+                                  <p:stCondLst>
+                                    <p:cond delay="0"/>
+                                  </p:stCondLst>
+                                  <p:childTnLst>
+                                    <p:set>
+                                      <p:cBhvr>
+                                        <p:cTn id="12" dur="1" fill="hold">
+                                          <p:stCondLst>
+                                            <p:cond delay="0"/>
+                                          </p:stCondLst>
+                                        </p:cTn>
+                                        <p:tgtEl>
+                                          <p:spTgt spid="3">
+                                            <p:txEl>
+                                              <p:pRg st="12" end="12"/>
+                                            </p:txEl>
+                                          </p:spTgt>
+                                        </p:tgtEl>
+                                        <p:attrNameLst>
+                                          <p:attrName>style.visibility</p:attrName>
+                                        </p:attrNameLst>
+                                      </p:cBhvr>
+                                      <p:to>
+                                        <p:strVal val="visible"/>
+                                      </p:to>
+                                    </p:set>
+                                  </p:childTnLst>
+                                </p:cTn>
+                              </p:par>
+                              <p:par>
+                                <p:cTn id="13" presetID="1" presetClass="entr" presetSubtype="0" fill="hold" nodeType="withEffect">
+                                  <p:stCondLst>
+                                    <p:cond delay="0"/>
+                                  </p:stCondLst>
+                                  <p:childTnLst>
+                                    <p:set>
+                                      <p:cBhvr>
+                                        <p:cTn id="14" dur="1" fill="hold">
+                                          <p:stCondLst>
+                                            <p:cond delay="0"/>
+                                          </p:stCondLst>
+                                        </p:cTn>
+                                        <p:tgtEl>
+                                          <p:spTgt spid="3">
+                                            <p:txEl>
+                                              <p:pRg st="13" end="13"/>
+                                            </p:txEl>
+                                          </p:spTgt>
+                                        </p:tgtEl>
+                                        <p:attrNameLst>
+                                          <p:attrName>style.visibility</p:attrName>
+                                        </p:attrNameLst>
+                                      </p:cBhvr>
+                                      <p:to>
+                                        <p:strVal val="visible"/>
+                                      </p:to>
+                                    </p:set>
+                                  </p:childTnLst>
+                                </p:cTn>
+                              </p:par>
+                            </p:childTnLst>
+                          </p:cTn>
+                        </p:par>
+                      </p:childTnLst>
+                    </p:cTn>
+                  </p:par>
+                </p:childTnLst>
+              </p:cTn>
+              <p:prevCondLst>
+                <p:cond evt="onPrev" delay="0">
+                  <p:tgtEl>
+                    <p:sldTgt/>
+                  </p:tgtEl>
+                </p:cond>
+              </p:prevCondLst>
+              <p:nextCondLst>
+                <p:cond evt="onNext" delay="0">
+                  <p:tgtEl>
+                    <p:sldTgt/>
+                  </p:tgtEl>
+                </p:cond>
+              </p:nextCondLst>
+            </p:seq>
+          </p:childTnLst>
+        </p:cTn>
+      </p:par>
+    </p:tnLst>
+  </p:timing>
+</p:sld>
+</file>
+
+<file path=ppt/slides/slide4.xml><?xml version="1.0" encoding="utf-8"?>
+<p:sld xmlns:a="http://schemas.openxmlformats.org/drawingml/2006/main" xmlns:r="http://schemas.openxmlformats.org/officeDocument/2006/relationships" xmlns:p="http://schemas.openxmlformats.org/presentationml/2006/main">
+  <p:cSld>
+    <p:spTree>
+      <p:nvGrpSpPr>
+        <p:cNvPr id="1" name=""/>
+        <p:cNvGrpSpPr/>
+        <p:nvPr/>
+      </p:nvGrpSpPr>
+      <p:grpSpPr>
+        <a:xfrm>
+          <a:off x="0" y="0"/>
+          <a:ext cx="0" cy="0"/>
+          <a:chOff x="0" y="0"/>
+          <a:chExt cx="0" cy="0"/>
+        </a:xfrm>
+      </p:grpSpPr>
+      <p:sp>
+        <p:nvSpPr>
+          <p:cNvPr id="2" name="Title 1">
+            <a:extLst>
+              <a:ext uri="{FF2B5EF4-FFF2-40B4-BE49-F238E27FC236}">
+                <a16:creationId xmlns:a16="http://schemas.microsoft.com/office/drawing/2014/main" id="{4DAF6089-891F-3BC3-1499-D0484289D29F}"/>
+              </a:ext>
+            </a:extLst>
+          </p:cNvPr>
+          <p:cNvSpPr>
+            <a:spLocks noGrp="1"/>
+          </p:cNvSpPr>
+          <p:nvPr>
+            <p:ph type="title"/>
+          </p:nvPr>
+        </p:nvSpPr>
+        <p:spPr/>
+        <p:txBody>
+          <a:bodyPr/>
+          <a:lstStyle/>
+          <a:p>
+            <a:r>
+              <a:rPr lang="en-US" dirty="0"/>
+              <a:t>Functions</a:t>
+            </a:r>
+            <a:endParaRPr lang="da-DK" dirty="0"/>
+          </a:p>
+        </p:txBody>
+      </p:sp>
+      <p:sp>
+        <p:nvSpPr>
+          <p:cNvPr id="3" name="Content Placeholder 2">
+            <a:extLst>
+              <a:ext uri="{FF2B5EF4-FFF2-40B4-BE49-F238E27FC236}">
+                <a16:creationId xmlns:a16="http://schemas.microsoft.com/office/drawing/2014/main" id="{867096BA-5423-6902-EB2A-05FED9B09331}"/>
+              </a:ext>
+            </a:extLst>
+          </p:cNvPr>
+          <p:cNvSpPr>
+            <a:spLocks noGrp="1"/>
+          </p:cNvSpPr>
+          <p:nvPr>
+            <p:ph idx="1"/>
+          </p:nvPr>
+        </p:nvSpPr>
+        <p:spPr/>
+        <p:txBody>
+          <a:bodyPr/>
+          <a:lstStyle/>
+          <a:p>
+            <a:pPr marL="342900" indent="-342900">
+              <a:buFont typeface="Arial" panose="020B0604020202020204" pitchFamily="34" charset="0"/>
+              <a:buChar char="•"/>
+            </a:pPr>
+            <a:r>
+              <a:rPr lang="en-US" dirty="0"/>
+              <a:t>Set default values for parameters to make some arguments optional.</a:t>
+            </a:r>
+          </a:p>
+          <a:p>
+            <a:pPr marL="342900" indent="-342900">
+              <a:buFont typeface="Arial" panose="020B0604020202020204" pitchFamily="34" charset="0"/>
+              <a:buChar char="•"/>
+            </a:pPr>
+            <a:endParaRPr lang="en-US" dirty="0"/>
+          </a:p>
+          <a:p>
+            <a:r>
+              <a:rPr lang="en-US" sz="1600" dirty="0" err="1">
+                <a:latin typeface="Lucida Console" panose="020B0609040504020204" pitchFamily="49" charset="0"/>
+              </a:rPr>
+              <a:t>powerOf</a:t>
+            </a:r>
+            <a:r>
+              <a:rPr lang="en-US" sz="1600" dirty="0">
+                <a:latin typeface="Lucida Console" panose="020B0609040504020204" pitchFamily="49" charset="0"/>
+              </a:rPr>
+              <a:t> = function(base, exponent = 2) {</a:t>
+            </a:r>
+          </a:p>
+          <a:p>
+            <a:r>
+              <a:rPr lang="en-US" sz="1600" dirty="0">
+                <a:latin typeface="Lucida Console" panose="020B0609040504020204" pitchFamily="49" charset="0"/>
+              </a:rPr>
+              <a:t>  result = </a:t>
+            </a:r>
+            <a:r>
+              <a:rPr lang="en-US" sz="1600" dirty="0" err="1">
+                <a:latin typeface="Lucida Console" panose="020B0609040504020204" pitchFamily="49" charset="0"/>
+              </a:rPr>
+              <a:t>base^exponent</a:t>
+            </a:r>
+            <a:endParaRPr lang="en-US" sz="1600" dirty="0">
+              <a:latin typeface="Lucida Console" panose="020B0609040504020204" pitchFamily="49" charset="0"/>
+            </a:endParaRPr>
+          </a:p>
+          <a:p>
+            <a:r>
+              <a:rPr lang="en-US" sz="1600" dirty="0">
+                <a:latin typeface="Lucida Console" panose="020B0609040504020204" pitchFamily="49" charset="0"/>
+              </a:rPr>
+              <a:t>  return(result)</a:t>
+            </a:r>
+          </a:p>
+          <a:p>
+            <a:r>
+              <a:rPr lang="en-US" sz="1600" dirty="0">
+                <a:latin typeface="Lucida Console" panose="020B0609040504020204" pitchFamily="49" charset="0"/>
+              </a:rPr>
+              <a:t>}</a:t>
+            </a:r>
+            <a:endParaRPr lang="da-DK" sz="1600" dirty="0">
+              <a:latin typeface="Lucida Console" panose="020B0609040504020204" pitchFamily="49" charset="0"/>
+            </a:endParaRPr>
+          </a:p>
+          <a:p>
+            <a:endParaRPr lang="da-DK" dirty="0"/>
+          </a:p>
+          <a:p>
+            <a:pPr marL="342900" indent="-342900">
+              <a:buFont typeface="Arial" panose="020B0604020202020204" pitchFamily="34" charset="0"/>
+              <a:buChar char="•"/>
+            </a:pPr>
+            <a:r>
+              <a:rPr lang="en-US" dirty="0"/>
+              <a:t>Variables created inside a function are local to that function.</a:t>
+            </a:r>
+          </a:p>
+          <a:p>
+            <a:endParaRPr lang="en-US" dirty="0"/>
+          </a:p>
+          <a:p>
+            <a:r>
+              <a:rPr lang="en-US" sz="1600" dirty="0">
+                <a:latin typeface="Lucida Console" panose="020B0609040504020204" pitchFamily="49" charset="0"/>
+              </a:rPr>
+              <a:t>x = 10</a:t>
+            </a:r>
+          </a:p>
+          <a:p>
+            <a:r>
+              <a:rPr lang="en-US" sz="1600" dirty="0" err="1">
+                <a:latin typeface="Lucida Console" panose="020B0609040504020204" pitchFamily="49" charset="0"/>
+              </a:rPr>
+              <a:t>myFunction</a:t>
+            </a:r>
+            <a:r>
+              <a:rPr lang="en-US" sz="1600" dirty="0">
+                <a:latin typeface="Lucida Console" panose="020B0609040504020204" pitchFamily="49" charset="0"/>
+              </a:rPr>
+              <a:t> = function(y) {</a:t>
+            </a:r>
+          </a:p>
+          <a:p>
+            <a:r>
+              <a:rPr lang="en-US" sz="1600" dirty="0">
+                <a:latin typeface="Lucida Console" panose="020B0609040504020204" pitchFamily="49" charset="0"/>
+              </a:rPr>
+              <a:t>  return(y * x)</a:t>
+            </a:r>
+          </a:p>
+          <a:p>
+            <a:r>
+              <a:rPr lang="en-US" sz="1600" dirty="0">
+                <a:latin typeface="Lucida Console" panose="020B0609040504020204" pitchFamily="49" charset="0"/>
+              </a:rPr>
+              <a:t>}</a:t>
+            </a:r>
+          </a:p>
+          <a:p>
+            <a:endParaRPr lang="da-DK" dirty="0"/>
+          </a:p>
+          <a:p>
+            <a:endParaRPr lang="da-DK" dirty="0"/>
+          </a:p>
+        </p:txBody>
+      </p:sp>
+      <p:sp>
+        <p:nvSpPr>
+          <p:cNvPr id="4" name="Date Placeholder 3">
+            <a:extLst>
+              <a:ext uri="{FF2B5EF4-FFF2-40B4-BE49-F238E27FC236}">
+                <a16:creationId xmlns:a16="http://schemas.microsoft.com/office/drawing/2014/main" id="{C83C731C-CBC1-7DFC-3680-E8AB3FBBDF0B}"/>
+              </a:ext>
+            </a:extLst>
+          </p:cNvPr>
+          <p:cNvSpPr>
+            <a:spLocks noGrp="1"/>
+          </p:cNvSpPr>
+          <p:nvPr>
+            <p:ph type="dt" sz="half" idx="10"/>
+          </p:nvPr>
+        </p:nvSpPr>
+        <p:spPr/>
+        <p:txBody>
+          <a:bodyPr/>
+          <a:lstStyle/>
+          <a:p>
+            <a:fld id="{692C0F53-02D9-4815-9CC7-9DECF82B74E8}" type="datetime1">
+              <a:rPr lang="en-GB" smtClean="0"/>
+              <a:t>20/11/2023</a:t>
+            </a:fld>
+            <a:r>
+              <a:rPr lang="en-GB"/>
+              <a:t>07/11/2023</a:t>
+            </a:r>
+            <a:endParaRPr lang="en-GB" dirty="0"/>
+          </a:p>
+        </p:txBody>
+      </p:sp>
+    </p:spTree>
+    <p:extLst>
+      <p:ext uri="{BB962C8B-B14F-4D97-AF65-F5344CB8AC3E}">
+        <p14:creationId xmlns:p14="http://schemas.microsoft.com/office/powerpoint/2010/main" val="592876893"/>
+      </p:ext>
+    </p:extLst>
+  </p:cSld>
+  <p:clrMapOvr>
+    <a:masterClrMapping/>
+  </p:clrMapOvr>
+</p:sld>
+</file>
+
+<file path=ppt/slides/slide5.xml><?xml version="1.0" encoding="utf-8"?>
+<p:sld xmlns:a="http://schemas.openxmlformats.org/drawingml/2006/main" xmlns:r="http://schemas.openxmlformats.org/officeDocument/2006/relationships" xmlns:p="http://schemas.openxmlformats.org/presentationml/2006/main">
+  <p:cSld>
+    <p:spTree>
+      <p:nvGrpSpPr>
+        <p:cNvPr id="1" name=""/>
+        <p:cNvGrpSpPr/>
+        <p:nvPr/>
+      </p:nvGrpSpPr>
+      <p:grpSpPr>
+        <a:xfrm>
+          <a:off x="0" y="0"/>
+          <a:ext cx="0" cy="0"/>
+          <a:chOff x="0" y="0"/>
+          <a:chExt cx="0" cy="0"/>
+        </a:xfrm>
+      </p:grpSpPr>
+      <p:sp>
+        <p:nvSpPr>
+          <p:cNvPr id="2" name="Title 1">
+            <a:extLst>
+              <a:ext uri="{FF2B5EF4-FFF2-40B4-BE49-F238E27FC236}">
+                <a16:creationId xmlns:a16="http://schemas.microsoft.com/office/drawing/2014/main" id="{BF175927-8F1A-839A-0D75-A855A322E765}"/>
+              </a:ext>
+            </a:extLst>
+          </p:cNvPr>
+          <p:cNvSpPr>
+            <a:spLocks noGrp="1"/>
+          </p:cNvSpPr>
+          <p:nvPr>
+            <p:ph type="title"/>
+          </p:nvPr>
+        </p:nvSpPr>
+        <p:spPr/>
+        <p:txBody>
+          <a:bodyPr/>
+          <a:lstStyle/>
+          <a:p>
+            <a:r>
+              <a:rPr lang="en-US" dirty="0"/>
+              <a:t>Scope</a:t>
+            </a:r>
+            <a:endParaRPr lang="da-DK" dirty="0"/>
+          </a:p>
+        </p:txBody>
+      </p:sp>
+      <p:sp>
+        <p:nvSpPr>
+          <p:cNvPr id="3" name="Content Placeholder 2">
+            <a:extLst>
+              <a:ext uri="{FF2B5EF4-FFF2-40B4-BE49-F238E27FC236}">
+                <a16:creationId xmlns:a16="http://schemas.microsoft.com/office/drawing/2014/main" id="{A5FB3E58-83D5-54C1-604D-064E58E55436}"/>
+              </a:ext>
+            </a:extLst>
+          </p:cNvPr>
+          <p:cNvSpPr>
+            <a:spLocks noGrp="1"/>
+          </p:cNvSpPr>
+          <p:nvPr>
+            <p:ph idx="1"/>
+          </p:nvPr>
+        </p:nvSpPr>
+        <p:spPr>
+          <a:xfrm>
+            <a:off x="985839" y="1373021"/>
+            <a:ext cx="4172470" cy="543811"/>
+          </a:xfrm>
+        </p:spPr>
+        <p:txBody>
+          <a:bodyPr/>
+          <a:lstStyle/>
+          <a:p>
+            <a:r>
+              <a:rPr lang="en-US" dirty="0"/>
+              <a:t>Where does R look for variables?</a:t>
+            </a:r>
+            <a:endParaRPr lang="da-DK" dirty="0"/>
+          </a:p>
+        </p:txBody>
+      </p:sp>
+      <p:sp>
+        <p:nvSpPr>
+          <p:cNvPr id="4" name="Date Placeholder 3">
+            <a:extLst>
+              <a:ext uri="{FF2B5EF4-FFF2-40B4-BE49-F238E27FC236}">
+                <a16:creationId xmlns:a16="http://schemas.microsoft.com/office/drawing/2014/main" id="{C15DB480-6217-445E-C29D-6E31C461F132}"/>
+              </a:ext>
+            </a:extLst>
+          </p:cNvPr>
+          <p:cNvSpPr>
+            <a:spLocks noGrp="1"/>
+          </p:cNvSpPr>
+          <p:nvPr>
+            <p:ph type="dt" sz="half" idx="10"/>
+          </p:nvPr>
+        </p:nvSpPr>
+        <p:spPr/>
+        <p:txBody>
+          <a:bodyPr/>
+          <a:lstStyle/>
+          <a:p>
+            <a:fld id="{00DC5981-5044-4AF7-B2BD-813E3BC017AE}" type="datetime1">
+              <a:rPr lang="en-GB" smtClean="0"/>
+              <a:t>20/11/2023</a:t>
+            </a:fld>
+            <a:r>
+              <a:rPr lang="en-GB"/>
+              <a:t>07/11/2023</a:t>
+            </a:r>
+            <a:endParaRPr lang="en-GB" dirty="0"/>
+          </a:p>
+        </p:txBody>
+      </p:sp>
+      <p:sp>
+        <p:nvSpPr>
+          <p:cNvPr id="5" name="Oval 4">
+            <a:extLst>
+              <a:ext uri="{FF2B5EF4-FFF2-40B4-BE49-F238E27FC236}">
+                <a16:creationId xmlns:a16="http://schemas.microsoft.com/office/drawing/2014/main" id="{643CA1B8-9421-DE5C-3BDC-087232BC3A79}"/>
+              </a:ext>
+            </a:extLst>
+          </p:cNvPr>
+          <p:cNvSpPr/>
+          <p:nvPr/>
+        </p:nvSpPr>
+        <p:spPr bwMode="auto">
+          <a:xfrm>
+            <a:off x="1849032" y="2132856"/>
+            <a:ext cx="2952328" cy="2952328"/>
+          </a:xfrm>
+          <a:prstGeom prst="ellipse">
+            <a:avLst/>
+          </a:prstGeom>
+          <a:solidFill>
+            <a:schemeClr val="accent2"/>
+          </a:solidFill>
+          <a:ln w="1778" cap="flat" cmpd="sng" algn="ctr">
+            <a:solidFill>
+              <a:schemeClr val="accent2"/>
+            </a:solidFill>
+            <a:prstDash val="solid"/>
+            <a:round/>
+            <a:headEnd type="none" w="med" len="med"/>
+            <a:tailEnd type="none" w="med" len="med"/>
+          </a:ln>
+          <a:effectLst/>
+        </p:spPr>
+        <p:txBody>
+          <a:bodyPr vert="horz" wrap="square" lIns="91440" tIns="45720" rIns="91440" bIns="45720" numCol="1" rtlCol="0" anchor="t" anchorCtr="0" compatLnSpc="1">
+            <a:prstTxWarp prst="textNoShape">
+              <a:avLst/>
+            </a:prstTxWarp>
+            <a:noAutofit/>
+          </a:bodyPr>
+          <a:lstStyle/>
+          <a:p>
+            <a:pPr marL="0" marR="0" indent="0" algn="ctr" defTabSz="914400" rtl="0" eaLnBrk="1" fontAlgn="base" latinLnBrk="0" hangingPunct="1">
+              <a:lnSpc>
+                <a:spcPct val="95000"/>
+              </a:lnSpc>
+              <a:spcBef>
+                <a:spcPct val="0"/>
+              </a:spcBef>
+              <a:spcAft>
+                <a:spcPct val="0"/>
+              </a:spcAft>
+              <a:buClrTx/>
+              <a:buSzTx/>
+              <a:buFont typeface="AU Passata" pitchFamily="34" charset="0"/>
+              <a:buNone/>
+              <a:tabLst/>
+            </a:pPr>
+            <a:r>
+              <a:rPr kumimoji="0" lang="en-US" sz="1600" b="0" i="0" u="none" strike="noStrike" cap="none" normalizeH="0" baseline="0" dirty="0">
+                <a:ln>
+                  <a:noFill/>
+                </a:ln>
+                <a:solidFill>
+                  <a:schemeClr val="bg1"/>
+                </a:solidFill>
+                <a:effectLst/>
+                <a:latin typeface="AU Passata" pitchFamily="34" charset="0"/>
+              </a:rPr>
+              <a:t>Global Environment</a:t>
+            </a:r>
+            <a:endParaRPr kumimoji="0" lang="da-DK" sz="1600" b="0" i="0" u="none" strike="noStrike" cap="none" normalizeH="0" baseline="0" dirty="0" err="1">
+              <a:ln>
+                <a:noFill/>
+              </a:ln>
+              <a:solidFill>
+                <a:schemeClr val="bg1"/>
+              </a:solidFill>
+              <a:effectLst/>
+              <a:latin typeface="AU Passata" pitchFamily="34" charset="0"/>
+            </a:endParaRPr>
+          </a:p>
+        </p:txBody>
+      </p:sp>
+      <p:sp>
+        <p:nvSpPr>
+          <p:cNvPr id="6" name="Oval 5">
+            <a:extLst>
+              <a:ext uri="{FF2B5EF4-FFF2-40B4-BE49-F238E27FC236}">
+                <a16:creationId xmlns:a16="http://schemas.microsoft.com/office/drawing/2014/main" id="{B0EDC181-DE9D-A6A1-E26D-4FF9CE523787}"/>
+              </a:ext>
+            </a:extLst>
+          </p:cNvPr>
+          <p:cNvSpPr/>
+          <p:nvPr/>
+        </p:nvSpPr>
+        <p:spPr bwMode="auto">
+          <a:xfrm>
+            <a:off x="6094412" y="1321879"/>
+            <a:ext cx="2952328" cy="1455904"/>
+          </a:xfrm>
+          <a:prstGeom prst="ellipse">
+            <a:avLst/>
+          </a:prstGeom>
+          <a:solidFill>
+            <a:srgbClr val="00B050"/>
+          </a:solidFill>
+          <a:ln w="1778" cap="flat" cmpd="sng" algn="ctr">
+            <a:solidFill>
+              <a:schemeClr val="accent2"/>
+            </a:solidFill>
+            <a:prstDash val="solid"/>
+            <a:round/>
+            <a:headEnd type="none" w="med" len="med"/>
+            <a:tailEnd type="none" w="med" len="med"/>
+          </a:ln>
+          <a:effectLst/>
+        </p:spPr>
+        <p:txBody>
+          <a:bodyPr vert="horz" wrap="square" lIns="91440" tIns="45720" rIns="91440" bIns="45720" numCol="1" rtlCol="0" anchor="t" anchorCtr="0" compatLnSpc="1">
+            <a:prstTxWarp prst="textNoShape">
+              <a:avLst/>
+            </a:prstTxWarp>
+            <a:noAutofit/>
+          </a:bodyPr>
+          <a:lstStyle/>
+          <a:p>
+            <a:pPr>
+              <a:lnSpc>
+                <a:spcPct val="100000"/>
+              </a:lnSpc>
+            </a:pPr>
+            <a:r>
+              <a:rPr lang="en-US" sz="1600" kern="0" dirty="0" err="1">
+                <a:solidFill>
+                  <a:schemeClr val="bg1"/>
+                </a:solidFill>
+              </a:rPr>
+              <a:t>myFunction</a:t>
+            </a:r>
+            <a:r>
+              <a:rPr lang="en-US" sz="1600" kern="0" dirty="0">
+                <a:solidFill>
+                  <a:schemeClr val="bg1"/>
+                </a:solidFill>
+              </a:rPr>
+              <a:t>(a, b) {</a:t>
+            </a:r>
+          </a:p>
+          <a:p>
+            <a:pPr>
+              <a:lnSpc>
+                <a:spcPct val="100000"/>
+              </a:lnSpc>
+            </a:pPr>
+            <a:r>
+              <a:rPr lang="en-US" sz="1600" kern="0" dirty="0">
+                <a:solidFill>
+                  <a:schemeClr val="bg1"/>
+                </a:solidFill>
+              </a:rPr>
+              <a:t>      return(a + b)</a:t>
+            </a:r>
+          </a:p>
+          <a:p>
+            <a:pPr>
+              <a:lnSpc>
+                <a:spcPct val="100000"/>
+              </a:lnSpc>
+            </a:pPr>
+            <a:r>
+              <a:rPr lang="en-US" sz="1600" kern="0" dirty="0">
+                <a:solidFill>
+                  <a:schemeClr val="bg1"/>
+                </a:solidFill>
+              </a:rPr>
+              <a:t>}</a:t>
+            </a:r>
+            <a:endParaRPr lang="da-DK" sz="1600" kern="0" dirty="0">
+              <a:solidFill>
+                <a:schemeClr val="bg1"/>
+              </a:solidFill>
+            </a:endParaRPr>
+          </a:p>
+        </p:txBody>
+      </p:sp>
+      <p:sp>
+        <p:nvSpPr>
+          <p:cNvPr id="7" name="Content Placeholder 2">
+            <a:extLst>
+              <a:ext uri="{FF2B5EF4-FFF2-40B4-BE49-F238E27FC236}">
+                <a16:creationId xmlns:a16="http://schemas.microsoft.com/office/drawing/2014/main" id="{6B3F2C1F-FE5B-9B25-E732-2129C40A2D8E}"/>
+              </a:ext>
+            </a:extLst>
+          </p:cNvPr>
+          <p:cNvSpPr txBox="1">
+            <a:spLocks/>
+          </p:cNvSpPr>
+          <p:nvPr/>
+        </p:nvSpPr>
+        <p:spPr bwMode="auto">
+          <a:xfrm>
+            <a:off x="3348213" y="2978882"/>
+            <a:ext cx="936104" cy="360040"/>
+          </a:xfrm>
+          <a:prstGeom prst="rect">
+            <a:avLst/>
+          </a:prstGeom>
+          <a:noFill/>
+          <a:ln w="9525">
+            <a:noFill/>
+            <a:miter lim="800000"/>
+            <a:headEnd/>
+            <a:tailEnd/>
+          </a:ln>
+        </p:spPr>
+        <p:txBody>
+          <a:bodyPr vert="horz" wrap="square" lIns="0" tIns="0" rIns="0" bIns="0" numCol="1" anchor="t" anchorCtr="0" compatLnSpc="1">
+            <a:prstTxWarp prst="textNoShape">
+              <a:avLst/>
+            </a:prstTxWarp>
+          </a:bodyPr>
+          <a:lstStyle>
+            <a:lvl1pPr marL="0" indent="0" algn="l" rtl="0" eaLnBrk="1" fontAlgn="base" hangingPunct="1">
+              <a:lnSpc>
+                <a:spcPct val="99000"/>
+              </a:lnSpc>
+              <a:spcBef>
+                <a:spcPts val="600"/>
+              </a:spcBef>
+              <a:spcAft>
+                <a:spcPct val="0"/>
+              </a:spcAft>
+              <a:buClr>
+                <a:schemeClr val="tx1"/>
+              </a:buClr>
+              <a:buSzPct val="100000"/>
+              <a:buFont typeface="Calibri" panose="020F0502020204030204" pitchFamily="34" charset="0"/>
+              <a:buChar char="​"/>
+              <a:defRPr sz="2000" b="0">
+                <a:solidFill>
+                  <a:schemeClr val="tx1"/>
+                </a:solidFill>
+                <a:latin typeface="+mn-lt"/>
+                <a:ea typeface="+mn-ea"/>
+                <a:cs typeface="+mn-cs"/>
+              </a:defRPr>
+            </a:lvl1pPr>
+            <a:lvl2pPr marL="432000" indent="-180000" algn="l" rtl="0" eaLnBrk="1" fontAlgn="base" hangingPunct="1">
+              <a:lnSpc>
+                <a:spcPct val="99000"/>
+              </a:lnSpc>
+              <a:spcBef>
+                <a:spcPts val="600"/>
+              </a:spcBef>
+              <a:spcAft>
+                <a:spcPct val="0"/>
+              </a:spcAft>
+              <a:buClr>
+                <a:schemeClr val="tx1"/>
+              </a:buClr>
+              <a:buSzPct val="100000"/>
+              <a:buFont typeface="Arial" panose="020B0604020202020204" pitchFamily="34" charset="0"/>
+              <a:buChar char="•"/>
+              <a:defRPr sz="2000">
+                <a:solidFill>
+                  <a:schemeClr val="tx1"/>
+                </a:solidFill>
+                <a:latin typeface="+mn-lt"/>
+              </a:defRPr>
+            </a:lvl2pPr>
+            <a:lvl3pPr marL="756000" indent="-180000" algn="l" rtl="0" eaLnBrk="1" fontAlgn="base" hangingPunct="1">
+              <a:lnSpc>
+                <a:spcPct val="99000"/>
+              </a:lnSpc>
+              <a:spcBef>
+                <a:spcPts val="600"/>
+              </a:spcBef>
+              <a:spcAft>
+                <a:spcPct val="0"/>
+              </a:spcAft>
+              <a:buClr>
+                <a:schemeClr val="tx1"/>
+              </a:buClr>
+              <a:buSzPct val="100000"/>
+              <a:buFont typeface="Arial" panose="020B0604020202020204" pitchFamily="34" charset="0"/>
+              <a:buChar char="•"/>
+              <a:defRPr sz="2000">
+                <a:solidFill>
+                  <a:schemeClr val="tx1"/>
+                </a:solidFill>
+                <a:latin typeface="+mn-lt"/>
+              </a:defRPr>
+            </a:lvl3pPr>
+            <a:lvl4pPr marL="1152000" indent="-180000" algn="l" rtl="0" eaLnBrk="1" fontAlgn="base" hangingPunct="1">
+              <a:lnSpc>
+                <a:spcPct val="99000"/>
+              </a:lnSpc>
+              <a:spcBef>
+                <a:spcPts val="600"/>
+              </a:spcBef>
+              <a:spcAft>
+                <a:spcPct val="0"/>
+              </a:spcAft>
+              <a:buClr>
+                <a:schemeClr val="tx1"/>
+              </a:buClr>
+              <a:buSzPct val="100000"/>
+              <a:buFont typeface="Arial" panose="020B0604020202020204" pitchFamily="34" charset="0"/>
+              <a:buChar char="•"/>
+              <a:defRPr sz="2000">
+                <a:solidFill>
+                  <a:schemeClr val="tx1"/>
+                </a:solidFill>
+                <a:latin typeface="+mn-lt"/>
+              </a:defRPr>
+            </a:lvl4pPr>
+            <a:lvl5pPr marL="1512000" indent="-180000" algn="l" rtl="0" eaLnBrk="1" fontAlgn="base" hangingPunct="1">
+              <a:lnSpc>
+                <a:spcPct val="99000"/>
+              </a:lnSpc>
+              <a:spcBef>
+                <a:spcPts val="600"/>
+              </a:spcBef>
+              <a:spcAft>
+                <a:spcPct val="0"/>
+              </a:spcAft>
+              <a:buClr>
+                <a:schemeClr val="tx1"/>
+              </a:buClr>
+              <a:buSzPct val="100000"/>
+              <a:buFont typeface="Arial" panose="020B0604020202020204" pitchFamily="34" charset="0"/>
+              <a:buChar char="•"/>
+              <a:defRPr sz="2000">
+                <a:solidFill>
+                  <a:schemeClr val="tx1"/>
+                </a:solidFill>
+                <a:latin typeface="+mn-lt"/>
+              </a:defRPr>
+            </a:lvl5pPr>
+            <a:lvl6pPr marL="1836000" indent="-180000" algn="l" rtl="0" eaLnBrk="1" fontAlgn="base" hangingPunct="1">
+              <a:lnSpc>
+                <a:spcPct val="99000"/>
+              </a:lnSpc>
+              <a:spcBef>
+                <a:spcPts val="600"/>
+              </a:spcBef>
+              <a:spcAft>
+                <a:spcPct val="0"/>
+              </a:spcAft>
+              <a:buClr>
+                <a:schemeClr val="tx1"/>
+              </a:buClr>
+              <a:buFont typeface="Arial" panose="020B0604020202020204" pitchFamily="34" charset="0"/>
+              <a:buChar char="•"/>
+              <a:defRPr sz="2000">
+                <a:solidFill>
+                  <a:schemeClr val="tx1"/>
+                </a:solidFill>
+                <a:latin typeface="+mn-lt"/>
+              </a:defRPr>
+            </a:lvl6pPr>
+            <a:lvl7pPr marL="1836000" indent="-180000" algn="l" rtl="0" eaLnBrk="1" fontAlgn="base" hangingPunct="1">
+              <a:lnSpc>
+                <a:spcPct val="99000"/>
+              </a:lnSpc>
+              <a:spcBef>
+                <a:spcPts val="600"/>
+              </a:spcBef>
+              <a:spcAft>
+                <a:spcPct val="0"/>
+              </a:spcAft>
+              <a:buClr>
+                <a:schemeClr val="tx1"/>
+              </a:buClr>
+              <a:buFont typeface="Arial" panose="020B0604020202020204" pitchFamily="34" charset="0"/>
+              <a:buChar char="•"/>
+              <a:defRPr sz="2000">
+                <a:solidFill>
+                  <a:schemeClr val="tx1"/>
+                </a:solidFill>
+                <a:latin typeface="+mn-lt"/>
+              </a:defRPr>
+            </a:lvl7pPr>
+            <a:lvl8pPr marL="1836000" indent="-180000" algn="l" rtl="0" eaLnBrk="1" fontAlgn="base" hangingPunct="1">
+              <a:lnSpc>
+                <a:spcPct val="99000"/>
+              </a:lnSpc>
+              <a:spcBef>
+                <a:spcPts val="600"/>
+              </a:spcBef>
+              <a:spcAft>
+                <a:spcPct val="0"/>
+              </a:spcAft>
+              <a:buClr>
+                <a:schemeClr val="tx1"/>
+              </a:buClr>
+              <a:buFont typeface="Arial" panose="020B0604020202020204" pitchFamily="34" charset="0"/>
+              <a:buChar char="•"/>
+              <a:defRPr sz="2000">
+                <a:solidFill>
+                  <a:schemeClr val="tx1"/>
+                </a:solidFill>
+                <a:latin typeface="+mn-lt"/>
+              </a:defRPr>
+            </a:lvl8pPr>
+            <a:lvl9pPr marL="1836000" indent="-180000" algn="l" rtl="0" eaLnBrk="1" fontAlgn="base" hangingPunct="1">
+              <a:lnSpc>
+                <a:spcPct val="99000"/>
+              </a:lnSpc>
+              <a:spcBef>
+                <a:spcPts val="600"/>
+              </a:spcBef>
+              <a:spcAft>
+                <a:spcPct val="0"/>
+              </a:spcAft>
+              <a:buClr>
+                <a:schemeClr val="tx1"/>
+              </a:buClr>
+              <a:buFont typeface="Arial" panose="020B0604020202020204" pitchFamily="34" charset="0"/>
+              <a:buChar char="•"/>
+              <a:defRPr sz="2000">
+                <a:solidFill>
+                  <a:schemeClr val="tx1"/>
+                </a:solidFill>
+                <a:latin typeface="+mn-lt"/>
+              </a:defRPr>
+            </a:lvl9pPr>
+          </a:lstStyle>
+          <a:p>
+            <a:r>
+              <a:rPr lang="en-US" kern="0" dirty="0">
+                <a:solidFill>
+                  <a:schemeClr val="bg1"/>
+                </a:solidFill>
+              </a:rPr>
+              <a:t>a = 7</a:t>
+            </a:r>
+            <a:endParaRPr lang="da-DK" kern="0" dirty="0">
+              <a:solidFill>
+                <a:schemeClr val="bg1"/>
+              </a:solidFill>
+            </a:endParaRPr>
+          </a:p>
+        </p:txBody>
+      </p:sp>
+      <p:sp>
+        <p:nvSpPr>
+          <p:cNvPr id="8" name="Content Placeholder 2">
+            <a:extLst>
+              <a:ext uri="{FF2B5EF4-FFF2-40B4-BE49-F238E27FC236}">
+                <a16:creationId xmlns:a16="http://schemas.microsoft.com/office/drawing/2014/main" id="{F67B4F1B-C300-345F-5C1A-DBA67D66E9E5}"/>
+              </a:ext>
+            </a:extLst>
+          </p:cNvPr>
+          <p:cNvSpPr txBox="1">
+            <a:spLocks/>
+          </p:cNvSpPr>
+          <p:nvPr/>
+        </p:nvSpPr>
+        <p:spPr bwMode="auto">
+          <a:xfrm>
+            <a:off x="2318372" y="3429000"/>
+            <a:ext cx="2059682" cy="360040"/>
+          </a:xfrm>
+          <a:prstGeom prst="rect">
+            <a:avLst/>
+          </a:prstGeom>
+          <a:noFill/>
+          <a:ln w="9525">
+            <a:noFill/>
+            <a:miter lim="800000"/>
+            <a:headEnd/>
+            <a:tailEnd/>
+          </a:ln>
+        </p:spPr>
+        <p:txBody>
+          <a:bodyPr vert="horz" wrap="square" lIns="0" tIns="0" rIns="0" bIns="0" numCol="1" anchor="t" anchorCtr="0" compatLnSpc="1">
+            <a:prstTxWarp prst="textNoShape">
+              <a:avLst/>
+            </a:prstTxWarp>
+          </a:bodyPr>
+          <a:lstStyle>
+            <a:lvl1pPr marL="0" indent="0" algn="l" rtl="0" eaLnBrk="1" fontAlgn="base" hangingPunct="1">
+              <a:lnSpc>
+                <a:spcPct val="99000"/>
+              </a:lnSpc>
+              <a:spcBef>
+                <a:spcPts val="600"/>
+              </a:spcBef>
+              <a:spcAft>
+                <a:spcPct val="0"/>
+              </a:spcAft>
+              <a:buClr>
+                <a:schemeClr val="tx1"/>
+              </a:buClr>
+              <a:buSzPct val="100000"/>
+              <a:buFont typeface="Calibri" panose="020F0502020204030204" pitchFamily="34" charset="0"/>
+              <a:buChar char="​"/>
+              <a:defRPr sz="2000" b="0">
+                <a:solidFill>
+                  <a:schemeClr val="tx1"/>
+                </a:solidFill>
+                <a:latin typeface="+mn-lt"/>
+                <a:ea typeface="+mn-ea"/>
+                <a:cs typeface="+mn-cs"/>
+              </a:defRPr>
+            </a:lvl1pPr>
+            <a:lvl2pPr marL="432000" indent="-180000" algn="l" rtl="0" eaLnBrk="1" fontAlgn="base" hangingPunct="1">
+              <a:lnSpc>
+                <a:spcPct val="99000"/>
+              </a:lnSpc>
+              <a:spcBef>
+                <a:spcPts val="600"/>
+              </a:spcBef>
+              <a:spcAft>
+                <a:spcPct val="0"/>
+              </a:spcAft>
+              <a:buClr>
+                <a:schemeClr val="tx1"/>
+              </a:buClr>
+              <a:buSzPct val="100000"/>
+              <a:buFont typeface="Arial" panose="020B0604020202020204" pitchFamily="34" charset="0"/>
+              <a:buChar char="•"/>
+              <a:defRPr sz="2000">
+                <a:solidFill>
+                  <a:schemeClr val="tx1"/>
+                </a:solidFill>
+                <a:latin typeface="+mn-lt"/>
+              </a:defRPr>
+            </a:lvl2pPr>
+            <a:lvl3pPr marL="756000" indent="-180000" algn="l" rtl="0" eaLnBrk="1" fontAlgn="base" hangingPunct="1">
+              <a:lnSpc>
+                <a:spcPct val="99000"/>
+              </a:lnSpc>
+              <a:spcBef>
+                <a:spcPts val="600"/>
+              </a:spcBef>
+              <a:spcAft>
+                <a:spcPct val="0"/>
+              </a:spcAft>
+              <a:buClr>
+                <a:schemeClr val="tx1"/>
+              </a:buClr>
+              <a:buSzPct val="100000"/>
+              <a:buFont typeface="Arial" panose="020B0604020202020204" pitchFamily="34" charset="0"/>
+              <a:buChar char="•"/>
+              <a:defRPr sz="2000">
+                <a:solidFill>
+                  <a:schemeClr val="tx1"/>
+                </a:solidFill>
+                <a:latin typeface="+mn-lt"/>
+              </a:defRPr>
+            </a:lvl3pPr>
+            <a:lvl4pPr marL="1152000" indent="-180000" algn="l" rtl="0" eaLnBrk="1" fontAlgn="base" hangingPunct="1">
+              <a:lnSpc>
+                <a:spcPct val="99000"/>
+              </a:lnSpc>
+              <a:spcBef>
+                <a:spcPts val="600"/>
+              </a:spcBef>
+              <a:spcAft>
+                <a:spcPct val="0"/>
+              </a:spcAft>
+              <a:buClr>
+                <a:schemeClr val="tx1"/>
+              </a:buClr>
+              <a:buSzPct val="100000"/>
+              <a:buFont typeface="Arial" panose="020B0604020202020204" pitchFamily="34" charset="0"/>
+              <a:buChar char="•"/>
+              <a:defRPr sz="2000">
+                <a:solidFill>
+                  <a:schemeClr val="tx1"/>
+                </a:solidFill>
+                <a:latin typeface="+mn-lt"/>
+              </a:defRPr>
+            </a:lvl4pPr>
+            <a:lvl5pPr marL="1512000" indent="-180000" algn="l" rtl="0" eaLnBrk="1" fontAlgn="base" hangingPunct="1">
+              <a:lnSpc>
+                <a:spcPct val="99000"/>
+              </a:lnSpc>
+              <a:spcBef>
+                <a:spcPts val="600"/>
+              </a:spcBef>
+              <a:spcAft>
+                <a:spcPct val="0"/>
+              </a:spcAft>
+              <a:buClr>
+                <a:schemeClr val="tx1"/>
+              </a:buClr>
+              <a:buSzPct val="100000"/>
+              <a:buFont typeface="Arial" panose="020B0604020202020204" pitchFamily="34" charset="0"/>
+              <a:buChar char="•"/>
+              <a:defRPr sz="2000">
+                <a:solidFill>
+                  <a:schemeClr val="tx1"/>
+                </a:solidFill>
+                <a:latin typeface="+mn-lt"/>
+              </a:defRPr>
+            </a:lvl5pPr>
+            <a:lvl6pPr marL="1836000" indent="-180000" algn="l" rtl="0" eaLnBrk="1" fontAlgn="base" hangingPunct="1">
+              <a:lnSpc>
+                <a:spcPct val="99000"/>
+              </a:lnSpc>
+              <a:spcBef>
+                <a:spcPts val="600"/>
+              </a:spcBef>
+              <a:spcAft>
+                <a:spcPct val="0"/>
+              </a:spcAft>
+              <a:buClr>
+                <a:schemeClr val="tx1"/>
+              </a:buClr>
+              <a:buFont typeface="Arial" panose="020B0604020202020204" pitchFamily="34" charset="0"/>
+              <a:buChar char="•"/>
+              <a:defRPr sz="2000">
+                <a:solidFill>
+                  <a:schemeClr val="tx1"/>
+                </a:solidFill>
+                <a:latin typeface="+mn-lt"/>
+              </a:defRPr>
+            </a:lvl6pPr>
+            <a:lvl7pPr marL="1836000" indent="-180000" algn="l" rtl="0" eaLnBrk="1" fontAlgn="base" hangingPunct="1">
+              <a:lnSpc>
+                <a:spcPct val="99000"/>
+              </a:lnSpc>
+              <a:spcBef>
+                <a:spcPts val="600"/>
+              </a:spcBef>
+              <a:spcAft>
+                <a:spcPct val="0"/>
+              </a:spcAft>
+              <a:buClr>
+                <a:schemeClr val="tx1"/>
+              </a:buClr>
+              <a:buFont typeface="Arial" panose="020B0604020202020204" pitchFamily="34" charset="0"/>
+              <a:buChar char="•"/>
+              <a:defRPr sz="2000">
+                <a:solidFill>
+                  <a:schemeClr val="tx1"/>
+                </a:solidFill>
+                <a:latin typeface="+mn-lt"/>
+              </a:defRPr>
+            </a:lvl7pPr>
+            <a:lvl8pPr marL="1836000" indent="-180000" algn="l" rtl="0" eaLnBrk="1" fontAlgn="base" hangingPunct="1">
+              <a:lnSpc>
+                <a:spcPct val="99000"/>
+              </a:lnSpc>
+              <a:spcBef>
+                <a:spcPts val="600"/>
+              </a:spcBef>
+              <a:spcAft>
+                <a:spcPct val="0"/>
+              </a:spcAft>
+              <a:buClr>
+                <a:schemeClr val="tx1"/>
+              </a:buClr>
+              <a:buFont typeface="Arial" panose="020B0604020202020204" pitchFamily="34" charset="0"/>
+              <a:buChar char="•"/>
+              <a:defRPr sz="2000">
+                <a:solidFill>
+                  <a:schemeClr val="tx1"/>
+                </a:solidFill>
+                <a:latin typeface="+mn-lt"/>
+              </a:defRPr>
+            </a:lvl8pPr>
+            <a:lvl9pPr marL="1836000" indent="-180000" algn="l" rtl="0" eaLnBrk="1" fontAlgn="base" hangingPunct="1">
+              <a:lnSpc>
+                <a:spcPct val="99000"/>
+              </a:lnSpc>
+              <a:spcBef>
+                <a:spcPts val="600"/>
+              </a:spcBef>
+              <a:spcAft>
+                <a:spcPct val="0"/>
+              </a:spcAft>
+              <a:buClr>
+                <a:schemeClr val="tx1"/>
+              </a:buClr>
+              <a:buFont typeface="Arial" panose="020B0604020202020204" pitchFamily="34" charset="0"/>
+              <a:buChar char="•"/>
+              <a:defRPr sz="2000">
+                <a:solidFill>
+                  <a:schemeClr val="tx1"/>
+                </a:solidFill>
+                <a:latin typeface="+mn-lt"/>
+              </a:defRPr>
+            </a:lvl9pPr>
+          </a:lstStyle>
+          <a:p>
+            <a:r>
+              <a:rPr lang="en-US" kern="0" dirty="0" err="1">
+                <a:solidFill>
+                  <a:schemeClr val="bg1"/>
+                </a:solidFill>
+              </a:rPr>
+              <a:t>myFunction</a:t>
+            </a:r>
+            <a:r>
+              <a:rPr lang="en-US" kern="0" dirty="0">
+                <a:solidFill>
+                  <a:schemeClr val="bg1"/>
+                </a:solidFill>
+              </a:rPr>
+              <a:t>(1, 2)</a:t>
+            </a:r>
+            <a:endParaRPr lang="da-DK" kern="0" dirty="0">
+              <a:solidFill>
+                <a:schemeClr val="bg1"/>
+              </a:solidFill>
+            </a:endParaRPr>
+          </a:p>
+        </p:txBody>
+      </p:sp>
+      <p:sp>
+        <p:nvSpPr>
+          <p:cNvPr id="10" name="Oval 9">
+            <a:extLst>
+              <a:ext uri="{FF2B5EF4-FFF2-40B4-BE49-F238E27FC236}">
+                <a16:creationId xmlns:a16="http://schemas.microsoft.com/office/drawing/2014/main" id="{B29D28A8-CBA9-061F-4653-8E7CD257D42F}"/>
+              </a:ext>
+            </a:extLst>
+          </p:cNvPr>
+          <p:cNvSpPr/>
+          <p:nvPr/>
+        </p:nvSpPr>
+        <p:spPr bwMode="auto">
+          <a:xfrm>
+            <a:off x="6115021" y="3429000"/>
+            <a:ext cx="2952328" cy="1455904"/>
+          </a:xfrm>
+          <a:prstGeom prst="ellipse">
+            <a:avLst/>
+          </a:prstGeom>
+          <a:solidFill>
+            <a:srgbClr val="00B050"/>
+          </a:solidFill>
+          <a:ln w="1778" cap="flat" cmpd="sng" algn="ctr">
+            <a:solidFill>
+              <a:schemeClr val="accent2"/>
+            </a:solidFill>
+            <a:prstDash val="solid"/>
+            <a:round/>
+            <a:headEnd type="none" w="med" len="med"/>
+            <a:tailEnd type="none" w="med" len="med"/>
+          </a:ln>
+          <a:effectLst/>
+        </p:spPr>
+        <p:txBody>
+          <a:bodyPr vert="horz" wrap="square" lIns="91440" tIns="45720" rIns="91440" bIns="45720" numCol="1" rtlCol="0" anchor="t" anchorCtr="0" compatLnSpc="1">
+            <a:prstTxWarp prst="textNoShape">
+              <a:avLst/>
+            </a:prstTxWarp>
+            <a:noAutofit/>
+          </a:bodyPr>
+          <a:lstStyle/>
+          <a:p>
+            <a:pPr>
+              <a:lnSpc>
+                <a:spcPct val="100000"/>
+              </a:lnSpc>
+            </a:pPr>
+            <a:r>
+              <a:rPr lang="en-US" sz="1600" kern="0" dirty="0">
+                <a:solidFill>
+                  <a:schemeClr val="bg1"/>
+                </a:solidFill>
+              </a:rPr>
+              <a:t>myFunction2(a, b) {</a:t>
+            </a:r>
+          </a:p>
+          <a:p>
+            <a:pPr>
+              <a:lnSpc>
+                <a:spcPct val="100000"/>
+              </a:lnSpc>
+            </a:pPr>
+            <a:r>
+              <a:rPr lang="en-US" sz="1600" kern="0" dirty="0">
+                <a:solidFill>
+                  <a:schemeClr val="bg1"/>
+                </a:solidFill>
+              </a:rPr>
+              <a:t>      return(a + b + x)</a:t>
+            </a:r>
+          </a:p>
+          <a:p>
+            <a:pPr>
+              <a:lnSpc>
+                <a:spcPct val="100000"/>
+              </a:lnSpc>
+            </a:pPr>
+            <a:r>
+              <a:rPr lang="en-US" sz="1600" kern="0" dirty="0">
+                <a:solidFill>
+                  <a:schemeClr val="bg1"/>
+                </a:solidFill>
+              </a:rPr>
+              <a:t>}</a:t>
+            </a:r>
+            <a:endParaRPr lang="da-DK" sz="1600" kern="0" dirty="0">
+              <a:solidFill>
+                <a:schemeClr val="bg1"/>
+              </a:solidFill>
+            </a:endParaRPr>
+          </a:p>
+        </p:txBody>
+      </p:sp>
+      <p:sp>
+        <p:nvSpPr>
+          <p:cNvPr id="11" name="Content Placeholder 2">
+            <a:extLst>
+              <a:ext uri="{FF2B5EF4-FFF2-40B4-BE49-F238E27FC236}">
+                <a16:creationId xmlns:a16="http://schemas.microsoft.com/office/drawing/2014/main" id="{A494B294-99B4-DC3E-5D8F-046A0AAEA2DC}"/>
+              </a:ext>
+            </a:extLst>
+          </p:cNvPr>
+          <p:cNvSpPr txBox="1">
+            <a:spLocks/>
+          </p:cNvSpPr>
+          <p:nvPr/>
+        </p:nvSpPr>
+        <p:spPr bwMode="auto">
+          <a:xfrm>
+            <a:off x="2358008" y="3891214"/>
+            <a:ext cx="2059682" cy="360040"/>
+          </a:xfrm>
+          <a:prstGeom prst="rect">
+            <a:avLst/>
+          </a:prstGeom>
+          <a:noFill/>
+          <a:ln w="9525">
+            <a:noFill/>
+            <a:miter lim="800000"/>
+            <a:headEnd/>
+            <a:tailEnd/>
+          </a:ln>
+        </p:spPr>
+        <p:txBody>
+          <a:bodyPr vert="horz" wrap="square" lIns="0" tIns="0" rIns="0" bIns="0" numCol="1" anchor="t" anchorCtr="0" compatLnSpc="1">
+            <a:prstTxWarp prst="textNoShape">
+              <a:avLst/>
+            </a:prstTxWarp>
+          </a:bodyPr>
+          <a:lstStyle>
+            <a:lvl1pPr marL="0" indent="0" algn="l" rtl="0" eaLnBrk="1" fontAlgn="base" hangingPunct="1">
+              <a:lnSpc>
+                <a:spcPct val="99000"/>
+              </a:lnSpc>
+              <a:spcBef>
+                <a:spcPts val="600"/>
+              </a:spcBef>
+              <a:spcAft>
+                <a:spcPct val="0"/>
+              </a:spcAft>
+              <a:buClr>
+                <a:schemeClr val="tx1"/>
+              </a:buClr>
+              <a:buSzPct val="100000"/>
+              <a:buFont typeface="Calibri" panose="020F0502020204030204" pitchFamily="34" charset="0"/>
+              <a:buChar char="​"/>
+              <a:defRPr sz="2000" b="0">
+                <a:solidFill>
+                  <a:schemeClr val="tx1"/>
+                </a:solidFill>
+                <a:latin typeface="+mn-lt"/>
+                <a:ea typeface="+mn-ea"/>
+                <a:cs typeface="+mn-cs"/>
+              </a:defRPr>
+            </a:lvl1pPr>
+            <a:lvl2pPr marL="432000" indent="-180000" algn="l" rtl="0" eaLnBrk="1" fontAlgn="base" hangingPunct="1">
+              <a:lnSpc>
+                <a:spcPct val="99000"/>
+              </a:lnSpc>
+              <a:spcBef>
+                <a:spcPts val="600"/>
+              </a:spcBef>
+              <a:spcAft>
+                <a:spcPct val="0"/>
+              </a:spcAft>
+              <a:buClr>
+                <a:schemeClr val="tx1"/>
+              </a:buClr>
+              <a:buSzPct val="100000"/>
+              <a:buFont typeface="Arial" panose="020B0604020202020204" pitchFamily="34" charset="0"/>
+              <a:buChar char="•"/>
+              <a:defRPr sz="2000">
+                <a:solidFill>
+                  <a:schemeClr val="tx1"/>
+                </a:solidFill>
+                <a:latin typeface="+mn-lt"/>
+              </a:defRPr>
+            </a:lvl2pPr>
+            <a:lvl3pPr marL="756000" indent="-180000" algn="l" rtl="0" eaLnBrk="1" fontAlgn="base" hangingPunct="1">
+              <a:lnSpc>
+                <a:spcPct val="99000"/>
+              </a:lnSpc>
+              <a:spcBef>
+                <a:spcPts val="600"/>
+              </a:spcBef>
+              <a:spcAft>
+                <a:spcPct val="0"/>
+              </a:spcAft>
+              <a:buClr>
+                <a:schemeClr val="tx1"/>
+              </a:buClr>
+              <a:buSzPct val="100000"/>
+              <a:buFont typeface="Arial" panose="020B0604020202020204" pitchFamily="34" charset="0"/>
+              <a:buChar char="•"/>
+              <a:defRPr sz="2000">
+                <a:solidFill>
+                  <a:schemeClr val="tx1"/>
+                </a:solidFill>
+                <a:latin typeface="+mn-lt"/>
+              </a:defRPr>
+            </a:lvl3pPr>
+            <a:lvl4pPr marL="1152000" indent="-180000" algn="l" rtl="0" eaLnBrk="1" fontAlgn="base" hangingPunct="1">
+              <a:lnSpc>
+                <a:spcPct val="99000"/>
+              </a:lnSpc>
+              <a:spcBef>
+                <a:spcPts val="600"/>
+              </a:spcBef>
+              <a:spcAft>
+                <a:spcPct val="0"/>
+              </a:spcAft>
+              <a:buClr>
+                <a:schemeClr val="tx1"/>
+              </a:buClr>
+              <a:buSzPct val="100000"/>
+              <a:buFont typeface="Arial" panose="020B0604020202020204" pitchFamily="34" charset="0"/>
+              <a:buChar char="•"/>
+              <a:defRPr sz="2000">
+                <a:solidFill>
+                  <a:schemeClr val="tx1"/>
+                </a:solidFill>
+                <a:latin typeface="+mn-lt"/>
+              </a:defRPr>
+            </a:lvl4pPr>
+            <a:lvl5pPr marL="1512000" indent="-180000" algn="l" rtl="0" eaLnBrk="1" fontAlgn="base" hangingPunct="1">
+              <a:lnSpc>
+                <a:spcPct val="99000"/>
+              </a:lnSpc>
+              <a:spcBef>
+                <a:spcPts val="600"/>
+              </a:spcBef>
+              <a:spcAft>
+                <a:spcPct val="0"/>
+              </a:spcAft>
+              <a:buClr>
+                <a:schemeClr val="tx1"/>
+              </a:buClr>
+              <a:buSzPct val="100000"/>
+              <a:buFont typeface="Arial" panose="020B0604020202020204" pitchFamily="34" charset="0"/>
+              <a:buChar char="•"/>
+              <a:defRPr sz="2000">
+                <a:solidFill>
+                  <a:schemeClr val="tx1"/>
+                </a:solidFill>
+                <a:latin typeface="+mn-lt"/>
+              </a:defRPr>
+            </a:lvl5pPr>
+            <a:lvl6pPr marL="1836000" indent="-180000" algn="l" rtl="0" eaLnBrk="1" fontAlgn="base" hangingPunct="1">
+              <a:lnSpc>
+                <a:spcPct val="99000"/>
+              </a:lnSpc>
+              <a:spcBef>
+                <a:spcPts val="600"/>
+              </a:spcBef>
+              <a:spcAft>
+                <a:spcPct val="0"/>
+              </a:spcAft>
+              <a:buClr>
+                <a:schemeClr val="tx1"/>
+              </a:buClr>
+              <a:buFont typeface="Arial" panose="020B0604020202020204" pitchFamily="34" charset="0"/>
+              <a:buChar char="•"/>
+              <a:defRPr sz="2000">
+                <a:solidFill>
+                  <a:schemeClr val="tx1"/>
+                </a:solidFill>
+                <a:latin typeface="+mn-lt"/>
+              </a:defRPr>
+            </a:lvl6pPr>
+            <a:lvl7pPr marL="1836000" indent="-180000" algn="l" rtl="0" eaLnBrk="1" fontAlgn="base" hangingPunct="1">
+              <a:lnSpc>
+                <a:spcPct val="99000"/>
+              </a:lnSpc>
+              <a:spcBef>
+                <a:spcPts val="600"/>
+              </a:spcBef>
+              <a:spcAft>
+                <a:spcPct val="0"/>
+              </a:spcAft>
+              <a:buClr>
+                <a:schemeClr val="tx1"/>
+              </a:buClr>
+              <a:buFont typeface="Arial" panose="020B0604020202020204" pitchFamily="34" charset="0"/>
+              <a:buChar char="•"/>
+              <a:defRPr sz="2000">
+                <a:solidFill>
+                  <a:schemeClr val="tx1"/>
+                </a:solidFill>
+                <a:latin typeface="+mn-lt"/>
+              </a:defRPr>
+            </a:lvl7pPr>
+            <a:lvl8pPr marL="1836000" indent="-180000" algn="l" rtl="0" eaLnBrk="1" fontAlgn="base" hangingPunct="1">
+              <a:lnSpc>
+                <a:spcPct val="99000"/>
+              </a:lnSpc>
+              <a:spcBef>
+                <a:spcPts val="600"/>
+              </a:spcBef>
+              <a:spcAft>
+                <a:spcPct val="0"/>
+              </a:spcAft>
+              <a:buClr>
+                <a:schemeClr val="tx1"/>
+              </a:buClr>
+              <a:buFont typeface="Arial" panose="020B0604020202020204" pitchFamily="34" charset="0"/>
+              <a:buChar char="•"/>
+              <a:defRPr sz="2000">
+                <a:solidFill>
+                  <a:schemeClr val="tx1"/>
+                </a:solidFill>
+                <a:latin typeface="+mn-lt"/>
+              </a:defRPr>
+            </a:lvl8pPr>
+            <a:lvl9pPr marL="1836000" indent="-180000" algn="l" rtl="0" eaLnBrk="1" fontAlgn="base" hangingPunct="1">
+              <a:lnSpc>
+                <a:spcPct val="99000"/>
+              </a:lnSpc>
+              <a:spcBef>
+                <a:spcPts val="600"/>
+              </a:spcBef>
+              <a:spcAft>
+                <a:spcPct val="0"/>
+              </a:spcAft>
+              <a:buClr>
+                <a:schemeClr val="tx1"/>
+              </a:buClr>
+              <a:buFont typeface="Arial" panose="020B0604020202020204" pitchFamily="34" charset="0"/>
+              <a:buChar char="•"/>
+              <a:defRPr sz="2000">
+                <a:solidFill>
+                  <a:schemeClr val="tx1"/>
+                </a:solidFill>
+                <a:latin typeface="+mn-lt"/>
+              </a:defRPr>
+            </a:lvl9pPr>
+          </a:lstStyle>
+          <a:p>
+            <a:r>
+              <a:rPr lang="en-US" kern="0" dirty="0">
+                <a:solidFill>
+                  <a:schemeClr val="bg1"/>
+                </a:solidFill>
+              </a:rPr>
+              <a:t>myFunction2(1, 2)</a:t>
+            </a:r>
+            <a:endParaRPr lang="da-DK" kern="0" dirty="0">
+              <a:solidFill>
+                <a:schemeClr val="bg1"/>
+              </a:solidFill>
+            </a:endParaRPr>
+          </a:p>
+        </p:txBody>
+      </p:sp>
+      <p:cxnSp>
+        <p:nvCxnSpPr>
+          <p:cNvPr id="13" name="Straight Arrow Connector 12">
+            <a:extLst>
+              <a:ext uri="{FF2B5EF4-FFF2-40B4-BE49-F238E27FC236}">
+                <a16:creationId xmlns:a16="http://schemas.microsoft.com/office/drawing/2014/main" id="{14CF3329-8775-5028-392F-4B3952904EE5}"/>
+              </a:ext>
+            </a:extLst>
+          </p:cNvPr>
+          <p:cNvCxnSpPr>
+            <a:cxnSpLocks/>
+            <a:stCxn id="8" idx="3"/>
+          </p:cNvCxnSpPr>
+          <p:nvPr/>
+        </p:nvCxnSpPr>
+        <p:spPr bwMode="auto">
+          <a:xfrm flipV="1">
+            <a:off x="4378054" y="2420888"/>
+            <a:ext cx="1715859" cy="1188132"/>
+          </a:xfrm>
+          <a:prstGeom prst="straightConnector1">
+            <a:avLst/>
+          </a:prstGeom>
+          <a:solidFill>
+            <a:schemeClr val="accent2"/>
+          </a:solidFill>
+          <a:ln w="28575" cap="flat" cmpd="sng" algn="ctr">
+            <a:solidFill>
+              <a:schemeClr val="accent1"/>
+            </a:solidFill>
+            <a:prstDash val="solid"/>
+            <a:round/>
+            <a:headEnd type="none" w="med" len="med"/>
+            <a:tailEnd type="triangle"/>
+          </a:ln>
+          <a:effectLst/>
+        </p:spPr>
+      </p:cxnSp>
+      <p:cxnSp>
+        <p:nvCxnSpPr>
+          <p:cNvPr id="14" name="Straight Arrow Connector 13">
+            <a:extLst>
+              <a:ext uri="{FF2B5EF4-FFF2-40B4-BE49-F238E27FC236}">
+                <a16:creationId xmlns:a16="http://schemas.microsoft.com/office/drawing/2014/main" id="{07340944-C5FA-696F-F0EB-0A6F20B16E1A}"/>
+              </a:ext>
+            </a:extLst>
+          </p:cNvPr>
+          <p:cNvCxnSpPr>
+            <a:cxnSpLocks/>
+          </p:cNvCxnSpPr>
+          <p:nvPr/>
+        </p:nvCxnSpPr>
+        <p:spPr bwMode="auto">
+          <a:xfrm>
+            <a:off x="4478434" y="4005064"/>
+            <a:ext cx="1534626" cy="151888"/>
+          </a:xfrm>
+          <a:prstGeom prst="straightConnector1">
+            <a:avLst/>
+          </a:prstGeom>
+          <a:solidFill>
+            <a:schemeClr val="accent2"/>
+          </a:solidFill>
+          <a:ln w="28575" cap="flat" cmpd="sng" algn="ctr">
+            <a:solidFill>
+              <a:schemeClr val="accent1"/>
+            </a:solidFill>
+            <a:prstDash val="solid"/>
+            <a:round/>
+            <a:headEnd type="none" w="med" len="med"/>
+            <a:tailEnd type="triangle"/>
+          </a:ln>
+          <a:effectLst/>
+        </p:spPr>
+      </p:cxnSp>
+      <p:sp>
+        <p:nvSpPr>
+          <p:cNvPr id="18" name="Content Placeholder 2">
+            <a:extLst>
+              <a:ext uri="{FF2B5EF4-FFF2-40B4-BE49-F238E27FC236}">
+                <a16:creationId xmlns:a16="http://schemas.microsoft.com/office/drawing/2014/main" id="{FE488D90-8A2B-2B9D-99E0-EE4C2859EEF3}"/>
+              </a:ext>
+            </a:extLst>
+          </p:cNvPr>
+          <p:cNvSpPr txBox="1">
+            <a:spLocks/>
+          </p:cNvSpPr>
+          <p:nvPr/>
+        </p:nvSpPr>
+        <p:spPr bwMode="auto">
+          <a:xfrm>
+            <a:off x="9236497" y="1483877"/>
+            <a:ext cx="2952328" cy="1054811"/>
+          </a:xfrm>
+          <a:prstGeom prst="rect">
+            <a:avLst/>
+          </a:prstGeom>
+          <a:noFill/>
+          <a:ln w="9525">
+            <a:noFill/>
+            <a:miter lim="800000"/>
+            <a:headEnd/>
+            <a:tailEnd/>
+          </a:ln>
+        </p:spPr>
+        <p:txBody>
+          <a:bodyPr vert="horz" wrap="square" lIns="0" tIns="0" rIns="0" bIns="0" numCol="1" anchor="t" anchorCtr="0" compatLnSpc="1">
+            <a:prstTxWarp prst="textNoShape">
+              <a:avLst/>
+            </a:prstTxWarp>
+          </a:bodyPr>
+          <a:lstStyle>
+            <a:lvl1pPr marL="0" indent="0" algn="l" rtl="0" eaLnBrk="1" fontAlgn="base" hangingPunct="1">
+              <a:lnSpc>
+                <a:spcPct val="99000"/>
+              </a:lnSpc>
+              <a:spcBef>
+                <a:spcPts val="600"/>
+              </a:spcBef>
+              <a:spcAft>
+                <a:spcPct val="0"/>
+              </a:spcAft>
+              <a:buClr>
+                <a:schemeClr val="tx1"/>
+              </a:buClr>
+              <a:buSzPct val="100000"/>
+              <a:buFont typeface="Calibri" panose="020F0502020204030204" pitchFamily="34" charset="0"/>
+              <a:buChar char="​"/>
+              <a:defRPr sz="2000" b="0">
+                <a:solidFill>
+                  <a:schemeClr val="tx1"/>
+                </a:solidFill>
+                <a:latin typeface="+mn-lt"/>
+                <a:ea typeface="+mn-ea"/>
+                <a:cs typeface="+mn-cs"/>
+              </a:defRPr>
+            </a:lvl1pPr>
+            <a:lvl2pPr marL="432000" indent="-180000" algn="l" rtl="0" eaLnBrk="1" fontAlgn="base" hangingPunct="1">
+              <a:lnSpc>
+                <a:spcPct val="99000"/>
+              </a:lnSpc>
+              <a:spcBef>
+                <a:spcPts val="600"/>
+              </a:spcBef>
+              <a:spcAft>
+                <a:spcPct val="0"/>
+              </a:spcAft>
+              <a:buClr>
+                <a:schemeClr val="tx1"/>
+              </a:buClr>
+              <a:buSzPct val="100000"/>
+              <a:buFont typeface="Arial" panose="020B0604020202020204" pitchFamily="34" charset="0"/>
+              <a:buChar char="•"/>
+              <a:defRPr sz="2000">
+                <a:solidFill>
+                  <a:schemeClr val="tx1"/>
+                </a:solidFill>
+                <a:latin typeface="+mn-lt"/>
+              </a:defRPr>
+            </a:lvl2pPr>
+            <a:lvl3pPr marL="756000" indent="-180000" algn="l" rtl="0" eaLnBrk="1" fontAlgn="base" hangingPunct="1">
+              <a:lnSpc>
+                <a:spcPct val="99000"/>
+              </a:lnSpc>
+              <a:spcBef>
+                <a:spcPts val="600"/>
+              </a:spcBef>
+              <a:spcAft>
+                <a:spcPct val="0"/>
+              </a:spcAft>
+              <a:buClr>
+                <a:schemeClr val="tx1"/>
+              </a:buClr>
+              <a:buSzPct val="100000"/>
+              <a:buFont typeface="Arial" panose="020B0604020202020204" pitchFamily="34" charset="0"/>
+              <a:buChar char="•"/>
+              <a:defRPr sz="2000">
+                <a:solidFill>
+                  <a:schemeClr val="tx1"/>
+                </a:solidFill>
+                <a:latin typeface="+mn-lt"/>
+              </a:defRPr>
+            </a:lvl3pPr>
+            <a:lvl4pPr marL="1152000" indent="-180000" algn="l" rtl="0" eaLnBrk="1" fontAlgn="base" hangingPunct="1">
+              <a:lnSpc>
+                <a:spcPct val="99000"/>
+              </a:lnSpc>
+              <a:spcBef>
+                <a:spcPts val="600"/>
+              </a:spcBef>
+              <a:spcAft>
+                <a:spcPct val="0"/>
+              </a:spcAft>
+              <a:buClr>
+                <a:schemeClr val="tx1"/>
+              </a:buClr>
+              <a:buSzPct val="100000"/>
+              <a:buFont typeface="Arial" panose="020B0604020202020204" pitchFamily="34" charset="0"/>
+              <a:buChar char="•"/>
+              <a:defRPr sz="2000">
+                <a:solidFill>
+                  <a:schemeClr val="tx1"/>
+                </a:solidFill>
+                <a:latin typeface="+mn-lt"/>
+              </a:defRPr>
+            </a:lvl4pPr>
+            <a:lvl5pPr marL="1512000" indent="-180000" algn="l" rtl="0" eaLnBrk="1" fontAlgn="base" hangingPunct="1">
+              <a:lnSpc>
+                <a:spcPct val="99000"/>
+              </a:lnSpc>
+              <a:spcBef>
+                <a:spcPts val="600"/>
+              </a:spcBef>
+              <a:spcAft>
+                <a:spcPct val="0"/>
+              </a:spcAft>
+              <a:buClr>
+                <a:schemeClr val="tx1"/>
+              </a:buClr>
+              <a:buSzPct val="100000"/>
+              <a:buFont typeface="Arial" panose="020B0604020202020204" pitchFamily="34" charset="0"/>
+              <a:buChar char="•"/>
+              <a:defRPr sz="2000">
+                <a:solidFill>
+                  <a:schemeClr val="tx1"/>
+                </a:solidFill>
+                <a:latin typeface="+mn-lt"/>
+              </a:defRPr>
+            </a:lvl5pPr>
+            <a:lvl6pPr marL="1836000" indent="-180000" algn="l" rtl="0" eaLnBrk="1" fontAlgn="base" hangingPunct="1">
+              <a:lnSpc>
+                <a:spcPct val="99000"/>
+              </a:lnSpc>
+              <a:spcBef>
+                <a:spcPts val="600"/>
+              </a:spcBef>
+              <a:spcAft>
+                <a:spcPct val="0"/>
+              </a:spcAft>
+              <a:buClr>
+                <a:schemeClr val="tx1"/>
+              </a:buClr>
+              <a:buFont typeface="Arial" panose="020B0604020202020204" pitchFamily="34" charset="0"/>
+              <a:buChar char="•"/>
+              <a:defRPr sz="2000">
+                <a:solidFill>
+                  <a:schemeClr val="tx1"/>
+                </a:solidFill>
+                <a:latin typeface="+mn-lt"/>
+              </a:defRPr>
+            </a:lvl6pPr>
+            <a:lvl7pPr marL="1836000" indent="-180000" algn="l" rtl="0" eaLnBrk="1" fontAlgn="base" hangingPunct="1">
+              <a:lnSpc>
+                <a:spcPct val="99000"/>
+              </a:lnSpc>
+              <a:spcBef>
+                <a:spcPts val="600"/>
+              </a:spcBef>
+              <a:spcAft>
+                <a:spcPct val="0"/>
+              </a:spcAft>
+              <a:buClr>
+                <a:schemeClr val="tx1"/>
+              </a:buClr>
+              <a:buFont typeface="Arial" panose="020B0604020202020204" pitchFamily="34" charset="0"/>
+              <a:buChar char="•"/>
+              <a:defRPr sz="2000">
+                <a:solidFill>
+                  <a:schemeClr val="tx1"/>
+                </a:solidFill>
+                <a:latin typeface="+mn-lt"/>
+              </a:defRPr>
+            </a:lvl7pPr>
+            <a:lvl8pPr marL="1836000" indent="-180000" algn="l" rtl="0" eaLnBrk="1" fontAlgn="base" hangingPunct="1">
+              <a:lnSpc>
+                <a:spcPct val="99000"/>
+              </a:lnSpc>
+              <a:spcBef>
+                <a:spcPts val="600"/>
+              </a:spcBef>
+              <a:spcAft>
+                <a:spcPct val="0"/>
+              </a:spcAft>
+              <a:buClr>
+                <a:schemeClr val="tx1"/>
+              </a:buClr>
+              <a:buFont typeface="Arial" panose="020B0604020202020204" pitchFamily="34" charset="0"/>
+              <a:buChar char="•"/>
+              <a:defRPr sz="2000">
+                <a:solidFill>
+                  <a:schemeClr val="tx1"/>
+                </a:solidFill>
+                <a:latin typeface="+mn-lt"/>
+              </a:defRPr>
+            </a:lvl8pPr>
+            <a:lvl9pPr marL="1836000" indent="-180000" algn="l" rtl="0" eaLnBrk="1" fontAlgn="base" hangingPunct="1">
+              <a:lnSpc>
+                <a:spcPct val="99000"/>
+              </a:lnSpc>
+              <a:spcBef>
+                <a:spcPts val="600"/>
+              </a:spcBef>
+              <a:spcAft>
+                <a:spcPct val="0"/>
+              </a:spcAft>
+              <a:buClr>
+                <a:schemeClr val="tx1"/>
+              </a:buClr>
+              <a:buFont typeface="Arial" panose="020B0604020202020204" pitchFamily="34" charset="0"/>
+              <a:buChar char="•"/>
+              <a:defRPr sz="2000">
+                <a:solidFill>
+                  <a:schemeClr val="tx1"/>
+                </a:solidFill>
+                <a:latin typeface="+mn-lt"/>
+              </a:defRPr>
+            </a:lvl9pPr>
+          </a:lstStyle>
+          <a:p>
+            <a:r>
+              <a:rPr lang="en-US" kern="0" dirty="0"/>
+              <a:t>a and b exist within the function and are destroyed after it returns</a:t>
+            </a:r>
+            <a:endParaRPr lang="da-DK" kern="0" dirty="0"/>
+          </a:p>
+        </p:txBody>
+      </p:sp>
+      <p:sp>
+        <p:nvSpPr>
+          <p:cNvPr id="19" name="Content Placeholder 2">
+            <a:extLst>
+              <a:ext uri="{FF2B5EF4-FFF2-40B4-BE49-F238E27FC236}">
+                <a16:creationId xmlns:a16="http://schemas.microsoft.com/office/drawing/2014/main" id="{E8F5B707-2409-7D79-2D6F-CDBF131EF7C9}"/>
+              </a:ext>
+            </a:extLst>
+          </p:cNvPr>
+          <p:cNvSpPr txBox="1">
+            <a:spLocks/>
+          </p:cNvSpPr>
+          <p:nvPr/>
+        </p:nvSpPr>
+        <p:spPr bwMode="auto">
+          <a:xfrm>
+            <a:off x="9128093" y="3579833"/>
+            <a:ext cx="3047152" cy="1342843"/>
+          </a:xfrm>
+          <a:prstGeom prst="rect">
+            <a:avLst/>
+          </a:prstGeom>
+          <a:noFill/>
+          <a:ln w="9525">
+            <a:noFill/>
+            <a:miter lim="800000"/>
+            <a:headEnd/>
+            <a:tailEnd/>
+          </a:ln>
+        </p:spPr>
+        <p:txBody>
+          <a:bodyPr vert="horz" wrap="square" lIns="0" tIns="0" rIns="0" bIns="0" numCol="1" anchor="t" anchorCtr="0" compatLnSpc="1">
+            <a:prstTxWarp prst="textNoShape">
+              <a:avLst/>
+            </a:prstTxWarp>
+          </a:bodyPr>
+          <a:lstStyle>
+            <a:lvl1pPr marL="0" indent="0" algn="l" rtl="0" eaLnBrk="1" fontAlgn="base" hangingPunct="1">
+              <a:lnSpc>
+                <a:spcPct val="99000"/>
+              </a:lnSpc>
+              <a:spcBef>
+                <a:spcPts val="600"/>
+              </a:spcBef>
+              <a:spcAft>
+                <a:spcPct val="0"/>
+              </a:spcAft>
+              <a:buClr>
+                <a:schemeClr val="tx1"/>
+              </a:buClr>
+              <a:buSzPct val="100000"/>
+              <a:buFont typeface="Calibri" panose="020F0502020204030204" pitchFamily="34" charset="0"/>
+              <a:buChar char="​"/>
+              <a:defRPr sz="2000" b="0">
+                <a:solidFill>
+                  <a:schemeClr val="tx1"/>
+                </a:solidFill>
+                <a:latin typeface="+mn-lt"/>
+                <a:ea typeface="+mn-ea"/>
+                <a:cs typeface="+mn-cs"/>
+              </a:defRPr>
+            </a:lvl1pPr>
+            <a:lvl2pPr marL="432000" indent="-180000" algn="l" rtl="0" eaLnBrk="1" fontAlgn="base" hangingPunct="1">
+              <a:lnSpc>
+                <a:spcPct val="99000"/>
+              </a:lnSpc>
+              <a:spcBef>
+                <a:spcPts val="600"/>
+              </a:spcBef>
+              <a:spcAft>
+                <a:spcPct val="0"/>
+              </a:spcAft>
+              <a:buClr>
+                <a:schemeClr val="tx1"/>
+              </a:buClr>
+              <a:buSzPct val="100000"/>
+              <a:buFont typeface="Arial" panose="020B0604020202020204" pitchFamily="34" charset="0"/>
+              <a:buChar char="•"/>
+              <a:defRPr sz="2000">
+                <a:solidFill>
+                  <a:schemeClr val="tx1"/>
+                </a:solidFill>
+                <a:latin typeface="+mn-lt"/>
+              </a:defRPr>
+            </a:lvl2pPr>
+            <a:lvl3pPr marL="756000" indent="-180000" algn="l" rtl="0" eaLnBrk="1" fontAlgn="base" hangingPunct="1">
+              <a:lnSpc>
+                <a:spcPct val="99000"/>
+              </a:lnSpc>
+              <a:spcBef>
+                <a:spcPts val="600"/>
+              </a:spcBef>
+              <a:spcAft>
+                <a:spcPct val="0"/>
+              </a:spcAft>
+              <a:buClr>
+                <a:schemeClr val="tx1"/>
+              </a:buClr>
+              <a:buSzPct val="100000"/>
+              <a:buFont typeface="Arial" panose="020B0604020202020204" pitchFamily="34" charset="0"/>
+              <a:buChar char="•"/>
+              <a:defRPr sz="2000">
+                <a:solidFill>
+                  <a:schemeClr val="tx1"/>
+                </a:solidFill>
+                <a:latin typeface="+mn-lt"/>
+              </a:defRPr>
+            </a:lvl3pPr>
+            <a:lvl4pPr marL="1152000" indent="-180000" algn="l" rtl="0" eaLnBrk="1" fontAlgn="base" hangingPunct="1">
+              <a:lnSpc>
+                <a:spcPct val="99000"/>
+              </a:lnSpc>
+              <a:spcBef>
+                <a:spcPts val="600"/>
+              </a:spcBef>
+              <a:spcAft>
+                <a:spcPct val="0"/>
+              </a:spcAft>
+              <a:buClr>
+                <a:schemeClr val="tx1"/>
+              </a:buClr>
+              <a:buSzPct val="100000"/>
+              <a:buFont typeface="Arial" panose="020B0604020202020204" pitchFamily="34" charset="0"/>
+              <a:buChar char="•"/>
+              <a:defRPr sz="2000">
+                <a:solidFill>
+                  <a:schemeClr val="tx1"/>
+                </a:solidFill>
+                <a:latin typeface="+mn-lt"/>
+              </a:defRPr>
+            </a:lvl4pPr>
+            <a:lvl5pPr marL="1512000" indent="-180000" algn="l" rtl="0" eaLnBrk="1" fontAlgn="base" hangingPunct="1">
+              <a:lnSpc>
+                <a:spcPct val="99000"/>
+              </a:lnSpc>
+              <a:spcBef>
+                <a:spcPts val="600"/>
+              </a:spcBef>
+              <a:spcAft>
+                <a:spcPct val="0"/>
+              </a:spcAft>
+              <a:buClr>
+                <a:schemeClr val="tx1"/>
+              </a:buClr>
+              <a:buSzPct val="100000"/>
+              <a:buFont typeface="Arial" panose="020B0604020202020204" pitchFamily="34" charset="0"/>
+              <a:buChar char="•"/>
+              <a:defRPr sz="2000">
+                <a:solidFill>
+                  <a:schemeClr val="tx1"/>
+                </a:solidFill>
+                <a:latin typeface="+mn-lt"/>
+              </a:defRPr>
+            </a:lvl5pPr>
+            <a:lvl6pPr marL="1836000" indent="-180000" algn="l" rtl="0" eaLnBrk="1" fontAlgn="base" hangingPunct="1">
+              <a:lnSpc>
+                <a:spcPct val="99000"/>
+              </a:lnSpc>
+              <a:spcBef>
+                <a:spcPts val="600"/>
+              </a:spcBef>
+              <a:spcAft>
+                <a:spcPct val="0"/>
+              </a:spcAft>
+              <a:buClr>
+                <a:schemeClr val="tx1"/>
+              </a:buClr>
+              <a:buFont typeface="Arial" panose="020B0604020202020204" pitchFamily="34" charset="0"/>
+              <a:buChar char="•"/>
+              <a:defRPr sz="2000">
+                <a:solidFill>
+                  <a:schemeClr val="tx1"/>
+                </a:solidFill>
+                <a:latin typeface="+mn-lt"/>
+              </a:defRPr>
+            </a:lvl6pPr>
+            <a:lvl7pPr marL="1836000" indent="-180000" algn="l" rtl="0" eaLnBrk="1" fontAlgn="base" hangingPunct="1">
+              <a:lnSpc>
+                <a:spcPct val="99000"/>
+              </a:lnSpc>
+              <a:spcBef>
+                <a:spcPts val="600"/>
+              </a:spcBef>
+              <a:spcAft>
+                <a:spcPct val="0"/>
+              </a:spcAft>
+              <a:buClr>
+                <a:schemeClr val="tx1"/>
+              </a:buClr>
+              <a:buFont typeface="Arial" panose="020B0604020202020204" pitchFamily="34" charset="0"/>
+              <a:buChar char="•"/>
+              <a:defRPr sz="2000">
+                <a:solidFill>
+                  <a:schemeClr val="tx1"/>
+                </a:solidFill>
+                <a:latin typeface="+mn-lt"/>
+              </a:defRPr>
+            </a:lvl7pPr>
+            <a:lvl8pPr marL="1836000" indent="-180000" algn="l" rtl="0" eaLnBrk="1" fontAlgn="base" hangingPunct="1">
+              <a:lnSpc>
+                <a:spcPct val="99000"/>
+              </a:lnSpc>
+              <a:spcBef>
+                <a:spcPts val="600"/>
+              </a:spcBef>
+              <a:spcAft>
+                <a:spcPct val="0"/>
+              </a:spcAft>
+              <a:buClr>
+                <a:schemeClr val="tx1"/>
+              </a:buClr>
+              <a:buFont typeface="Arial" panose="020B0604020202020204" pitchFamily="34" charset="0"/>
+              <a:buChar char="•"/>
+              <a:defRPr sz="2000">
+                <a:solidFill>
+                  <a:schemeClr val="tx1"/>
+                </a:solidFill>
+                <a:latin typeface="+mn-lt"/>
+              </a:defRPr>
+            </a:lvl8pPr>
+            <a:lvl9pPr marL="1836000" indent="-180000" algn="l" rtl="0" eaLnBrk="1" fontAlgn="base" hangingPunct="1">
+              <a:lnSpc>
+                <a:spcPct val="99000"/>
+              </a:lnSpc>
+              <a:spcBef>
+                <a:spcPts val="600"/>
+              </a:spcBef>
+              <a:spcAft>
+                <a:spcPct val="0"/>
+              </a:spcAft>
+              <a:buClr>
+                <a:schemeClr val="tx1"/>
+              </a:buClr>
+              <a:buFont typeface="Arial" panose="020B0604020202020204" pitchFamily="34" charset="0"/>
+              <a:buChar char="•"/>
+              <a:defRPr sz="2000">
+                <a:solidFill>
+                  <a:schemeClr val="tx1"/>
+                </a:solidFill>
+                <a:latin typeface="+mn-lt"/>
+              </a:defRPr>
+            </a:lvl9pPr>
+          </a:lstStyle>
+          <a:p>
+            <a:r>
+              <a:rPr lang="en-US" kern="0" dirty="0"/>
+              <a:t>x is not defined within the scope (function), so R looks at global environment</a:t>
+            </a:r>
+            <a:endParaRPr lang="da-DK" kern="0" dirty="0"/>
+          </a:p>
+        </p:txBody>
+      </p:sp>
+      <p:sp>
+        <p:nvSpPr>
+          <p:cNvPr id="27" name="Content Placeholder 2">
+            <a:extLst>
+              <a:ext uri="{FF2B5EF4-FFF2-40B4-BE49-F238E27FC236}">
+                <a16:creationId xmlns:a16="http://schemas.microsoft.com/office/drawing/2014/main" id="{37787B53-94F0-8B94-11CA-4C2AD98442C6}"/>
+              </a:ext>
+            </a:extLst>
+          </p:cNvPr>
+          <p:cNvSpPr txBox="1">
+            <a:spLocks/>
+          </p:cNvSpPr>
+          <p:nvPr/>
+        </p:nvSpPr>
+        <p:spPr bwMode="auto">
+          <a:xfrm>
+            <a:off x="2368668" y="4308179"/>
+            <a:ext cx="2059682" cy="360040"/>
+          </a:xfrm>
+          <a:prstGeom prst="rect">
+            <a:avLst/>
+          </a:prstGeom>
+          <a:noFill/>
+          <a:ln w="9525">
+            <a:noFill/>
+            <a:miter lim="800000"/>
+            <a:headEnd/>
+            <a:tailEnd/>
+          </a:ln>
+        </p:spPr>
+        <p:txBody>
+          <a:bodyPr vert="horz" wrap="square" lIns="0" tIns="0" rIns="0" bIns="0" numCol="1" anchor="t" anchorCtr="0" compatLnSpc="1">
+            <a:prstTxWarp prst="textNoShape">
+              <a:avLst/>
+            </a:prstTxWarp>
+          </a:bodyPr>
+          <a:lstStyle>
+            <a:lvl1pPr marL="0" indent="0" algn="l" rtl="0" eaLnBrk="1" fontAlgn="base" hangingPunct="1">
+              <a:lnSpc>
+                <a:spcPct val="99000"/>
+              </a:lnSpc>
+              <a:spcBef>
+                <a:spcPts val="600"/>
+              </a:spcBef>
+              <a:spcAft>
+                <a:spcPct val="0"/>
+              </a:spcAft>
+              <a:buClr>
+                <a:schemeClr val="tx1"/>
+              </a:buClr>
+              <a:buSzPct val="100000"/>
+              <a:buFont typeface="Calibri" panose="020F0502020204030204" pitchFamily="34" charset="0"/>
+              <a:buChar char="​"/>
+              <a:defRPr sz="2000" b="0">
+                <a:solidFill>
+                  <a:schemeClr val="tx1"/>
+                </a:solidFill>
+                <a:latin typeface="+mn-lt"/>
+                <a:ea typeface="+mn-ea"/>
+                <a:cs typeface="+mn-cs"/>
+              </a:defRPr>
+            </a:lvl1pPr>
+            <a:lvl2pPr marL="432000" indent="-180000" algn="l" rtl="0" eaLnBrk="1" fontAlgn="base" hangingPunct="1">
+              <a:lnSpc>
+                <a:spcPct val="99000"/>
+              </a:lnSpc>
+              <a:spcBef>
+                <a:spcPts val="600"/>
+              </a:spcBef>
+              <a:spcAft>
+                <a:spcPct val="0"/>
+              </a:spcAft>
+              <a:buClr>
+                <a:schemeClr val="tx1"/>
+              </a:buClr>
+              <a:buSzPct val="100000"/>
+              <a:buFont typeface="Arial" panose="020B0604020202020204" pitchFamily="34" charset="0"/>
+              <a:buChar char="•"/>
+              <a:defRPr sz="2000">
+                <a:solidFill>
+                  <a:schemeClr val="tx1"/>
+                </a:solidFill>
+                <a:latin typeface="+mn-lt"/>
+              </a:defRPr>
+            </a:lvl2pPr>
+            <a:lvl3pPr marL="756000" indent="-180000" algn="l" rtl="0" eaLnBrk="1" fontAlgn="base" hangingPunct="1">
+              <a:lnSpc>
+                <a:spcPct val="99000"/>
+              </a:lnSpc>
+              <a:spcBef>
+                <a:spcPts val="600"/>
+              </a:spcBef>
+              <a:spcAft>
+                <a:spcPct val="0"/>
+              </a:spcAft>
+              <a:buClr>
+                <a:schemeClr val="tx1"/>
+              </a:buClr>
+              <a:buSzPct val="100000"/>
+              <a:buFont typeface="Arial" panose="020B0604020202020204" pitchFamily="34" charset="0"/>
+              <a:buChar char="•"/>
+              <a:defRPr sz="2000">
+                <a:solidFill>
+                  <a:schemeClr val="tx1"/>
+                </a:solidFill>
+                <a:latin typeface="+mn-lt"/>
+              </a:defRPr>
+            </a:lvl3pPr>
+            <a:lvl4pPr marL="1152000" indent="-180000" algn="l" rtl="0" eaLnBrk="1" fontAlgn="base" hangingPunct="1">
+              <a:lnSpc>
+                <a:spcPct val="99000"/>
+              </a:lnSpc>
+              <a:spcBef>
+                <a:spcPts val="600"/>
+              </a:spcBef>
+              <a:spcAft>
+                <a:spcPct val="0"/>
+              </a:spcAft>
+              <a:buClr>
+                <a:schemeClr val="tx1"/>
+              </a:buClr>
+              <a:buSzPct val="100000"/>
+              <a:buFont typeface="Arial" panose="020B0604020202020204" pitchFamily="34" charset="0"/>
+              <a:buChar char="•"/>
+              <a:defRPr sz="2000">
+                <a:solidFill>
+                  <a:schemeClr val="tx1"/>
+                </a:solidFill>
+                <a:latin typeface="+mn-lt"/>
+              </a:defRPr>
+            </a:lvl4pPr>
+            <a:lvl5pPr marL="1512000" indent="-180000" algn="l" rtl="0" eaLnBrk="1" fontAlgn="base" hangingPunct="1">
+              <a:lnSpc>
+                <a:spcPct val="99000"/>
+              </a:lnSpc>
+              <a:spcBef>
+                <a:spcPts val="600"/>
+              </a:spcBef>
+              <a:spcAft>
+                <a:spcPct val="0"/>
+              </a:spcAft>
+              <a:buClr>
+                <a:schemeClr val="tx1"/>
+              </a:buClr>
+              <a:buSzPct val="100000"/>
+              <a:buFont typeface="Arial" panose="020B0604020202020204" pitchFamily="34" charset="0"/>
+              <a:buChar char="•"/>
+              <a:defRPr sz="2000">
+                <a:solidFill>
+                  <a:schemeClr val="tx1"/>
+                </a:solidFill>
+                <a:latin typeface="+mn-lt"/>
+              </a:defRPr>
+            </a:lvl5pPr>
+            <a:lvl6pPr marL="1836000" indent="-180000" algn="l" rtl="0" eaLnBrk="1" fontAlgn="base" hangingPunct="1">
+              <a:lnSpc>
+                <a:spcPct val="99000"/>
+              </a:lnSpc>
+              <a:spcBef>
+                <a:spcPts val="600"/>
+              </a:spcBef>
+              <a:spcAft>
+                <a:spcPct val="0"/>
+              </a:spcAft>
+              <a:buClr>
+                <a:schemeClr val="tx1"/>
+              </a:buClr>
+              <a:buFont typeface="Arial" panose="020B0604020202020204" pitchFamily="34" charset="0"/>
+              <a:buChar char="•"/>
+              <a:defRPr sz="2000">
+                <a:solidFill>
+                  <a:schemeClr val="tx1"/>
+                </a:solidFill>
+                <a:latin typeface="+mn-lt"/>
+              </a:defRPr>
+            </a:lvl6pPr>
+            <a:lvl7pPr marL="1836000" indent="-180000" algn="l" rtl="0" eaLnBrk="1" fontAlgn="base" hangingPunct="1">
+              <a:lnSpc>
+                <a:spcPct val="99000"/>
+              </a:lnSpc>
+              <a:spcBef>
+                <a:spcPts val="600"/>
+              </a:spcBef>
+              <a:spcAft>
+                <a:spcPct val="0"/>
+              </a:spcAft>
+              <a:buClr>
+                <a:schemeClr val="tx1"/>
+              </a:buClr>
+              <a:buFont typeface="Arial" panose="020B0604020202020204" pitchFamily="34" charset="0"/>
+              <a:buChar char="•"/>
+              <a:defRPr sz="2000">
+                <a:solidFill>
+                  <a:schemeClr val="tx1"/>
+                </a:solidFill>
+                <a:latin typeface="+mn-lt"/>
+              </a:defRPr>
+            </a:lvl7pPr>
+            <a:lvl8pPr marL="1836000" indent="-180000" algn="l" rtl="0" eaLnBrk="1" fontAlgn="base" hangingPunct="1">
+              <a:lnSpc>
+                <a:spcPct val="99000"/>
+              </a:lnSpc>
+              <a:spcBef>
+                <a:spcPts val="600"/>
+              </a:spcBef>
+              <a:spcAft>
+                <a:spcPct val="0"/>
+              </a:spcAft>
+              <a:buClr>
+                <a:schemeClr val="tx1"/>
+              </a:buClr>
+              <a:buFont typeface="Arial" panose="020B0604020202020204" pitchFamily="34" charset="0"/>
+              <a:buChar char="•"/>
+              <a:defRPr sz="2000">
+                <a:solidFill>
+                  <a:schemeClr val="tx1"/>
+                </a:solidFill>
+                <a:latin typeface="+mn-lt"/>
+              </a:defRPr>
+            </a:lvl8pPr>
+            <a:lvl9pPr marL="1836000" indent="-180000" algn="l" rtl="0" eaLnBrk="1" fontAlgn="base" hangingPunct="1">
+              <a:lnSpc>
+                <a:spcPct val="99000"/>
+              </a:lnSpc>
+              <a:spcBef>
+                <a:spcPts val="600"/>
+              </a:spcBef>
+              <a:spcAft>
+                <a:spcPct val="0"/>
+              </a:spcAft>
+              <a:buClr>
+                <a:schemeClr val="tx1"/>
+              </a:buClr>
+              <a:buFont typeface="Arial" panose="020B0604020202020204" pitchFamily="34" charset="0"/>
+              <a:buChar char="•"/>
+              <a:defRPr sz="2000">
+                <a:solidFill>
+                  <a:schemeClr val="tx1"/>
+                </a:solidFill>
+                <a:latin typeface="+mn-lt"/>
+              </a:defRPr>
+            </a:lvl9pPr>
+          </a:lstStyle>
+          <a:p>
+            <a:r>
+              <a:rPr lang="en-US" kern="0" dirty="0">
+                <a:solidFill>
+                  <a:schemeClr val="bg1"/>
+                </a:solidFill>
+              </a:rPr>
+              <a:t>myFunction3(1, 2)</a:t>
+            </a:r>
+            <a:endParaRPr lang="da-DK" kern="0" dirty="0">
+              <a:solidFill>
+                <a:schemeClr val="bg1"/>
+              </a:solidFill>
+            </a:endParaRPr>
+          </a:p>
+        </p:txBody>
+      </p:sp>
+      <p:sp>
+        <p:nvSpPr>
+          <p:cNvPr id="28" name="Oval 27">
+            <a:extLst>
+              <a:ext uri="{FF2B5EF4-FFF2-40B4-BE49-F238E27FC236}">
+                <a16:creationId xmlns:a16="http://schemas.microsoft.com/office/drawing/2014/main" id="{CFD81B9F-B11D-1610-89A0-48622D268481}"/>
+              </a:ext>
+            </a:extLst>
+          </p:cNvPr>
+          <p:cNvSpPr/>
+          <p:nvPr/>
+        </p:nvSpPr>
+        <p:spPr bwMode="auto">
+          <a:xfrm>
+            <a:off x="4617749" y="5131372"/>
+            <a:ext cx="4618748" cy="1609995"/>
+          </a:xfrm>
+          <a:prstGeom prst="ellipse">
+            <a:avLst/>
+          </a:prstGeom>
+          <a:solidFill>
+            <a:srgbClr val="00B050"/>
+          </a:solidFill>
+          <a:ln w="1778" cap="flat" cmpd="sng" algn="ctr">
+            <a:solidFill>
+              <a:schemeClr val="accent2"/>
+            </a:solidFill>
+            <a:prstDash val="solid"/>
+            <a:round/>
+            <a:headEnd type="none" w="med" len="med"/>
+            <a:tailEnd type="none" w="med" len="med"/>
+          </a:ln>
+          <a:effectLst/>
+        </p:spPr>
+        <p:txBody>
+          <a:bodyPr vert="horz" wrap="square" lIns="91440" tIns="45720" rIns="91440" bIns="45720" numCol="1" rtlCol="0" anchor="t" anchorCtr="0" compatLnSpc="1">
+            <a:prstTxWarp prst="textNoShape">
+              <a:avLst/>
+            </a:prstTxWarp>
+            <a:noAutofit/>
+          </a:bodyPr>
+          <a:lstStyle/>
+          <a:p>
+            <a:pPr>
+              <a:lnSpc>
+                <a:spcPct val="100000"/>
+              </a:lnSpc>
+            </a:pPr>
+            <a:r>
+              <a:rPr lang="en-US" sz="1600" kern="0" dirty="0">
+                <a:solidFill>
+                  <a:schemeClr val="bg1"/>
+                </a:solidFill>
+              </a:rPr>
+              <a:t>myFunction3(a, b) {</a:t>
+            </a:r>
+          </a:p>
+          <a:p>
+            <a:pPr>
+              <a:lnSpc>
+                <a:spcPct val="100000"/>
+              </a:lnSpc>
+            </a:pPr>
+            <a:r>
+              <a:rPr lang="en-US" sz="1600" kern="0" dirty="0">
+                <a:solidFill>
+                  <a:schemeClr val="bg1"/>
+                </a:solidFill>
+              </a:rPr>
+              <a:t>      x = 5</a:t>
+            </a:r>
+          </a:p>
+          <a:p>
+            <a:pPr>
+              <a:lnSpc>
+                <a:spcPct val="100000"/>
+              </a:lnSpc>
+            </a:pPr>
+            <a:r>
+              <a:rPr lang="en-US" sz="1600" kern="0" dirty="0">
+                <a:solidFill>
+                  <a:schemeClr val="bg1"/>
+                </a:solidFill>
+              </a:rPr>
+              <a:t>      return(myFunction2(a, b) + x)</a:t>
+            </a:r>
+          </a:p>
+          <a:p>
+            <a:pPr>
+              <a:lnSpc>
+                <a:spcPct val="100000"/>
+              </a:lnSpc>
+            </a:pPr>
+            <a:r>
+              <a:rPr lang="en-US" sz="1600" kern="0" dirty="0">
+                <a:solidFill>
+                  <a:schemeClr val="bg1"/>
+                </a:solidFill>
+              </a:rPr>
+              <a:t>}</a:t>
+            </a:r>
+            <a:endParaRPr lang="da-DK" sz="1600" kern="0" dirty="0">
+              <a:solidFill>
+                <a:schemeClr val="bg1"/>
+              </a:solidFill>
+            </a:endParaRPr>
+          </a:p>
+        </p:txBody>
+      </p:sp>
+      <p:cxnSp>
+        <p:nvCxnSpPr>
+          <p:cNvPr id="29" name="Straight Arrow Connector 28">
+            <a:extLst>
+              <a:ext uri="{FF2B5EF4-FFF2-40B4-BE49-F238E27FC236}">
+                <a16:creationId xmlns:a16="http://schemas.microsoft.com/office/drawing/2014/main" id="{37874C20-4521-246C-AC40-9E5115F202E0}"/>
+              </a:ext>
+            </a:extLst>
+          </p:cNvPr>
+          <p:cNvCxnSpPr>
+            <a:cxnSpLocks/>
+          </p:cNvCxnSpPr>
+          <p:nvPr/>
+        </p:nvCxnSpPr>
+        <p:spPr bwMode="auto">
+          <a:xfrm>
+            <a:off x="4417690" y="4477052"/>
+            <a:ext cx="899646" cy="730210"/>
+          </a:xfrm>
+          <a:prstGeom prst="straightConnector1">
+            <a:avLst/>
+          </a:prstGeom>
+          <a:solidFill>
+            <a:schemeClr val="accent2"/>
+          </a:solidFill>
+          <a:ln w="28575" cap="flat" cmpd="sng" algn="ctr">
+            <a:solidFill>
+              <a:schemeClr val="accent1"/>
+            </a:solidFill>
+            <a:prstDash val="solid"/>
+            <a:round/>
+            <a:headEnd type="none" w="med" len="med"/>
+            <a:tailEnd type="triangle"/>
+          </a:ln>
+          <a:effectLst/>
+        </p:spPr>
+      </p:cxnSp>
+      <p:sp>
+        <p:nvSpPr>
+          <p:cNvPr id="35" name="Content Placeholder 2">
+            <a:extLst>
+              <a:ext uri="{FF2B5EF4-FFF2-40B4-BE49-F238E27FC236}">
+                <a16:creationId xmlns:a16="http://schemas.microsoft.com/office/drawing/2014/main" id="{709B7880-20DD-0078-78B1-6FBB7AFCF1EB}"/>
+              </a:ext>
+            </a:extLst>
+          </p:cNvPr>
+          <p:cNvSpPr txBox="1">
+            <a:spLocks/>
+          </p:cNvSpPr>
+          <p:nvPr/>
+        </p:nvSpPr>
+        <p:spPr bwMode="auto">
+          <a:xfrm>
+            <a:off x="2318372" y="2966786"/>
+            <a:ext cx="936104" cy="360040"/>
+          </a:xfrm>
+          <a:prstGeom prst="rect">
+            <a:avLst/>
+          </a:prstGeom>
+          <a:noFill/>
+          <a:ln w="9525">
+            <a:noFill/>
+            <a:miter lim="800000"/>
+            <a:headEnd/>
+            <a:tailEnd/>
+          </a:ln>
+        </p:spPr>
+        <p:txBody>
+          <a:bodyPr vert="horz" wrap="square" lIns="0" tIns="0" rIns="0" bIns="0" numCol="1" anchor="t" anchorCtr="0" compatLnSpc="1">
+            <a:prstTxWarp prst="textNoShape">
+              <a:avLst/>
+            </a:prstTxWarp>
+          </a:bodyPr>
+          <a:lstStyle>
+            <a:lvl1pPr marL="0" indent="0" algn="l" rtl="0" eaLnBrk="1" fontAlgn="base" hangingPunct="1">
+              <a:lnSpc>
+                <a:spcPct val="99000"/>
+              </a:lnSpc>
+              <a:spcBef>
+                <a:spcPts val="600"/>
+              </a:spcBef>
+              <a:spcAft>
+                <a:spcPct val="0"/>
+              </a:spcAft>
+              <a:buClr>
+                <a:schemeClr val="tx1"/>
+              </a:buClr>
+              <a:buSzPct val="100000"/>
+              <a:buFont typeface="Calibri" panose="020F0502020204030204" pitchFamily="34" charset="0"/>
+              <a:buChar char="​"/>
+              <a:defRPr sz="2000" b="0">
+                <a:solidFill>
+                  <a:schemeClr val="tx1"/>
+                </a:solidFill>
+                <a:latin typeface="+mn-lt"/>
+                <a:ea typeface="+mn-ea"/>
+                <a:cs typeface="+mn-cs"/>
+              </a:defRPr>
+            </a:lvl1pPr>
+            <a:lvl2pPr marL="432000" indent="-180000" algn="l" rtl="0" eaLnBrk="1" fontAlgn="base" hangingPunct="1">
+              <a:lnSpc>
+                <a:spcPct val="99000"/>
+              </a:lnSpc>
+              <a:spcBef>
+                <a:spcPts val="600"/>
+              </a:spcBef>
+              <a:spcAft>
+                <a:spcPct val="0"/>
+              </a:spcAft>
+              <a:buClr>
+                <a:schemeClr val="tx1"/>
+              </a:buClr>
+              <a:buSzPct val="100000"/>
+              <a:buFont typeface="Arial" panose="020B0604020202020204" pitchFamily="34" charset="0"/>
+              <a:buChar char="•"/>
+              <a:defRPr sz="2000">
+                <a:solidFill>
+                  <a:schemeClr val="tx1"/>
+                </a:solidFill>
+                <a:latin typeface="+mn-lt"/>
+              </a:defRPr>
+            </a:lvl2pPr>
+            <a:lvl3pPr marL="756000" indent="-180000" algn="l" rtl="0" eaLnBrk="1" fontAlgn="base" hangingPunct="1">
+              <a:lnSpc>
+                <a:spcPct val="99000"/>
+              </a:lnSpc>
+              <a:spcBef>
+                <a:spcPts val="600"/>
+              </a:spcBef>
+              <a:spcAft>
+                <a:spcPct val="0"/>
+              </a:spcAft>
+              <a:buClr>
+                <a:schemeClr val="tx1"/>
+              </a:buClr>
+              <a:buSzPct val="100000"/>
+              <a:buFont typeface="Arial" panose="020B0604020202020204" pitchFamily="34" charset="0"/>
+              <a:buChar char="•"/>
+              <a:defRPr sz="2000">
+                <a:solidFill>
+                  <a:schemeClr val="tx1"/>
+                </a:solidFill>
+                <a:latin typeface="+mn-lt"/>
+              </a:defRPr>
+            </a:lvl3pPr>
+            <a:lvl4pPr marL="1152000" indent="-180000" algn="l" rtl="0" eaLnBrk="1" fontAlgn="base" hangingPunct="1">
+              <a:lnSpc>
+                <a:spcPct val="99000"/>
+              </a:lnSpc>
+              <a:spcBef>
+                <a:spcPts val="600"/>
+              </a:spcBef>
+              <a:spcAft>
+                <a:spcPct val="0"/>
+              </a:spcAft>
+              <a:buClr>
+                <a:schemeClr val="tx1"/>
+              </a:buClr>
+              <a:buSzPct val="100000"/>
+              <a:buFont typeface="Arial" panose="020B0604020202020204" pitchFamily="34" charset="0"/>
+              <a:buChar char="•"/>
+              <a:defRPr sz="2000">
+                <a:solidFill>
+                  <a:schemeClr val="tx1"/>
+                </a:solidFill>
+                <a:latin typeface="+mn-lt"/>
+              </a:defRPr>
+            </a:lvl4pPr>
+            <a:lvl5pPr marL="1512000" indent="-180000" algn="l" rtl="0" eaLnBrk="1" fontAlgn="base" hangingPunct="1">
+              <a:lnSpc>
+                <a:spcPct val="99000"/>
+              </a:lnSpc>
+              <a:spcBef>
+                <a:spcPts val="600"/>
+              </a:spcBef>
+              <a:spcAft>
+                <a:spcPct val="0"/>
+              </a:spcAft>
+              <a:buClr>
+                <a:schemeClr val="tx1"/>
+              </a:buClr>
+              <a:buSzPct val="100000"/>
+              <a:buFont typeface="Arial" panose="020B0604020202020204" pitchFamily="34" charset="0"/>
+              <a:buChar char="•"/>
+              <a:defRPr sz="2000">
+                <a:solidFill>
+                  <a:schemeClr val="tx1"/>
+                </a:solidFill>
+                <a:latin typeface="+mn-lt"/>
+              </a:defRPr>
+            </a:lvl5pPr>
+            <a:lvl6pPr marL="1836000" indent="-180000" algn="l" rtl="0" eaLnBrk="1" fontAlgn="base" hangingPunct="1">
+              <a:lnSpc>
+                <a:spcPct val="99000"/>
+              </a:lnSpc>
+              <a:spcBef>
+                <a:spcPts val="600"/>
+              </a:spcBef>
+              <a:spcAft>
+                <a:spcPct val="0"/>
+              </a:spcAft>
+              <a:buClr>
+                <a:schemeClr val="tx1"/>
+              </a:buClr>
+              <a:buFont typeface="Arial" panose="020B0604020202020204" pitchFamily="34" charset="0"/>
+              <a:buChar char="•"/>
+              <a:defRPr sz="2000">
+                <a:solidFill>
+                  <a:schemeClr val="tx1"/>
+                </a:solidFill>
+                <a:latin typeface="+mn-lt"/>
+              </a:defRPr>
+            </a:lvl6pPr>
+            <a:lvl7pPr marL="1836000" indent="-180000" algn="l" rtl="0" eaLnBrk="1" fontAlgn="base" hangingPunct="1">
+              <a:lnSpc>
+                <a:spcPct val="99000"/>
+              </a:lnSpc>
+              <a:spcBef>
+                <a:spcPts val="600"/>
+              </a:spcBef>
+              <a:spcAft>
+                <a:spcPct val="0"/>
+              </a:spcAft>
+              <a:buClr>
+                <a:schemeClr val="tx1"/>
+              </a:buClr>
+              <a:buFont typeface="Arial" panose="020B0604020202020204" pitchFamily="34" charset="0"/>
+              <a:buChar char="•"/>
+              <a:defRPr sz="2000">
+                <a:solidFill>
+                  <a:schemeClr val="tx1"/>
+                </a:solidFill>
+                <a:latin typeface="+mn-lt"/>
+              </a:defRPr>
+            </a:lvl7pPr>
+            <a:lvl8pPr marL="1836000" indent="-180000" algn="l" rtl="0" eaLnBrk="1" fontAlgn="base" hangingPunct="1">
+              <a:lnSpc>
+                <a:spcPct val="99000"/>
+              </a:lnSpc>
+              <a:spcBef>
+                <a:spcPts val="600"/>
+              </a:spcBef>
+              <a:spcAft>
+                <a:spcPct val="0"/>
+              </a:spcAft>
+              <a:buClr>
+                <a:schemeClr val="tx1"/>
+              </a:buClr>
+              <a:buFont typeface="Arial" panose="020B0604020202020204" pitchFamily="34" charset="0"/>
+              <a:buChar char="•"/>
+              <a:defRPr sz="2000">
+                <a:solidFill>
+                  <a:schemeClr val="tx1"/>
+                </a:solidFill>
+                <a:latin typeface="+mn-lt"/>
+              </a:defRPr>
+            </a:lvl8pPr>
+            <a:lvl9pPr marL="1836000" indent="-180000" algn="l" rtl="0" eaLnBrk="1" fontAlgn="base" hangingPunct="1">
+              <a:lnSpc>
+                <a:spcPct val="99000"/>
+              </a:lnSpc>
+              <a:spcBef>
+                <a:spcPts val="600"/>
+              </a:spcBef>
+              <a:spcAft>
+                <a:spcPct val="0"/>
+              </a:spcAft>
+              <a:buClr>
+                <a:schemeClr val="tx1"/>
+              </a:buClr>
+              <a:buFont typeface="Arial" panose="020B0604020202020204" pitchFamily="34" charset="0"/>
+              <a:buChar char="•"/>
+              <a:defRPr sz="2000">
+                <a:solidFill>
+                  <a:schemeClr val="tx1"/>
+                </a:solidFill>
+                <a:latin typeface="+mn-lt"/>
+              </a:defRPr>
+            </a:lvl9pPr>
+          </a:lstStyle>
+          <a:p>
+            <a:r>
+              <a:rPr lang="en-US" kern="0" dirty="0">
+                <a:solidFill>
+                  <a:schemeClr val="bg1"/>
+                </a:solidFill>
+              </a:rPr>
+              <a:t>x = 10</a:t>
+            </a:r>
+            <a:endParaRPr lang="da-DK" kern="0" dirty="0">
+              <a:solidFill>
+                <a:schemeClr val="bg1"/>
+              </a:solidFill>
+            </a:endParaRPr>
+          </a:p>
+        </p:txBody>
+      </p:sp>
+      <p:pic>
+        <p:nvPicPr>
+          <p:cNvPr id="12" name="Picture 11">
+            <a:extLst>
+              <a:ext uri="{FF2B5EF4-FFF2-40B4-BE49-F238E27FC236}">
+                <a16:creationId xmlns:a16="http://schemas.microsoft.com/office/drawing/2014/main" id="{234D059B-1BF9-CEB5-721E-C00FF5B2016A}"/>
+              </a:ext>
+            </a:extLst>
+          </p:cNvPr>
+          <p:cNvPicPr>
+            <a:picLocks noChangeAspect="1"/>
+          </p:cNvPicPr>
+          <p:nvPr/>
+        </p:nvPicPr>
+        <p:blipFill>
+          <a:blip r:embed="rId2"/>
+          <a:stretch>
+            <a:fillRect/>
+          </a:stretch>
+        </p:blipFill>
+        <p:spPr>
+          <a:xfrm>
+            <a:off x="6115021" y="49000"/>
+            <a:ext cx="3743847" cy="1228896"/>
+          </a:xfrm>
+          <a:prstGeom prst="rect">
+            <a:avLst/>
+          </a:prstGeom>
+        </p:spPr>
+      </p:pic>
+      <p:cxnSp>
+        <p:nvCxnSpPr>
+          <p:cNvPr id="15" name="Straight Arrow Connector 14">
+            <a:extLst>
+              <a:ext uri="{FF2B5EF4-FFF2-40B4-BE49-F238E27FC236}">
+                <a16:creationId xmlns:a16="http://schemas.microsoft.com/office/drawing/2014/main" id="{D33B3A49-4A34-04E1-BAEC-C5779F862917}"/>
+              </a:ext>
+            </a:extLst>
+          </p:cNvPr>
+          <p:cNvCxnSpPr>
+            <a:cxnSpLocks/>
+          </p:cNvCxnSpPr>
+          <p:nvPr/>
+        </p:nvCxnSpPr>
+        <p:spPr bwMode="auto">
+          <a:xfrm flipV="1">
+            <a:off x="7140598" y="4477052"/>
+            <a:ext cx="225760" cy="1406218"/>
+          </a:xfrm>
+          <a:prstGeom prst="straightConnector1">
+            <a:avLst/>
+          </a:prstGeom>
+          <a:solidFill>
+            <a:schemeClr val="accent2"/>
+          </a:solidFill>
+          <a:ln w="28575" cap="flat" cmpd="sng" algn="ctr">
+            <a:solidFill>
+              <a:schemeClr val="accent1"/>
+            </a:solidFill>
+            <a:prstDash val="solid"/>
+            <a:round/>
+            <a:headEnd type="none" w="med" len="med"/>
+            <a:tailEnd type="triangle"/>
+          </a:ln>
+          <a:effectLst/>
+        </p:spPr>
+      </p:cxnSp>
+    </p:spTree>
+    <p:extLst>
+      <p:ext uri="{BB962C8B-B14F-4D97-AF65-F5344CB8AC3E}">
+        <p14:creationId xmlns:p14="http://schemas.microsoft.com/office/powerpoint/2010/main" val="995368085"/>
+      </p:ext>
+    </p:extLst>
+  </p:cSld>
+  <p:clrMapOvr>
+    <a:masterClrMapping/>
+  </p:clrMapOvr>
+  <p:timing>
+    <p:tnLst>
+      <p:par>
+        <p:cTn id="1" dur="indefinite" restart="never" nodeType="tmRoot">
+          <p:childTnLst>
+            <p:seq concurrent="1" nextAc="seek">
+              <p:cTn id="2" dur="indefinite" nodeType="mainSeq">
+                <p:childTnLst>
+                  <p:par>
+                    <p:cTn id="3" fill="hold">
+                      <p:stCondLst>
+                        <p:cond delay="indefinite"/>
+                      </p:stCondLst>
+                      <p:childTnLst>
+                        <p:par>
+                          <p:cTn id="4" fill="hold">
+                            <p:stCondLst>
+                              <p:cond delay="0"/>
+                            </p:stCondLst>
+                            <p:childTnLst>
+                              <p:par>
+                                <p:cTn id="5" presetID="1" presetClass="entr" presetSubtype="0" fill="hold" grpId="0" nodeType="clickEffect">
+                                  <p:stCondLst>
+                                    <p:cond delay="0"/>
+                                  </p:stCondLst>
+                                  <p:childTnLst>
+                                    <p:set>
+                                      <p:cBhvr>
+                                        <p:cTn id="6" dur="1" fill="hold">
+                                          <p:stCondLst>
+                                            <p:cond delay="0"/>
+                                          </p:stCondLst>
+                                        </p:cTn>
+                                        <p:tgtEl>
+                                          <p:spTgt spid="11"/>
+                                        </p:tgtEl>
+                                        <p:attrNameLst>
+                                          <p:attrName>style.visibility</p:attrName>
+                                        </p:attrNameLst>
+                                      </p:cBhvr>
+                                      <p:to>
+                                        <p:strVal val="visible"/>
+                                      </p:to>
+                                    </p:set>
+                                  </p:childTnLst>
+                                </p:cTn>
+                              </p:par>
+                              <p:par>
+                                <p:cTn id="7" presetID="1" presetClass="entr" presetSubtype="0" fill="hold" nodeType="withEffect">
+                                  <p:stCondLst>
+                                    <p:cond delay="0"/>
+                                  </p:stCondLst>
+                                  <p:childTnLst>
+                                    <p:set>
+                                      <p:cBhvr>
+                                        <p:cTn id="8" dur="1" fill="hold">
+                                          <p:stCondLst>
+                                            <p:cond delay="0"/>
+                                          </p:stCondLst>
+                                        </p:cTn>
+                                        <p:tgtEl>
+                                          <p:spTgt spid="14"/>
+                                        </p:tgtEl>
+                                        <p:attrNameLst>
+                                          <p:attrName>style.visibility</p:attrName>
+                                        </p:attrNameLst>
+                                      </p:cBhvr>
+                                      <p:to>
+                                        <p:strVal val="visible"/>
+                                      </p:to>
+                                    </p:set>
+                                  </p:childTnLst>
+                                </p:cTn>
+                              </p:par>
+                              <p:par>
+                                <p:cTn id="9" presetID="1" presetClass="entr" presetSubtype="0" fill="hold" grpId="0" nodeType="withEffect">
+                                  <p:stCondLst>
+                                    <p:cond delay="0"/>
+                                  </p:stCondLst>
+                                  <p:childTnLst>
+                                    <p:set>
+                                      <p:cBhvr>
+                                        <p:cTn id="10" dur="1" fill="hold">
+                                          <p:stCondLst>
+                                            <p:cond delay="0"/>
+                                          </p:stCondLst>
+                                        </p:cTn>
+                                        <p:tgtEl>
+                                          <p:spTgt spid="10"/>
+                                        </p:tgtEl>
+                                        <p:attrNameLst>
+                                          <p:attrName>style.visibility</p:attrName>
+                                        </p:attrNameLst>
+                                      </p:cBhvr>
+                                      <p:to>
+                                        <p:strVal val="visible"/>
+                                      </p:to>
+                                    </p:set>
+                                  </p:childTnLst>
+                                </p:cTn>
+                              </p:par>
+                              <p:par>
+                                <p:cTn id="11" presetID="1" presetClass="entr" presetSubtype="0" fill="hold" grpId="0" nodeType="withEffect">
+                                  <p:stCondLst>
+                                    <p:cond delay="0"/>
+                                  </p:stCondLst>
+                                  <p:childTnLst>
+                                    <p:set>
+                                      <p:cBhvr>
+                                        <p:cTn id="12" dur="1" fill="hold">
+                                          <p:stCondLst>
+                                            <p:cond delay="0"/>
+                                          </p:stCondLst>
+                                        </p:cTn>
+                                        <p:tgtEl>
+                                          <p:spTgt spid="19"/>
+                                        </p:tgtEl>
+                                        <p:attrNameLst>
+                                          <p:attrName>style.visibility</p:attrName>
+                                        </p:attrNameLst>
+                                      </p:cBhvr>
+                                      <p:to>
+                                        <p:strVal val="visible"/>
+                                      </p:to>
+                                    </p:set>
+                                  </p:childTnLst>
+                                </p:cTn>
+                              </p:par>
+                            </p:childTnLst>
+                          </p:cTn>
+                        </p:par>
+                      </p:childTnLst>
+                    </p:cTn>
+                  </p:par>
+                  <p:par>
+                    <p:cTn id="13" fill="hold">
+                      <p:stCondLst>
+                        <p:cond delay="indefinite"/>
+                      </p:stCondLst>
+                      <p:childTnLst>
+                        <p:par>
+                          <p:cTn id="14" fill="hold">
+                            <p:stCondLst>
+                              <p:cond delay="0"/>
+                            </p:stCondLst>
+                            <p:childTnLst>
+                              <p:par>
+                                <p:cTn id="15" presetID="1" presetClass="entr" presetSubtype="0" fill="hold" grpId="0" nodeType="clickEffect">
+                                  <p:stCondLst>
+                                    <p:cond delay="0"/>
+                                  </p:stCondLst>
+                                  <p:childTnLst>
+                                    <p:set>
+                                      <p:cBhvr>
+                                        <p:cTn id="16" dur="1" fill="hold">
+                                          <p:stCondLst>
+                                            <p:cond delay="0"/>
+                                          </p:stCondLst>
+                                        </p:cTn>
+                                        <p:tgtEl>
+                                          <p:spTgt spid="27"/>
+                                        </p:tgtEl>
+                                        <p:attrNameLst>
+                                          <p:attrName>style.visibility</p:attrName>
+                                        </p:attrNameLst>
+                                      </p:cBhvr>
+                                      <p:to>
+                                        <p:strVal val="visible"/>
+                                      </p:to>
+                                    </p:set>
+                                  </p:childTnLst>
+                                </p:cTn>
+                              </p:par>
+                              <p:par>
+                                <p:cTn id="17" presetID="1" presetClass="entr" presetSubtype="0" fill="hold" nodeType="withEffect">
+                                  <p:stCondLst>
+                                    <p:cond delay="0"/>
+                                  </p:stCondLst>
+                                  <p:childTnLst>
+                                    <p:set>
+                                      <p:cBhvr>
+                                        <p:cTn id="18" dur="1" fill="hold">
+                                          <p:stCondLst>
+                                            <p:cond delay="0"/>
+                                          </p:stCondLst>
+                                        </p:cTn>
+                                        <p:tgtEl>
+                                          <p:spTgt spid="29"/>
+                                        </p:tgtEl>
+                                        <p:attrNameLst>
+                                          <p:attrName>style.visibility</p:attrName>
+                                        </p:attrNameLst>
+                                      </p:cBhvr>
+                                      <p:to>
+                                        <p:strVal val="visible"/>
+                                      </p:to>
+                                    </p:set>
+                                  </p:childTnLst>
+                                </p:cTn>
+                              </p:par>
+                              <p:par>
+                                <p:cTn id="19" presetID="1" presetClass="entr" presetSubtype="0" fill="hold" grpId="0" nodeType="withEffect">
+                                  <p:stCondLst>
+                                    <p:cond delay="0"/>
+                                  </p:stCondLst>
+                                  <p:childTnLst>
+                                    <p:set>
+                                      <p:cBhvr>
+                                        <p:cTn id="20" dur="1" fill="hold">
+                                          <p:stCondLst>
+                                            <p:cond delay="0"/>
+                                          </p:stCondLst>
+                                        </p:cTn>
+                                        <p:tgtEl>
+                                          <p:spTgt spid="28"/>
+                                        </p:tgtEl>
+                                        <p:attrNameLst>
+                                          <p:attrName>style.visibility</p:attrName>
+                                        </p:attrNameLst>
+                                      </p:cBhvr>
+                                      <p:to>
+                                        <p:strVal val="visible"/>
+                                      </p:to>
+                                    </p:set>
+                                  </p:childTnLst>
+                                </p:cTn>
+                              </p:par>
+                            </p:childTnLst>
+                          </p:cTn>
+                        </p:par>
+                      </p:childTnLst>
+                    </p:cTn>
+                  </p:par>
+                  <p:par>
+                    <p:cTn id="21" fill="hold">
+                      <p:stCondLst>
+                        <p:cond delay="indefinite"/>
+                      </p:stCondLst>
+                      <p:childTnLst>
+                        <p:par>
+                          <p:cTn id="22" fill="hold">
+                            <p:stCondLst>
+                              <p:cond delay="0"/>
+                            </p:stCondLst>
+                            <p:childTnLst>
+                              <p:par>
+                                <p:cTn id="23" presetID="1" presetClass="entr" presetSubtype="0" fill="hold" nodeType="clickEffect">
+                                  <p:stCondLst>
+                                    <p:cond delay="0"/>
+                                  </p:stCondLst>
+                                  <p:childTnLst>
+                                    <p:set>
+                                      <p:cBhvr>
+                                        <p:cTn id="24" dur="1" fill="hold">
+                                          <p:stCondLst>
+                                            <p:cond delay="0"/>
+                                          </p:stCondLst>
+                                        </p:cTn>
+                                        <p:tgtEl>
+                                          <p:spTgt spid="15"/>
+                                        </p:tgtEl>
+                                        <p:attrNameLst>
+                                          <p:attrName>style.visibility</p:attrName>
+                                        </p:attrNameLst>
+                                      </p:cBhvr>
+                                      <p:to>
+                                        <p:strVal val="visible"/>
+                                      </p:to>
+                                    </p:set>
+                                  </p:childTnLst>
+                                </p:cTn>
+                              </p:par>
+                            </p:childTnLst>
+                          </p:cTn>
+                        </p:par>
+                      </p:childTnLst>
+                    </p:cTn>
+                  </p:par>
+                </p:childTnLst>
+              </p:cTn>
+              <p:prevCondLst>
+                <p:cond evt="onPrev" delay="0">
+                  <p:tgtEl>
+                    <p:sldTgt/>
+                  </p:tgtEl>
+                </p:cond>
+              </p:prevCondLst>
+              <p:nextCondLst>
+                <p:cond evt="onNext" delay="0">
+                  <p:tgtEl>
+                    <p:sldTgt/>
+                  </p:tgtEl>
+                </p:cond>
+              </p:nextCondLst>
+            </p:seq>
+          </p:childTnLst>
+        </p:cTn>
+      </p:par>
+    </p:tnLst>
+    <p:bldLst>
+      <p:bldP spid="10" grpId="0" animBg="1"/>
+      <p:bldP spid="11" grpId="0"/>
+      <p:bldP spid="19" grpId="0"/>
+      <p:bldP spid="27" grpId="0"/>
+      <p:bldP spid="28" grpId="0" animBg="1"/>
+    </p:bldLst>
+  </p:timing>
+</p:sld>
+</file>
+
+<file path=ppt/slides/slide6.xml><?xml version="1.0" encoding="utf-8"?>
+<p:sld xmlns:a="http://schemas.openxmlformats.org/drawingml/2006/main" xmlns:r="http://schemas.openxmlformats.org/officeDocument/2006/relationships" xmlns:p="http://schemas.openxmlformats.org/presentationml/2006/main">
+  <p:cSld>
+    <p:spTree>
+      <p:nvGrpSpPr>
+        <p:cNvPr id="1" name=""/>
+        <p:cNvGrpSpPr/>
+        <p:nvPr/>
+      </p:nvGrpSpPr>
+      <p:grpSpPr>
+        <a:xfrm>
+          <a:off x="0" y="0"/>
+          <a:ext cx="0" cy="0"/>
+          <a:chOff x="0" y="0"/>
+          <a:chExt cx="0" cy="0"/>
+        </a:xfrm>
+      </p:grpSpPr>
+      <p:sp>
+        <p:nvSpPr>
+          <p:cNvPr id="2" name="Title 1">
+            <a:extLst>
+              <a:ext uri="{FF2B5EF4-FFF2-40B4-BE49-F238E27FC236}">
+                <a16:creationId xmlns:a16="http://schemas.microsoft.com/office/drawing/2014/main" id="{18301418-59EE-A7CA-7D8C-47AF1BA34810}"/>
+              </a:ext>
+            </a:extLst>
+          </p:cNvPr>
+          <p:cNvSpPr>
+            <a:spLocks noGrp="1"/>
+          </p:cNvSpPr>
+          <p:nvPr>
+            <p:ph type="title"/>
+          </p:nvPr>
+        </p:nvSpPr>
+        <p:spPr/>
+        <p:txBody>
+          <a:bodyPr/>
+          <a:lstStyle/>
+          <a:p>
+            <a:r>
+              <a:rPr lang="en-US" dirty="0"/>
+              <a:t>functions</a:t>
+            </a:r>
+            <a:endParaRPr lang="da-DK" dirty="0"/>
+          </a:p>
+        </p:txBody>
+      </p:sp>
+      <p:sp>
+        <p:nvSpPr>
+          <p:cNvPr id="3" name="Content Placeholder 2">
+            <a:extLst>
+              <a:ext uri="{FF2B5EF4-FFF2-40B4-BE49-F238E27FC236}">
+                <a16:creationId xmlns:a16="http://schemas.microsoft.com/office/drawing/2014/main" id="{288EA08C-5429-F15B-18CB-416FE3F10F8D}"/>
+              </a:ext>
+            </a:extLst>
+          </p:cNvPr>
+          <p:cNvSpPr>
+            <a:spLocks noGrp="1"/>
+          </p:cNvSpPr>
+          <p:nvPr>
+            <p:ph idx="1"/>
+          </p:nvPr>
+        </p:nvSpPr>
+        <p:spPr/>
+        <p:txBody>
+          <a:bodyPr/>
+          <a:lstStyle/>
+          <a:p>
+            <a:pPr marL="342900" indent="-342900">
+              <a:buFont typeface="Arial" panose="020B0604020202020204" pitchFamily="34" charset="0"/>
+              <a:buChar char="•"/>
+            </a:pPr>
+            <a:r>
+              <a:rPr lang="en-US" dirty="0"/>
+              <a:t>The ... ellipsis in R allows you to create functions that can accept a variable number of arguments. </a:t>
+            </a:r>
+          </a:p>
+          <a:p>
+            <a:pPr marL="342900" indent="-342900">
+              <a:buFont typeface="Arial" panose="020B0604020202020204" pitchFamily="34" charset="0"/>
+              <a:buChar char="•"/>
+            </a:pPr>
+            <a:r>
+              <a:rPr lang="en-US" dirty="0"/>
+              <a:t>It's often used when you want to pass additional arguments to other functions within your function or when you want to create functions with flexible argument lists.</a:t>
+            </a:r>
+          </a:p>
+          <a:p>
+            <a:endParaRPr lang="da-DK" dirty="0"/>
+          </a:p>
+          <a:p>
+            <a:r>
+              <a:rPr lang="da-DK" sz="1600" dirty="0" err="1">
+                <a:latin typeface="Lucida Console" panose="020B0609040504020204" pitchFamily="49" charset="0"/>
+              </a:rPr>
+              <a:t>concatStrings</a:t>
+            </a:r>
+            <a:r>
+              <a:rPr lang="da-DK" sz="1600" dirty="0">
+                <a:latin typeface="Lucida Console" panose="020B0609040504020204" pitchFamily="49" charset="0"/>
+              </a:rPr>
+              <a:t> = </a:t>
+            </a:r>
+            <a:r>
+              <a:rPr lang="da-DK" sz="1600" dirty="0" err="1">
+                <a:latin typeface="Lucida Console" panose="020B0609040504020204" pitchFamily="49" charset="0"/>
+              </a:rPr>
+              <a:t>function</a:t>
+            </a:r>
+            <a:r>
+              <a:rPr lang="da-DK" sz="1600" dirty="0">
+                <a:latin typeface="Lucida Console" panose="020B0609040504020204" pitchFamily="49" charset="0"/>
+              </a:rPr>
+              <a:t>(</a:t>
+            </a:r>
+            <a:r>
+              <a:rPr lang="da-DK" sz="1600" dirty="0" err="1">
+                <a:latin typeface="Lucida Console" panose="020B0609040504020204" pitchFamily="49" charset="0"/>
+              </a:rPr>
+              <a:t>startString</a:t>
+            </a:r>
+            <a:r>
+              <a:rPr lang="da-DK" sz="1600" dirty="0">
+                <a:latin typeface="Lucida Console" panose="020B0609040504020204" pitchFamily="49" charset="0"/>
+              </a:rPr>
+              <a:t>, ..., </a:t>
+            </a:r>
+            <a:r>
+              <a:rPr lang="da-DK" sz="1600" dirty="0" err="1">
+                <a:latin typeface="Lucida Console" panose="020B0609040504020204" pitchFamily="49" charset="0"/>
+              </a:rPr>
+              <a:t>sep</a:t>
+            </a:r>
+            <a:r>
+              <a:rPr lang="da-DK" sz="1600" dirty="0">
+                <a:latin typeface="Lucida Console" panose="020B0609040504020204" pitchFamily="49" charset="0"/>
+              </a:rPr>
+              <a:t> = " ") {    </a:t>
+            </a:r>
+          </a:p>
+          <a:p>
+            <a:r>
+              <a:rPr lang="da-DK" sz="1600" dirty="0">
+                <a:latin typeface="Lucida Console" panose="020B0609040504020204" pitchFamily="49" charset="0"/>
+              </a:rPr>
+              <a:t>  </a:t>
+            </a:r>
+            <a:r>
+              <a:rPr lang="da-DK" sz="1600" dirty="0" err="1">
+                <a:latin typeface="Lucida Console" panose="020B0609040504020204" pitchFamily="49" charset="0"/>
+              </a:rPr>
+              <a:t>result</a:t>
+            </a:r>
+            <a:r>
+              <a:rPr lang="da-DK" sz="1600" dirty="0">
+                <a:latin typeface="Lucida Console" panose="020B0609040504020204" pitchFamily="49" charset="0"/>
+              </a:rPr>
+              <a:t> = </a:t>
+            </a:r>
+            <a:r>
+              <a:rPr lang="da-DK" sz="1600" dirty="0" err="1">
+                <a:latin typeface="Lucida Console" panose="020B0609040504020204" pitchFamily="49" charset="0"/>
+              </a:rPr>
+              <a:t>paste</a:t>
+            </a:r>
+            <a:r>
+              <a:rPr lang="da-DK" sz="1600" dirty="0">
+                <a:latin typeface="Lucida Console" panose="020B0609040504020204" pitchFamily="49" charset="0"/>
+              </a:rPr>
+              <a:t>(</a:t>
+            </a:r>
+            <a:r>
+              <a:rPr lang="da-DK" sz="1600" dirty="0" err="1">
+                <a:latin typeface="Lucida Console" panose="020B0609040504020204" pitchFamily="49" charset="0"/>
+              </a:rPr>
+              <a:t>startString</a:t>
+            </a:r>
+            <a:r>
+              <a:rPr lang="da-DK" sz="1600" dirty="0">
+                <a:latin typeface="Lucida Console" panose="020B0609040504020204" pitchFamily="49" charset="0"/>
+              </a:rPr>
+              <a:t>, ..., </a:t>
+            </a:r>
+            <a:r>
+              <a:rPr lang="da-DK" sz="1600" dirty="0" err="1">
+                <a:latin typeface="Lucida Console" panose="020B0609040504020204" pitchFamily="49" charset="0"/>
+              </a:rPr>
+              <a:t>sep</a:t>
+            </a:r>
+            <a:r>
+              <a:rPr lang="da-DK" sz="1600" dirty="0">
+                <a:latin typeface="Lucida Console" panose="020B0609040504020204" pitchFamily="49" charset="0"/>
+              </a:rPr>
+              <a:t> = </a:t>
+            </a:r>
+            <a:r>
+              <a:rPr lang="da-DK" sz="1600" dirty="0" err="1">
+                <a:latin typeface="Lucida Console" panose="020B0609040504020204" pitchFamily="49" charset="0"/>
+              </a:rPr>
+              <a:t>sep</a:t>
+            </a:r>
+            <a:r>
+              <a:rPr lang="da-DK" sz="1600" dirty="0">
+                <a:latin typeface="Lucida Console" panose="020B0609040504020204" pitchFamily="49" charset="0"/>
+              </a:rPr>
+              <a:t>)    </a:t>
+            </a:r>
+          </a:p>
+          <a:p>
+            <a:r>
+              <a:rPr lang="da-DK" sz="1600" dirty="0">
+                <a:latin typeface="Lucida Console" panose="020B0609040504020204" pitchFamily="49" charset="0"/>
+              </a:rPr>
+              <a:t>  return(</a:t>
+            </a:r>
+            <a:r>
+              <a:rPr lang="da-DK" sz="1600" dirty="0" err="1">
+                <a:latin typeface="Lucida Console" panose="020B0609040504020204" pitchFamily="49" charset="0"/>
+              </a:rPr>
+              <a:t>result</a:t>
+            </a:r>
+            <a:r>
+              <a:rPr lang="da-DK" sz="1600" dirty="0">
+                <a:latin typeface="Lucida Console" panose="020B0609040504020204" pitchFamily="49" charset="0"/>
+              </a:rPr>
+              <a:t>)</a:t>
+            </a:r>
+          </a:p>
+          <a:p>
+            <a:r>
+              <a:rPr lang="da-DK" sz="1600" dirty="0">
+                <a:latin typeface="Lucida Console" panose="020B0609040504020204" pitchFamily="49" charset="0"/>
+              </a:rPr>
+              <a:t>}</a:t>
+            </a:r>
+          </a:p>
+          <a:p>
+            <a:r>
+              <a:rPr lang="en-US" sz="1600" dirty="0" err="1">
+                <a:latin typeface="Lucida Console" panose="020B0609040504020204" pitchFamily="49" charset="0"/>
+              </a:rPr>
+              <a:t>concatStrings</a:t>
+            </a:r>
+            <a:r>
+              <a:rPr lang="en-US" sz="1600" dirty="0">
+                <a:latin typeface="Lucida Console" panose="020B0609040504020204" pitchFamily="49" charset="0"/>
+              </a:rPr>
+              <a:t>("Hello", "World!", </a:t>
+            </a:r>
+            <a:r>
+              <a:rPr lang="en-US" sz="1600" dirty="0" err="1">
+                <a:latin typeface="Lucida Console" panose="020B0609040504020204" pitchFamily="49" charset="0"/>
+              </a:rPr>
+              <a:t>startString</a:t>
+            </a:r>
+            <a:r>
+              <a:rPr lang="en-US" sz="1600" dirty="0">
+                <a:latin typeface="Lucida Console" panose="020B0609040504020204" pitchFamily="49" charset="0"/>
+              </a:rPr>
+              <a:t> = "This is the start:")</a:t>
+            </a:r>
+          </a:p>
+          <a:p>
+            <a:r>
+              <a:rPr lang="en-US" sz="1600" dirty="0">
+                <a:latin typeface="Lucida Console" panose="020B0609040504020204" pitchFamily="49" charset="0"/>
+              </a:rPr>
+              <a:t>"This is the start: Hello World!"</a:t>
+            </a:r>
+          </a:p>
+          <a:p>
+            <a:endParaRPr lang="da-DK" dirty="0"/>
+          </a:p>
+        </p:txBody>
+      </p:sp>
+      <p:sp>
+        <p:nvSpPr>
+          <p:cNvPr id="4" name="Date Placeholder 3">
+            <a:extLst>
+              <a:ext uri="{FF2B5EF4-FFF2-40B4-BE49-F238E27FC236}">
+                <a16:creationId xmlns:a16="http://schemas.microsoft.com/office/drawing/2014/main" id="{B49C819E-26AB-0355-08F7-9659357714A3}"/>
+              </a:ext>
+            </a:extLst>
+          </p:cNvPr>
+          <p:cNvSpPr>
+            <a:spLocks noGrp="1"/>
+          </p:cNvSpPr>
+          <p:nvPr>
+            <p:ph type="dt" sz="half" idx="10"/>
+          </p:nvPr>
+        </p:nvSpPr>
+        <p:spPr/>
+        <p:txBody>
+          <a:bodyPr/>
+          <a:lstStyle/>
+          <a:p>
+            <a:fld id="{6F7AC461-7DEB-4575-B8CD-FDEB0FD499FF}" type="datetime1">
+              <a:rPr lang="en-GB" smtClean="0"/>
+              <a:t>20/11/2023</a:t>
+            </a:fld>
+            <a:r>
+              <a:rPr lang="en-GB"/>
+              <a:t>07/11/2023</a:t>
+            </a:r>
+            <a:endParaRPr lang="en-GB" dirty="0"/>
+          </a:p>
+        </p:txBody>
+      </p:sp>
+    </p:spTree>
+    <p:extLst>
+      <p:ext uri="{BB962C8B-B14F-4D97-AF65-F5344CB8AC3E}">
+        <p14:creationId xmlns:p14="http://schemas.microsoft.com/office/powerpoint/2010/main" val="3087482596"/>
+      </p:ext>
+    </p:extLst>
+  </p:cSld>
+  <p:clrMapOvr>
+    <a:masterClrMapping/>
+  </p:clrMapOvr>
+</p:sld>
+</file>
+
+<file path=ppt/slides/slide7.xml><?xml version="1.0" encoding="utf-8"?>
+<p:sld xmlns:a="http://schemas.openxmlformats.org/drawingml/2006/main" xmlns:r="http://schemas.openxmlformats.org/officeDocument/2006/relationships" xmlns:p="http://schemas.openxmlformats.org/presentationml/2006/main">
+  <p:cSld>
+    <p:spTree>
+      <p:nvGrpSpPr>
+        <p:cNvPr id="1" name=""/>
+        <p:cNvGrpSpPr/>
+        <p:nvPr/>
+      </p:nvGrpSpPr>
+      <p:grpSpPr>
+        <a:xfrm>
+          <a:off x="0" y="0"/>
+          <a:ext cx="0" cy="0"/>
+          <a:chOff x="0" y="0"/>
+          <a:chExt cx="0" cy="0"/>
+        </a:xfrm>
+      </p:grpSpPr>
+      <p:sp>
+        <p:nvSpPr>
+          <p:cNvPr id="2" name="Title 1">
+            <a:extLst>
+              <a:ext uri="{FF2B5EF4-FFF2-40B4-BE49-F238E27FC236}">
+                <a16:creationId xmlns:a16="http://schemas.microsoft.com/office/drawing/2014/main" id="{B25FF926-FE70-F900-530A-971BCE82502A}"/>
+              </a:ext>
+            </a:extLst>
+          </p:cNvPr>
+          <p:cNvSpPr>
+            <a:spLocks noGrp="1"/>
+          </p:cNvSpPr>
+          <p:nvPr>
+            <p:ph type="title"/>
+          </p:nvPr>
+        </p:nvSpPr>
+        <p:spPr/>
+        <p:txBody>
+          <a:bodyPr/>
+          <a:lstStyle/>
+          <a:p>
+            <a:r>
+              <a:rPr lang="en-US" dirty="0"/>
+              <a:t>loops</a:t>
+            </a:r>
+            <a:endParaRPr lang="da-DK" dirty="0"/>
+          </a:p>
+        </p:txBody>
+      </p:sp>
+      <p:sp>
+        <p:nvSpPr>
+          <p:cNvPr id="3" name="Content Placeholder 2">
+            <a:extLst>
+              <a:ext uri="{FF2B5EF4-FFF2-40B4-BE49-F238E27FC236}">
+                <a16:creationId xmlns:a16="http://schemas.microsoft.com/office/drawing/2014/main" id="{1A69A48B-C67D-68B0-A330-A23DCB77840A}"/>
+              </a:ext>
+            </a:extLst>
+          </p:cNvPr>
+          <p:cNvSpPr>
+            <a:spLocks noGrp="1"/>
+          </p:cNvSpPr>
+          <p:nvPr>
+            <p:ph idx="1"/>
+          </p:nvPr>
+        </p:nvSpPr>
+        <p:spPr/>
+        <p:txBody>
+          <a:bodyPr/>
+          <a:lstStyle/>
+          <a:p>
+            <a:pPr marL="342900" indent="-342900">
+              <a:buFont typeface="Arial" panose="020B0604020202020204" pitchFamily="34" charset="0"/>
+              <a:buChar char="•"/>
+            </a:pPr>
+            <a:r>
+              <a:rPr lang="en-US" dirty="0"/>
+              <a:t>The for loop is used when you know in advance how many times you want to iterate</a:t>
+            </a:r>
+          </a:p>
+          <a:p>
+            <a:endParaRPr lang="en-US" dirty="0"/>
+          </a:p>
+          <a:p>
+            <a:r>
+              <a:rPr lang="da-DK" sz="1600" dirty="0">
+                <a:latin typeface="Lucida Console" panose="020B0609040504020204" pitchFamily="49" charset="0"/>
+              </a:rPr>
+              <a:t>for (i in 1:5) {</a:t>
+            </a:r>
+          </a:p>
+          <a:p>
+            <a:r>
+              <a:rPr lang="da-DK" sz="1600" dirty="0">
+                <a:latin typeface="Lucida Console" panose="020B0609040504020204" pitchFamily="49" charset="0"/>
+              </a:rPr>
+              <a:t>  print(i)</a:t>
+            </a:r>
+          </a:p>
+          <a:p>
+            <a:r>
+              <a:rPr lang="da-DK" sz="1600" dirty="0">
+                <a:latin typeface="Lucida Console" panose="020B0609040504020204" pitchFamily="49" charset="0"/>
+              </a:rPr>
+              <a:t>}</a:t>
+            </a:r>
+          </a:p>
+          <a:p>
+            <a:endParaRPr lang="da-DK" dirty="0"/>
+          </a:p>
+          <a:p>
+            <a:pPr marL="342900" indent="-342900">
+              <a:buFont typeface="Arial" panose="020B0604020202020204" pitchFamily="34" charset="0"/>
+              <a:buChar char="•"/>
+            </a:pPr>
+            <a:r>
+              <a:rPr lang="en-US" dirty="0"/>
+              <a:t>The while loop is used when you want to iterate until a certain condition is true.</a:t>
+            </a:r>
+          </a:p>
+          <a:p>
+            <a:endParaRPr lang="en-US" dirty="0"/>
+          </a:p>
+          <a:p>
+            <a:r>
+              <a:rPr lang="en-US" sz="1600" dirty="0" err="1">
+                <a:latin typeface="Lucida Console" panose="020B0609040504020204" pitchFamily="49" charset="0"/>
+              </a:rPr>
+              <a:t>i</a:t>
+            </a:r>
+            <a:r>
+              <a:rPr lang="en-US" sz="1600" dirty="0">
+                <a:latin typeface="Lucida Console" panose="020B0609040504020204" pitchFamily="49" charset="0"/>
+              </a:rPr>
+              <a:t> = 1</a:t>
+            </a:r>
+          </a:p>
+          <a:p>
+            <a:r>
+              <a:rPr lang="en-US" sz="1600" dirty="0">
+                <a:latin typeface="Lucida Console" panose="020B0609040504020204" pitchFamily="49" charset="0"/>
+              </a:rPr>
+              <a:t>while (</a:t>
+            </a:r>
+            <a:r>
+              <a:rPr lang="en-US" sz="1600" dirty="0" err="1">
+                <a:latin typeface="Lucida Console" panose="020B0609040504020204" pitchFamily="49" charset="0"/>
+              </a:rPr>
+              <a:t>i</a:t>
+            </a:r>
+            <a:r>
+              <a:rPr lang="en-US" sz="1600" dirty="0">
+                <a:latin typeface="Lucida Console" panose="020B0609040504020204" pitchFamily="49" charset="0"/>
+              </a:rPr>
+              <a:t> &lt;= 5) {</a:t>
+            </a:r>
+          </a:p>
+          <a:p>
+            <a:r>
+              <a:rPr lang="en-US" sz="1600" dirty="0">
+                <a:latin typeface="Lucida Console" panose="020B0609040504020204" pitchFamily="49" charset="0"/>
+              </a:rPr>
+              <a:t>  print(</a:t>
+            </a:r>
+            <a:r>
+              <a:rPr lang="en-US" sz="1600" dirty="0" err="1">
+                <a:latin typeface="Lucida Console" panose="020B0609040504020204" pitchFamily="49" charset="0"/>
+              </a:rPr>
+              <a:t>i</a:t>
+            </a:r>
+            <a:r>
+              <a:rPr lang="en-US" sz="1600" dirty="0">
+                <a:latin typeface="Lucida Console" panose="020B0609040504020204" pitchFamily="49" charset="0"/>
+              </a:rPr>
+              <a:t>)</a:t>
+            </a:r>
+          </a:p>
+          <a:p>
+            <a:r>
+              <a:rPr lang="en-US" sz="1600" dirty="0">
+                <a:latin typeface="Lucida Console" panose="020B0609040504020204" pitchFamily="49" charset="0"/>
+              </a:rPr>
+              <a:t>  </a:t>
+            </a:r>
+            <a:r>
+              <a:rPr lang="en-US" sz="1600" dirty="0" err="1">
+                <a:latin typeface="Lucida Console" panose="020B0609040504020204" pitchFamily="49" charset="0"/>
+              </a:rPr>
+              <a:t>i</a:t>
+            </a:r>
+            <a:r>
+              <a:rPr lang="en-US" sz="1600" dirty="0">
+                <a:latin typeface="Lucida Console" panose="020B0609040504020204" pitchFamily="49" charset="0"/>
+              </a:rPr>
+              <a:t> = </a:t>
+            </a:r>
+            <a:r>
+              <a:rPr lang="en-US" sz="1600" dirty="0" err="1">
+                <a:latin typeface="Lucida Console" panose="020B0609040504020204" pitchFamily="49" charset="0"/>
+              </a:rPr>
+              <a:t>i</a:t>
+            </a:r>
+            <a:r>
+              <a:rPr lang="en-US" sz="1600" dirty="0">
+                <a:latin typeface="Lucida Console" panose="020B0609040504020204" pitchFamily="49" charset="0"/>
+              </a:rPr>
+              <a:t> + 1  # Increment the counter</a:t>
+            </a:r>
+          </a:p>
+          <a:p>
+            <a:r>
+              <a:rPr lang="en-US" sz="1600" dirty="0">
+                <a:latin typeface="Lucida Console" panose="020B0609040504020204" pitchFamily="49" charset="0"/>
+              </a:rPr>
+              <a:t>}</a:t>
+            </a:r>
+            <a:endParaRPr lang="da-DK" sz="1600" dirty="0">
+              <a:latin typeface="Lucida Console" panose="020B0609040504020204" pitchFamily="49" charset="0"/>
+            </a:endParaRPr>
+          </a:p>
+        </p:txBody>
+      </p:sp>
+      <p:sp>
+        <p:nvSpPr>
+          <p:cNvPr id="4" name="Date Placeholder 3">
+            <a:extLst>
+              <a:ext uri="{FF2B5EF4-FFF2-40B4-BE49-F238E27FC236}">
+                <a16:creationId xmlns:a16="http://schemas.microsoft.com/office/drawing/2014/main" id="{A00276DC-748B-4B6C-0778-A54C4FB17683}"/>
+              </a:ext>
+            </a:extLst>
+          </p:cNvPr>
+          <p:cNvSpPr>
+            <a:spLocks noGrp="1"/>
+          </p:cNvSpPr>
+          <p:nvPr>
+            <p:ph type="dt" sz="half" idx="10"/>
+          </p:nvPr>
+        </p:nvSpPr>
+        <p:spPr/>
+        <p:txBody>
+          <a:bodyPr/>
+          <a:lstStyle/>
+          <a:p>
+            <a:fld id="{5AFA7466-6441-46BB-9F12-E2CABB750CFD}" type="datetime1">
+              <a:rPr lang="en-GB" smtClean="0"/>
+              <a:t>20/11/2023</a:t>
+            </a:fld>
+            <a:r>
+              <a:rPr lang="en-GB"/>
+              <a:t>07/11/2023</a:t>
+            </a:r>
+            <a:endParaRPr lang="en-GB" dirty="0"/>
+          </a:p>
+        </p:txBody>
+      </p:sp>
+    </p:spTree>
+    <p:extLst>
+      <p:ext uri="{BB962C8B-B14F-4D97-AF65-F5344CB8AC3E}">
+        <p14:creationId xmlns:p14="http://schemas.microsoft.com/office/powerpoint/2010/main" val="2576326373"/>
+      </p:ext>
+    </p:extLst>
+  </p:cSld>
+  <p:clrMapOvr>
+    <a:masterClrMapping/>
+  </p:clrMapOvr>
+</p:sld>
+</file>
+
+<file path=ppt/slides/slide8.xml><?xml version="1.0" encoding="utf-8"?>
+<p:sld xmlns:a="http://schemas.openxmlformats.org/drawingml/2006/main" xmlns:r="http://schemas.openxmlformats.org/officeDocument/2006/relationships" xmlns:p="http://schemas.openxmlformats.org/presentationml/2006/main">
+  <p:cSld>
+    <p:spTree>
+      <p:nvGrpSpPr>
+        <p:cNvPr id="1" name=""/>
+        <p:cNvGrpSpPr/>
+        <p:nvPr/>
+      </p:nvGrpSpPr>
+      <p:grpSpPr>
+        <a:xfrm>
+          <a:off x="0" y="0"/>
+          <a:ext cx="0" cy="0"/>
+          <a:chOff x="0" y="0"/>
+          <a:chExt cx="0" cy="0"/>
+        </a:xfrm>
+      </p:grpSpPr>
+      <p:sp>
+        <p:nvSpPr>
+          <p:cNvPr id="2" name="Title 1">
+            <a:extLst>
+              <a:ext uri="{FF2B5EF4-FFF2-40B4-BE49-F238E27FC236}">
+                <a16:creationId xmlns:a16="http://schemas.microsoft.com/office/drawing/2014/main" id="{8198E2B0-6F49-F1DF-2E4D-7A469B1D2E3C}"/>
+              </a:ext>
+            </a:extLst>
+          </p:cNvPr>
+          <p:cNvSpPr>
+            <a:spLocks noGrp="1"/>
+          </p:cNvSpPr>
+          <p:nvPr>
+            <p:ph type="title"/>
+          </p:nvPr>
+        </p:nvSpPr>
+        <p:spPr/>
+        <p:txBody>
+          <a:bodyPr/>
+          <a:lstStyle/>
+          <a:p>
+            <a:r>
+              <a:rPr lang="en-US" dirty="0"/>
+              <a:t>Group task – writing functions</a:t>
+            </a:r>
+            <a:endParaRPr lang="da-DK" dirty="0"/>
+          </a:p>
+        </p:txBody>
+      </p:sp>
+      <p:sp>
+        <p:nvSpPr>
+          <p:cNvPr id="3" name="Content Placeholder 2">
+            <a:extLst>
+              <a:ext uri="{FF2B5EF4-FFF2-40B4-BE49-F238E27FC236}">
+                <a16:creationId xmlns:a16="http://schemas.microsoft.com/office/drawing/2014/main" id="{6827349D-830F-544B-A011-0E4FA55E96B4}"/>
+              </a:ext>
+            </a:extLst>
+          </p:cNvPr>
+          <p:cNvSpPr>
+            <a:spLocks noGrp="1"/>
+          </p:cNvSpPr>
+          <p:nvPr>
+            <p:ph idx="1"/>
+          </p:nvPr>
+        </p:nvSpPr>
+        <p:spPr>
+          <a:xfrm>
+            <a:off x="985839" y="1373021"/>
+            <a:ext cx="5684638" cy="4521366"/>
+          </a:xfrm>
+        </p:spPr>
+        <p:txBody>
+          <a:bodyPr/>
+          <a:lstStyle/>
+          <a:p>
+            <a:r>
+              <a:rPr lang="en-US" dirty="0"/>
+              <a:t>1) git clone </a:t>
+            </a:r>
+            <a:r>
+              <a:rPr lang="en-US" dirty="0">
+                <a:hlinkClick r:id="rId2"/>
+              </a:rPr>
+              <a:t>https://github.com/jacobfredsoee/MOMAR.git</a:t>
+            </a:r>
+            <a:endParaRPr lang="en-US" dirty="0"/>
+          </a:p>
+          <a:p>
+            <a:r>
+              <a:rPr lang="en-US" dirty="0"/>
+              <a:t>2) open ./MOMAR/02_files/02_functions_part1.R</a:t>
+            </a:r>
+          </a:p>
+          <a:p>
+            <a:r>
+              <a:rPr lang="en-US" dirty="0"/>
+              <a:t>3) in small groups, try to write the body of the indicated functions</a:t>
+            </a:r>
+            <a:endParaRPr lang="da-DK" dirty="0"/>
+          </a:p>
+        </p:txBody>
+      </p:sp>
+      <p:sp>
+        <p:nvSpPr>
+          <p:cNvPr id="4" name="Date Placeholder 3">
+            <a:extLst>
+              <a:ext uri="{FF2B5EF4-FFF2-40B4-BE49-F238E27FC236}">
+                <a16:creationId xmlns:a16="http://schemas.microsoft.com/office/drawing/2014/main" id="{66C4E607-BB75-0880-0065-F2F146B772D0}"/>
+              </a:ext>
+            </a:extLst>
+          </p:cNvPr>
+          <p:cNvSpPr>
+            <a:spLocks noGrp="1"/>
+          </p:cNvSpPr>
+          <p:nvPr>
+            <p:ph type="dt" sz="half" idx="10"/>
+          </p:nvPr>
+        </p:nvSpPr>
+        <p:spPr/>
+        <p:txBody>
+          <a:bodyPr/>
+          <a:lstStyle/>
+          <a:p>
+            <a:fld id="{638DA670-DA22-4F3D-8A0F-EFE97634B4C8}" type="datetime1">
+              <a:rPr lang="en-GB" smtClean="0"/>
+              <a:t>20/11/2023</a:t>
+            </a:fld>
+            <a:r>
+              <a:rPr lang="en-GB" dirty="0"/>
+              <a:t>07/11/2023</a:t>
+            </a:r>
+          </a:p>
+        </p:txBody>
+      </p:sp>
+      <p:pic>
+        <p:nvPicPr>
+          <p:cNvPr id="6" name="Picture 5">
+            <a:extLst>
+              <a:ext uri="{FF2B5EF4-FFF2-40B4-BE49-F238E27FC236}">
+                <a16:creationId xmlns:a16="http://schemas.microsoft.com/office/drawing/2014/main" id="{1E8A3007-AF14-0776-F263-48D0FD1AF8AC}"/>
+              </a:ext>
+            </a:extLst>
+          </p:cNvPr>
+          <p:cNvPicPr>
+            <a:picLocks noChangeAspect="1"/>
+          </p:cNvPicPr>
+          <p:nvPr/>
+        </p:nvPicPr>
+        <p:blipFill>
+          <a:blip r:embed="rId3"/>
+          <a:stretch>
+            <a:fillRect/>
+          </a:stretch>
+        </p:blipFill>
+        <p:spPr>
+          <a:xfrm>
+            <a:off x="6799797" y="1268760"/>
+            <a:ext cx="5072116" cy="3257475"/>
+          </a:xfrm>
+          <a:prstGeom prst="rect">
+            <a:avLst/>
+          </a:prstGeom>
+        </p:spPr>
+      </p:pic>
+    </p:spTree>
+    <p:extLst>
+      <p:ext uri="{BB962C8B-B14F-4D97-AF65-F5344CB8AC3E}">
+        <p14:creationId xmlns:p14="http://schemas.microsoft.com/office/powerpoint/2010/main" val="841040"/>
+      </p:ext>
+    </p:extLst>
+  </p:cSld>
+  <p:clrMapOvr>
+    <a:masterClrMapping/>
+  </p:clrMapOvr>
+</p:sld>
+</file>
+
+<file path=ppt/slides/slide9.xml><?xml version="1.0" encoding="utf-8"?>
+<p:sld xmlns:a="http://schemas.openxmlformats.org/drawingml/2006/main" xmlns:r="http://schemas.openxmlformats.org/officeDocument/2006/relationships" xmlns:p="http://schemas.openxmlformats.org/presentationml/2006/main">
+  <p:cSld>
+    <p:spTree>
+      <p:nvGrpSpPr>
+        <p:cNvPr id="1" name=""/>
+        <p:cNvGrpSpPr/>
+        <p:nvPr/>
+      </p:nvGrpSpPr>
+      <p:grpSpPr>
+        <a:xfrm>
+          <a:off x="0" y="0"/>
+          <a:ext cx="0" cy="0"/>
+          <a:chOff x="0" y="0"/>
+          <a:chExt cx="0" cy="0"/>
+        </a:xfrm>
+      </p:grpSpPr>
+      <p:sp>
+        <p:nvSpPr>
+          <p:cNvPr id="2" name="Title 1">
+            <a:extLst>
+              <a:ext uri="{FF2B5EF4-FFF2-40B4-BE49-F238E27FC236}">
+                <a16:creationId xmlns:a16="http://schemas.microsoft.com/office/drawing/2014/main" id="{BC583A0E-DC89-8DCD-1E63-169229D52D66}"/>
+              </a:ext>
+            </a:extLst>
+          </p:cNvPr>
+          <p:cNvSpPr>
+            <a:spLocks noGrp="1"/>
+          </p:cNvSpPr>
+          <p:nvPr>
+            <p:ph type="title"/>
+          </p:nvPr>
+        </p:nvSpPr>
+        <p:spPr/>
+        <p:txBody>
+          <a:bodyPr/>
+          <a:lstStyle/>
+          <a:p>
+            <a:r>
+              <a:rPr lang="da-DK" dirty="0"/>
+              <a:t>Control flow</a:t>
+            </a:r>
+          </a:p>
+        </p:txBody>
+      </p:sp>
+      <p:sp>
+        <p:nvSpPr>
+          <p:cNvPr id="3" name="Content Placeholder 2">
+            <a:extLst>
+              <a:ext uri="{FF2B5EF4-FFF2-40B4-BE49-F238E27FC236}">
+                <a16:creationId xmlns:a16="http://schemas.microsoft.com/office/drawing/2014/main" id="{E1CA9BCE-F6D7-408F-B245-C6381D71A593}"/>
+              </a:ext>
+            </a:extLst>
+          </p:cNvPr>
+          <p:cNvSpPr>
+            <a:spLocks noGrp="1"/>
+          </p:cNvSpPr>
+          <p:nvPr>
+            <p:ph idx="1"/>
+          </p:nvPr>
+        </p:nvSpPr>
+        <p:spPr/>
+        <p:txBody>
+          <a:bodyPr/>
+          <a:lstStyle/>
+          <a:p>
+            <a:pPr marL="342900" indent="-342900">
+              <a:buFont typeface="Arial" panose="020B0604020202020204" pitchFamily="34" charset="0"/>
+              <a:buChar char="•"/>
+            </a:pPr>
+            <a:r>
+              <a:rPr lang="en-US" dirty="0"/>
+              <a:t>The if statement allows you to execute a block of code based on a specific condition.</a:t>
+            </a:r>
+          </a:p>
+          <a:p>
+            <a:r>
+              <a:rPr lang="en-US" sz="1600" dirty="0" err="1">
+                <a:latin typeface="Lucida Console" panose="020B0609040504020204" pitchFamily="49" charset="0"/>
+              </a:rPr>
+              <a:t>myFunction</a:t>
+            </a:r>
+            <a:r>
+              <a:rPr lang="en-US" sz="1600" dirty="0">
+                <a:latin typeface="Lucida Console" panose="020B0609040504020204" pitchFamily="49" charset="0"/>
+              </a:rPr>
+              <a:t> = function(x) {</a:t>
+            </a:r>
+          </a:p>
+          <a:p>
+            <a:r>
+              <a:rPr lang="en-US" sz="1600" dirty="0">
+                <a:latin typeface="Lucida Console" panose="020B0609040504020204" pitchFamily="49" charset="0"/>
+              </a:rPr>
+              <a:t>  if(x &gt; 5) {</a:t>
+            </a:r>
+          </a:p>
+          <a:p>
+            <a:r>
+              <a:rPr lang="en-US" sz="1600" dirty="0">
+                <a:latin typeface="Lucida Console" panose="020B0609040504020204" pitchFamily="49" charset="0"/>
+              </a:rPr>
+              <a:t>    return("x is greater than 5")</a:t>
+            </a:r>
+          </a:p>
+          <a:p>
+            <a:r>
+              <a:rPr lang="en-US" sz="1600" dirty="0">
+                <a:latin typeface="Lucida Console" panose="020B0609040504020204" pitchFamily="49" charset="0"/>
+              </a:rPr>
+              <a:t>  }</a:t>
+            </a:r>
+          </a:p>
+          <a:p>
+            <a:r>
+              <a:rPr lang="en-US" sz="1600" dirty="0">
+                <a:latin typeface="Lucida Console" panose="020B0609040504020204" pitchFamily="49" charset="0"/>
+              </a:rPr>
+              <a:t>}</a:t>
+            </a:r>
+          </a:p>
+          <a:p>
+            <a:pPr marL="342900" indent="-342900">
+              <a:buFont typeface="Arial" panose="020B0604020202020204" pitchFamily="34" charset="0"/>
+              <a:buChar char="•"/>
+            </a:pPr>
+            <a:r>
+              <a:rPr lang="en-US" dirty="0"/>
+              <a:t>Alternative, one-liner</a:t>
+            </a:r>
+          </a:p>
+          <a:p>
+            <a:r>
+              <a:rPr lang="en-US" sz="1600" dirty="0" err="1">
+                <a:latin typeface="Lucida Console" panose="020B0609040504020204" pitchFamily="49" charset="0"/>
+              </a:rPr>
+              <a:t>myFunction</a:t>
+            </a:r>
+            <a:r>
+              <a:rPr lang="en-US" sz="1600" dirty="0">
+                <a:latin typeface="Lucida Console" panose="020B0609040504020204" pitchFamily="49" charset="0"/>
+              </a:rPr>
+              <a:t> = function(x) {</a:t>
+            </a:r>
+          </a:p>
+          <a:p>
+            <a:r>
+              <a:rPr lang="en-US" sz="1600" dirty="0">
+                <a:latin typeface="Lucida Console" panose="020B0609040504020204" pitchFamily="49" charset="0"/>
+              </a:rPr>
+              <a:t>  if(x &gt; 5) return("x is greater than 5")</a:t>
+            </a:r>
+          </a:p>
+          <a:p>
+            <a:r>
+              <a:rPr lang="en-US" sz="1600" dirty="0">
+                <a:latin typeface="Lucida Console" panose="020B0609040504020204" pitchFamily="49" charset="0"/>
+              </a:rPr>
+              <a:t>}</a:t>
+            </a:r>
+          </a:p>
+          <a:p>
+            <a:pPr marL="342900" indent="-342900">
+              <a:buFont typeface="Arial" panose="020B0604020202020204" pitchFamily="34" charset="0"/>
+              <a:buChar char="•"/>
+            </a:pPr>
+            <a:r>
+              <a:rPr lang="en-US" dirty="0"/>
+              <a:t>Alternative </a:t>
+            </a:r>
+            <a:r>
+              <a:rPr lang="en-US" dirty="0" err="1"/>
+              <a:t>alternative</a:t>
+            </a:r>
+            <a:r>
+              <a:rPr lang="en-US" dirty="0"/>
+              <a:t>, one-liner</a:t>
+            </a:r>
+          </a:p>
+          <a:p>
+            <a:r>
+              <a:rPr lang="en-US" sz="1600" dirty="0" err="1">
+                <a:latin typeface="Lucida Console" panose="020B0609040504020204" pitchFamily="49" charset="0"/>
+              </a:rPr>
+              <a:t>myFunction</a:t>
+            </a:r>
+            <a:r>
+              <a:rPr lang="en-US" sz="1600" dirty="0">
+                <a:latin typeface="Lucida Console" panose="020B0609040504020204" pitchFamily="49" charset="0"/>
+              </a:rPr>
+              <a:t> = function(x) {</a:t>
+            </a:r>
+          </a:p>
+          <a:p>
+            <a:r>
+              <a:rPr lang="en-US" sz="1600" dirty="0">
+                <a:latin typeface="Lucida Console" panose="020B0609040504020204" pitchFamily="49" charset="0"/>
+              </a:rPr>
+              <a:t>  if(x &gt; 5) { return("x is greater than 5") }</a:t>
+            </a:r>
+          </a:p>
+          <a:p>
+            <a:r>
+              <a:rPr lang="en-US" sz="1600" dirty="0">
+                <a:latin typeface="Lucida Console" panose="020B0609040504020204" pitchFamily="49" charset="0"/>
+              </a:rPr>
+              <a:t>}</a:t>
+            </a:r>
+          </a:p>
+          <a:p>
+            <a:endParaRPr lang="en-US" dirty="0"/>
+          </a:p>
+        </p:txBody>
+      </p:sp>
+      <p:sp>
+        <p:nvSpPr>
+          <p:cNvPr id="4" name="Date Placeholder 3">
+            <a:extLst>
+              <a:ext uri="{FF2B5EF4-FFF2-40B4-BE49-F238E27FC236}">
+                <a16:creationId xmlns:a16="http://schemas.microsoft.com/office/drawing/2014/main" id="{5F2EBADB-7D3F-CE04-E431-E443509CB441}"/>
+              </a:ext>
+            </a:extLst>
+          </p:cNvPr>
+          <p:cNvSpPr>
+            <a:spLocks noGrp="1"/>
+          </p:cNvSpPr>
+          <p:nvPr>
+            <p:ph type="dt" sz="half" idx="10"/>
+          </p:nvPr>
+        </p:nvSpPr>
+        <p:spPr/>
+        <p:txBody>
+          <a:bodyPr/>
+          <a:lstStyle/>
+          <a:p>
+            <a:fld id="{2C36074D-32E4-4605-9743-462993968EA3}" type="datetime1">
+              <a:rPr lang="en-GB" smtClean="0"/>
+              <a:t>20/11/2023</a:t>
+            </a:fld>
+            <a:r>
+              <a:rPr lang="en-GB"/>
+              <a:t>07/11/2023</a:t>
+            </a:r>
+            <a:endParaRPr lang="en-GB" dirty="0"/>
+          </a:p>
+        </p:txBody>
+      </p:sp>
+    </p:spTree>
+    <p:extLst>
+      <p:ext uri="{BB962C8B-B14F-4D97-AF65-F5344CB8AC3E}">
+        <p14:creationId xmlns:p14="http://schemas.microsoft.com/office/powerpoint/2010/main" val="2420988767"/>
+      </p:ext>
+    </p:extLst>
+  </p:cSld>
+  <p:clrMapOvr>
+    <a:masterClrMapping/>
+  </p:clrMapOvr>
+  <p:timing>
+    <p:tnLst>
+      <p:par>
+        <p:cTn id="1" dur="indefinite" restart="never" nodeType="tmRoot">
+          <p:childTnLst>
+            <p:seq concurrent="1" nextAc="seek">
+              <p:cTn id="2" dur="indefinite" nodeType="mainSeq">
+                <p:childTnLst>
+                  <p:par>
+                    <p:cTn id="3" fill="hold">
+                      <p:stCondLst>
+                        <p:cond delay="indefinite"/>
+                      </p:stCondLst>
+                      <p:childTnLst>
+                        <p:par>
+                          <p:cTn id="4" fill="hold">
+                            <p:stCondLst>
+                              <p:cond delay="0"/>
+                            </p:stCondLst>
+                            <p:childTnLst>
+                              <p:par>
+                                <p:cTn id="5" presetID="1" presetClass="entr" presetSubtype="0" fill="hold" nodeType="clickEffect">
+                                  <p:stCondLst>
+                                    <p:cond delay="0"/>
+                                  </p:stCondLst>
+                                  <p:childTnLst>
+                                    <p:set>
+                                      <p:cBhvr>
+                                        <p:cTn id="6" dur="1" fill="hold">
+                                          <p:stCondLst>
+                                            <p:cond delay="0"/>
+                                          </p:stCondLst>
+                                        </p:cTn>
+                                        <p:tgtEl>
+                                          <p:spTgt spid="3">
+                                            <p:txEl>
+                                              <p:pRg st="6" end="6"/>
+                                            </p:txEl>
+                                          </p:spTgt>
+                                        </p:tgtEl>
+                                        <p:attrNameLst>
+                                          <p:attrName>style.visibility</p:attrName>
+                                        </p:attrNameLst>
+                                      </p:cBhvr>
+                                      <p:to>
+                                        <p:strVal val="visible"/>
+                                      </p:to>
+                                    </p:set>
+                                  </p:childTnLst>
+                                </p:cTn>
+                              </p:par>
+                              <p:par>
+                                <p:cTn id="7" presetID="1" presetClass="entr" presetSubtype="0" fill="hold" nodeType="withEffect">
+                                  <p:stCondLst>
+                                    <p:cond delay="0"/>
+                                  </p:stCondLst>
+                                  <p:childTnLst>
+                                    <p:set>
+                                      <p:cBhvr>
+                                        <p:cTn id="8" dur="1" fill="hold">
+                                          <p:stCondLst>
+                                            <p:cond delay="0"/>
+                                          </p:stCondLst>
+                                        </p:cTn>
+                                        <p:tgtEl>
+                                          <p:spTgt spid="3">
+                                            <p:txEl>
+                                              <p:pRg st="7" end="7"/>
+                                            </p:txEl>
+                                          </p:spTgt>
+                                        </p:tgtEl>
+                                        <p:attrNameLst>
+                                          <p:attrName>style.visibility</p:attrName>
+                                        </p:attrNameLst>
+                                      </p:cBhvr>
+                                      <p:to>
+                                        <p:strVal val="visible"/>
+                                      </p:to>
+                                    </p:set>
+                                  </p:childTnLst>
+                                </p:cTn>
+                              </p:par>
+                              <p:par>
+                                <p:cTn id="9" presetID="1" presetClass="entr" presetSubtype="0" fill="hold" nodeType="withEffect">
+                                  <p:stCondLst>
+                                    <p:cond delay="0"/>
+                                  </p:stCondLst>
+                                  <p:childTnLst>
+                                    <p:set>
+                                      <p:cBhvr>
+                                        <p:cTn id="10" dur="1" fill="hold">
+                                          <p:stCondLst>
+                                            <p:cond delay="0"/>
+                                          </p:stCondLst>
+                                        </p:cTn>
+                                        <p:tgtEl>
+                                          <p:spTgt spid="3">
+                                            <p:txEl>
+                                              <p:pRg st="8" end="8"/>
+                                            </p:txEl>
+                                          </p:spTgt>
+                                        </p:tgtEl>
+                                        <p:attrNameLst>
+                                          <p:attrName>style.visibility</p:attrName>
+                                        </p:attrNameLst>
+                                      </p:cBhvr>
+                                      <p:to>
+                                        <p:strVal val="visible"/>
+                                      </p:to>
+                                    </p:set>
+                                  </p:childTnLst>
+                                </p:cTn>
+                              </p:par>
+                              <p:par>
+                                <p:cTn id="11" presetID="1" presetClass="entr" presetSubtype="0" fill="hold" nodeType="withEffect">
+                                  <p:stCondLst>
+                                    <p:cond delay="0"/>
+                                  </p:stCondLst>
+                                  <p:childTnLst>
+                                    <p:set>
+                                      <p:cBhvr>
+                                        <p:cTn id="12" dur="1" fill="hold">
+                                          <p:stCondLst>
+                                            <p:cond delay="0"/>
+                                          </p:stCondLst>
+                                        </p:cTn>
+                                        <p:tgtEl>
+                                          <p:spTgt spid="3">
+                                            <p:txEl>
+                                              <p:pRg st="9" end="9"/>
+                                            </p:txEl>
+                                          </p:spTgt>
+                                        </p:tgtEl>
+                                        <p:attrNameLst>
+                                          <p:attrName>style.visibility</p:attrName>
+                                        </p:attrNameLst>
+                                      </p:cBhvr>
+                                      <p:to>
+                                        <p:strVal val="visible"/>
+                                      </p:to>
+                                    </p:set>
+                                  </p:childTnLst>
+                                </p:cTn>
+                              </p:par>
+                            </p:childTnLst>
+                          </p:cTn>
+                        </p:par>
+                      </p:childTnLst>
+                    </p:cTn>
+                  </p:par>
+                  <p:par>
+                    <p:cTn id="13" fill="hold">
+                      <p:stCondLst>
+                        <p:cond delay="indefinite"/>
+                      </p:stCondLst>
+                      <p:childTnLst>
+                        <p:par>
+                          <p:cTn id="14" fill="hold">
+                            <p:stCondLst>
+                              <p:cond delay="0"/>
+                            </p:stCondLst>
+                            <p:childTnLst>
+                              <p:par>
+                                <p:cTn id="15" presetID="1" presetClass="entr" presetSubtype="0" fill="hold" nodeType="clickEffect">
+                                  <p:stCondLst>
+                                    <p:cond delay="0"/>
+                                  </p:stCondLst>
+                                  <p:childTnLst>
+                                    <p:set>
+                                      <p:cBhvr>
+                                        <p:cTn id="16" dur="1" fill="hold">
+                                          <p:stCondLst>
+                                            <p:cond delay="0"/>
+                                          </p:stCondLst>
+                                        </p:cTn>
+                                        <p:tgtEl>
+                                          <p:spTgt spid="3">
+                                            <p:txEl>
+                                              <p:pRg st="10" end="10"/>
+                                            </p:txEl>
+                                          </p:spTgt>
+                                        </p:tgtEl>
+                                        <p:attrNameLst>
+                                          <p:attrName>style.visibility</p:attrName>
+                                        </p:attrNameLst>
+                                      </p:cBhvr>
+                                      <p:to>
+                                        <p:strVal val="visible"/>
+                                      </p:to>
+                                    </p:set>
+                                  </p:childTnLst>
+                                </p:cTn>
+                              </p:par>
+                              <p:par>
+                                <p:cTn id="17" presetID="1" presetClass="entr" presetSubtype="0" fill="hold" nodeType="withEffect">
+                                  <p:stCondLst>
+                                    <p:cond delay="0"/>
+                                  </p:stCondLst>
+                                  <p:childTnLst>
+                                    <p:set>
+                                      <p:cBhvr>
+                                        <p:cTn id="18" dur="1" fill="hold">
+                                          <p:stCondLst>
+                                            <p:cond delay="0"/>
+                                          </p:stCondLst>
+                                        </p:cTn>
+                                        <p:tgtEl>
+                                          <p:spTgt spid="3">
+                                            <p:txEl>
+                                              <p:pRg st="11" end="11"/>
+                                            </p:txEl>
+                                          </p:spTgt>
+                                        </p:tgtEl>
+                                        <p:attrNameLst>
+                                          <p:attrName>style.visibility</p:attrName>
+                                        </p:attrNameLst>
+                                      </p:cBhvr>
+                                      <p:to>
+                                        <p:strVal val="visible"/>
+                                      </p:to>
+                                    </p:set>
+                                  </p:childTnLst>
+                                </p:cTn>
+                              </p:par>
+                              <p:par>
+                                <p:cTn id="19" presetID="1" presetClass="entr" presetSubtype="0" fill="hold" nodeType="withEffect">
+                                  <p:stCondLst>
+                                    <p:cond delay="0"/>
+                                  </p:stCondLst>
+                                  <p:childTnLst>
+                                    <p:set>
+                                      <p:cBhvr>
+                                        <p:cTn id="20" dur="1" fill="hold">
+                                          <p:stCondLst>
+                                            <p:cond delay="0"/>
+                                          </p:stCondLst>
+                                        </p:cTn>
+                                        <p:tgtEl>
+                                          <p:spTgt spid="3">
+                                            <p:txEl>
+                                              <p:pRg st="12" end="12"/>
+                                            </p:txEl>
+                                          </p:spTgt>
+                                        </p:tgtEl>
+                                        <p:attrNameLst>
+                                          <p:attrName>style.visibility</p:attrName>
+                                        </p:attrNameLst>
+                                      </p:cBhvr>
+                                      <p:to>
+                                        <p:strVal val="visible"/>
+                                      </p:to>
+                                    </p:set>
+                                  </p:childTnLst>
+                                </p:cTn>
+                              </p:par>
+                              <p:par>
+                                <p:cTn id="21" presetID="1" presetClass="entr" presetSubtype="0" fill="hold" nodeType="withEffect">
+                                  <p:stCondLst>
+                                    <p:cond delay="0"/>
+                                  </p:stCondLst>
+                                  <p:childTnLst>
+                                    <p:set>
+                                      <p:cBhvr>
+                                        <p:cTn id="22" dur="1" fill="hold">
+                                          <p:stCondLst>
+                                            <p:cond delay="0"/>
+                                          </p:stCondLst>
+                                        </p:cTn>
+                                        <p:tgtEl>
+                                          <p:spTgt spid="3">
+                                            <p:txEl>
+                                              <p:pRg st="13" end="13"/>
+                                            </p:txEl>
+                                          </p:spTgt>
+                                        </p:tgtEl>
+                                        <p:attrNameLst>
+                                          <p:attrName>style.visibility</p:attrName>
+                                        </p:attrNameLst>
+                                      </p:cBhvr>
+                                      <p:to>
+                                        <p:strVal val="visible"/>
+                                      </p:to>
+                                    </p:set>
+                                  </p:childTnLst>
+                                </p:cTn>
+                              </p:par>
+                            </p:childTnLst>
+                          </p:cTn>
+                        </p:par>
+                      </p:childTnLst>
+                    </p:cTn>
+                  </p:par>
+                </p:childTnLst>
+              </p:cTn>
+              <p:prevCondLst>
+                <p:cond evt="onPrev" delay="0">
+                  <p:tgtEl>
+                    <p:sldTgt/>
+                  </p:tgtEl>
+                </p:cond>
+              </p:prevCondLst>
+              <p:nextCondLst>
+                <p:cond evt="onNext" delay="0">
+                  <p:tgtEl>
+                    <p:sldTgt/>
+                  </p:tgtEl>
+                </p:cond>
+              </p:nextCondLst>
+            </p:seq>
+          </p:childTnLst>
+        </p:cTn>
+      </p:par>
+    </p:tnLst>
+  </p:timing>
 </p:sld>
 </file>
 

--- a/02_files/02 controlflow.pptx
+++ b/02_files/02 controlflow.pptx
@@ -5,10 +5,10 @@
     <p:sldMasterId id="2147483648" r:id="rId1"/>
   </p:sldMasterIdLst>
   <p:notesMasterIdLst>
-    <p:notesMasterId r:id="rId17"/>
+    <p:notesMasterId r:id="rId19"/>
   </p:notesMasterIdLst>
   <p:handoutMasterIdLst>
-    <p:handoutMasterId r:id="rId18"/>
+    <p:handoutMasterId r:id="rId20"/>
   </p:handoutMasterIdLst>
   <p:sldIdLst>
     <p:sldId id="256" r:id="rId2"/>
@@ -26,46 +26,48 @@
     <p:sldId id="291" r:id="rId14"/>
     <p:sldId id="292" r:id="rId15"/>
     <p:sldId id="280" r:id="rId16"/>
+    <p:sldId id="293" r:id="rId17"/>
+    <p:sldId id="295" r:id="rId18"/>
   </p:sldIdLst>
   <p:sldSz cx="12188825" cy="6858000"/>
   <p:notesSz cx="6797675" cy="9926638"/>
   <p:embeddedFontLst>
     <p:embeddedFont>
       <p:font typeface="AU Passata" panose="020B0503030502030804" pitchFamily="34" charset="0"/>
-      <p:regular r:id="rId19"/>
-      <p:bold r:id="rId20"/>
-    </p:embeddedFont>
-    <p:embeddedFont>
-      <p:font typeface="AU Passata Light" panose="020B0303030902030804" pitchFamily="34" charset="0"/>
       <p:regular r:id="rId21"/>
       <p:bold r:id="rId22"/>
     </p:embeddedFont>
     <p:embeddedFont>
-      <p:font typeface="AU Peto" panose="040C0B07020602020301" pitchFamily="82" charset="0"/>
+      <p:font typeface="AU Passata Light" panose="020B0303030902030804" pitchFamily="34" charset="0"/>
       <p:regular r:id="rId23"/>
       <p:bold r:id="rId24"/>
     </p:embeddedFont>
     <p:embeddedFont>
-      <p:font typeface="Calibri" panose="020F0502020204030204" pitchFamily="34" charset="0"/>
+      <p:font typeface="AU Peto" panose="040C0B07020602020301" pitchFamily="82" charset="0"/>
       <p:regular r:id="rId25"/>
       <p:bold r:id="rId26"/>
-      <p:italic r:id="rId27"/>
-      <p:boldItalic r:id="rId28"/>
+    </p:embeddedFont>
+    <p:embeddedFont>
+      <p:font typeface="Calibri" panose="020F0502020204030204" pitchFamily="34" charset="0"/>
+      <p:regular r:id="rId27"/>
+      <p:bold r:id="rId28"/>
+      <p:italic r:id="rId29"/>
+      <p:boldItalic r:id="rId30"/>
     </p:embeddedFont>
     <p:embeddedFont>
       <p:font typeface="Georgia" panose="02040502050405020303" pitchFamily="18" charset="0"/>
-      <p:regular r:id="rId29"/>
-      <p:bold r:id="rId30"/>
-      <p:italic r:id="rId31"/>
-      <p:boldItalic r:id="rId32"/>
+      <p:regular r:id="rId31"/>
+      <p:bold r:id="rId32"/>
+      <p:italic r:id="rId33"/>
+      <p:boldItalic r:id="rId34"/>
     </p:embeddedFont>
     <p:embeddedFont>
       <p:font typeface="Lucida Console" panose="020B0609040504020204" pitchFamily="49" charset="0"/>
-      <p:regular r:id="rId33"/>
+      <p:regular r:id="rId35"/>
     </p:embeddedFont>
     <p:embeddedFont>
       <p:font typeface="Wingdings 3" panose="05040102010807070707" pitchFamily="18" charset="2"/>
-      <p:regular r:id="rId34"/>
+      <p:regular r:id="rId36"/>
     </p:embeddedFont>
   </p:embeddedFontLst>
   <p:defaultTextStyle>
@@ -12371,8 +12373,23 @@
           <a:p>
             <a:r>
               <a:rPr lang="en-US" dirty="0"/>
-              <a:t>1) open ./MOMA R/Understanding R/01_files/01_debug.R</a:t>
-            </a:r>
+              <a:t>What do you do when you get errors?</a:t>
+            </a:r>
+          </a:p>
+          <a:p>
+            <a:endParaRPr lang="en-US" dirty="0"/>
+          </a:p>
+          <a:p>
+            <a:r>
+              <a:rPr lang="en-US" dirty="0"/>
+              <a:t>02_files/02_debug.R</a:t>
+            </a:r>
+          </a:p>
+          <a:p>
+            <a:endParaRPr lang="en-US" dirty="0"/>
+          </a:p>
+          <a:p>
+            <a:endParaRPr lang="en-US" dirty="0"/>
           </a:p>
           <a:p>
             <a:endParaRPr lang="da-DK" dirty="0"/>
@@ -12416,6 +12433,810 @@
     <p:extLst>
       <p:ext uri="{BB962C8B-B14F-4D97-AF65-F5344CB8AC3E}">
         <p14:creationId xmlns:p14="http://schemas.microsoft.com/office/powerpoint/2010/main" val="3815178459"/>
+      </p:ext>
+    </p:extLst>
+  </p:cSld>
+  <p:clrMapOvr>
+    <a:masterClrMapping/>
+  </p:clrMapOvr>
+</p:sld>
+</file>
+
+<file path=ppt/slides/slide16.xml><?xml version="1.0" encoding="utf-8"?>
+<p:sld xmlns:a="http://schemas.openxmlformats.org/drawingml/2006/main" xmlns:r="http://schemas.openxmlformats.org/officeDocument/2006/relationships" xmlns:p="http://schemas.openxmlformats.org/presentationml/2006/main">
+  <p:cSld>
+    <p:spTree>
+      <p:nvGrpSpPr>
+        <p:cNvPr id="1" name=""/>
+        <p:cNvGrpSpPr/>
+        <p:nvPr/>
+      </p:nvGrpSpPr>
+      <p:grpSpPr>
+        <a:xfrm>
+          <a:off x="0" y="0"/>
+          <a:ext cx="0" cy="0"/>
+          <a:chOff x="0" y="0"/>
+          <a:chExt cx="0" cy="0"/>
+        </a:xfrm>
+      </p:grpSpPr>
+      <p:sp>
+        <p:nvSpPr>
+          <p:cNvPr id="2" name="Title 1">
+            <a:extLst>
+              <a:ext uri="{FF2B5EF4-FFF2-40B4-BE49-F238E27FC236}">
+                <a16:creationId xmlns:a16="http://schemas.microsoft.com/office/drawing/2014/main" id="{2B334D21-32D1-77BA-14E8-C7B42DD98B6F}"/>
+              </a:ext>
+            </a:extLst>
+          </p:cNvPr>
+          <p:cNvSpPr>
+            <a:spLocks noGrp="1"/>
+          </p:cNvSpPr>
+          <p:nvPr>
+            <p:ph type="title"/>
+          </p:nvPr>
+        </p:nvSpPr>
+        <p:spPr/>
+        <p:txBody>
+          <a:bodyPr/>
+          <a:lstStyle/>
+          <a:p>
+            <a:r>
+              <a:rPr lang="en-US" sz="4400" dirty="0"/>
+              <a:t>Apply, like for loops, just with return</a:t>
+            </a:r>
+            <a:endParaRPr lang="da-DK" sz="4400" dirty="0"/>
+          </a:p>
+        </p:txBody>
+      </p:sp>
+      <p:sp>
+        <p:nvSpPr>
+          <p:cNvPr id="3" name="Content Placeholder 2">
+            <a:extLst>
+              <a:ext uri="{FF2B5EF4-FFF2-40B4-BE49-F238E27FC236}">
+                <a16:creationId xmlns:a16="http://schemas.microsoft.com/office/drawing/2014/main" id="{3F004C56-91F6-D599-F464-2C4C8D22CF01}"/>
+              </a:ext>
+            </a:extLst>
+          </p:cNvPr>
+          <p:cNvSpPr>
+            <a:spLocks noGrp="1"/>
+          </p:cNvSpPr>
+          <p:nvPr>
+            <p:ph idx="1"/>
+          </p:nvPr>
+        </p:nvSpPr>
+        <p:spPr>
+          <a:xfrm>
+            <a:off x="985838" y="1373020"/>
+            <a:ext cx="10220325" cy="4936299"/>
+          </a:xfrm>
+        </p:spPr>
+        <p:txBody>
+          <a:bodyPr/>
+          <a:lstStyle/>
+          <a:p>
+            <a:r>
+              <a:rPr lang="en-US" dirty="0"/>
+              <a:t>apply(): Commonly used for operations on matrices like row or column sums.</a:t>
+            </a:r>
+          </a:p>
+          <a:p>
+            <a:r>
+              <a:rPr lang="en-US" dirty="0"/>
+              <a:t>Example: </a:t>
+            </a:r>
+            <a:r>
+              <a:rPr lang="en-US" sz="1600" dirty="0" err="1">
+                <a:latin typeface="Lucida Console" panose="020B0609040504020204" pitchFamily="49" charset="0"/>
+              </a:rPr>
+              <a:t>geneData</a:t>
+            </a:r>
+            <a:r>
+              <a:rPr lang="en-US" sz="1600" dirty="0">
+                <a:latin typeface="Lucida Console" panose="020B0609040504020204" pitchFamily="49" charset="0"/>
+              </a:rPr>
+              <a:t> %&gt;% apply(1, var, na.rm = TRUE)</a:t>
+            </a:r>
+          </a:p>
+          <a:p>
+            <a:endParaRPr lang="en-US" dirty="0"/>
+          </a:p>
+          <a:p>
+            <a:r>
+              <a:rPr lang="en-US" dirty="0" err="1"/>
+              <a:t>sapply</a:t>
+            </a:r>
+            <a:r>
+              <a:rPr lang="en-US" dirty="0"/>
+              <a:t>() (simplify apply): When you expect the output to be of a simpler structure.</a:t>
+            </a:r>
+          </a:p>
+          <a:p>
+            <a:r>
+              <a:rPr lang="en-US" dirty="0"/>
+              <a:t>Example: </a:t>
+            </a:r>
+            <a:r>
+              <a:rPr lang="en-US" sz="1600" dirty="0">
+                <a:latin typeface="Lucida Console" panose="020B0609040504020204" pitchFamily="49" charset="0"/>
+              </a:rPr>
+              <a:t>1:10 %&gt;% </a:t>
+            </a:r>
+            <a:r>
+              <a:rPr lang="en-US" sz="1600" dirty="0" err="1">
+                <a:latin typeface="Lucida Console" panose="020B0609040504020204" pitchFamily="49" charset="0"/>
+              </a:rPr>
+              <a:t>sapply</a:t>
+            </a:r>
+            <a:r>
+              <a:rPr lang="en-US" sz="1600" dirty="0">
+                <a:latin typeface="Lucida Console" panose="020B0609040504020204" pitchFamily="49" charset="0"/>
+              </a:rPr>
+              <a:t>(sqrt)</a:t>
+            </a:r>
+          </a:p>
+          <a:p>
+            <a:endParaRPr lang="en-US" dirty="0"/>
+          </a:p>
+          <a:p>
+            <a:r>
+              <a:rPr lang="en-US" dirty="0" err="1"/>
+              <a:t>lapply</a:t>
+            </a:r>
+            <a:r>
+              <a:rPr lang="en-US" dirty="0"/>
+              <a:t>() (list apply): Same as </a:t>
+            </a:r>
+            <a:r>
+              <a:rPr lang="en-US" dirty="0" err="1"/>
+              <a:t>sapply</a:t>
+            </a:r>
+            <a:r>
+              <a:rPr lang="en-US" dirty="0"/>
+              <a:t>, but you want the output as a list</a:t>
+            </a:r>
+          </a:p>
+          <a:p>
+            <a:r>
+              <a:rPr lang="en-US" dirty="0"/>
+              <a:t>Example: </a:t>
+            </a:r>
+            <a:r>
+              <a:rPr lang="en-US" sz="1600" dirty="0">
+                <a:latin typeface="Lucida Console" panose="020B0609040504020204" pitchFamily="49" charset="0"/>
+              </a:rPr>
+              <a:t>1:10 %&gt;% </a:t>
+            </a:r>
+            <a:r>
+              <a:rPr lang="en-US" sz="1600" dirty="0" err="1">
+                <a:latin typeface="Lucida Console" panose="020B0609040504020204" pitchFamily="49" charset="0"/>
+              </a:rPr>
+              <a:t>lapply</a:t>
+            </a:r>
+            <a:r>
+              <a:rPr lang="en-US" sz="1600" dirty="0">
+                <a:latin typeface="Lucida Console" panose="020B0609040504020204" pitchFamily="49" charset="0"/>
+              </a:rPr>
+              <a:t>(sqrt)</a:t>
+            </a:r>
+          </a:p>
+          <a:p>
+            <a:endParaRPr lang="en-US" dirty="0"/>
+          </a:p>
+          <a:p>
+            <a:r>
+              <a:rPr lang="en-US" dirty="0" err="1"/>
+              <a:t>mapply</a:t>
+            </a:r>
+            <a:r>
+              <a:rPr lang="en-US" dirty="0"/>
+              <a:t>() (multivariate apply): When you need additional arguments passed</a:t>
+            </a:r>
+          </a:p>
+          <a:p>
+            <a:r>
+              <a:rPr lang="en-US" dirty="0"/>
+              <a:t>Example: </a:t>
+            </a:r>
+            <a:r>
+              <a:rPr lang="en-US" sz="1600" dirty="0" err="1">
+                <a:latin typeface="Lucida Console" panose="020B0609040504020204" pitchFamily="49" charset="0"/>
+              </a:rPr>
+              <a:t>mapply</a:t>
+            </a:r>
+            <a:r>
+              <a:rPr lang="en-US" sz="1600" dirty="0">
+                <a:latin typeface="Lucida Console" panose="020B0609040504020204" pitchFamily="49" charset="0"/>
+              </a:rPr>
+              <a:t>(rep, times = 1:10, x = 1:5, each = 2)</a:t>
+            </a:r>
+          </a:p>
+          <a:p>
+            <a:pPr>
+              <a:buNone/>
+            </a:pPr>
+            <a:endParaRPr lang="en-US" dirty="0"/>
+          </a:p>
+          <a:p>
+            <a:pPr>
+              <a:buNone/>
+            </a:pPr>
+            <a:r>
+              <a:rPr lang="en-US" dirty="0"/>
+              <a:t>Others: </a:t>
+            </a:r>
+            <a:r>
+              <a:rPr lang="en-US" dirty="0" err="1"/>
+              <a:t>vapply</a:t>
+            </a:r>
+            <a:r>
+              <a:rPr lang="en-US" dirty="0"/>
+              <a:t> (when you need a specific type return), </a:t>
+            </a:r>
+            <a:r>
+              <a:rPr lang="en-US" dirty="0" err="1"/>
+              <a:t>tapply</a:t>
+            </a:r>
+            <a:r>
+              <a:rPr lang="en-US" dirty="0"/>
+              <a:t> (something with factors)</a:t>
+            </a:r>
+          </a:p>
+          <a:p>
+            <a:endParaRPr lang="en-US" dirty="0"/>
+          </a:p>
+        </p:txBody>
+      </p:sp>
+      <p:sp>
+        <p:nvSpPr>
+          <p:cNvPr id="4" name="Date Placeholder 3">
+            <a:extLst>
+              <a:ext uri="{FF2B5EF4-FFF2-40B4-BE49-F238E27FC236}">
+                <a16:creationId xmlns:a16="http://schemas.microsoft.com/office/drawing/2014/main" id="{20CE8A1E-57A4-B9A4-35B4-71644382868B}"/>
+              </a:ext>
+            </a:extLst>
+          </p:cNvPr>
+          <p:cNvSpPr>
+            <a:spLocks noGrp="1"/>
+          </p:cNvSpPr>
+          <p:nvPr>
+            <p:ph type="dt" sz="half" idx="10"/>
+          </p:nvPr>
+        </p:nvSpPr>
+        <p:spPr/>
+        <p:txBody>
+          <a:bodyPr/>
+          <a:lstStyle/>
+          <a:p>
+            <a:fld id="{527D860E-4AA8-43CC-B3E9-353006A6F547}" type="datetime1">
+              <a:rPr lang="en-GB" smtClean="0"/>
+              <a:t>20/11/2023</a:t>
+            </a:fld>
+            <a:r>
+              <a:rPr lang="en-GB"/>
+              <a:t>07/11/2023</a:t>
+            </a:r>
+            <a:endParaRPr lang="en-GB" dirty="0"/>
+          </a:p>
+        </p:txBody>
+      </p:sp>
+    </p:spTree>
+    <p:extLst>
+      <p:ext uri="{BB962C8B-B14F-4D97-AF65-F5344CB8AC3E}">
+        <p14:creationId xmlns:p14="http://schemas.microsoft.com/office/powerpoint/2010/main" val="902457596"/>
+      </p:ext>
+    </p:extLst>
+  </p:cSld>
+  <p:clrMapOvr>
+    <a:masterClrMapping/>
+  </p:clrMapOvr>
+</p:sld>
+</file>
+
+<file path=ppt/slides/slide17.xml><?xml version="1.0" encoding="utf-8"?>
+<p:sld xmlns:a="http://schemas.openxmlformats.org/drawingml/2006/main" xmlns:r="http://schemas.openxmlformats.org/officeDocument/2006/relationships" xmlns:p="http://schemas.openxmlformats.org/presentationml/2006/main">
+  <p:cSld>
+    <p:spTree>
+      <p:nvGrpSpPr>
+        <p:cNvPr id="1" name=""/>
+        <p:cNvGrpSpPr/>
+        <p:nvPr/>
+      </p:nvGrpSpPr>
+      <p:grpSpPr>
+        <a:xfrm>
+          <a:off x="0" y="0"/>
+          <a:ext cx="0" cy="0"/>
+          <a:chOff x="0" y="0"/>
+          <a:chExt cx="0" cy="0"/>
+        </a:xfrm>
+      </p:grpSpPr>
+      <p:sp>
+        <p:nvSpPr>
+          <p:cNvPr id="2" name="Title 1">
+            <a:extLst>
+              <a:ext uri="{FF2B5EF4-FFF2-40B4-BE49-F238E27FC236}">
+                <a16:creationId xmlns:a16="http://schemas.microsoft.com/office/drawing/2014/main" id="{8198E2B0-6F49-F1DF-2E4D-7A469B1D2E3C}"/>
+              </a:ext>
+            </a:extLst>
+          </p:cNvPr>
+          <p:cNvSpPr>
+            <a:spLocks noGrp="1"/>
+          </p:cNvSpPr>
+          <p:nvPr>
+            <p:ph type="title"/>
+          </p:nvPr>
+        </p:nvSpPr>
+        <p:spPr/>
+        <p:txBody>
+          <a:bodyPr/>
+          <a:lstStyle/>
+          <a:p>
+            <a:r>
+              <a:rPr lang="en-US" dirty="0"/>
+              <a:t>Group task – writing more functions</a:t>
+            </a:r>
+            <a:endParaRPr lang="da-DK" dirty="0"/>
+          </a:p>
+        </p:txBody>
+      </p:sp>
+      <p:sp>
+        <p:nvSpPr>
+          <p:cNvPr id="3" name="Content Placeholder 2">
+            <a:extLst>
+              <a:ext uri="{FF2B5EF4-FFF2-40B4-BE49-F238E27FC236}">
+                <a16:creationId xmlns:a16="http://schemas.microsoft.com/office/drawing/2014/main" id="{6827349D-830F-544B-A011-0E4FA55E96B4}"/>
+              </a:ext>
+            </a:extLst>
+          </p:cNvPr>
+          <p:cNvSpPr>
+            <a:spLocks noGrp="1"/>
+          </p:cNvSpPr>
+          <p:nvPr>
+            <p:ph idx="1"/>
+          </p:nvPr>
+        </p:nvSpPr>
+        <p:spPr>
+          <a:xfrm>
+            <a:off x="985838" y="1373021"/>
+            <a:ext cx="7412829" cy="831843"/>
+          </a:xfrm>
+        </p:spPr>
+        <p:txBody>
+          <a:bodyPr/>
+          <a:lstStyle/>
+          <a:p>
+            <a:r>
+              <a:rPr lang="en-US" dirty="0"/>
+              <a:t>1) open ./MOMAR/02_files/02_apply.R</a:t>
+            </a:r>
+          </a:p>
+          <a:p>
+            <a:r>
+              <a:rPr lang="en-US" dirty="0"/>
+              <a:t>2) in small groups, try to solve the different problems</a:t>
+            </a:r>
+            <a:endParaRPr lang="da-DK" dirty="0"/>
+          </a:p>
+        </p:txBody>
+      </p:sp>
+      <p:sp>
+        <p:nvSpPr>
+          <p:cNvPr id="4" name="Date Placeholder 3">
+            <a:extLst>
+              <a:ext uri="{FF2B5EF4-FFF2-40B4-BE49-F238E27FC236}">
+                <a16:creationId xmlns:a16="http://schemas.microsoft.com/office/drawing/2014/main" id="{66C4E607-BB75-0880-0065-F2F146B772D0}"/>
+              </a:ext>
+            </a:extLst>
+          </p:cNvPr>
+          <p:cNvSpPr>
+            <a:spLocks noGrp="1"/>
+          </p:cNvSpPr>
+          <p:nvPr>
+            <p:ph type="dt" sz="half" idx="10"/>
+          </p:nvPr>
+        </p:nvSpPr>
+        <p:spPr/>
+        <p:txBody>
+          <a:bodyPr/>
+          <a:lstStyle/>
+          <a:p>
+            <a:fld id="{638DA670-DA22-4F3D-8A0F-EFE97634B4C8}" type="datetime1">
+              <a:rPr lang="en-GB" smtClean="0"/>
+              <a:t>20/11/2023</a:t>
+            </a:fld>
+            <a:r>
+              <a:rPr lang="en-GB" dirty="0"/>
+              <a:t>07/11/2023</a:t>
+            </a:r>
+          </a:p>
+        </p:txBody>
+      </p:sp>
+      <p:sp>
+        <p:nvSpPr>
+          <p:cNvPr id="8" name="Content Placeholder 2">
+            <a:extLst>
+              <a:ext uri="{FF2B5EF4-FFF2-40B4-BE49-F238E27FC236}">
+                <a16:creationId xmlns:a16="http://schemas.microsoft.com/office/drawing/2014/main" id="{25731E44-EEB4-E29C-9A01-DC85A8384934}"/>
+              </a:ext>
+            </a:extLst>
+          </p:cNvPr>
+          <p:cNvSpPr txBox="1">
+            <a:spLocks/>
+          </p:cNvSpPr>
+          <p:nvPr/>
+        </p:nvSpPr>
+        <p:spPr bwMode="auto">
+          <a:xfrm>
+            <a:off x="985838" y="2204864"/>
+            <a:ext cx="10220325" cy="4936299"/>
+          </a:xfrm>
+          <a:prstGeom prst="rect">
+            <a:avLst/>
+          </a:prstGeom>
+          <a:noFill/>
+          <a:ln w="9525">
+            <a:noFill/>
+            <a:miter lim="800000"/>
+            <a:headEnd/>
+            <a:tailEnd/>
+          </a:ln>
+        </p:spPr>
+        <p:txBody>
+          <a:bodyPr vert="horz" wrap="square" lIns="0" tIns="0" rIns="0" bIns="0" numCol="1" anchor="t" anchorCtr="0" compatLnSpc="1">
+            <a:prstTxWarp prst="textNoShape">
+              <a:avLst/>
+            </a:prstTxWarp>
+          </a:bodyPr>
+          <a:lstStyle>
+            <a:lvl1pPr marL="0" indent="0" algn="l" rtl="0" eaLnBrk="1" fontAlgn="base" hangingPunct="1">
+              <a:lnSpc>
+                <a:spcPct val="99000"/>
+              </a:lnSpc>
+              <a:spcBef>
+                <a:spcPts val="600"/>
+              </a:spcBef>
+              <a:spcAft>
+                <a:spcPct val="0"/>
+              </a:spcAft>
+              <a:buClr>
+                <a:schemeClr val="tx1"/>
+              </a:buClr>
+              <a:buSzPct val="100000"/>
+              <a:buFont typeface="Calibri" panose="020F0502020204030204" pitchFamily="34" charset="0"/>
+              <a:buChar char="​"/>
+              <a:defRPr sz="2000" b="0">
+                <a:solidFill>
+                  <a:schemeClr val="tx1"/>
+                </a:solidFill>
+                <a:latin typeface="+mn-lt"/>
+                <a:ea typeface="+mn-ea"/>
+                <a:cs typeface="+mn-cs"/>
+              </a:defRPr>
+            </a:lvl1pPr>
+            <a:lvl2pPr marL="432000" indent="-180000" algn="l" rtl="0" eaLnBrk="1" fontAlgn="base" hangingPunct="1">
+              <a:lnSpc>
+                <a:spcPct val="99000"/>
+              </a:lnSpc>
+              <a:spcBef>
+                <a:spcPts val="600"/>
+              </a:spcBef>
+              <a:spcAft>
+                <a:spcPct val="0"/>
+              </a:spcAft>
+              <a:buClr>
+                <a:schemeClr val="tx1"/>
+              </a:buClr>
+              <a:buSzPct val="100000"/>
+              <a:buFont typeface="Arial" panose="020B0604020202020204" pitchFamily="34" charset="0"/>
+              <a:buChar char="•"/>
+              <a:defRPr sz="2000">
+                <a:solidFill>
+                  <a:schemeClr val="tx1"/>
+                </a:solidFill>
+                <a:latin typeface="+mn-lt"/>
+              </a:defRPr>
+            </a:lvl2pPr>
+            <a:lvl3pPr marL="756000" indent="-180000" algn="l" rtl="0" eaLnBrk="1" fontAlgn="base" hangingPunct="1">
+              <a:lnSpc>
+                <a:spcPct val="99000"/>
+              </a:lnSpc>
+              <a:spcBef>
+                <a:spcPts val="600"/>
+              </a:spcBef>
+              <a:spcAft>
+                <a:spcPct val="0"/>
+              </a:spcAft>
+              <a:buClr>
+                <a:schemeClr val="tx1"/>
+              </a:buClr>
+              <a:buSzPct val="100000"/>
+              <a:buFont typeface="Arial" panose="020B0604020202020204" pitchFamily="34" charset="0"/>
+              <a:buChar char="•"/>
+              <a:defRPr sz="2000">
+                <a:solidFill>
+                  <a:schemeClr val="tx1"/>
+                </a:solidFill>
+                <a:latin typeface="+mn-lt"/>
+              </a:defRPr>
+            </a:lvl3pPr>
+            <a:lvl4pPr marL="1152000" indent="-180000" algn="l" rtl="0" eaLnBrk="1" fontAlgn="base" hangingPunct="1">
+              <a:lnSpc>
+                <a:spcPct val="99000"/>
+              </a:lnSpc>
+              <a:spcBef>
+                <a:spcPts val="600"/>
+              </a:spcBef>
+              <a:spcAft>
+                <a:spcPct val="0"/>
+              </a:spcAft>
+              <a:buClr>
+                <a:schemeClr val="tx1"/>
+              </a:buClr>
+              <a:buSzPct val="100000"/>
+              <a:buFont typeface="Arial" panose="020B0604020202020204" pitchFamily="34" charset="0"/>
+              <a:buChar char="•"/>
+              <a:defRPr sz="2000">
+                <a:solidFill>
+                  <a:schemeClr val="tx1"/>
+                </a:solidFill>
+                <a:latin typeface="+mn-lt"/>
+              </a:defRPr>
+            </a:lvl4pPr>
+            <a:lvl5pPr marL="1512000" indent="-180000" algn="l" rtl="0" eaLnBrk="1" fontAlgn="base" hangingPunct="1">
+              <a:lnSpc>
+                <a:spcPct val="99000"/>
+              </a:lnSpc>
+              <a:spcBef>
+                <a:spcPts val="600"/>
+              </a:spcBef>
+              <a:spcAft>
+                <a:spcPct val="0"/>
+              </a:spcAft>
+              <a:buClr>
+                <a:schemeClr val="tx1"/>
+              </a:buClr>
+              <a:buSzPct val="100000"/>
+              <a:buFont typeface="Arial" panose="020B0604020202020204" pitchFamily="34" charset="0"/>
+              <a:buChar char="•"/>
+              <a:defRPr sz="2000">
+                <a:solidFill>
+                  <a:schemeClr val="tx1"/>
+                </a:solidFill>
+                <a:latin typeface="+mn-lt"/>
+              </a:defRPr>
+            </a:lvl5pPr>
+            <a:lvl6pPr marL="1836000" indent="-180000" algn="l" rtl="0" eaLnBrk="1" fontAlgn="base" hangingPunct="1">
+              <a:lnSpc>
+                <a:spcPct val="99000"/>
+              </a:lnSpc>
+              <a:spcBef>
+                <a:spcPts val="600"/>
+              </a:spcBef>
+              <a:spcAft>
+                <a:spcPct val="0"/>
+              </a:spcAft>
+              <a:buClr>
+                <a:schemeClr val="tx1"/>
+              </a:buClr>
+              <a:buFont typeface="Arial" panose="020B0604020202020204" pitchFamily="34" charset="0"/>
+              <a:buChar char="•"/>
+              <a:defRPr sz="2000">
+                <a:solidFill>
+                  <a:schemeClr val="tx1"/>
+                </a:solidFill>
+                <a:latin typeface="+mn-lt"/>
+              </a:defRPr>
+            </a:lvl6pPr>
+            <a:lvl7pPr marL="1836000" indent="-180000" algn="l" rtl="0" eaLnBrk="1" fontAlgn="base" hangingPunct="1">
+              <a:lnSpc>
+                <a:spcPct val="99000"/>
+              </a:lnSpc>
+              <a:spcBef>
+                <a:spcPts val="600"/>
+              </a:spcBef>
+              <a:spcAft>
+                <a:spcPct val="0"/>
+              </a:spcAft>
+              <a:buClr>
+                <a:schemeClr val="tx1"/>
+              </a:buClr>
+              <a:buFont typeface="Arial" panose="020B0604020202020204" pitchFamily="34" charset="0"/>
+              <a:buChar char="•"/>
+              <a:defRPr sz="2000">
+                <a:solidFill>
+                  <a:schemeClr val="tx1"/>
+                </a:solidFill>
+                <a:latin typeface="+mn-lt"/>
+              </a:defRPr>
+            </a:lvl7pPr>
+            <a:lvl8pPr marL="1836000" indent="-180000" algn="l" rtl="0" eaLnBrk="1" fontAlgn="base" hangingPunct="1">
+              <a:lnSpc>
+                <a:spcPct val="99000"/>
+              </a:lnSpc>
+              <a:spcBef>
+                <a:spcPts val="600"/>
+              </a:spcBef>
+              <a:spcAft>
+                <a:spcPct val="0"/>
+              </a:spcAft>
+              <a:buClr>
+                <a:schemeClr val="tx1"/>
+              </a:buClr>
+              <a:buFont typeface="Arial" panose="020B0604020202020204" pitchFamily="34" charset="0"/>
+              <a:buChar char="•"/>
+              <a:defRPr sz="2000">
+                <a:solidFill>
+                  <a:schemeClr val="tx1"/>
+                </a:solidFill>
+                <a:latin typeface="+mn-lt"/>
+              </a:defRPr>
+            </a:lvl8pPr>
+            <a:lvl9pPr marL="1836000" indent="-180000" algn="l" rtl="0" eaLnBrk="1" fontAlgn="base" hangingPunct="1">
+              <a:lnSpc>
+                <a:spcPct val="99000"/>
+              </a:lnSpc>
+              <a:spcBef>
+                <a:spcPts val="600"/>
+              </a:spcBef>
+              <a:spcAft>
+                <a:spcPct val="0"/>
+              </a:spcAft>
+              <a:buClr>
+                <a:schemeClr val="tx1"/>
+              </a:buClr>
+              <a:buFont typeface="Arial" panose="020B0604020202020204" pitchFamily="34" charset="0"/>
+              <a:buChar char="•"/>
+              <a:defRPr sz="2000">
+                <a:solidFill>
+                  <a:schemeClr val="tx1"/>
+                </a:solidFill>
+                <a:latin typeface="+mn-lt"/>
+              </a:defRPr>
+            </a:lvl9pPr>
+          </a:lstStyle>
+          <a:p>
+            <a:r>
+              <a:rPr lang="en-US" kern="0" dirty="0"/>
+              <a:t>apply(): Commonly used for operations on matrices like row or column sums.</a:t>
+            </a:r>
+          </a:p>
+          <a:p>
+            <a:r>
+              <a:rPr lang="en-US" kern="0" dirty="0"/>
+              <a:t>Example: </a:t>
+            </a:r>
+            <a:r>
+              <a:rPr lang="en-US" sz="1600" kern="0" dirty="0" err="1">
+                <a:latin typeface="Lucida Console" panose="020B0609040504020204" pitchFamily="49" charset="0"/>
+              </a:rPr>
+              <a:t>geneData</a:t>
+            </a:r>
+            <a:r>
+              <a:rPr lang="en-US" sz="1600" kern="0" dirty="0">
+                <a:latin typeface="Lucida Console" panose="020B0609040504020204" pitchFamily="49" charset="0"/>
+              </a:rPr>
+              <a:t> %&gt;% apply(1, var, na.rm = TRUE)</a:t>
+            </a:r>
+          </a:p>
+          <a:p>
+            <a:endParaRPr lang="en-US" kern="0" dirty="0"/>
+          </a:p>
+          <a:p>
+            <a:r>
+              <a:rPr lang="en-US" kern="0" dirty="0" err="1"/>
+              <a:t>sapply</a:t>
+            </a:r>
+            <a:r>
+              <a:rPr lang="en-US" kern="0" dirty="0"/>
+              <a:t>() (simplify apply): When you expect the output to be of a simpler structure.</a:t>
+            </a:r>
+          </a:p>
+          <a:p>
+            <a:r>
+              <a:rPr lang="en-US" kern="0" dirty="0"/>
+              <a:t>Example: </a:t>
+            </a:r>
+            <a:r>
+              <a:rPr lang="en-US" sz="1600" kern="0" dirty="0">
+                <a:latin typeface="Lucida Console" panose="020B0609040504020204" pitchFamily="49" charset="0"/>
+              </a:rPr>
+              <a:t>1:10 %&gt;% </a:t>
+            </a:r>
+            <a:r>
+              <a:rPr lang="en-US" sz="1600" kern="0" dirty="0" err="1">
+                <a:latin typeface="Lucida Console" panose="020B0609040504020204" pitchFamily="49" charset="0"/>
+              </a:rPr>
+              <a:t>sapply</a:t>
+            </a:r>
+            <a:r>
+              <a:rPr lang="en-US" sz="1600" kern="0" dirty="0">
+                <a:latin typeface="Lucida Console" panose="020B0609040504020204" pitchFamily="49" charset="0"/>
+              </a:rPr>
+              <a:t>(sqrt)</a:t>
+            </a:r>
+          </a:p>
+          <a:p>
+            <a:endParaRPr lang="en-US" kern="0" dirty="0"/>
+          </a:p>
+          <a:p>
+            <a:r>
+              <a:rPr lang="en-US" kern="0" dirty="0" err="1"/>
+              <a:t>lapply</a:t>
+            </a:r>
+            <a:r>
+              <a:rPr lang="en-US" kern="0" dirty="0"/>
+              <a:t>() (list apply): Same as </a:t>
+            </a:r>
+            <a:r>
+              <a:rPr lang="en-US" kern="0" dirty="0" err="1"/>
+              <a:t>sapply</a:t>
+            </a:r>
+            <a:r>
+              <a:rPr lang="en-US" kern="0" dirty="0"/>
+              <a:t>, but you want the output as a list</a:t>
+            </a:r>
+          </a:p>
+          <a:p>
+            <a:r>
+              <a:rPr lang="en-US" kern="0" dirty="0"/>
+              <a:t>Example: </a:t>
+            </a:r>
+            <a:r>
+              <a:rPr lang="en-US" sz="1600" kern="0" dirty="0">
+                <a:latin typeface="Lucida Console" panose="020B0609040504020204" pitchFamily="49" charset="0"/>
+              </a:rPr>
+              <a:t>1:10 %&gt;% </a:t>
+            </a:r>
+            <a:r>
+              <a:rPr lang="en-US" sz="1600" kern="0" dirty="0" err="1">
+                <a:latin typeface="Lucida Console" panose="020B0609040504020204" pitchFamily="49" charset="0"/>
+              </a:rPr>
+              <a:t>lapply</a:t>
+            </a:r>
+            <a:r>
+              <a:rPr lang="en-US" sz="1600" kern="0" dirty="0">
+                <a:latin typeface="Lucida Console" panose="020B0609040504020204" pitchFamily="49" charset="0"/>
+              </a:rPr>
+              <a:t>(sqrt)</a:t>
+            </a:r>
+          </a:p>
+          <a:p>
+            <a:endParaRPr lang="en-US" kern="0" dirty="0"/>
+          </a:p>
+          <a:p>
+            <a:r>
+              <a:rPr lang="en-US" kern="0" dirty="0" err="1"/>
+              <a:t>mapply</a:t>
+            </a:r>
+            <a:r>
+              <a:rPr lang="en-US" kern="0" dirty="0"/>
+              <a:t>() (multivariate apply): When you need additional arguments passed</a:t>
+            </a:r>
+          </a:p>
+          <a:p>
+            <a:r>
+              <a:rPr lang="en-US" kern="0" dirty="0"/>
+              <a:t>Example: </a:t>
+            </a:r>
+            <a:r>
+              <a:rPr lang="en-US" sz="1600" kern="0" dirty="0" err="1">
+                <a:latin typeface="Lucida Console" panose="020B0609040504020204" pitchFamily="49" charset="0"/>
+              </a:rPr>
+              <a:t>mapply</a:t>
+            </a:r>
+            <a:r>
+              <a:rPr lang="en-US" sz="1600" kern="0" dirty="0">
+                <a:latin typeface="Lucida Console" panose="020B0609040504020204" pitchFamily="49" charset="0"/>
+              </a:rPr>
+              <a:t>(rep, times = 1:10, x = 1:5, each = 2)</a:t>
+            </a:r>
+            <a:endParaRPr lang="en-US" kern="0" dirty="0"/>
+          </a:p>
+        </p:txBody>
+      </p:sp>
+    </p:spTree>
+    <p:extLst>
+      <p:ext uri="{BB962C8B-B14F-4D97-AF65-F5344CB8AC3E}">
+        <p14:creationId xmlns:p14="http://schemas.microsoft.com/office/powerpoint/2010/main" val="1111295600"/>
       </p:ext>
     </p:extLst>
   </p:cSld>

--- a/02_files/02 controlflow.pptx
+++ b/02_files/02 controlflow.pptx
@@ -5,10 +5,10 @@
     <p:sldMasterId id="2147483648" r:id="rId1"/>
   </p:sldMasterIdLst>
   <p:notesMasterIdLst>
-    <p:notesMasterId r:id="rId19"/>
+    <p:notesMasterId r:id="rId20"/>
   </p:notesMasterIdLst>
   <p:handoutMasterIdLst>
-    <p:handoutMasterId r:id="rId20"/>
+    <p:handoutMasterId r:id="rId21"/>
   </p:handoutMasterIdLst>
   <p:sldIdLst>
     <p:sldId id="256" r:id="rId2"/>
@@ -27,47 +27,48 @@
     <p:sldId id="292" r:id="rId15"/>
     <p:sldId id="280" r:id="rId16"/>
     <p:sldId id="293" r:id="rId17"/>
-    <p:sldId id="295" r:id="rId18"/>
+    <p:sldId id="296" r:id="rId18"/>
+    <p:sldId id="295" r:id="rId19"/>
   </p:sldIdLst>
   <p:sldSz cx="12188825" cy="6858000"/>
   <p:notesSz cx="6797675" cy="9926638"/>
   <p:embeddedFontLst>
     <p:embeddedFont>
       <p:font typeface="AU Passata" panose="020B0503030502030804" pitchFamily="34" charset="0"/>
-      <p:regular r:id="rId21"/>
-      <p:bold r:id="rId22"/>
+      <p:regular r:id="rId22"/>
+      <p:bold r:id="rId23"/>
     </p:embeddedFont>
     <p:embeddedFont>
       <p:font typeface="AU Passata Light" panose="020B0303030902030804" pitchFamily="34" charset="0"/>
-      <p:regular r:id="rId23"/>
-      <p:bold r:id="rId24"/>
+      <p:regular r:id="rId24"/>
+      <p:bold r:id="rId25"/>
     </p:embeddedFont>
     <p:embeddedFont>
       <p:font typeface="AU Peto" panose="040C0B07020602020301" pitchFamily="82" charset="0"/>
-      <p:regular r:id="rId25"/>
-      <p:bold r:id="rId26"/>
+      <p:regular r:id="rId26"/>
+      <p:bold r:id="rId27"/>
     </p:embeddedFont>
     <p:embeddedFont>
       <p:font typeface="Calibri" panose="020F0502020204030204" pitchFamily="34" charset="0"/>
-      <p:regular r:id="rId27"/>
-      <p:bold r:id="rId28"/>
-      <p:italic r:id="rId29"/>
-      <p:boldItalic r:id="rId30"/>
+      <p:regular r:id="rId28"/>
+      <p:bold r:id="rId29"/>
+      <p:italic r:id="rId30"/>
+      <p:boldItalic r:id="rId31"/>
     </p:embeddedFont>
     <p:embeddedFont>
       <p:font typeface="Georgia" panose="02040502050405020303" pitchFamily="18" charset="0"/>
-      <p:regular r:id="rId31"/>
-      <p:bold r:id="rId32"/>
-      <p:italic r:id="rId33"/>
-      <p:boldItalic r:id="rId34"/>
+      <p:regular r:id="rId32"/>
+      <p:bold r:id="rId33"/>
+      <p:italic r:id="rId34"/>
+      <p:boldItalic r:id="rId35"/>
     </p:embeddedFont>
     <p:embeddedFont>
       <p:font typeface="Lucida Console" panose="020B0609040504020204" pitchFamily="49" charset="0"/>
-      <p:regular r:id="rId35"/>
+      <p:regular r:id="rId36"/>
     </p:embeddedFont>
     <p:embeddedFont>
       <p:font typeface="Wingdings 3" panose="05040102010807070707" pitchFamily="18" charset="2"/>
-      <p:regular r:id="rId36"/>
+      <p:regular r:id="rId37"/>
     </p:embeddedFont>
   </p:embeddedFontLst>
   <p:defaultTextStyle>
@@ -1651,7 +1652,7 @@
             <a:fld id="{78417F83-4CBA-48F2-BAD0-783AE3701E32}" type="datetimeFigureOut">
               <a:rPr lang="en-GB" smtClean="0"/>
               <a:pPr/>
-              <a:t>20/11/2023</a:t>
+              <a:t>21/11/2023</a:t>
             </a:fld>
             <a:r>
               <a:rPr lang="en-GB" dirty="0"/>
@@ -1861,7 +1862,7 @@
             <a:fld id="{78417F83-4CBA-48F2-BAD0-783AE3701E32}" type="datetimeFigureOut">
               <a:rPr lang="en-GB" smtClean="0"/>
               <a:pPr/>
-              <a:t>20/11/2023</a:t>
+              <a:t>21/11/2023</a:t>
             </a:fld>
             <a:r>
               <a:rPr lang="en-GB" dirty="0"/>
@@ -2102,7 +2103,7 @@
             <a:fld id="{78417F83-4CBA-48F2-BAD0-783AE3701E32}" type="datetimeFigureOut">
               <a:rPr lang="en-GB" smtClean="0"/>
               <a:pPr/>
-              <a:t>20/11/2023</a:t>
+              <a:t>21/11/2023</a:t>
             </a:fld>
             <a:r>
               <a:rPr lang="en-GB" dirty="0"/>
@@ -2272,7 +2273,7 @@
             <a:fld id="{78417F83-4CBA-48F2-BAD0-783AE3701E32}" type="datetimeFigureOut">
               <a:rPr lang="en-GB" smtClean="0"/>
               <a:pPr/>
-              <a:t>20/11/2023</a:t>
+              <a:t>21/11/2023</a:t>
             </a:fld>
             <a:r>
               <a:rPr lang="en-GB" dirty="0"/>
@@ -2446,7 +2447,7 @@
             <a:fld id="{78417F83-4CBA-48F2-BAD0-783AE3701E32}" type="datetimeFigureOut">
               <a:rPr lang="en-GB" smtClean="0"/>
               <a:pPr/>
-              <a:t>20/11/2023</a:t>
+              <a:t>21/11/2023</a:t>
             </a:fld>
             <a:r>
               <a:rPr lang="en-GB" dirty="0"/>
@@ -2783,7 +2784,7 @@
             <a:fld id="{78417F83-4CBA-48F2-BAD0-783AE3701E32}" type="datetimeFigureOut">
               <a:rPr lang="en-GB" smtClean="0"/>
               <a:pPr/>
-              <a:t>20/11/2023</a:t>
+              <a:t>21/11/2023</a:t>
             </a:fld>
             <a:r>
               <a:rPr lang="en-GB" dirty="0"/>
@@ -2954,7 +2955,7 @@
             <a:fld id="{78417F83-4CBA-48F2-BAD0-783AE3701E32}" type="datetimeFigureOut">
               <a:rPr lang="en-GB" smtClean="0"/>
               <a:pPr/>
-              <a:t>20/11/2023</a:t>
+              <a:t>21/11/2023</a:t>
             </a:fld>
             <a:r>
               <a:rPr lang="en-GB" dirty="0"/>
@@ -3150,7 +3151,7 @@
             <a:fld id="{78417F83-4CBA-48F2-BAD0-783AE3701E32}" type="datetimeFigureOut">
               <a:rPr lang="en-GB" smtClean="0"/>
               <a:pPr/>
-              <a:t>20/11/2023</a:t>
+              <a:t>21/11/2023</a:t>
             </a:fld>
             <a:r>
               <a:rPr lang="en-GB" dirty="0"/>
@@ -3319,7 +3320,7 @@
             <a:fld id="{78417F83-4CBA-48F2-BAD0-783AE3701E32}" type="datetimeFigureOut">
               <a:rPr lang="en-GB" smtClean="0"/>
               <a:pPr/>
-              <a:t>20/11/2023</a:t>
+              <a:t>21/11/2023</a:t>
             </a:fld>
             <a:r>
               <a:rPr lang="en-GB" dirty="0"/>
@@ -3473,7 +3474,7 @@
             <a:fld id="{78417F83-4CBA-48F2-BAD0-783AE3701E32}" type="datetimeFigureOut">
               <a:rPr lang="en-GB" smtClean="0"/>
               <a:pPr/>
-              <a:t>20/11/2023</a:t>
+              <a:t>21/11/2023</a:t>
             </a:fld>
             <a:r>
               <a:rPr lang="en-GB" dirty="0"/>
@@ -4362,7 +4363,7 @@
             <a:fld id="{78417F83-4CBA-48F2-BAD0-783AE3701E32}" type="datetimeFigureOut">
               <a:rPr lang="en-GB" smtClean="0"/>
               <a:pPr/>
-              <a:t>20/11/2023</a:t>
+              <a:t>21/11/2023</a:t>
             </a:fld>
             <a:r>
               <a:rPr lang="en-GB" dirty="0"/>
@@ -5178,7 +5179,7 @@
             <a:fld id="{78417F83-4CBA-48F2-BAD0-783AE3701E32}" type="datetimeFigureOut">
               <a:rPr lang="en-GB" smtClean="0"/>
               <a:pPr/>
-              <a:t>20/11/2023</a:t>
+              <a:t>21/11/2023</a:t>
             </a:fld>
             <a:r>
               <a:rPr lang="en-GB" dirty="0"/>
@@ -5408,7 +5409,7 @@
             <a:fld id="{78417F83-4CBA-48F2-BAD0-783AE3701E32}" type="datetimeFigureOut">
               <a:rPr lang="en-GB" smtClean="0"/>
               <a:pPr/>
-              <a:t>20/11/2023</a:t>
+              <a:t>21/11/2023</a:t>
             </a:fld>
             <a:r>
               <a:rPr lang="en-GB" dirty="0"/>
@@ -5643,7 +5644,7 @@
           <a:p>
             <a:fld id="{3C2B07E4-CDF9-4C88-A2F3-04620E58224D}" type="datetimeFigureOut">
               <a:rPr lang="en-US" smtClean="0"/>
-              <a:t>11/20/2023</a:t>
+              <a:t>11/21/2023</a:t>
             </a:fld>
             <a:endParaRPr lang="en-US"/>
           </a:p>
@@ -6336,7 +6337,7 @@
             <a:fld id="{78417F83-4CBA-48F2-BAD0-783AE3701E32}" type="datetimeFigureOut">
               <a:rPr lang="en-GB" smtClean="0"/>
               <a:pPr/>
-              <a:t>20/11/2023</a:t>
+              <a:t>21/11/2023</a:t>
             </a:fld>
             <a:r>
               <a:rPr lang="en-GB" dirty="0"/>
@@ -6627,7 +6628,7 @@
             <a:fld id="{78417F83-4CBA-48F2-BAD0-783AE3701E32}" type="datetimeFigureOut">
               <a:rPr lang="en-GB" smtClean="0"/>
               <a:pPr/>
-              <a:t>20/11/2023</a:t>
+              <a:t>21/11/2023</a:t>
             </a:fld>
             <a:r>
               <a:rPr lang="en-GB" dirty="0"/>
@@ -7001,7 +7002,7 @@
             <a:fld id="{78417F83-4CBA-48F2-BAD0-783AE3701E32}" type="datetimeFigureOut">
               <a:rPr lang="en-GB" smtClean="0"/>
               <a:pPr/>
-              <a:t>20/11/2023</a:t>
+              <a:t>21/11/2023</a:t>
             </a:fld>
             <a:r>
               <a:rPr lang="en-GB" dirty="0"/>
@@ -7428,7 +7429,7 @@
             <a:fld id="{78417F83-4CBA-48F2-BAD0-783AE3701E32}" type="datetimeFigureOut">
               <a:rPr lang="en-GB" smtClean="0"/>
               <a:pPr/>
-              <a:t>20/11/2023</a:t>
+              <a:t>21/11/2023</a:t>
             </a:fld>
             <a:r>
               <a:rPr lang="en-GB" dirty="0"/>
@@ -7868,7 +7869,7 @@
             <a:fld id="{78417F83-4CBA-48F2-BAD0-783AE3701E32}" type="datetimeFigureOut">
               <a:rPr lang="en-GB" smtClean="0"/>
               <a:pPr/>
-              <a:t>20/11/2023</a:t>
+              <a:t>21/11/2023</a:t>
             </a:fld>
             <a:r>
               <a:rPr lang="en-GB" dirty="0"/>
@@ -8036,7 +8037,7 @@
             <a:fld id="{78417F83-4CBA-48F2-BAD0-783AE3701E32}" type="datetimeFigureOut">
               <a:rPr lang="en-GB" smtClean="0"/>
               <a:pPr/>
-              <a:t>20/11/2023</a:t>
+              <a:t>21/11/2023</a:t>
             </a:fld>
             <a:r>
               <a:rPr lang="en-GB" dirty="0"/>
@@ -8217,7 +8218,7 @@
             <a:fld id="{78417F83-4CBA-48F2-BAD0-783AE3701E32}" type="datetimeFigureOut">
               <a:rPr lang="en-GB" smtClean="0"/>
               <a:pPr/>
-              <a:t>20/11/2023</a:t>
+              <a:t>21/11/2023</a:t>
             </a:fld>
             <a:r>
               <a:rPr lang="en-GB" dirty="0"/>
@@ -8566,7 +8567,7 @@
                 </a:solidFill>
                 <a:latin typeface="+mn-lt"/>
               </a:rPr>
-              <a:t>Understanding R</a:t>
+              <a:t>Control flow and loops</a:t>
             </a:r>
           </a:p>
         </p:txBody>
@@ -8664,7 +8665,7 @@
                 </a:solidFill>
                 <a:latin typeface="+mn-lt"/>
               </a:rPr>
-              <a:t>7 November 2023</a:t>
+              <a:t>21 November 2023</a:t>
             </a:r>
           </a:p>
         </p:txBody>
@@ -8713,7 +8714,7 @@
                 </a:solidFill>
                 <a:latin typeface="+mn-lt"/>
               </a:rPr>
-              <a:t>Assistant Professor</a:t>
+              <a:t>Associate Professor</a:t>
             </a:r>
           </a:p>
         </p:txBody>
@@ -8989,7 +8990,7 @@
             <a:fld id="{78417F83-4CBA-48F2-BAD0-783AE3701E32}" type="datetimeFigureOut">
               <a:rPr lang="en-GB" smtClean="0"/>
               <a:pPr/>
-              <a:t>20/11/2023</a:t>
+              <a:t>21/11/2023</a:t>
             </a:fld>
             <a:r>
               <a:rPr lang="en-GB"/>
@@ -10104,7 +10105,7 @@
           <a:p>
             <a:fld id="{1462DDB0-5516-429B-8397-9D1992890718}" type="datetime1">
               <a:rPr lang="en-GB" smtClean="0"/>
-              <a:t>20/11/2023</a:t>
+              <a:t>21/11/2023</a:t>
             </a:fld>
             <a:r>
               <a:rPr lang="en-GB"/>
@@ -10311,7 +10312,7 @@
           <a:p>
             <a:fld id="{1462DDB0-5516-429B-8397-9D1992890718}" type="datetime1">
               <a:rPr lang="en-GB" smtClean="0"/>
-              <a:t>20/11/2023</a:t>
+              <a:t>21/11/2023</a:t>
             </a:fld>
             <a:r>
               <a:rPr lang="en-GB"/>
@@ -10997,7 +10998,7 @@
           <a:p>
             <a:fld id="{91539E5F-DD1A-46A4-8C1B-89E9A768A829}" type="datetime1">
               <a:rPr lang="en-GB" smtClean="0"/>
-              <a:t>20/11/2023</a:t>
+              <a:t>21/11/2023</a:t>
             </a:fld>
             <a:r>
               <a:rPr lang="en-GB"/>
@@ -11488,7 +11489,7 @@
           <a:p>
             <a:fld id="{91539E5F-DD1A-46A4-8C1B-89E9A768A829}" type="datetime1">
               <a:rPr lang="en-GB" smtClean="0"/>
-              <a:t>20/11/2023</a:t>
+              <a:t>21/11/2023</a:t>
             </a:fld>
             <a:r>
               <a:rPr lang="en-GB"/>
@@ -11862,7 +11863,7 @@
           <a:p>
             <a:fld id="{638DA670-DA22-4F3D-8A0F-EFE97634B4C8}" type="datetime1">
               <a:rPr lang="en-GB" smtClean="0"/>
-              <a:t>20/11/2023</a:t>
+              <a:t>21/11/2023</a:t>
             </a:fld>
             <a:r>
               <a:rPr lang="en-GB" dirty="0"/>
@@ -12419,7 +12420,7 @@
           <a:p>
             <a:fld id="{FB1A12EF-4D31-47C4-8B07-E3C83309B782}" type="datetime1">
               <a:rPr lang="en-GB" smtClean="0"/>
-              <a:t>20/11/2023</a:t>
+              <a:t>21/11/2023</a:t>
             </a:fld>
             <a:r>
               <a:rPr lang="en-GB"/>
@@ -12482,7 +12483,7 @@
           <a:p>
             <a:r>
               <a:rPr lang="en-US" sz="4400" dirty="0"/>
-              <a:t>Apply, like for loops, just with return</a:t>
+              <a:t>Apply, like for loops, but with storage</a:t>
             </a:r>
             <a:endParaRPr lang="da-DK" sz="4400" dirty="0"/>
           </a:p>
@@ -12506,60 +12507,118 @@
         </p:nvSpPr>
         <p:spPr>
           <a:xfrm>
-            <a:off x="985838" y="1373020"/>
-            <a:ext cx="10220325" cy="4936299"/>
+            <a:off x="985838" y="1373021"/>
+            <a:ext cx="10220325" cy="4360236"/>
           </a:xfrm>
         </p:spPr>
         <p:txBody>
           <a:bodyPr/>
           <a:lstStyle/>
           <a:p>
+            <a:pPr marL="342900" indent="-342900">
+              <a:buFont typeface="Arial" panose="020B0604020202020204" pitchFamily="34" charset="0"/>
+              <a:buChar char="•"/>
+            </a:pPr>
             <a:r>
               <a:rPr lang="en-US" dirty="0"/>
-              <a:t>apply(): Commonly used for operations on matrices like row or column sums.</a:t>
-            </a:r>
-          </a:p>
-          <a:p>
+              <a:t>A for loop to take the square root of all numbers from 1 to n</a:t>
+            </a:r>
+          </a:p>
+          <a:p>
+            <a:r>
+              <a:rPr lang="en-US" sz="1600" dirty="0">
+                <a:latin typeface="Lucida Console" panose="020B0609040504020204" pitchFamily="49" charset="0"/>
+              </a:rPr>
+              <a:t>result = numeric(length = n)</a:t>
+            </a:r>
+          </a:p>
+          <a:p>
+            <a:r>
+              <a:rPr lang="en-US" sz="1600" dirty="0">
+                <a:latin typeface="Lucida Console" panose="020B0609040504020204" pitchFamily="49" charset="0"/>
+              </a:rPr>
+              <a:t>for(</a:t>
+            </a:r>
+            <a:r>
+              <a:rPr lang="en-US" sz="1600" dirty="0" err="1">
+                <a:latin typeface="Lucida Console" panose="020B0609040504020204" pitchFamily="49" charset="0"/>
+              </a:rPr>
+              <a:t>i</a:t>
+            </a:r>
+            <a:r>
+              <a:rPr lang="en-US" sz="1600" dirty="0">
+                <a:latin typeface="Lucida Console" panose="020B0609040504020204" pitchFamily="49" charset="0"/>
+              </a:rPr>
+              <a:t> in 1:n) {</a:t>
+            </a:r>
+          </a:p>
+          <a:p>
+            <a:r>
+              <a:rPr lang="en-US" sz="1600" dirty="0">
+                <a:latin typeface="Lucida Console" panose="020B0609040504020204" pitchFamily="49" charset="0"/>
+              </a:rPr>
+              <a:t>  result[</a:t>
+            </a:r>
+            <a:r>
+              <a:rPr lang="en-US" sz="1600" dirty="0" err="1">
+                <a:latin typeface="Lucida Console" panose="020B0609040504020204" pitchFamily="49" charset="0"/>
+              </a:rPr>
+              <a:t>i</a:t>
+            </a:r>
+            <a:r>
+              <a:rPr lang="en-US" sz="1600" dirty="0">
+                <a:latin typeface="Lucida Console" panose="020B0609040504020204" pitchFamily="49" charset="0"/>
+              </a:rPr>
+              <a:t>] = sqrt(</a:t>
+            </a:r>
+            <a:r>
+              <a:rPr lang="en-US" sz="1600" dirty="0" err="1">
+                <a:latin typeface="Lucida Console" panose="020B0609040504020204" pitchFamily="49" charset="0"/>
+              </a:rPr>
+              <a:t>i</a:t>
+            </a:r>
+            <a:r>
+              <a:rPr lang="en-US" sz="1600" dirty="0">
+                <a:latin typeface="Lucida Console" panose="020B0609040504020204" pitchFamily="49" charset="0"/>
+              </a:rPr>
+              <a:t>)</a:t>
+            </a:r>
+          </a:p>
+          <a:p>
+            <a:r>
+              <a:rPr lang="en-US" sz="1600" dirty="0">
+                <a:latin typeface="Lucida Console" panose="020B0609040504020204" pitchFamily="49" charset="0"/>
+              </a:rPr>
+              <a:t>}</a:t>
+            </a:r>
+          </a:p>
+          <a:p>
+            <a:endParaRPr lang="en-US" dirty="0"/>
+          </a:p>
+          <a:p>
+            <a:pPr marL="342900" indent="-342900">
+              <a:buFont typeface="Arial" panose="020B0604020202020204" pitchFamily="34" charset="0"/>
+              <a:buChar char="•"/>
+            </a:pPr>
             <a:r>
               <a:rPr lang="en-US" dirty="0"/>
-              <a:t>Example: </a:t>
-            </a:r>
-            <a:r>
-              <a:rPr lang="en-US" sz="1600" dirty="0" err="1">
-                <a:latin typeface="Lucida Console" panose="020B0609040504020204" pitchFamily="49" charset="0"/>
-              </a:rPr>
-              <a:t>geneData</a:t>
-            </a:r>
-            <a:r>
-              <a:rPr lang="en-US" sz="1600" dirty="0">
-                <a:latin typeface="Lucida Console" panose="020B0609040504020204" pitchFamily="49" charset="0"/>
-              </a:rPr>
-              <a:t> %&gt;% apply(1, var, na.rm = TRUE)</a:t>
-            </a:r>
-          </a:p>
-          <a:p>
-            <a:endParaRPr lang="en-US" dirty="0"/>
-          </a:p>
-          <a:p>
+              <a:t>Equivalent </a:t>
+            </a:r>
             <a:r>
               <a:rPr lang="en-US" dirty="0" err="1"/>
               <a:t>sapply</a:t>
             </a:r>
             <a:r>
               <a:rPr lang="en-US" dirty="0"/>
-              <a:t>() (simplify apply): When you expect the output to be of a simpler structure.</a:t>
-            </a:r>
-          </a:p>
-          <a:p>
-            <a:r>
-              <a:rPr lang="en-US" dirty="0"/>
-              <a:t>Example: </a:t>
-            </a:r>
+              <a:t>:</a:t>
+            </a:r>
+          </a:p>
+          <a:p>
             <a:r>
               <a:rPr lang="en-US" sz="1600" dirty="0">
                 <a:latin typeface="Lucida Console" panose="020B0609040504020204" pitchFamily="49" charset="0"/>
               </a:rPr>
-              <a:t>1:10 %&gt;% </a:t>
+              <a:t>result = </a:t>
             </a:r>
             <a:r>
               <a:rPr lang="en-US" sz="1600" dirty="0" err="1">
@@ -12571,118 +12630,83 @@
               <a:rPr lang="en-US" sz="1600" dirty="0">
                 <a:latin typeface="Lucida Console" panose="020B0609040504020204" pitchFamily="49" charset="0"/>
               </a:rPr>
-              <a:t>(sqrt)</a:t>
-            </a:r>
-          </a:p>
-          <a:p>
-            <a:endParaRPr lang="en-US" dirty="0"/>
-          </a:p>
-          <a:p>
-            <a:r>
-              <a:rPr lang="en-US" dirty="0" err="1"/>
-              <a:t>lapply</a:t>
-            </a:r>
-            <a:r>
-              <a:rPr lang="en-US" dirty="0"/>
-              <a:t>() (list apply): Same as </a:t>
-            </a:r>
-            <a:r>
-              <a:rPr lang="en-US" dirty="0" err="1"/>
+              <a:t>(1:n, sqrt)</a:t>
+            </a:r>
+          </a:p>
+          <a:p>
+            <a:endParaRPr lang="en-US" sz="1600" dirty="0">
+              <a:latin typeface="Lucida Console" panose="020B0609040504020204" pitchFamily="49" charset="0"/>
+            </a:endParaRPr>
+          </a:p>
+          <a:p>
+            <a:r>
+              <a:rPr lang="en-US" sz="1600" dirty="0">
+                <a:latin typeface="Lucida Console" panose="020B0609040504020204" pitchFamily="49" charset="0"/>
+              </a:rPr>
+              <a:t>result = </a:t>
+            </a:r>
+            <a:r>
+              <a:rPr lang="en-US" sz="1600" dirty="0" err="1">
+                <a:latin typeface="Lucida Console" panose="020B0609040504020204" pitchFamily="49" charset="0"/>
+              </a:rPr>
               <a:t>sapply</a:t>
             </a:r>
             <a:r>
-              <a:rPr lang="en-US" dirty="0"/>
-              <a:t>, but you want the output as a list</a:t>
-            </a:r>
-          </a:p>
-          <a:p>
-            <a:r>
-              <a:rPr lang="en-US" dirty="0"/>
-              <a:t>Example: </a:t>
-            </a:r>
-            <a:r>
               <a:rPr lang="en-US" sz="1600" dirty="0">
                 <a:latin typeface="Lucida Console" panose="020B0609040504020204" pitchFamily="49" charset="0"/>
               </a:rPr>
-              <a:t>1:10 %&gt;% </a:t>
+              <a:t>(1:n, function(</a:t>
             </a:r>
             <a:r>
               <a:rPr lang="en-US" sz="1600" dirty="0" err="1">
                 <a:latin typeface="Lucida Console" panose="020B0609040504020204" pitchFamily="49" charset="0"/>
               </a:rPr>
-              <a:t>lapply</a:t>
+              <a:t>i</a:t>
             </a:r>
             <a:r>
               <a:rPr lang="en-US" sz="1600" dirty="0">
                 <a:latin typeface="Lucida Console" panose="020B0609040504020204" pitchFamily="49" charset="0"/>
               </a:rPr>
-              <a:t>(sqrt)</a:t>
-            </a:r>
-          </a:p>
-          <a:p>
-            <a:endParaRPr lang="en-US" dirty="0"/>
-          </a:p>
-          <a:p>
-            <a:r>
-              <a:rPr lang="en-US" dirty="0" err="1"/>
-              <a:t>mapply</a:t>
-            </a:r>
-            <a:r>
-              <a:rPr lang="en-US" dirty="0"/>
-              <a:t>() (multivariate apply): When you need additional arguments passed</a:t>
-            </a:r>
-          </a:p>
-          <a:p>
-            <a:r>
-              <a:rPr lang="en-US" dirty="0"/>
-              <a:t>Example: </a:t>
+              <a:t>) {</a:t>
+            </a:r>
+          </a:p>
+          <a:p>
+            <a:r>
+              <a:rPr lang="en-US" sz="1600" dirty="0">
+                <a:latin typeface="Lucida Console" panose="020B0609040504020204" pitchFamily="49" charset="0"/>
+              </a:rPr>
+              <a:t>  sqrt(</a:t>
             </a:r>
             <a:r>
               <a:rPr lang="en-US" sz="1600" dirty="0" err="1">
                 <a:latin typeface="Lucida Console" panose="020B0609040504020204" pitchFamily="49" charset="0"/>
               </a:rPr>
-              <a:t>mapply</a:t>
+              <a:t>i</a:t>
             </a:r>
             <a:r>
               <a:rPr lang="en-US" sz="1600" dirty="0">
                 <a:latin typeface="Lucida Console" panose="020B0609040504020204" pitchFamily="49" charset="0"/>
               </a:rPr>
-              <a:t>(rep, times = 1:10, x = 1:5, each = 2)</a:t>
-            </a:r>
-          </a:p>
-          <a:p>
-            <a:pPr>
-              <a:buNone/>
-            </a:pPr>
-            <a:endParaRPr lang="en-US" dirty="0"/>
-          </a:p>
-          <a:p>
-            <a:pPr>
-              <a:buNone/>
-            </a:pPr>
-            <a:r>
-              <a:rPr lang="en-US" dirty="0"/>
-              <a:t>Others: </a:t>
-            </a:r>
-            <a:r>
-              <a:rPr lang="en-US" dirty="0" err="1"/>
-              <a:t>vapply</a:t>
-            </a:r>
-            <a:r>
-              <a:rPr lang="en-US" dirty="0"/>
-              <a:t> (when you need a specific type return), </a:t>
-            </a:r>
-            <a:r>
-              <a:rPr lang="en-US" dirty="0" err="1"/>
-              <a:t>tapply</a:t>
-            </a:r>
-            <a:r>
-              <a:rPr lang="en-US" dirty="0"/>
-              <a:t> (something with factors)</a:t>
-            </a:r>
-          </a:p>
-          <a:p>
-            <a:endParaRPr lang="en-US" dirty="0"/>
+              <a:t>)</a:t>
+            </a:r>
+          </a:p>
+          <a:p>
+            <a:r>
+              <a:rPr lang="en-US" sz="1600" dirty="0">
+                <a:latin typeface="Lucida Console" panose="020B0609040504020204" pitchFamily="49" charset="0"/>
+              </a:rPr>
+              <a:t>})</a:t>
+            </a:r>
+          </a:p>
+          <a:p>
+            <a:endParaRPr lang="en-US" sz="1600" dirty="0">
+              <a:latin typeface="Lucida Console" panose="020B0609040504020204" pitchFamily="49" charset="0"/>
+            </a:endParaRPr>
+          </a:p>
+          <a:p>
+            <a:endParaRPr lang="en-US" sz="1600" dirty="0">
+              <a:latin typeface="Lucida Console" panose="020B0609040504020204" pitchFamily="49" charset="0"/>
+            </a:endParaRPr>
           </a:p>
         </p:txBody>
       </p:sp>
@@ -12709,13 +12733,208 @@
           <a:p>
             <a:fld id="{527D860E-4AA8-43CC-B3E9-353006A6F547}" type="datetime1">
               <a:rPr lang="en-GB" smtClean="0"/>
-              <a:t>20/11/2023</a:t>
+              <a:t>21/11/2023</a:t>
             </a:fld>
             <a:r>
               <a:rPr lang="en-GB"/>
               <a:t>07/11/2023</a:t>
             </a:r>
             <a:endParaRPr lang="en-GB" dirty="0"/>
+          </a:p>
+        </p:txBody>
+      </p:sp>
+      <p:sp>
+        <p:nvSpPr>
+          <p:cNvPr id="5" name="TextBox 4">
+            <a:extLst>
+              <a:ext uri="{FF2B5EF4-FFF2-40B4-BE49-F238E27FC236}">
+                <a16:creationId xmlns:a16="http://schemas.microsoft.com/office/drawing/2014/main" id="{612D7AB2-B051-7C05-C6B4-1822254C470E}"/>
+              </a:ext>
+            </a:extLst>
+          </p:cNvPr>
+          <p:cNvSpPr txBox="1"/>
+          <p:nvPr/>
+        </p:nvSpPr>
+        <p:spPr>
+          <a:xfrm>
+            <a:off x="6310436" y="3424954"/>
+            <a:ext cx="5472608" cy="1929759"/>
+          </a:xfrm>
+          <a:prstGeom prst="rect">
+            <a:avLst/>
+          </a:prstGeom>
+          <a:noFill/>
+        </p:spPr>
+        <p:txBody>
+          <a:bodyPr wrap="square" lIns="0" tIns="0" rIns="0" bIns="0" rtlCol="0">
+            <a:spAutoFit/>
+          </a:bodyPr>
+          <a:lstStyle/>
+          <a:p>
+            <a:pPr marL="285750" indent="-285750">
+              <a:lnSpc>
+                <a:spcPct val="95000"/>
+              </a:lnSpc>
+              <a:buFont typeface="Arial" panose="020B0604020202020204" pitchFamily="34" charset="0"/>
+              <a:buChar char="•"/>
+            </a:pPr>
+            <a:r>
+              <a:rPr lang="en-US" sz="2000" dirty="0">
+                <a:latin typeface="+mn-lt"/>
+              </a:rPr>
+              <a:t>Remember &lt;&lt;- scopes to global environment</a:t>
+            </a:r>
+          </a:p>
+          <a:p>
+            <a:pPr>
+              <a:lnSpc>
+                <a:spcPct val="95000"/>
+              </a:lnSpc>
+            </a:pPr>
+            <a:r>
+              <a:rPr lang="en-US" sz="1600" dirty="0">
+                <a:latin typeface="Lucida Console" panose="020B0609040504020204" pitchFamily="49" charset="0"/>
+              </a:rPr>
+              <a:t>result = numeric(length = n)</a:t>
+            </a:r>
+          </a:p>
+          <a:p>
+            <a:pPr>
+              <a:lnSpc>
+                <a:spcPct val="95000"/>
+              </a:lnSpc>
+            </a:pPr>
+            <a:endParaRPr lang="en-US" sz="1600" dirty="0">
+              <a:latin typeface="Lucida Console" panose="020B0609040504020204" pitchFamily="49" charset="0"/>
+            </a:endParaRPr>
+          </a:p>
+          <a:p>
+            <a:pPr>
+              <a:lnSpc>
+                <a:spcPct val="95000"/>
+              </a:lnSpc>
+            </a:pPr>
+            <a:r>
+              <a:rPr lang="en-US" sz="1600" dirty="0">
+                <a:latin typeface="Lucida Console" panose="020B0609040504020204" pitchFamily="49" charset="0"/>
+              </a:rPr>
+              <a:t>result2 = </a:t>
+            </a:r>
+            <a:r>
+              <a:rPr lang="en-US" sz="1600" dirty="0" err="1">
+                <a:latin typeface="Lucida Console" panose="020B0609040504020204" pitchFamily="49" charset="0"/>
+              </a:rPr>
+              <a:t>sapply</a:t>
+            </a:r>
+            <a:r>
+              <a:rPr lang="en-US" sz="1600" dirty="0">
+                <a:latin typeface="Lucida Console" panose="020B0609040504020204" pitchFamily="49" charset="0"/>
+              </a:rPr>
+              <a:t>(1:n, function(</a:t>
+            </a:r>
+            <a:r>
+              <a:rPr lang="en-US" sz="1600" dirty="0" err="1">
+                <a:latin typeface="Lucida Console" panose="020B0609040504020204" pitchFamily="49" charset="0"/>
+              </a:rPr>
+              <a:t>i</a:t>
+            </a:r>
+            <a:r>
+              <a:rPr lang="en-US" sz="1600" dirty="0">
+                <a:latin typeface="Lucida Console" panose="020B0609040504020204" pitchFamily="49" charset="0"/>
+              </a:rPr>
+              <a:t>) {</a:t>
+            </a:r>
+          </a:p>
+          <a:p>
+            <a:pPr>
+              <a:lnSpc>
+                <a:spcPct val="95000"/>
+              </a:lnSpc>
+            </a:pPr>
+            <a:r>
+              <a:rPr lang="en-US" sz="1600" dirty="0">
+                <a:latin typeface="Lucida Console" panose="020B0609040504020204" pitchFamily="49" charset="0"/>
+              </a:rPr>
+              <a:t>  result[</a:t>
+            </a:r>
+            <a:r>
+              <a:rPr lang="en-US" sz="1600" dirty="0" err="1">
+                <a:latin typeface="Lucida Console" panose="020B0609040504020204" pitchFamily="49" charset="0"/>
+              </a:rPr>
+              <a:t>i</a:t>
+            </a:r>
+            <a:r>
+              <a:rPr lang="en-US" sz="1600" dirty="0">
+                <a:latin typeface="Lucida Console" panose="020B0609040504020204" pitchFamily="49" charset="0"/>
+              </a:rPr>
+              <a:t>] &lt;&lt;- sqrt(</a:t>
+            </a:r>
+            <a:r>
+              <a:rPr lang="en-US" sz="1600" dirty="0" err="1">
+                <a:latin typeface="Lucida Console" panose="020B0609040504020204" pitchFamily="49" charset="0"/>
+              </a:rPr>
+              <a:t>i</a:t>
+            </a:r>
+            <a:r>
+              <a:rPr lang="en-US" sz="1600" dirty="0">
+                <a:latin typeface="Lucida Console" panose="020B0609040504020204" pitchFamily="49" charset="0"/>
+              </a:rPr>
+              <a:t>)</a:t>
+            </a:r>
+          </a:p>
+          <a:p>
+            <a:pPr>
+              <a:lnSpc>
+                <a:spcPct val="95000"/>
+              </a:lnSpc>
+            </a:pPr>
+            <a:r>
+              <a:rPr lang="en-US" sz="1600" dirty="0">
+                <a:latin typeface="Lucida Console" panose="020B0609040504020204" pitchFamily="49" charset="0"/>
+              </a:rPr>
+              <a:t>  </a:t>
+            </a:r>
+          </a:p>
+          <a:p>
+            <a:pPr>
+              <a:lnSpc>
+                <a:spcPct val="95000"/>
+              </a:lnSpc>
+            </a:pPr>
+            <a:r>
+              <a:rPr lang="en-US" sz="1600" dirty="0">
+                <a:latin typeface="Lucida Console" panose="020B0609040504020204" pitchFamily="49" charset="0"/>
+              </a:rPr>
+              <a:t>  return(sqrt(</a:t>
+            </a:r>
+            <a:r>
+              <a:rPr lang="en-US" sz="1600" dirty="0" err="1">
+                <a:latin typeface="Lucida Console" panose="020B0609040504020204" pitchFamily="49" charset="0"/>
+              </a:rPr>
+              <a:t>i</a:t>
+            </a:r>
+            <a:r>
+              <a:rPr lang="en-US" sz="1600" dirty="0">
+                <a:latin typeface="Lucida Console" panose="020B0609040504020204" pitchFamily="49" charset="0"/>
+              </a:rPr>
+              <a:t>)^2)</a:t>
+            </a:r>
+          </a:p>
+          <a:p>
+            <a:pPr>
+              <a:lnSpc>
+                <a:spcPct val="95000"/>
+              </a:lnSpc>
+            </a:pPr>
+            <a:r>
+              <a:rPr lang="en-US" sz="1600" dirty="0">
+                <a:latin typeface="Lucida Console" panose="020B0609040504020204" pitchFamily="49" charset="0"/>
+              </a:rPr>
+              <a:t>})</a:t>
+            </a:r>
+            <a:endParaRPr lang="da-DK" sz="1600" dirty="0">
+              <a:latin typeface="Lucida Console" panose="020B0609040504020204" pitchFamily="49" charset="0"/>
+            </a:endParaRPr>
           </a:p>
         </p:txBody>
       </p:sp>
@@ -12729,6 +12948,275 @@
   <p:clrMapOvr>
     <a:masterClrMapping/>
   </p:clrMapOvr>
+  <p:timing>
+    <p:tnLst>
+      <p:par>
+        <p:cTn id="1" dur="indefinite" restart="never" nodeType="tmRoot">
+          <p:childTnLst>
+            <p:seq concurrent="1" nextAc="seek">
+              <p:cTn id="2" dur="indefinite" nodeType="mainSeq">
+                <p:childTnLst>
+                  <p:par>
+                    <p:cTn id="3" fill="hold">
+                      <p:stCondLst>
+                        <p:cond delay="indefinite"/>
+                      </p:stCondLst>
+                      <p:childTnLst>
+                        <p:par>
+                          <p:cTn id="4" fill="hold">
+                            <p:stCondLst>
+                              <p:cond delay="0"/>
+                            </p:stCondLst>
+                            <p:childTnLst>
+                              <p:par>
+                                <p:cTn id="5" presetID="1" presetClass="entr" presetSubtype="0" fill="hold" nodeType="clickEffect">
+                                  <p:stCondLst>
+                                    <p:cond delay="0"/>
+                                  </p:stCondLst>
+                                  <p:childTnLst>
+                                    <p:set>
+                                      <p:cBhvr>
+                                        <p:cTn id="6" dur="1" fill="hold">
+                                          <p:stCondLst>
+                                            <p:cond delay="0"/>
+                                          </p:stCondLst>
+                                        </p:cTn>
+                                        <p:tgtEl>
+                                          <p:spTgt spid="3">
+                                            <p:txEl>
+                                              <p:pRg st="6" end="6"/>
+                                            </p:txEl>
+                                          </p:spTgt>
+                                        </p:tgtEl>
+                                        <p:attrNameLst>
+                                          <p:attrName>style.visibility</p:attrName>
+                                        </p:attrNameLst>
+                                      </p:cBhvr>
+                                      <p:to>
+                                        <p:strVal val="visible"/>
+                                      </p:to>
+                                    </p:set>
+                                  </p:childTnLst>
+                                </p:cTn>
+                              </p:par>
+                              <p:par>
+                                <p:cTn id="7" presetID="1" presetClass="entr" presetSubtype="0" fill="hold" nodeType="withEffect">
+                                  <p:stCondLst>
+                                    <p:cond delay="0"/>
+                                  </p:stCondLst>
+                                  <p:childTnLst>
+                                    <p:set>
+                                      <p:cBhvr>
+                                        <p:cTn id="8" dur="1" fill="hold">
+                                          <p:stCondLst>
+                                            <p:cond delay="0"/>
+                                          </p:stCondLst>
+                                        </p:cTn>
+                                        <p:tgtEl>
+                                          <p:spTgt spid="3">
+                                            <p:txEl>
+                                              <p:pRg st="7" end="7"/>
+                                            </p:txEl>
+                                          </p:spTgt>
+                                        </p:tgtEl>
+                                        <p:attrNameLst>
+                                          <p:attrName>style.visibility</p:attrName>
+                                        </p:attrNameLst>
+                                      </p:cBhvr>
+                                      <p:to>
+                                        <p:strVal val="visible"/>
+                                      </p:to>
+                                    </p:set>
+                                  </p:childTnLst>
+                                </p:cTn>
+                              </p:par>
+                            </p:childTnLst>
+                          </p:cTn>
+                        </p:par>
+                      </p:childTnLst>
+                    </p:cTn>
+                  </p:par>
+                  <p:par>
+                    <p:cTn id="9" fill="hold">
+                      <p:stCondLst>
+                        <p:cond delay="indefinite"/>
+                      </p:stCondLst>
+                      <p:childTnLst>
+                        <p:par>
+                          <p:cTn id="10" fill="hold">
+                            <p:stCondLst>
+                              <p:cond delay="0"/>
+                            </p:stCondLst>
+                            <p:childTnLst>
+                              <p:par>
+                                <p:cTn id="11" presetID="1" presetClass="entr" presetSubtype="0" fill="hold" nodeType="clickEffect">
+                                  <p:stCondLst>
+                                    <p:cond delay="0"/>
+                                  </p:stCondLst>
+                                  <p:childTnLst>
+                                    <p:set>
+                                      <p:cBhvr>
+                                        <p:cTn id="12" dur="1" fill="hold">
+                                          <p:stCondLst>
+                                            <p:cond delay="0"/>
+                                          </p:stCondLst>
+                                        </p:cTn>
+                                        <p:tgtEl>
+                                          <p:spTgt spid="3">
+                                            <p:txEl>
+                                              <p:pRg st="9" end="9"/>
+                                            </p:txEl>
+                                          </p:spTgt>
+                                        </p:tgtEl>
+                                        <p:attrNameLst>
+                                          <p:attrName>style.visibility</p:attrName>
+                                        </p:attrNameLst>
+                                      </p:cBhvr>
+                                      <p:to>
+                                        <p:strVal val="visible"/>
+                                      </p:to>
+                                    </p:set>
+                                  </p:childTnLst>
+                                </p:cTn>
+                              </p:par>
+                              <p:par>
+                                <p:cTn id="13" presetID="1" presetClass="entr" presetSubtype="0" fill="hold" nodeType="withEffect">
+                                  <p:stCondLst>
+                                    <p:cond delay="0"/>
+                                  </p:stCondLst>
+                                  <p:childTnLst>
+                                    <p:set>
+                                      <p:cBhvr>
+                                        <p:cTn id="14" dur="1" fill="hold">
+                                          <p:stCondLst>
+                                            <p:cond delay="0"/>
+                                          </p:stCondLst>
+                                        </p:cTn>
+                                        <p:tgtEl>
+                                          <p:spTgt spid="3">
+                                            <p:txEl>
+                                              <p:pRg st="10" end="10"/>
+                                            </p:txEl>
+                                          </p:spTgt>
+                                        </p:tgtEl>
+                                        <p:attrNameLst>
+                                          <p:attrName>style.visibility</p:attrName>
+                                        </p:attrNameLst>
+                                      </p:cBhvr>
+                                      <p:to>
+                                        <p:strVal val="visible"/>
+                                      </p:to>
+                                    </p:set>
+                                  </p:childTnLst>
+                                </p:cTn>
+                              </p:par>
+                              <p:par>
+                                <p:cTn id="15" presetID="1" presetClass="entr" presetSubtype="0" fill="hold" nodeType="withEffect">
+                                  <p:stCondLst>
+                                    <p:cond delay="0"/>
+                                  </p:stCondLst>
+                                  <p:childTnLst>
+                                    <p:set>
+                                      <p:cBhvr>
+                                        <p:cTn id="16" dur="1" fill="hold">
+                                          <p:stCondLst>
+                                            <p:cond delay="0"/>
+                                          </p:stCondLst>
+                                        </p:cTn>
+                                        <p:tgtEl>
+                                          <p:spTgt spid="3">
+                                            <p:txEl>
+                                              <p:pRg st="11" end="11"/>
+                                            </p:txEl>
+                                          </p:spTgt>
+                                        </p:tgtEl>
+                                        <p:attrNameLst>
+                                          <p:attrName>style.visibility</p:attrName>
+                                        </p:attrNameLst>
+                                      </p:cBhvr>
+                                      <p:to>
+                                        <p:strVal val="visible"/>
+                                      </p:to>
+                                    </p:set>
+                                  </p:childTnLst>
+                                </p:cTn>
+                              </p:par>
+                            </p:childTnLst>
+                          </p:cTn>
+                        </p:par>
+                      </p:childTnLst>
+                    </p:cTn>
+                  </p:par>
+                  <p:par>
+                    <p:cTn id="17" fill="hold">
+                      <p:stCondLst>
+                        <p:cond delay="indefinite"/>
+                      </p:stCondLst>
+                      <p:childTnLst>
+                        <p:par>
+                          <p:cTn id="18" fill="hold">
+                            <p:stCondLst>
+                              <p:cond delay="0"/>
+                            </p:stCondLst>
+                            <p:childTnLst>
+                              <p:par>
+                                <p:cTn id="19" presetID="1" presetClass="entr" presetSubtype="0" fill="hold" grpId="0" nodeType="clickEffect">
+                                  <p:stCondLst>
+                                    <p:cond delay="0"/>
+                                  </p:stCondLst>
+                                  <p:childTnLst>
+                                    <p:set>
+                                      <p:cBhvr>
+                                        <p:cTn id="20" dur="1" fill="hold">
+                                          <p:stCondLst>
+                                            <p:cond delay="0"/>
+                                          </p:stCondLst>
+                                        </p:cTn>
+                                        <p:tgtEl>
+                                          <p:spTgt spid="5"/>
+                                        </p:tgtEl>
+                                        <p:attrNameLst>
+                                          <p:attrName>style.visibility</p:attrName>
+                                        </p:attrNameLst>
+                                      </p:cBhvr>
+                                      <p:to>
+                                        <p:strVal val="visible"/>
+                                      </p:to>
+                                    </p:set>
+                                  </p:childTnLst>
+                                </p:cTn>
+                              </p:par>
+                            </p:childTnLst>
+                          </p:cTn>
+                        </p:par>
+                      </p:childTnLst>
+                    </p:cTn>
+                  </p:par>
+                </p:childTnLst>
+              </p:cTn>
+              <p:prevCondLst>
+                <p:cond evt="onPrev" delay="0">
+                  <p:tgtEl>
+                    <p:sldTgt/>
+                  </p:tgtEl>
+                </p:cond>
+              </p:prevCondLst>
+              <p:nextCondLst>
+                <p:cond evt="onNext" delay="0">
+                  <p:tgtEl>
+                    <p:sldTgt/>
+                  </p:tgtEl>
+                </p:cond>
+              </p:nextCondLst>
+            </p:seq>
+          </p:childTnLst>
+        </p:cTn>
+      </p:par>
+    </p:tnLst>
+    <p:bldLst>
+      <p:bldP spid="5" grpId="0"/>
+    </p:bldLst>
+  </p:timing>
 </p:sld>
 </file>
 
@@ -12754,6 +13242,601 @@
           <p:cNvPr id="2" name="Title 1">
             <a:extLst>
               <a:ext uri="{FF2B5EF4-FFF2-40B4-BE49-F238E27FC236}">
+                <a16:creationId xmlns:a16="http://schemas.microsoft.com/office/drawing/2014/main" id="{2B334D21-32D1-77BA-14E8-C7B42DD98B6F}"/>
+              </a:ext>
+            </a:extLst>
+          </p:cNvPr>
+          <p:cNvSpPr>
+            <a:spLocks noGrp="1"/>
+          </p:cNvSpPr>
+          <p:nvPr>
+            <p:ph type="title"/>
+          </p:nvPr>
+        </p:nvSpPr>
+        <p:spPr/>
+        <p:txBody>
+          <a:bodyPr/>
+          <a:lstStyle/>
+          <a:p>
+            <a:r>
+              <a:rPr lang="en-US" sz="4400" dirty="0"/>
+              <a:t>All the </a:t>
+            </a:r>
+            <a:r>
+              <a:rPr lang="en-US" sz="4400" dirty="0" err="1"/>
+              <a:t>applys</a:t>
+            </a:r>
+            <a:endParaRPr lang="da-DK" sz="4400" dirty="0"/>
+          </a:p>
+        </p:txBody>
+      </p:sp>
+      <p:sp>
+        <p:nvSpPr>
+          <p:cNvPr id="3" name="Content Placeholder 2">
+            <a:extLst>
+              <a:ext uri="{FF2B5EF4-FFF2-40B4-BE49-F238E27FC236}">
+                <a16:creationId xmlns:a16="http://schemas.microsoft.com/office/drawing/2014/main" id="{3F004C56-91F6-D599-F464-2C4C8D22CF01}"/>
+              </a:ext>
+            </a:extLst>
+          </p:cNvPr>
+          <p:cNvSpPr>
+            <a:spLocks noGrp="1"/>
+          </p:cNvSpPr>
+          <p:nvPr>
+            <p:ph idx="1"/>
+          </p:nvPr>
+        </p:nvSpPr>
+        <p:spPr>
+          <a:xfrm>
+            <a:off x="985838" y="1373020"/>
+            <a:ext cx="10220325" cy="4936299"/>
+          </a:xfrm>
+        </p:spPr>
+        <p:txBody>
+          <a:bodyPr/>
+          <a:lstStyle/>
+          <a:p>
+            <a:r>
+              <a:rPr lang="en-US" dirty="0"/>
+              <a:t>apply(): Used for operations on matrices/data frames like row or column sums.</a:t>
+            </a:r>
+          </a:p>
+          <a:p>
+            <a:r>
+              <a:rPr lang="en-US" dirty="0"/>
+              <a:t>Example: </a:t>
+            </a:r>
+            <a:r>
+              <a:rPr lang="en-US" sz="1600" dirty="0" err="1">
+                <a:latin typeface="Lucida Console" panose="020B0609040504020204" pitchFamily="49" charset="0"/>
+              </a:rPr>
+              <a:t>geneData</a:t>
+            </a:r>
+            <a:r>
+              <a:rPr lang="en-US" sz="1600" dirty="0">
+                <a:latin typeface="Lucida Console" panose="020B0609040504020204" pitchFamily="49" charset="0"/>
+              </a:rPr>
+              <a:t> %&gt;% apply(1, var, na.rm = TRUE)</a:t>
+            </a:r>
+          </a:p>
+          <a:p>
+            <a:endParaRPr lang="en-US" dirty="0"/>
+          </a:p>
+          <a:p>
+            <a:r>
+              <a:rPr lang="en-US" dirty="0" err="1"/>
+              <a:t>sapply</a:t>
+            </a:r>
+            <a:r>
+              <a:rPr lang="en-US" dirty="0"/>
+              <a:t>() (simplify apply): When you expect the output to be of a simpler structure.</a:t>
+            </a:r>
+          </a:p>
+          <a:p>
+            <a:r>
+              <a:rPr lang="en-US" dirty="0"/>
+              <a:t>Example: </a:t>
+            </a:r>
+            <a:r>
+              <a:rPr lang="en-US" sz="1600" dirty="0">
+                <a:latin typeface="Lucida Console" panose="020B0609040504020204" pitchFamily="49" charset="0"/>
+              </a:rPr>
+              <a:t>1:10 %&gt;% </a:t>
+            </a:r>
+            <a:r>
+              <a:rPr lang="en-US" sz="1600" dirty="0" err="1">
+                <a:latin typeface="Lucida Console" panose="020B0609040504020204" pitchFamily="49" charset="0"/>
+              </a:rPr>
+              <a:t>sapply</a:t>
+            </a:r>
+            <a:r>
+              <a:rPr lang="en-US" sz="1600" dirty="0">
+                <a:latin typeface="Lucida Console" panose="020B0609040504020204" pitchFamily="49" charset="0"/>
+              </a:rPr>
+              <a:t>(sqrt)</a:t>
+            </a:r>
+          </a:p>
+          <a:p>
+            <a:endParaRPr lang="en-US" dirty="0"/>
+          </a:p>
+          <a:p>
+            <a:r>
+              <a:rPr lang="en-US" dirty="0" err="1"/>
+              <a:t>lapply</a:t>
+            </a:r>
+            <a:r>
+              <a:rPr lang="en-US" dirty="0"/>
+              <a:t>() (list apply): Same as </a:t>
+            </a:r>
+            <a:r>
+              <a:rPr lang="en-US" dirty="0" err="1"/>
+              <a:t>sapply</a:t>
+            </a:r>
+            <a:r>
+              <a:rPr lang="en-US" dirty="0"/>
+              <a:t>, but you want the output as a list</a:t>
+            </a:r>
+          </a:p>
+          <a:p>
+            <a:r>
+              <a:rPr lang="en-US" dirty="0"/>
+              <a:t>Example: </a:t>
+            </a:r>
+            <a:r>
+              <a:rPr lang="en-US" sz="1600" dirty="0">
+                <a:latin typeface="Lucida Console" panose="020B0609040504020204" pitchFamily="49" charset="0"/>
+              </a:rPr>
+              <a:t>1:10 %&gt;% </a:t>
+            </a:r>
+            <a:r>
+              <a:rPr lang="en-US" sz="1600" dirty="0" err="1">
+                <a:latin typeface="Lucida Console" panose="020B0609040504020204" pitchFamily="49" charset="0"/>
+              </a:rPr>
+              <a:t>lapply</a:t>
+            </a:r>
+            <a:r>
+              <a:rPr lang="en-US" sz="1600" dirty="0">
+                <a:latin typeface="Lucida Console" panose="020B0609040504020204" pitchFamily="49" charset="0"/>
+              </a:rPr>
+              <a:t>(sqrt)</a:t>
+            </a:r>
+          </a:p>
+          <a:p>
+            <a:endParaRPr lang="en-US" dirty="0"/>
+          </a:p>
+          <a:p>
+            <a:r>
+              <a:rPr lang="en-US" dirty="0" err="1"/>
+              <a:t>mapply</a:t>
+            </a:r>
+            <a:r>
+              <a:rPr lang="en-US" dirty="0"/>
+              <a:t>() (multivariate apply): When you need additional arguments passed</a:t>
+            </a:r>
+          </a:p>
+          <a:p>
+            <a:r>
+              <a:rPr lang="en-US" dirty="0"/>
+              <a:t>Example: </a:t>
+            </a:r>
+            <a:r>
+              <a:rPr lang="en-US" sz="1600" dirty="0" err="1">
+                <a:latin typeface="Lucida Console" panose="020B0609040504020204" pitchFamily="49" charset="0"/>
+              </a:rPr>
+              <a:t>mapply</a:t>
+            </a:r>
+            <a:r>
+              <a:rPr lang="en-US" sz="1600" dirty="0">
+                <a:latin typeface="Lucida Console" panose="020B0609040504020204" pitchFamily="49" charset="0"/>
+              </a:rPr>
+              <a:t>(rep, times = 1:10, x = 1:5, each = 2)</a:t>
+            </a:r>
+          </a:p>
+          <a:p>
+            <a:pPr>
+              <a:buNone/>
+            </a:pPr>
+            <a:endParaRPr lang="en-US" dirty="0"/>
+          </a:p>
+          <a:p>
+            <a:pPr>
+              <a:buNone/>
+            </a:pPr>
+            <a:r>
+              <a:rPr lang="en-US" dirty="0"/>
+              <a:t>Others: </a:t>
+            </a:r>
+            <a:r>
+              <a:rPr lang="en-US" dirty="0" err="1"/>
+              <a:t>vapply</a:t>
+            </a:r>
+            <a:r>
+              <a:rPr lang="en-US" dirty="0"/>
+              <a:t> (when you need a specific type return), </a:t>
+            </a:r>
+            <a:r>
+              <a:rPr lang="en-US" dirty="0" err="1"/>
+              <a:t>tapply</a:t>
+            </a:r>
+            <a:r>
+              <a:rPr lang="en-US" dirty="0"/>
+              <a:t> (something with factors)</a:t>
+            </a:r>
+          </a:p>
+          <a:p>
+            <a:endParaRPr lang="en-US" dirty="0"/>
+          </a:p>
+        </p:txBody>
+      </p:sp>
+      <p:sp>
+        <p:nvSpPr>
+          <p:cNvPr id="4" name="Date Placeholder 3">
+            <a:extLst>
+              <a:ext uri="{FF2B5EF4-FFF2-40B4-BE49-F238E27FC236}">
+                <a16:creationId xmlns:a16="http://schemas.microsoft.com/office/drawing/2014/main" id="{20CE8A1E-57A4-B9A4-35B4-71644382868B}"/>
+              </a:ext>
+            </a:extLst>
+          </p:cNvPr>
+          <p:cNvSpPr>
+            <a:spLocks noGrp="1"/>
+          </p:cNvSpPr>
+          <p:nvPr>
+            <p:ph type="dt" sz="half" idx="10"/>
+          </p:nvPr>
+        </p:nvSpPr>
+        <p:spPr/>
+        <p:txBody>
+          <a:bodyPr/>
+          <a:lstStyle/>
+          <a:p>
+            <a:fld id="{527D860E-4AA8-43CC-B3E9-353006A6F547}" type="datetime1">
+              <a:rPr lang="en-GB" smtClean="0"/>
+              <a:t>21/11/2023</a:t>
+            </a:fld>
+            <a:r>
+              <a:rPr lang="en-GB"/>
+              <a:t>07/11/2023</a:t>
+            </a:r>
+            <a:endParaRPr lang="en-GB" dirty="0"/>
+          </a:p>
+        </p:txBody>
+      </p:sp>
+    </p:spTree>
+    <p:extLst>
+      <p:ext uri="{BB962C8B-B14F-4D97-AF65-F5344CB8AC3E}">
+        <p14:creationId xmlns:p14="http://schemas.microsoft.com/office/powerpoint/2010/main" val="2550746187"/>
+      </p:ext>
+    </p:extLst>
+  </p:cSld>
+  <p:clrMapOvr>
+    <a:masterClrMapping/>
+  </p:clrMapOvr>
+  <p:timing>
+    <p:tnLst>
+      <p:par>
+        <p:cTn id="1" dur="indefinite" restart="never" nodeType="tmRoot">
+          <p:childTnLst>
+            <p:seq concurrent="1" nextAc="seek">
+              <p:cTn id="2" dur="indefinite" nodeType="mainSeq">
+                <p:childTnLst>
+                  <p:par>
+                    <p:cTn id="3" fill="hold">
+                      <p:stCondLst>
+                        <p:cond delay="indefinite"/>
+                      </p:stCondLst>
+                      <p:childTnLst>
+                        <p:par>
+                          <p:cTn id="4" fill="hold">
+                            <p:stCondLst>
+                              <p:cond delay="0"/>
+                            </p:stCondLst>
+                            <p:childTnLst>
+                              <p:par>
+                                <p:cTn id="5" presetID="1" presetClass="entr" presetSubtype="0" fill="hold" nodeType="clickEffect">
+                                  <p:stCondLst>
+                                    <p:cond delay="0"/>
+                                  </p:stCondLst>
+                                  <p:childTnLst>
+                                    <p:set>
+                                      <p:cBhvr>
+                                        <p:cTn id="6" dur="1" fill="hold">
+                                          <p:stCondLst>
+                                            <p:cond delay="0"/>
+                                          </p:stCondLst>
+                                        </p:cTn>
+                                        <p:tgtEl>
+                                          <p:spTgt spid="3">
+                                            <p:txEl>
+                                              <p:pRg st="3" end="3"/>
+                                            </p:txEl>
+                                          </p:spTgt>
+                                        </p:tgtEl>
+                                        <p:attrNameLst>
+                                          <p:attrName>style.visibility</p:attrName>
+                                        </p:attrNameLst>
+                                      </p:cBhvr>
+                                      <p:to>
+                                        <p:strVal val="visible"/>
+                                      </p:to>
+                                    </p:set>
+                                  </p:childTnLst>
+                                </p:cTn>
+                              </p:par>
+                              <p:par>
+                                <p:cTn id="7" presetID="1" presetClass="entr" presetSubtype="0" fill="hold" nodeType="withEffect">
+                                  <p:stCondLst>
+                                    <p:cond delay="0"/>
+                                  </p:stCondLst>
+                                  <p:childTnLst>
+                                    <p:set>
+                                      <p:cBhvr>
+                                        <p:cTn id="8" dur="1" fill="hold">
+                                          <p:stCondLst>
+                                            <p:cond delay="0"/>
+                                          </p:stCondLst>
+                                        </p:cTn>
+                                        <p:tgtEl>
+                                          <p:spTgt spid="3">
+                                            <p:txEl>
+                                              <p:pRg st="4" end="4"/>
+                                            </p:txEl>
+                                          </p:spTgt>
+                                        </p:tgtEl>
+                                        <p:attrNameLst>
+                                          <p:attrName>style.visibility</p:attrName>
+                                        </p:attrNameLst>
+                                      </p:cBhvr>
+                                      <p:to>
+                                        <p:strVal val="visible"/>
+                                      </p:to>
+                                    </p:set>
+                                  </p:childTnLst>
+                                </p:cTn>
+                              </p:par>
+                            </p:childTnLst>
+                          </p:cTn>
+                        </p:par>
+                      </p:childTnLst>
+                    </p:cTn>
+                  </p:par>
+                  <p:par>
+                    <p:cTn id="9" fill="hold">
+                      <p:stCondLst>
+                        <p:cond delay="indefinite"/>
+                      </p:stCondLst>
+                      <p:childTnLst>
+                        <p:par>
+                          <p:cTn id="10" fill="hold">
+                            <p:stCondLst>
+                              <p:cond delay="0"/>
+                            </p:stCondLst>
+                            <p:childTnLst>
+                              <p:par>
+                                <p:cTn id="11" presetID="1" presetClass="entr" presetSubtype="0" fill="hold" nodeType="clickEffect">
+                                  <p:stCondLst>
+                                    <p:cond delay="0"/>
+                                  </p:stCondLst>
+                                  <p:childTnLst>
+                                    <p:set>
+                                      <p:cBhvr>
+                                        <p:cTn id="12" dur="1" fill="hold">
+                                          <p:stCondLst>
+                                            <p:cond delay="0"/>
+                                          </p:stCondLst>
+                                        </p:cTn>
+                                        <p:tgtEl>
+                                          <p:spTgt spid="3">
+                                            <p:txEl>
+                                              <p:pRg st="6" end="6"/>
+                                            </p:txEl>
+                                          </p:spTgt>
+                                        </p:tgtEl>
+                                        <p:attrNameLst>
+                                          <p:attrName>style.visibility</p:attrName>
+                                        </p:attrNameLst>
+                                      </p:cBhvr>
+                                      <p:to>
+                                        <p:strVal val="visible"/>
+                                      </p:to>
+                                    </p:set>
+                                  </p:childTnLst>
+                                </p:cTn>
+                              </p:par>
+                              <p:par>
+                                <p:cTn id="13" presetID="1" presetClass="entr" presetSubtype="0" fill="hold" nodeType="withEffect">
+                                  <p:stCondLst>
+                                    <p:cond delay="0"/>
+                                  </p:stCondLst>
+                                  <p:childTnLst>
+                                    <p:set>
+                                      <p:cBhvr>
+                                        <p:cTn id="14" dur="1" fill="hold">
+                                          <p:stCondLst>
+                                            <p:cond delay="0"/>
+                                          </p:stCondLst>
+                                        </p:cTn>
+                                        <p:tgtEl>
+                                          <p:spTgt spid="3">
+                                            <p:txEl>
+                                              <p:pRg st="7" end="7"/>
+                                            </p:txEl>
+                                          </p:spTgt>
+                                        </p:tgtEl>
+                                        <p:attrNameLst>
+                                          <p:attrName>style.visibility</p:attrName>
+                                        </p:attrNameLst>
+                                      </p:cBhvr>
+                                      <p:to>
+                                        <p:strVal val="visible"/>
+                                      </p:to>
+                                    </p:set>
+                                  </p:childTnLst>
+                                </p:cTn>
+                              </p:par>
+                            </p:childTnLst>
+                          </p:cTn>
+                        </p:par>
+                      </p:childTnLst>
+                    </p:cTn>
+                  </p:par>
+                  <p:par>
+                    <p:cTn id="15" fill="hold">
+                      <p:stCondLst>
+                        <p:cond delay="indefinite"/>
+                      </p:stCondLst>
+                      <p:childTnLst>
+                        <p:par>
+                          <p:cTn id="16" fill="hold">
+                            <p:stCondLst>
+                              <p:cond delay="0"/>
+                            </p:stCondLst>
+                            <p:childTnLst>
+                              <p:par>
+                                <p:cTn id="17" presetID="1" presetClass="entr" presetSubtype="0" fill="hold" nodeType="clickEffect">
+                                  <p:stCondLst>
+                                    <p:cond delay="0"/>
+                                  </p:stCondLst>
+                                  <p:childTnLst>
+                                    <p:set>
+                                      <p:cBhvr>
+                                        <p:cTn id="18" dur="1" fill="hold">
+                                          <p:stCondLst>
+                                            <p:cond delay="0"/>
+                                          </p:stCondLst>
+                                        </p:cTn>
+                                        <p:tgtEl>
+                                          <p:spTgt spid="3">
+                                            <p:txEl>
+                                              <p:pRg st="9" end="9"/>
+                                            </p:txEl>
+                                          </p:spTgt>
+                                        </p:tgtEl>
+                                        <p:attrNameLst>
+                                          <p:attrName>style.visibility</p:attrName>
+                                        </p:attrNameLst>
+                                      </p:cBhvr>
+                                      <p:to>
+                                        <p:strVal val="visible"/>
+                                      </p:to>
+                                    </p:set>
+                                  </p:childTnLst>
+                                </p:cTn>
+                              </p:par>
+                              <p:par>
+                                <p:cTn id="19" presetID="1" presetClass="entr" presetSubtype="0" fill="hold" nodeType="withEffect">
+                                  <p:stCondLst>
+                                    <p:cond delay="0"/>
+                                  </p:stCondLst>
+                                  <p:childTnLst>
+                                    <p:set>
+                                      <p:cBhvr>
+                                        <p:cTn id="20" dur="1" fill="hold">
+                                          <p:stCondLst>
+                                            <p:cond delay="0"/>
+                                          </p:stCondLst>
+                                        </p:cTn>
+                                        <p:tgtEl>
+                                          <p:spTgt spid="3">
+                                            <p:txEl>
+                                              <p:pRg st="10" end="10"/>
+                                            </p:txEl>
+                                          </p:spTgt>
+                                        </p:tgtEl>
+                                        <p:attrNameLst>
+                                          <p:attrName>style.visibility</p:attrName>
+                                        </p:attrNameLst>
+                                      </p:cBhvr>
+                                      <p:to>
+                                        <p:strVal val="visible"/>
+                                      </p:to>
+                                    </p:set>
+                                  </p:childTnLst>
+                                </p:cTn>
+                              </p:par>
+                              <p:par>
+                                <p:cTn id="21" presetID="1" presetClass="entr" presetSubtype="0" fill="hold" nodeType="withEffect">
+                                  <p:stCondLst>
+                                    <p:cond delay="0"/>
+                                  </p:stCondLst>
+                                  <p:childTnLst>
+                                    <p:set>
+                                      <p:cBhvr>
+                                        <p:cTn id="22" dur="1" fill="hold">
+                                          <p:stCondLst>
+                                            <p:cond delay="0"/>
+                                          </p:stCondLst>
+                                        </p:cTn>
+                                        <p:tgtEl>
+                                          <p:spTgt spid="3">
+                                            <p:txEl>
+                                              <p:pRg st="12" end="12"/>
+                                            </p:txEl>
+                                          </p:spTgt>
+                                        </p:tgtEl>
+                                        <p:attrNameLst>
+                                          <p:attrName>style.visibility</p:attrName>
+                                        </p:attrNameLst>
+                                      </p:cBhvr>
+                                      <p:to>
+                                        <p:strVal val="visible"/>
+                                      </p:to>
+                                    </p:set>
+                                  </p:childTnLst>
+                                </p:cTn>
+                              </p:par>
+                            </p:childTnLst>
+                          </p:cTn>
+                        </p:par>
+                      </p:childTnLst>
+                    </p:cTn>
+                  </p:par>
+                </p:childTnLst>
+              </p:cTn>
+              <p:prevCondLst>
+                <p:cond evt="onPrev" delay="0">
+                  <p:tgtEl>
+                    <p:sldTgt/>
+                  </p:tgtEl>
+                </p:cond>
+              </p:prevCondLst>
+              <p:nextCondLst>
+                <p:cond evt="onNext" delay="0">
+                  <p:tgtEl>
+                    <p:sldTgt/>
+                  </p:tgtEl>
+                </p:cond>
+              </p:nextCondLst>
+            </p:seq>
+          </p:childTnLst>
+        </p:cTn>
+      </p:par>
+    </p:tnLst>
+  </p:timing>
+</p:sld>
+</file>
+
+<file path=ppt/slides/slide18.xml><?xml version="1.0" encoding="utf-8"?>
+<p:sld xmlns:a="http://schemas.openxmlformats.org/drawingml/2006/main" xmlns:r="http://schemas.openxmlformats.org/officeDocument/2006/relationships" xmlns:p="http://schemas.openxmlformats.org/presentationml/2006/main">
+  <p:cSld>
+    <p:spTree>
+      <p:nvGrpSpPr>
+        <p:cNvPr id="1" name=""/>
+        <p:cNvGrpSpPr/>
+        <p:nvPr/>
+      </p:nvGrpSpPr>
+      <p:grpSpPr>
+        <a:xfrm>
+          <a:off x="0" y="0"/>
+          <a:ext cx="0" cy="0"/>
+          <a:chOff x="0" y="0"/>
+          <a:chExt cx="0" cy="0"/>
+        </a:xfrm>
+      </p:grpSpPr>
+      <p:sp>
+        <p:nvSpPr>
+          <p:cNvPr id="2" name="Title 1">
+            <a:extLst>
+              <a:ext uri="{FF2B5EF4-FFF2-40B4-BE49-F238E27FC236}">
                 <a16:creationId xmlns:a16="http://schemas.microsoft.com/office/drawing/2014/main" id="{8198E2B0-6F49-F1DF-2E4D-7A469B1D2E3C}"/>
               </a:ext>
             </a:extLst>
@@ -12841,7 +13924,7 @@
           <a:p>
             <a:fld id="{638DA670-DA22-4F3D-8A0F-EFE97634B4C8}" type="datetime1">
               <a:rPr lang="en-GB" smtClean="0"/>
-              <a:t>20/11/2023</a:t>
+              <a:t>21/11/2023</a:t>
             </a:fld>
             <a:r>
               <a:rPr lang="en-GB" dirty="0"/>
@@ -13457,7 +14540,7 @@
             </a:pPr>
             <a:r>
               <a:rPr lang="en-US" dirty="0"/>
-              <a:t>Define a function using the function() keyword.</a:t>
+              <a:t>Defined by using the function() keyword.</a:t>
             </a:r>
           </a:p>
           <a:p>
@@ -13585,11 +14668,159 @@
           <a:p>
             <a:fld id="{0C91B5C9-0F94-46DE-A64F-0C7DD4CD84FB}" type="datetime1">
               <a:rPr lang="en-GB" smtClean="0"/>
-              <a:t>20/11/2023</a:t>
+              <a:t>21/11/2023</a:t>
             </a:fld>
             <a:r>
               <a:rPr lang="en-GB" dirty="0"/>
               <a:t>07/11/2023</a:t>
+            </a:r>
+          </a:p>
+        </p:txBody>
+      </p:sp>
+      <p:sp>
+        <p:nvSpPr>
+          <p:cNvPr id="7" name="TextBox 6">
+            <a:extLst>
+              <a:ext uri="{FF2B5EF4-FFF2-40B4-BE49-F238E27FC236}">
+                <a16:creationId xmlns:a16="http://schemas.microsoft.com/office/drawing/2014/main" id="{B11CE1E9-F844-4634-1938-D7B5DDEB6707}"/>
+              </a:ext>
+            </a:extLst>
+          </p:cNvPr>
+          <p:cNvSpPr txBox="1"/>
+          <p:nvPr/>
+        </p:nvSpPr>
+        <p:spPr>
+          <a:xfrm>
+            <a:off x="6526460" y="5381352"/>
+            <a:ext cx="4032448" cy="701731"/>
+          </a:xfrm>
+          <a:prstGeom prst="rect">
+            <a:avLst/>
+          </a:prstGeom>
+          <a:noFill/>
+        </p:spPr>
+        <p:txBody>
+          <a:bodyPr wrap="square" lIns="0" tIns="0" rIns="0" bIns="0" rtlCol="0">
+            <a:spAutoFit/>
+          </a:bodyPr>
+          <a:lstStyle/>
+          <a:p>
+            <a:pPr>
+              <a:lnSpc>
+                <a:spcPct val="95000"/>
+              </a:lnSpc>
+            </a:pPr>
+            <a:r>
+              <a:rPr lang="en-US" sz="1600" dirty="0" err="1">
+                <a:latin typeface="Lucida Console" panose="020B0609040504020204" pitchFamily="49" charset="0"/>
+              </a:rPr>
+              <a:t>addNumbers</a:t>
+            </a:r>
+            <a:r>
+              <a:rPr lang="en-US" sz="1600" dirty="0">
+                <a:latin typeface="Lucida Console" panose="020B0609040504020204" pitchFamily="49" charset="0"/>
+              </a:rPr>
+              <a:t> = function(a, b) {</a:t>
+            </a:r>
+          </a:p>
+          <a:p>
+            <a:pPr>
+              <a:lnSpc>
+                <a:spcPct val="95000"/>
+              </a:lnSpc>
+            </a:pPr>
+            <a:r>
+              <a:rPr lang="en-US" sz="1600" dirty="0">
+                <a:latin typeface="Lucida Console" panose="020B0609040504020204" pitchFamily="49" charset="0"/>
+              </a:rPr>
+              <a:t>  a + b</a:t>
+            </a:r>
+          </a:p>
+          <a:p>
+            <a:pPr>
+              <a:lnSpc>
+                <a:spcPct val="95000"/>
+              </a:lnSpc>
+            </a:pPr>
+            <a:r>
+              <a:rPr lang="en-US" sz="1600" dirty="0">
+                <a:latin typeface="Lucida Console" panose="020B0609040504020204" pitchFamily="49" charset="0"/>
+              </a:rPr>
+              <a:t>}</a:t>
+            </a:r>
+          </a:p>
+        </p:txBody>
+      </p:sp>
+      <p:sp>
+        <p:nvSpPr>
+          <p:cNvPr id="8" name="TextBox 7">
+            <a:extLst>
+              <a:ext uri="{FF2B5EF4-FFF2-40B4-BE49-F238E27FC236}">
+                <a16:creationId xmlns:a16="http://schemas.microsoft.com/office/drawing/2014/main" id="{5F4F2728-9E6D-810B-5536-462AD980A057}"/>
+              </a:ext>
+            </a:extLst>
+          </p:cNvPr>
+          <p:cNvSpPr txBox="1"/>
+          <p:nvPr/>
+        </p:nvSpPr>
+        <p:spPr>
+          <a:xfrm>
+            <a:off x="5662364" y="4667035"/>
+            <a:ext cx="4032448" cy="701731"/>
+          </a:xfrm>
+          <a:prstGeom prst="rect">
+            <a:avLst/>
+          </a:prstGeom>
+          <a:noFill/>
+        </p:spPr>
+        <p:txBody>
+          <a:bodyPr wrap="square" lIns="0" tIns="0" rIns="0" bIns="0" rtlCol="0">
+            <a:spAutoFit/>
+          </a:bodyPr>
+          <a:lstStyle/>
+          <a:p>
+            <a:pPr>
+              <a:lnSpc>
+                <a:spcPct val="95000"/>
+              </a:lnSpc>
+            </a:pPr>
+            <a:r>
+              <a:rPr lang="en-US" sz="1600" dirty="0" err="1">
+                <a:latin typeface="Lucida Console" panose="020B0609040504020204" pitchFamily="49" charset="0"/>
+              </a:rPr>
+              <a:t>addNumbers</a:t>
+            </a:r>
+            <a:r>
+              <a:rPr lang="en-US" sz="1600" dirty="0">
+                <a:latin typeface="Lucida Console" panose="020B0609040504020204" pitchFamily="49" charset="0"/>
+              </a:rPr>
+              <a:t> = function(a, b) {</a:t>
+            </a:r>
+          </a:p>
+          <a:p>
+            <a:pPr>
+              <a:lnSpc>
+                <a:spcPct val="95000"/>
+              </a:lnSpc>
+            </a:pPr>
+            <a:r>
+              <a:rPr lang="en-US" sz="1600" dirty="0">
+                <a:latin typeface="Lucida Console" panose="020B0609040504020204" pitchFamily="49" charset="0"/>
+              </a:rPr>
+              <a:t>  return(a + b)</a:t>
+            </a:r>
+          </a:p>
+          <a:p>
+            <a:pPr>
+              <a:lnSpc>
+                <a:spcPct val="95000"/>
+              </a:lnSpc>
+            </a:pPr>
+            <a:r>
+              <a:rPr lang="en-US" sz="1600" dirty="0">
+                <a:latin typeface="Lucida Console" panose="020B0609040504020204" pitchFamily="49" charset="0"/>
+              </a:rPr>
+              <a:t>}</a:t>
             </a:r>
           </a:p>
         </p:txBody>
@@ -13785,6 +15016,78 @@
                       </p:childTnLst>
                     </p:cTn>
                   </p:par>
+                  <p:par>
+                    <p:cTn id="15" fill="hold">
+                      <p:stCondLst>
+                        <p:cond delay="indefinite"/>
+                      </p:stCondLst>
+                      <p:childTnLst>
+                        <p:par>
+                          <p:cTn id="16" fill="hold">
+                            <p:stCondLst>
+                              <p:cond delay="0"/>
+                            </p:stCondLst>
+                            <p:childTnLst>
+                              <p:par>
+                                <p:cTn id="17" presetID="1" presetClass="entr" presetSubtype="0" fill="hold" grpId="0" nodeType="clickEffect">
+                                  <p:stCondLst>
+                                    <p:cond delay="0"/>
+                                  </p:stCondLst>
+                                  <p:childTnLst>
+                                    <p:set>
+                                      <p:cBhvr>
+                                        <p:cTn id="18" dur="1" fill="hold">
+                                          <p:stCondLst>
+                                            <p:cond delay="0"/>
+                                          </p:stCondLst>
+                                        </p:cTn>
+                                        <p:tgtEl>
+                                          <p:spTgt spid="7"/>
+                                        </p:tgtEl>
+                                        <p:attrNameLst>
+                                          <p:attrName>style.visibility</p:attrName>
+                                        </p:attrNameLst>
+                                      </p:cBhvr>
+                                      <p:to>
+                                        <p:strVal val="visible"/>
+                                      </p:to>
+                                    </p:set>
+                                  </p:childTnLst>
+                                </p:cTn>
+                              </p:par>
+                              <p:par>
+                                <p:cTn id="19" presetID="1" presetClass="entr" presetSubtype="0" fill="hold" grpId="0" nodeType="withEffect">
+                                  <p:stCondLst>
+                                    <p:cond delay="0"/>
+                                  </p:stCondLst>
+                                  <p:childTnLst>
+                                    <p:set>
+                                      <p:cBhvr>
+                                        <p:cTn id="20" dur="1" fill="hold">
+                                          <p:stCondLst>
+                                            <p:cond delay="0"/>
+                                          </p:stCondLst>
+                                        </p:cTn>
+                                        <p:tgtEl>
+                                          <p:spTgt spid="8"/>
+                                        </p:tgtEl>
+                                        <p:attrNameLst>
+                                          <p:attrName>style.visibility</p:attrName>
+                                        </p:attrNameLst>
+                                      </p:cBhvr>
+                                      <p:to>
+                                        <p:strVal val="visible"/>
+                                      </p:to>
+                                    </p:set>
+                                  </p:childTnLst>
+                                </p:cTn>
+                              </p:par>
+                            </p:childTnLst>
+                          </p:cTn>
+                        </p:par>
+                      </p:childTnLst>
+                    </p:cTn>
+                  </p:par>
                 </p:childTnLst>
               </p:cTn>
               <p:prevCondLst>
@@ -13806,6 +15109,10 @@
         </p:cTn>
       </p:par>
     </p:tnLst>
+    <p:bldLst>
+      <p:bldP spid="7" grpId="0"/>
+      <p:bldP spid="8" grpId="0"/>
+    </p:bldLst>
   </p:timing>
 </p:sld>
 </file>
@@ -13986,6 +15293,14 @@
               <a:rPr lang="en-US" sz="1600" dirty="0">
                 <a:latin typeface="Lucida Console" panose="020B0609040504020204" pitchFamily="49" charset="0"/>
               </a:rPr>
+              <a:t>  x = 5</a:t>
+            </a:r>
+          </a:p>
+          <a:p>
+            <a:r>
+              <a:rPr lang="en-US" sz="1600" dirty="0">
+                <a:latin typeface="Lucida Console" panose="020B0609040504020204" pitchFamily="49" charset="0"/>
+              </a:rPr>
               <a:t>  return(y * x)</a:t>
             </a:r>
           </a:p>
@@ -14028,7 +15343,7 @@
           <a:p>
             <a:fld id="{692C0F53-02D9-4815-9CC7-9DECF82B74E8}" type="datetime1">
               <a:rPr lang="en-GB" smtClean="0"/>
-              <a:t>20/11/2023</a:t>
+              <a:t>21/11/2023</a:t>
             </a:fld>
             <a:r>
               <a:rPr lang="en-GB"/>
@@ -14154,7 +15469,7 @@
           <a:p>
             <a:fld id="{00DC5981-5044-4AF7-B2BD-813E3BC017AE}" type="datetime1">
               <a:rPr lang="en-GB" smtClean="0"/>
-              <a:t>20/11/2023</a:t>
+              <a:t>21/11/2023</a:t>
             </a:fld>
             <a:r>
               <a:rPr lang="en-GB"/>
@@ -16555,313 +17870,6 @@
   <p:clrMapOvr>
     <a:masterClrMapping/>
   </p:clrMapOvr>
-  <p:timing>
-    <p:tnLst>
-      <p:par>
-        <p:cTn id="1" dur="indefinite" restart="never" nodeType="tmRoot">
-          <p:childTnLst>
-            <p:seq concurrent="1" nextAc="seek">
-              <p:cTn id="2" dur="indefinite" nodeType="mainSeq">
-                <p:childTnLst>
-                  <p:par>
-                    <p:cTn id="3" fill="hold">
-                      <p:stCondLst>
-                        <p:cond delay="indefinite"/>
-                      </p:stCondLst>
-                      <p:childTnLst>
-                        <p:par>
-                          <p:cTn id="4" fill="hold">
-                            <p:stCondLst>
-                              <p:cond delay="0"/>
-                            </p:stCondLst>
-                            <p:childTnLst>
-                              <p:par>
-                                <p:cTn id="5" presetID="1" presetClass="entr" presetSubtype="0" fill="hold" grpId="0" nodeType="clickEffect">
-                                  <p:stCondLst>
-                                    <p:cond delay="0"/>
-                                  </p:stCondLst>
-                                  <p:childTnLst>
-                                    <p:set>
-                                      <p:cBhvr>
-                                        <p:cTn id="6" dur="1" fill="hold">
-                                          <p:stCondLst>
-                                            <p:cond delay="0"/>
-                                          </p:stCondLst>
-                                        </p:cTn>
-                                        <p:tgtEl>
-                                          <p:spTgt spid="11"/>
-                                        </p:tgtEl>
-                                        <p:attrNameLst>
-                                          <p:attrName>style.visibility</p:attrName>
-                                        </p:attrNameLst>
-                                      </p:cBhvr>
-                                      <p:to>
-                                        <p:strVal val="visible"/>
-                                      </p:to>
-                                    </p:set>
-                                  </p:childTnLst>
-                                </p:cTn>
-                              </p:par>
-                              <p:par>
-                                <p:cTn id="7" presetID="1" presetClass="entr" presetSubtype="0" fill="hold" nodeType="withEffect">
-                                  <p:stCondLst>
-                                    <p:cond delay="0"/>
-                                  </p:stCondLst>
-                                  <p:childTnLst>
-                                    <p:set>
-                                      <p:cBhvr>
-                                        <p:cTn id="8" dur="1" fill="hold">
-                                          <p:stCondLst>
-                                            <p:cond delay="0"/>
-                                          </p:stCondLst>
-                                        </p:cTn>
-                                        <p:tgtEl>
-                                          <p:spTgt spid="14"/>
-                                        </p:tgtEl>
-                                        <p:attrNameLst>
-                                          <p:attrName>style.visibility</p:attrName>
-                                        </p:attrNameLst>
-                                      </p:cBhvr>
-                                      <p:to>
-                                        <p:strVal val="visible"/>
-                                      </p:to>
-                                    </p:set>
-                                  </p:childTnLst>
-                                </p:cTn>
-                              </p:par>
-                              <p:par>
-                                <p:cTn id="9" presetID="1" presetClass="entr" presetSubtype="0" fill="hold" grpId="0" nodeType="withEffect">
-                                  <p:stCondLst>
-                                    <p:cond delay="0"/>
-                                  </p:stCondLst>
-                                  <p:childTnLst>
-                                    <p:set>
-                                      <p:cBhvr>
-                                        <p:cTn id="10" dur="1" fill="hold">
-                                          <p:stCondLst>
-                                            <p:cond delay="0"/>
-                                          </p:stCondLst>
-                                        </p:cTn>
-                                        <p:tgtEl>
-                                          <p:spTgt spid="10"/>
-                                        </p:tgtEl>
-                                        <p:attrNameLst>
-                                          <p:attrName>style.visibility</p:attrName>
-                                        </p:attrNameLst>
-                                      </p:cBhvr>
-                                      <p:to>
-                                        <p:strVal val="visible"/>
-                                      </p:to>
-                                    </p:set>
-                                  </p:childTnLst>
-                                </p:cTn>
-                              </p:par>
-                              <p:par>
-                                <p:cTn id="11" presetID="1" presetClass="entr" presetSubtype="0" fill="hold" grpId="0" nodeType="withEffect">
-                                  <p:stCondLst>
-                                    <p:cond delay="0"/>
-                                  </p:stCondLst>
-                                  <p:childTnLst>
-                                    <p:set>
-                                      <p:cBhvr>
-                                        <p:cTn id="12" dur="1" fill="hold">
-                                          <p:stCondLst>
-                                            <p:cond delay="0"/>
-                                          </p:stCondLst>
-                                        </p:cTn>
-                                        <p:tgtEl>
-                                          <p:spTgt spid="19"/>
-                                        </p:tgtEl>
-                                        <p:attrNameLst>
-                                          <p:attrName>style.visibility</p:attrName>
-                                        </p:attrNameLst>
-                                      </p:cBhvr>
-                                      <p:to>
-                                        <p:strVal val="visible"/>
-                                      </p:to>
-                                    </p:set>
-                                  </p:childTnLst>
-                                </p:cTn>
-                              </p:par>
-                            </p:childTnLst>
-                          </p:cTn>
-                        </p:par>
-                      </p:childTnLst>
-                    </p:cTn>
-                  </p:par>
-                  <p:par>
-                    <p:cTn id="13" fill="hold">
-                      <p:stCondLst>
-                        <p:cond delay="indefinite"/>
-                      </p:stCondLst>
-                      <p:childTnLst>
-                        <p:par>
-                          <p:cTn id="14" fill="hold">
-                            <p:stCondLst>
-                              <p:cond delay="0"/>
-                            </p:stCondLst>
-                            <p:childTnLst>
-                              <p:par>
-                                <p:cTn id="15" presetID="1" presetClass="entr" presetSubtype="0" fill="hold" grpId="0" nodeType="clickEffect">
-                                  <p:stCondLst>
-                                    <p:cond delay="0"/>
-                                  </p:stCondLst>
-                                  <p:childTnLst>
-                                    <p:set>
-                                      <p:cBhvr>
-                                        <p:cTn id="16" dur="1" fill="hold">
-                                          <p:stCondLst>
-                                            <p:cond delay="0"/>
-                                          </p:stCondLst>
-                                        </p:cTn>
-                                        <p:tgtEl>
-                                          <p:spTgt spid="27"/>
-                                        </p:tgtEl>
-                                        <p:attrNameLst>
-                                          <p:attrName>style.visibility</p:attrName>
-                                        </p:attrNameLst>
-                                      </p:cBhvr>
-                                      <p:to>
-                                        <p:strVal val="visible"/>
-                                      </p:to>
-                                    </p:set>
-                                  </p:childTnLst>
-                                </p:cTn>
-                              </p:par>
-                              <p:par>
-                                <p:cTn id="17" presetID="1" presetClass="entr" presetSubtype="0" fill="hold" nodeType="withEffect">
-                                  <p:stCondLst>
-                                    <p:cond delay="0"/>
-                                  </p:stCondLst>
-                                  <p:childTnLst>
-                                    <p:set>
-                                      <p:cBhvr>
-                                        <p:cTn id="18" dur="1" fill="hold">
-                                          <p:stCondLst>
-                                            <p:cond delay="0"/>
-                                          </p:stCondLst>
-                                        </p:cTn>
-                                        <p:tgtEl>
-                                          <p:spTgt spid="29"/>
-                                        </p:tgtEl>
-                                        <p:attrNameLst>
-                                          <p:attrName>style.visibility</p:attrName>
-                                        </p:attrNameLst>
-                                      </p:cBhvr>
-                                      <p:to>
-                                        <p:strVal val="visible"/>
-                                      </p:to>
-                                    </p:set>
-                                  </p:childTnLst>
-                                </p:cTn>
-                              </p:par>
-                              <p:par>
-                                <p:cTn id="19" presetID="1" presetClass="entr" presetSubtype="0" fill="hold" grpId="0" nodeType="withEffect">
-                                  <p:stCondLst>
-                                    <p:cond delay="0"/>
-                                  </p:stCondLst>
-                                  <p:childTnLst>
-                                    <p:set>
-                                      <p:cBhvr>
-                                        <p:cTn id="20" dur="1" fill="hold">
-                                          <p:stCondLst>
-                                            <p:cond delay="0"/>
-                                          </p:stCondLst>
-                                        </p:cTn>
-                                        <p:tgtEl>
-                                          <p:spTgt spid="28"/>
-                                        </p:tgtEl>
-                                        <p:attrNameLst>
-                                          <p:attrName>style.visibility</p:attrName>
-                                        </p:attrNameLst>
-                                      </p:cBhvr>
-                                      <p:to>
-                                        <p:strVal val="visible"/>
-                                      </p:to>
-                                    </p:set>
-                                  </p:childTnLst>
-                                </p:cTn>
-                              </p:par>
-                            </p:childTnLst>
-                          </p:cTn>
-                        </p:par>
-                      </p:childTnLst>
-                    </p:cTn>
-                  </p:par>
-                  <p:par>
-                    <p:cTn id="21" fill="hold">
-                      <p:stCondLst>
-                        <p:cond delay="indefinite"/>
-                      </p:stCondLst>
-                      <p:childTnLst>
-                        <p:par>
-                          <p:cTn id="22" fill="hold">
-                            <p:stCondLst>
-                              <p:cond delay="0"/>
-                            </p:stCondLst>
-                            <p:childTnLst>
-                              <p:par>
-                                <p:cTn id="23" presetID="1" presetClass="entr" presetSubtype="0" fill="hold" nodeType="clickEffect">
-                                  <p:stCondLst>
-                                    <p:cond delay="0"/>
-                                  </p:stCondLst>
-                                  <p:childTnLst>
-                                    <p:set>
-                                      <p:cBhvr>
-                                        <p:cTn id="24" dur="1" fill="hold">
-                                          <p:stCondLst>
-                                            <p:cond delay="0"/>
-                                          </p:stCondLst>
-                                        </p:cTn>
-                                        <p:tgtEl>
-                                          <p:spTgt spid="15"/>
-                                        </p:tgtEl>
-                                        <p:attrNameLst>
-                                          <p:attrName>style.visibility</p:attrName>
-                                        </p:attrNameLst>
-                                      </p:cBhvr>
-                                      <p:to>
-                                        <p:strVal val="visible"/>
-                                      </p:to>
-                                    </p:set>
-                                  </p:childTnLst>
-                                </p:cTn>
-                              </p:par>
-                            </p:childTnLst>
-                          </p:cTn>
-                        </p:par>
-                      </p:childTnLst>
-                    </p:cTn>
-                  </p:par>
-                </p:childTnLst>
-              </p:cTn>
-              <p:prevCondLst>
-                <p:cond evt="onPrev" delay="0">
-                  <p:tgtEl>
-                    <p:sldTgt/>
-                  </p:tgtEl>
-                </p:cond>
-              </p:prevCondLst>
-              <p:nextCondLst>
-                <p:cond evt="onNext" delay="0">
-                  <p:tgtEl>
-                    <p:sldTgt/>
-                  </p:tgtEl>
-                </p:cond>
-              </p:nextCondLst>
-            </p:seq>
-          </p:childTnLst>
-        </p:cTn>
-      </p:par>
-    </p:tnLst>
-    <p:bldLst>
-      <p:bldP spid="10" grpId="0" animBg="1"/>
-      <p:bldP spid="11" grpId="0"/>
-      <p:bldP spid="19" grpId="0"/>
-      <p:bldP spid="27" grpId="0"/>
-      <p:bldP spid="28" grpId="0" animBg="1"/>
-    </p:bldLst>
-  </p:timing>
 </p:sld>
 </file>
 
@@ -17162,7 +18170,7 @@
           <a:p>
             <a:fld id="{6F7AC461-7DEB-4575-B8CD-FDEB0FD499FF}" type="datetime1">
               <a:rPr lang="en-GB" smtClean="0"/>
-              <a:t>20/11/2023</a:t>
+              <a:t>21/11/2023</a:t>
             </a:fld>
             <a:r>
               <a:rPr lang="en-GB"/>
@@ -17426,7 +18434,7 @@
           <a:p>
             <a:fld id="{5AFA7466-6441-46BB-9F12-E2CABB750CFD}" type="datetime1">
               <a:rPr lang="en-GB" smtClean="0"/>
-              <a:t>20/11/2023</a:t>
+              <a:t>21/11/2023</a:t>
             </a:fld>
             <a:r>
               <a:rPr lang="en-GB"/>
@@ -17571,7 +18579,7 @@
           <a:p>
             <a:fld id="{638DA670-DA22-4F3D-8A0F-EFE97634B4C8}" type="datetime1">
               <a:rPr lang="en-GB" smtClean="0"/>
-              <a:t>20/11/2023</a:t>
+              <a:t>21/11/2023</a:t>
             </a:fld>
             <a:r>
               <a:rPr lang="en-GB" dirty="0"/>
@@ -17860,7 +18868,7 @@
           <a:p>
             <a:fld id="{2C36074D-32E4-4605-9743-462993968EA3}" type="datetime1">
               <a:rPr lang="en-GB" smtClean="0"/>
-              <a:t>20/11/2023</a:t>
+              <a:t>21/11/2023</a:t>
             </a:fld>
             <a:r>
               <a:rPr lang="en-GB"/>

--- a/02_files/02 controlflow.pptx
+++ b/02_files/02 controlflow.pptx
@@ -24,8 +24,8 @@
     <p:sldId id="289" r:id="rId12"/>
     <p:sldId id="290" r:id="rId13"/>
     <p:sldId id="291" r:id="rId14"/>
-    <p:sldId id="292" r:id="rId15"/>
-    <p:sldId id="280" r:id="rId16"/>
+    <p:sldId id="280" r:id="rId15"/>
+    <p:sldId id="292" r:id="rId16"/>
     <p:sldId id="293" r:id="rId17"/>
     <p:sldId id="296" r:id="rId18"/>
     <p:sldId id="295" r:id="rId19"/>
@@ -10337,7 +10337,7 @@
         <p:spPr>
           <a:xfrm>
             <a:off x="6987496" y="2204864"/>
-            <a:ext cx="4895727" cy="4268861"/>
+            <a:ext cx="4895727" cy="4034951"/>
           </a:xfrm>
           <a:prstGeom prst="rect">
             <a:avLst/>
@@ -10378,113 +10378,6 @@
               <a:rPr lang="en-US" sz="1600" dirty="0">
                 <a:latin typeface="Lucida Console" panose="020B0609040504020204" pitchFamily="49" charset="0"/>
               </a:rPr>
-              <a:t>  switch(type,</a:t>
-            </a:r>
-          </a:p>
-          <a:p>
-            <a:pPr>
-              <a:lnSpc>
-                <a:spcPct val="95000"/>
-              </a:lnSpc>
-            </a:pPr>
-            <a:r>
-              <a:rPr lang="en-US" sz="1600" dirty="0">
-                <a:latin typeface="Lucida Console" panose="020B0609040504020204" pitchFamily="49" charset="0"/>
-              </a:rPr>
-              <a:t>         mean = mean(x),</a:t>
-            </a:r>
-          </a:p>
-          <a:p>
-            <a:pPr>
-              <a:lnSpc>
-                <a:spcPct val="95000"/>
-              </a:lnSpc>
-            </a:pPr>
-            <a:r>
-              <a:rPr lang="en-US" sz="1600" dirty="0">
-                <a:latin typeface="Lucida Console" panose="020B0609040504020204" pitchFamily="49" charset="0"/>
-              </a:rPr>
-              <a:t>         median = median(x),</a:t>
-            </a:r>
-          </a:p>
-          <a:p>
-            <a:pPr>
-              <a:lnSpc>
-                <a:spcPct val="95000"/>
-              </a:lnSpc>
-            </a:pPr>
-            <a:r>
-              <a:rPr lang="en-US" sz="1600" dirty="0">
-                <a:latin typeface="Lucida Console" panose="020B0609040504020204" pitchFamily="49" charset="0"/>
-              </a:rPr>
-              <a:t>         trimmed = mean(x, trim = .1))</a:t>
-            </a:r>
-          </a:p>
-          <a:p>
-            <a:pPr>
-              <a:lnSpc>
-                <a:spcPct val="95000"/>
-              </a:lnSpc>
-            </a:pPr>
-            <a:r>
-              <a:rPr lang="en-US" sz="1600" dirty="0">
-                <a:latin typeface="Lucida Console" panose="020B0609040504020204" pitchFamily="49" charset="0"/>
-              </a:rPr>
-              <a:t>}</a:t>
-            </a:r>
-          </a:p>
-          <a:p>
-            <a:pPr>
-              <a:lnSpc>
-                <a:spcPct val="95000"/>
-              </a:lnSpc>
-            </a:pPr>
-            <a:endParaRPr lang="en-US" sz="1600" dirty="0">
-              <a:latin typeface="Lucida Console" panose="020B0609040504020204" pitchFamily="49" charset="0"/>
-            </a:endParaRPr>
-          </a:p>
-          <a:p>
-            <a:pPr>
-              <a:lnSpc>
-                <a:spcPct val="95000"/>
-              </a:lnSpc>
-            </a:pPr>
-            <a:r>
-              <a:rPr lang="en-US" sz="2000" dirty="0">
-                <a:latin typeface="+mj-lt"/>
-              </a:rPr>
-              <a:t>Is the same as:</a:t>
-            </a:r>
-          </a:p>
-          <a:p>
-            <a:pPr>
-              <a:lnSpc>
-                <a:spcPct val="95000"/>
-              </a:lnSpc>
-            </a:pPr>
-            <a:r>
-              <a:rPr lang="en-US" sz="1600" dirty="0" err="1">
-                <a:latin typeface="Lucida Console" panose="020B0609040504020204" pitchFamily="49" charset="0"/>
-              </a:rPr>
-              <a:t>centre</a:t>
-            </a:r>
-            <a:r>
-              <a:rPr lang="en-US" sz="1600" dirty="0">
-                <a:latin typeface="Lucida Console" panose="020B0609040504020204" pitchFamily="49" charset="0"/>
-              </a:rPr>
-              <a:t> = function(x, type) {</a:t>
-            </a:r>
-          </a:p>
-          <a:p>
-            <a:pPr>
-              <a:lnSpc>
-                <a:spcPct val="95000"/>
-              </a:lnSpc>
-            </a:pPr>
-            <a:r>
-              <a:rPr lang="en-US" sz="1600" dirty="0">
-                <a:latin typeface="Lucida Console" panose="020B0609040504020204" pitchFamily="49" charset="0"/>
-              </a:rPr>
               <a:t>  if (type == "mean") {</a:t>
             </a:r>
           </a:p>
@@ -10588,6 +10481,104 @@
             <a:endParaRPr lang="da-DK" sz="1600" dirty="0">
               <a:latin typeface="Lucida Console" panose="020B0609040504020204" pitchFamily="49" charset="0"/>
             </a:endParaRPr>
+          </a:p>
+          <a:p>
+            <a:pPr>
+              <a:lnSpc>
+                <a:spcPct val="95000"/>
+              </a:lnSpc>
+            </a:pPr>
+            <a:r>
+              <a:rPr lang="en-US" sz="2000" dirty="0"/>
+              <a:t>Is the same as:</a:t>
+            </a:r>
+            <a:endParaRPr lang="da-DK" sz="2000" dirty="0">
+              <a:latin typeface="Lucida Console" panose="020B0609040504020204" pitchFamily="49" charset="0"/>
+            </a:endParaRPr>
+          </a:p>
+          <a:p>
+            <a:pPr>
+              <a:lnSpc>
+                <a:spcPct val="95000"/>
+              </a:lnSpc>
+            </a:pPr>
+            <a:r>
+              <a:rPr lang="en-US" sz="1600" dirty="0" err="1">
+                <a:latin typeface="Lucida Console" panose="020B0609040504020204" pitchFamily="49" charset="0"/>
+              </a:rPr>
+              <a:t>centre</a:t>
+            </a:r>
+            <a:r>
+              <a:rPr lang="en-US" sz="1600" dirty="0">
+                <a:latin typeface="Lucida Console" panose="020B0609040504020204" pitchFamily="49" charset="0"/>
+              </a:rPr>
+              <a:t> = function(x, type) {</a:t>
+            </a:r>
+          </a:p>
+          <a:p>
+            <a:pPr>
+              <a:lnSpc>
+                <a:spcPct val="95000"/>
+              </a:lnSpc>
+            </a:pPr>
+            <a:r>
+              <a:rPr lang="en-US" sz="1600" dirty="0">
+                <a:latin typeface="Lucida Console" panose="020B0609040504020204" pitchFamily="49" charset="0"/>
+              </a:rPr>
+              <a:t>  switch(type,</a:t>
+            </a:r>
+          </a:p>
+          <a:p>
+            <a:pPr>
+              <a:lnSpc>
+                <a:spcPct val="95000"/>
+              </a:lnSpc>
+            </a:pPr>
+            <a:r>
+              <a:rPr lang="en-US" sz="1600" dirty="0">
+                <a:latin typeface="Lucida Console" panose="020B0609040504020204" pitchFamily="49" charset="0"/>
+              </a:rPr>
+              <a:t>         mean = mean(x),</a:t>
+            </a:r>
+          </a:p>
+          <a:p>
+            <a:pPr>
+              <a:lnSpc>
+                <a:spcPct val="95000"/>
+              </a:lnSpc>
+            </a:pPr>
+            <a:r>
+              <a:rPr lang="en-US" sz="1600" dirty="0">
+                <a:latin typeface="Lucida Console" panose="020B0609040504020204" pitchFamily="49" charset="0"/>
+              </a:rPr>
+              <a:t>         median = median(x),</a:t>
+            </a:r>
+          </a:p>
+          <a:p>
+            <a:pPr>
+              <a:lnSpc>
+                <a:spcPct val="95000"/>
+              </a:lnSpc>
+            </a:pPr>
+            <a:r>
+              <a:rPr lang="en-US" sz="1600" dirty="0">
+                <a:latin typeface="Lucida Console" panose="020B0609040504020204" pitchFamily="49" charset="0"/>
+              </a:rPr>
+              <a:t>         trimmed = mean(x, trim = .1))</a:t>
+            </a:r>
+          </a:p>
+          <a:p>
+            <a:pPr>
+              <a:lnSpc>
+                <a:spcPct val="95000"/>
+              </a:lnSpc>
+            </a:pPr>
+            <a:r>
+              <a:rPr lang="en-US" sz="1600" dirty="0">
+                <a:latin typeface="Lucida Console" panose="020B0609040504020204" pitchFamily="49" charset="0"/>
+              </a:rPr>
+              <a:t>}</a:t>
+            </a:r>
           </a:p>
         </p:txBody>
       </p:sp>
@@ -10842,7 +10833,15 @@
               <a:rPr lang="en-US" sz="1600" dirty="0">
                 <a:latin typeface="Lucida Console" panose="020B0609040504020204" pitchFamily="49" charset="0"/>
               </a:rPr>
-              <a:t>    print(10/</a:t>
+              <a:t>  }</a:t>
+            </a:r>
+          </a:p>
+          <a:p>
+            <a:r>
+              <a:rPr lang="en-US" sz="1600" dirty="0">
+                <a:latin typeface="Lucida Console" panose="020B0609040504020204" pitchFamily="49" charset="0"/>
+              </a:rPr>
+              <a:t>  print(10/</a:t>
             </a:r>
             <a:r>
               <a:rPr lang="en-US" sz="1600" dirty="0" err="1">
@@ -10855,14 +10854,6 @@
                 <a:latin typeface="Lucida Console" panose="020B0609040504020204" pitchFamily="49" charset="0"/>
               </a:rPr>
               <a:t>)</a:t>
-            </a:r>
-          </a:p>
-          <a:p>
-            <a:r>
-              <a:rPr lang="en-US" sz="1600" dirty="0">
-                <a:latin typeface="Lucida Console" panose="020B0609040504020204" pitchFamily="49" charset="0"/>
-              </a:rPr>
-              <a:t>  }</a:t>
             </a:r>
           </a:p>
           <a:p>
@@ -10936,7 +10927,15 @@
               <a:rPr lang="en-US" sz="1600" dirty="0">
                 <a:latin typeface="Lucida Console" panose="020B0609040504020204" pitchFamily="49" charset="0"/>
               </a:rPr>
-              <a:t>    print(10/</a:t>
+              <a:t>  }</a:t>
+            </a:r>
+          </a:p>
+          <a:p>
+            <a:r>
+              <a:rPr lang="en-US" sz="1600" dirty="0">
+                <a:latin typeface="Lucida Console" panose="020B0609040504020204" pitchFamily="49" charset="0"/>
+              </a:rPr>
+              <a:t>  print(10/</a:t>
             </a:r>
             <a:r>
               <a:rPr lang="en-US" sz="1600" dirty="0" err="1">
@@ -10949,14 +10948,6 @@
                 <a:latin typeface="Lucida Console" panose="020B0609040504020204" pitchFamily="49" charset="0"/>
               </a:rPr>
               <a:t>)</a:t>
-            </a:r>
-          </a:p>
-          <a:p>
-            <a:r>
-              <a:rPr lang="en-US" sz="1600" dirty="0">
-                <a:latin typeface="Lucida Console" panose="020B0609040504020204" pitchFamily="49" charset="0"/>
-              </a:rPr>
-              <a:t>  }</a:t>
             </a:r>
           </a:p>
           <a:p>
@@ -11359,7 +11350,7 @@
             </a:pPr>
             <a:r>
               <a:rPr lang="en-US" dirty="0"/>
-              <a:t>The break statement is used to prematurely exit a loop:</a:t>
+              <a:t>The stop statement is used to alert the user about an error:</a:t>
             </a:r>
           </a:p>
           <a:p>
@@ -11423,11 +11414,25 @@
             </a:r>
           </a:p>
           <a:p>
+            <a:pPr>
+              <a:buNone/>
+            </a:pPr>
             <a:r>
               <a:rPr lang="en-US" sz="1600" dirty="0">
                 <a:latin typeface="Lucida Console" panose="020B0609040504020204" pitchFamily="49" charset="0"/>
               </a:rPr>
-              <a:t>    print(10/</a:t>
+              <a:t>  }</a:t>
+            </a:r>
+          </a:p>
+          <a:p>
+            <a:pPr>
+              <a:buNone/>
+            </a:pPr>
+            <a:r>
+              <a:rPr lang="en-US" sz="1600" dirty="0">
+                <a:latin typeface="Lucida Console" panose="020B0609040504020204" pitchFamily="49" charset="0"/>
+              </a:rPr>
+              <a:t>  print(10/</a:t>
             </a:r>
             <a:r>
               <a:rPr lang="en-US" sz="1600" dirty="0" err="1">
@@ -11440,14 +11445,6 @@
                 <a:latin typeface="Lucida Console" panose="020B0609040504020204" pitchFamily="49" charset="0"/>
               </a:rPr>
               <a:t>)</a:t>
-            </a:r>
-          </a:p>
-          <a:p>
-            <a:r>
-              <a:rPr lang="en-US" sz="1600" dirty="0">
-                <a:latin typeface="Lucida Console" panose="020B0609040504020204" pitchFamily="49" charset="0"/>
-              </a:rPr>
-              <a:t>  }</a:t>
             </a:r>
           </a:p>
           <a:p>
@@ -11771,7 +11768,7 @@
           <p:cNvPr id="2" name="Title 1">
             <a:extLst>
               <a:ext uri="{FF2B5EF4-FFF2-40B4-BE49-F238E27FC236}">
-                <a16:creationId xmlns:a16="http://schemas.microsoft.com/office/drawing/2014/main" id="{8198E2B0-6F49-F1DF-2E4D-7A469B1D2E3C}"/>
+                <a16:creationId xmlns:a16="http://schemas.microsoft.com/office/drawing/2014/main" id="{CB1DDA07-408A-104A-E3C9-3F0B4F4DC692}"/>
               </a:ext>
             </a:extLst>
           </p:cNvPr>
@@ -11789,7 +11786,7 @@
           <a:p>
             <a:r>
               <a:rPr lang="en-US" dirty="0"/>
-              <a:t>Group task – writing functions</a:t>
+              <a:t>Debugging</a:t>
             </a:r>
             <a:endParaRPr lang="da-DK" dirty="0"/>
           </a:p>
@@ -11800,7 +11797,7 @@
           <p:cNvPr id="3" name="Content Placeholder 2">
             <a:extLst>
               <a:ext uri="{FF2B5EF4-FFF2-40B4-BE49-F238E27FC236}">
-                <a16:creationId xmlns:a16="http://schemas.microsoft.com/office/drawing/2014/main" id="{6827349D-830F-544B-A011-0E4FA55E96B4}"/>
+                <a16:creationId xmlns:a16="http://schemas.microsoft.com/office/drawing/2014/main" id="{27BBE1F7-0BA2-402E-BBB9-A54CF1A156B7}"/>
               </a:ext>
             </a:extLst>
           </p:cNvPr>
@@ -11811,26 +11808,27 @@
             <p:ph idx="1"/>
           </p:nvPr>
         </p:nvSpPr>
-        <p:spPr>
-          <a:xfrm>
-            <a:off x="985838" y="1373021"/>
-            <a:ext cx="9789093" cy="752101"/>
-          </a:xfrm>
-        </p:spPr>
+        <p:spPr/>
         <p:txBody>
           <a:bodyPr/>
           <a:lstStyle/>
           <a:p>
             <a:r>
               <a:rPr lang="en-US" dirty="0"/>
-              <a:t>1) open ./MOMAR/02_files/02_functions_part2.R</a:t>
-            </a:r>
+              <a:t>What do you do when you get errors?</a:t>
+            </a:r>
+          </a:p>
+          <a:p>
+            <a:endParaRPr lang="en-US" dirty="0"/>
           </a:p>
           <a:p>
             <a:r>
               <a:rPr lang="en-US" dirty="0"/>
-              <a:t>2) in small groups, try to write the body of the indicated functions</a:t>
-            </a:r>
+              <a:t>02_files/02_debug.R</a:t>
+            </a:r>
+          </a:p>
+          <a:p>
+            <a:endParaRPr lang="en-US" dirty="0"/>
           </a:p>
           <a:p>
             <a:endParaRPr lang="en-US" dirty="0"/>
@@ -11845,7 +11843,7 @@
           <p:cNvPr id="4" name="Date Placeholder 3">
             <a:extLst>
               <a:ext uri="{FF2B5EF4-FFF2-40B4-BE49-F238E27FC236}">
-                <a16:creationId xmlns:a16="http://schemas.microsoft.com/office/drawing/2014/main" id="{66C4E607-BB75-0880-0065-F2F146B772D0}"/>
+                <a16:creationId xmlns:a16="http://schemas.microsoft.com/office/drawing/2014/main" id="{204954D6-38EE-F000-60EE-A9CBA1784614}"/>
               </a:ext>
             </a:extLst>
           </p:cNvPr>
@@ -11861,441 +11859,22 @@
           <a:bodyPr/>
           <a:lstStyle/>
           <a:p>
-            <a:fld id="{638DA670-DA22-4F3D-8A0F-EFE97634B4C8}" type="datetime1">
+            <a:fld id="{FB1A12EF-4D31-47C4-8B07-E3C83309B782}" type="datetime1">
               <a:rPr lang="en-GB" smtClean="0"/>
               <a:t>21/11/2023</a:t>
             </a:fld>
             <a:r>
-              <a:rPr lang="en-GB" dirty="0"/>
+              <a:rPr lang="en-GB"/>
               <a:t>07/11/2023</a:t>
             </a:r>
-          </a:p>
-        </p:txBody>
-      </p:sp>
-      <p:sp>
-        <p:nvSpPr>
-          <p:cNvPr id="5" name="Content Placeholder 2">
-            <a:extLst>
-              <a:ext uri="{FF2B5EF4-FFF2-40B4-BE49-F238E27FC236}">
-                <a16:creationId xmlns:a16="http://schemas.microsoft.com/office/drawing/2014/main" id="{9249ED41-AEA4-06B1-E8DB-6D1DEA1AA277}"/>
-              </a:ext>
-            </a:extLst>
-          </p:cNvPr>
-          <p:cNvSpPr txBox="1">
-            <a:spLocks/>
-          </p:cNvSpPr>
-          <p:nvPr/>
-        </p:nvSpPr>
-        <p:spPr bwMode="auto">
-          <a:xfrm>
-            <a:off x="985839" y="2348880"/>
-            <a:ext cx="10581578" cy="3744416"/>
-          </a:xfrm>
-          <a:prstGeom prst="rect">
-            <a:avLst/>
-          </a:prstGeom>
-          <a:noFill/>
-          <a:ln w="9525">
-            <a:noFill/>
-            <a:miter lim="800000"/>
-            <a:headEnd/>
-            <a:tailEnd/>
-          </a:ln>
-        </p:spPr>
-        <p:txBody>
-          <a:bodyPr vert="horz" wrap="square" lIns="0" tIns="0" rIns="0" bIns="0" numCol="1" anchor="t" anchorCtr="0" compatLnSpc="1">
-            <a:prstTxWarp prst="textNoShape">
-              <a:avLst/>
-            </a:prstTxWarp>
-          </a:bodyPr>
-          <a:lstStyle>
-            <a:lvl1pPr marL="0" indent="0" algn="l" rtl="0" eaLnBrk="1" fontAlgn="base" hangingPunct="1">
-              <a:lnSpc>
-                <a:spcPct val="99000"/>
-              </a:lnSpc>
-              <a:spcBef>
-                <a:spcPts val="600"/>
-              </a:spcBef>
-              <a:spcAft>
-                <a:spcPct val="0"/>
-              </a:spcAft>
-              <a:buClr>
-                <a:schemeClr val="tx1"/>
-              </a:buClr>
-              <a:buSzPct val="100000"/>
-              <a:buFont typeface="Calibri" panose="020F0502020204030204" pitchFamily="34" charset="0"/>
-              <a:buChar char="​"/>
-              <a:defRPr sz="2000" b="0">
-                <a:solidFill>
-                  <a:schemeClr val="tx1"/>
-                </a:solidFill>
-                <a:latin typeface="+mn-lt"/>
-                <a:ea typeface="+mn-ea"/>
-                <a:cs typeface="+mn-cs"/>
-              </a:defRPr>
-            </a:lvl1pPr>
-            <a:lvl2pPr marL="432000" indent="-180000" algn="l" rtl="0" eaLnBrk="1" fontAlgn="base" hangingPunct="1">
-              <a:lnSpc>
-                <a:spcPct val="99000"/>
-              </a:lnSpc>
-              <a:spcBef>
-                <a:spcPts val="600"/>
-              </a:spcBef>
-              <a:spcAft>
-                <a:spcPct val="0"/>
-              </a:spcAft>
-              <a:buClr>
-                <a:schemeClr val="tx1"/>
-              </a:buClr>
-              <a:buSzPct val="100000"/>
-              <a:buFont typeface="Arial" panose="020B0604020202020204" pitchFamily="34" charset="0"/>
-              <a:buChar char="•"/>
-              <a:defRPr sz="2000">
-                <a:solidFill>
-                  <a:schemeClr val="tx1"/>
-                </a:solidFill>
-                <a:latin typeface="+mn-lt"/>
-              </a:defRPr>
-            </a:lvl2pPr>
-            <a:lvl3pPr marL="756000" indent="-180000" algn="l" rtl="0" eaLnBrk="1" fontAlgn="base" hangingPunct="1">
-              <a:lnSpc>
-                <a:spcPct val="99000"/>
-              </a:lnSpc>
-              <a:spcBef>
-                <a:spcPts val="600"/>
-              </a:spcBef>
-              <a:spcAft>
-                <a:spcPct val="0"/>
-              </a:spcAft>
-              <a:buClr>
-                <a:schemeClr val="tx1"/>
-              </a:buClr>
-              <a:buSzPct val="100000"/>
-              <a:buFont typeface="Arial" panose="020B0604020202020204" pitchFamily="34" charset="0"/>
-              <a:buChar char="•"/>
-              <a:defRPr sz="2000">
-                <a:solidFill>
-                  <a:schemeClr val="tx1"/>
-                </a:solidFill>
-                <a:latin typeface="+mn-lt"/>
-              </a:defRPr>
-            </a:lvl3pPr>
-            <a:lvl4pPr marL="1152000" indent="-180000" algn="l" rtl="0" eaLnBrk="1" fontAlgn="base" hangingPunct="1">
-              <a:lnSpc>
-                <a:spcPct val="99000"/>
-              </a:lnSpc>
-              <a:spcBef>
-                <a:spcPts val="600"/>
-              </a:spcBef>
-              <a:spcAft>
-                <a:spcPct val="0"/>
-              </a:spcAft>
-              <a:buClr>
-                <a:schemeClr val="tx1"/>
-              </a:buClr>
-              <a:buSzPct val="100000"/>
-              <a:buFont typeface="Arial" panose="020B0604020202020204" pitchFamily="34" charset="0"/>
-              <a:buChar char="•"/>
-              <a:defRPr sz="2000">
-                <a:solidFill>
-                  <a:schemeClr val="tx1"/>
-                </a:solidFill>
-                <a:latin typeface="+mn-lt"/>
-              </a:defRPr>
-            </a:lvl4pPr>
-            <a:lvl5pPr marL="1512000" indent="-180000" algn="l" rtl="0" eaLnBrk="1" fontAlgn="base" hangingPunct="1">
-              <a:lnSpc>
-                <a:spcPct val="99000"/>
-              </a:lnSpc>
-              <a:spcBef>
-                <a:spcPts val="600"/>
-              </a:spcBef>
-              <a:spcAft>
-                <a:spcPct val="0"/>
-              </a:spcAft>
-              <a:buClr>
-                <a:schemeClr val="tx1"/>
-              </a:buClr>
-              <a:buSzPct val="100000"/>
-              <a:buFont typeface="Arial" panose="020B0604020202020204" pitchFamily="34" charset="0"/>
-              <a:buChar char="•"/>
-              <a:defRPr sz="2000">
-                <a:solidFill>
-                  <a:schemeClr val="tx1"/>
-                </a:solidFill>
-                <a:latin typeface="+mn-lt"/>
-              </a:defRPr>
-            </a:lvl5pPr>
-            <a:lvl6pPr marL="1836000" indent="-180000" algn="l" rtl="0" eaLnBrk="1" fontAlgn="base" hangingPunct="1">
-              <a:lnSpc>
-                <a:spcPct val="99000"/>
-              </a:lnSpc>
-              <a:spcBef>
-                <a:spcPts val="600"/>
-              </a:spcBef>
-              <a:spcAft>
-                <a:spcPct val="0"/>
-              </a:spcAft>
-              <a:buClr>
-                <a:schemeClr val="tx1"/>
-              </a:buClr>
-              <a:buFont typeface="Arial" panose="020B0604020202020204" pitchFamily="34" charset="0"/>
-              <a:buChar char="•"/>
-              <a:defRPr sz="2000">
-                <a:solidFill>
-                  <a:schemeClr val="tx1"/>
-                </a:solidFill>
-                <a:latin typeface="+mn-lt"/>
-              </a:defRPr>
-            </a:lvl6pPr>
-            <a:lvl7pPr marL="1836000" indent="-180000" algn="l" rtl="0" eaLnBrk="1" fontAlgn="base" hangingPunct="1">
-              <a:lnSpc>
-                <a:spcPct val="99000"/>
-              </a:lnSpc>
-              <a:spcBef>
-                <a:spcPts val="600"/>
-              </a:spcBef>
-              <a:spcAft>
-                <a:spcPct val="0"/>
-              </a:spcAft>
-              <a:buClr>
-                <a:schemeClr val="tx1"/>
-              </a:buClr>
-              <a:buFont typeface="Arial" panose="020B0604020202020204" pitchFamily="34" charset="0"/>
-              <a:buChar char="•"/>
-              <a:defRPr sz="2000">
-                <a:solidFill>
-                  <a:schemeClr val="tx1"/>
-                </a:solidFill>
-                <a:latin typeface="+mn-lt"/>
-              </a:defRPr>
-            </a:lvl7pPr>
-            <a:lvl8pPr marL="1836000" indent="-180000" algn="l" rtl="0" eaLnBrk="1" fontAlgn="base" hangingPunct="1">
-              <a:lnSpc>
-                <a:spcPct val="99000"/>
-              </a:lnSpc>
-              <a:spcBef>
-                <a:spcPts val="600"/>
-              </a:spcBef>
-              <a:spcAft>
-                <a:spcPct val="0"/>
-              </a:spcAft>
-              <a:buClr>
-                <a:schemeClr val="tx1"/>
-              </a:buClr>
-              <a:buFont typeface="Arial" panose="020B0604020202020204" pitchFamily="34" charset="0"/>
-              <a:buChar char="•"/>
-              <a:defRPr sz="2000">
-                <a:solidFill>
-                  <a:schemeClr val="tx1"/>
-                </a:solidFill>
-                <a:latin typeface="+mn-lt"/>
-              </a:defRPr>
-            </a:lvl8pPr>
-            <a:lvl9pPr marL="1836000" indent="-180000" algn="l" rtl="0" eaLnBrk="1" fontAlgn="base" hangingPunct="1">
-              <a:lnSpc>
-                <a:spcPct val="99000"/>
-              </a:lnSpc>
-              <a:spcBef>
-                <a:spcPts val="600"/>
-              </a:spcBef>
-              <a:spcAft>
-                <a:spcPct val="0"/>
-              </a:spcAft>
-              <a:buClr>
-                <a:schemeClr val="tx1"/>
-              </a:buClr>
-              <a:buFont typeface="Arial" panose="020B0604020202020204" pitchFamily="34" charset="0"/>
-              <a:buChar char="•"/>
-              <a:defRPr sz="2000">
-                <a:solidFill>
-                  <a:schemeClr val="tx1"/>
-                </a:solidFill>
-                <a:latin typeface="+mn-lt"/>
-              </a:defRPr>
-            </a:lvl9pPr>
-          </a:lstStyle>
-          <a:p>
-            <a:r>
-              <a:rPr lang="en-US" sz="1200" kern="0" dirty="0">
-                <a:latin typeface="Lucida Console" panose="020B0609040504020204" pitchFamily="49" charset="0"/>
-              </a:rPr>
-              <a:t>if: Conditional statement for decision-making in code.</a:t>
-            </a:r>
-          </a:p>
-          <a:p>
-            <a:r>
-              <a:rPr lang="en-US" sz="1200" kern="0" dirty="0">
-                <a:latin typeface="Lucida Console" panose="020B0609040504020204" pitchFamily="49" charset="0"/>
-              </a:rPr>
-              <a:t>Example: if (condition) { code }</a:t>
-            </a:r>
-          </a:p>
-          <a:p>
-            <a:endParaRPr lang="en-US" sz="1200" kern="0" dirty="0">
-              <a:latin typeface="Lucida Console" panose="020B0609040504020204" pitchFamily="49" charset="0"/>
-            </a:endParaRPr>
-          </a:p>
-          <a:p>
-            <a:r>
-              <a:rPr lang="en-US" sz="1200" kern="0" dirty="0">
-                <a:latin typeface="Lucida Console" panose="020B0609040504020204" pitchFamily="49" charset="0"/>
-              </a:rPr>
-              <a:t>else: Alternative code block for false condition in an if statement.</a:t>
-            </a:r>
-          </a:p>
-          <a:p>
-            <a:r>
-              <a:rPr lang="en-US" sz="1200" kern="0" dirty="0">
-                <a:latin typeface="Lucida Console" panose="020B0609040504020204" pitchFamily="49" charset="0"/>
-              </a:rPr>
-              <a:t>Example: if (condition) { code } else { </a:t>
-            </a:r>
-            <a:r>
-              <a:rPr lang="en-US" sz="1200" kern="0" dirty="0" err="1">
-                <a:latin typeface="Lucida Console" panose="020B0609040504020204" pitchFamily="49" charset="0"/>
-              </a:rPr>
-              <a:t>alternative_code</a:t>
-            </a:r>
-            <a:r>
-              <a:rPr lang="en-US" sz="1200" kern="0" dirty="0">
-                <a:latin typeface="Lucida Console" panose="020B0609040504020204" pitchFamily="49" charset="0"/>
-              </a:rPr>
-              <a:t> }</a:t>
-            </a:r>
-          </a:p>
-          <a:p>
-            <a:endParaRPr lang="en-US" sz="1200" kern="0" dirty="0">
-              <a:latin typeface="Lucida Console" panose="020B0609040504020204" pitchFamily="49" charset="0"/>
-            </a:endParaRPr>
-          </a:p>
-          <a:p>
-            <a:r>
-              <a:rPr lang="en-US" sz="1200" kern="0" dirty="0">
-                <a:latin typeface="Lucida Console" panose="020B0609040504020204" pitchFamily="49" charset="0"/>
-              </a:rPr>
-              <a:t>break: Exit a loop prematurely, terminating its execution.</a:t>
-            </a:r>
-          </a:p>
-          <a:p>
-            <a:r>
-              <a:rPr lang="en-US" sz="1200" kern="0" dirty="0">
-                <a:latin typeface="Lucida Console" panose="020B0609040504020204" pitchFamily="49" charset="0"/>
-              </a:rPr>
-              <a:t>Example: for (</a:t>
-            </a:r>
-            <a:r>
-              <a:rPr lang="en-US" sz="1200" kern="0" dirty="0" err="1">
-                <a:latin typeface="Lucida Console" panose="020B0609040504020204" pitchFamily="49" charset="0"/>
-              </a:rPr>
-              <a:t>i</a:t>
-            </a:r>
-            <a:r>
-              <a:rPr lang="en-US" sz="1200" kern="0" dirty="0">
-                <a:latin typeface="Lucida Console" panose="020B0609040504020204" pitchFamily="49" charset="0"/>
-              </a:rPr>
-              <a:t> in 1:10) { if (</a:t>
-            </a:r>
-            <a:r>
-              <a:rPr lang="en-US" sz="1200" kern="0" dirty="0" err="1">
-                <a:latin typeface="Lucida Console" panose="020B0609040504020204" pitchFamily="49" charset="0"/>
-              </a:rPr>
-              <a:t>i</a:t>
-            </a:r>
-            <a:r>
-              <a:rPr lang="en-US" sz="1200" kern="0" dirty="0">
-                <a:latin typeface="Lucida Console" panose="020B0609040504020204" pitchFamily="49" charset="0"/>
-              </a:rPr>
-              <a:t> == 5) { break } }</a:t>
-            </a:r>
-          </a:p>
-          <a:p>
-            <a:endParaRPr lang="en-US" sz="1200" kern="0" dirty="0">
-              <a:latin typeface="Lucida Console" panose="020B0609040504020204" pitchFamily="49" charset="0"/>
-            </a:endParaRPr>
-          </a:p>
-          <a:p>
-            <a:r>
-              <a:rPr lang="en-US" sz="1200" kern="0" dirty="0">
-                <a:latin typeface="Lucida Console" panose="020B0609040504020204" pitchFamily="49" charset="0"/>
-              </a:rPr>
-              <a:t>next: Skip the rest of the current iteration in a loop.</a:t>
-            </a:r>
-          </a:p>
-          <a:p>
-            <a:r>
-              <a:rPr lang="en-US" sz="1200" kern="0" dirty="0">
-                <a:latin typeface="Lucida Console" panose="020B0609040504020204" pitchFamily="49" charset="0"/>
-              </a:rPr>
-              <a:t>Example: for (</a:t>
-            </a:r>
-            <a:r>
-              <a:rPr lang="en-US" sz="1200" kern="0" dirty="0" err="1">
-                <a:latin typeface="Lucida Console" panose="020B0609040504020204" pitchFamily="49" charset="0"/>
-              </a:rPr>
-              <a:t>i</a:t>
-            </a:r>
-            <a:r>
-              <a:rPr lang="en-US" sz="1200" kern="0" dirty="0">
-                <a:latin typeface="Lucida Console" panose="020B0609040504020204" pitchFamily="49" charset="0"/>
-              </a:rPr>
-              <a:t> in 1:10) { if (</a:t>
-            </a:r>
-            <a:r>
-              <a:rPr lang="en-US" sz="1200" kern="0" dirty="0" err="1">
-                <a:latin typeface="Lucida Console" panose="020B0609040504020204" pitchFamily="49" charset="0"/>
-              </a:rPr>
-              <a:t>i</a:t>
-            </a:r>
-            <a:r>
-              <a:rPr lang="en-US" sz="1200" kern="0" dirty="0">
-                <a:latin typeface="Lucida Console" panose="020B0609040504020204" pitchFamily="49" charset="0"/>
-              </a:rPr>
-              <a:t> == 0) { next } }</a:t>
-            </a:r>
-          </a:p>
-          <a:p>
-            <a:endParaRPr lang="en-US" sz="1200" kern="0" dirty="0">
-              <a:latin typeface="Lucida Console" panose="020B0609040504020204" pitchFamily="49" charset="0"/>
-            </a:endParaRPr>
-          </a:p>
-          <a:p>
-            <a:r>
-              <a:rPr lang="en-US" sz="1200" kern="0" dirty="0">
-                <a:latin typeface="Lucida Console" panose="020B0609040504020204" pitchFamily="49" charset="0"/>
-              </a:rPr>
-              <a:t>stop: Halt function execution, generating an error message.</a:t>
-            </a:r>
-          </a:p>
-          <a:p>
-            <a:r>
-              <a:rPr lang="en-US" sz="1200" kern="0" dirty="0">
-                <a:latin typeface="Lucida Console" panose="020B0609040504020204" pitchFamily="49" charset="0"/>
-              </a:rPr>
-              <a:t>Example: if (</a:t>
-            </a:r>
-            <a:r>
-              <a:rPr lang="en-US" sz="1200" kern="0" dirty="0" err="1">
-                <a:latin typeface="Lucida Console" panose="020B0609040504020204" pitchFamily="49" charset="0"/>
-              </a:rPr>
-              <a:t>error_condition</a:t>
-            </a:r>
-            <a:r>
-              <a:rPr lang="en-US" sz="1200" kern="0" dirty="0">
-                <a:latin typeface="Lucida Console" panose="020B0609040504020204" pitchFamily="49" charset="0"/>
-              </a:rPr>
-              <a:t>) { stop("Error message.") }</a:t>
-            </a:r>
-            <a:endParaRPr lang="da-DK" sz="1200" kern="0" dirty="0">
-              <a:latin typeface="Lucida Console" panose="020B0609040504020204" pitchFamily="49" charset="0"/>
-            </a:endParaRPr>
+            <a:endParaRPr lang="en-GB" dirty="0"/>
           </a:p>
         </p:txBody>
       </p:sp>
     </p:spTree>
     <p:extLst>
       <p:ext uri="{BB962C8B-B14F-4D97-AF65-F5344CB8AC3E}">
-        <p14:creationId xmlns:p14="http://schemas.microsoft.com/office/powerpoint/2010/main" val="2911838739"/>
+        <p14:creationId xmlns:p14="http://schemas.microsoft.com/office/powerpoint/2010/main" val="3815178459"/>
       </p:ext>
     </p:extLst>
   </p:cSld>
@@ -12327,7 +11906,7 @@
           <p:cNvPr id="2" name="Title 1">
             <a:extLst>
               <a:ext uri="{FF2B5EF4-FFF2-40B4-BE49-F238E27FC236}">
-                <a16:creationId xmlns:a16="http://schemas.microsoft.com/office/drawing/2014/main" id="{CB1DDA07-408A-104A-E3C9-3F0B4F4DC692}"/>
+                <a16:creationId xmlns:a16="http://schemas.microsoft.com/office/drawing/2014/main" id="{8198E2B0-6F49-F1DF-2E4D-7A469B1D2E3C}"/>
               </a:ext>
             </a:extLst>
           </p:cNvPr>
@@ -12345,7 +11924,7 @@
           <a:p>
             <a:r>
               <a:rPr lang="en-US" dirty="0"/>
-              <a:t>Debugging</a:t>
+              <a:t>Group task – writing functions</a:t>
             </a:r>
             <a:endParaRPr lang="da-DK" dirty="0"/>
           </a:p>
@@ -12356,7 +11935,7 @@
           <p:cNvPr id="3" name="Content Placeholder 2">
             <a:extLst>
               <a:ext uri="{FF2B5EF4-FFF2-40B4-BE49-F238E27FC236}">
-                <a16:creationId xmlns:a16="http://schemas.microsoft.com/office/drawing/2014/main" id="{27BBE1F7-0BA2-402E-BBB9-A54CF1A156B7}"/>
+                <a16:creationId xmlns:a16="http://schemas.microsoft.com/office/drawing/2014/main" id="{6827349D-830F-544B-A011-0E4FA55E96B4}"/>
               </a:ext>
             </a:extLst>
           </p:cNvPr>
@@ -12367,27 +11946,26 @@
             <p:ph idx="1"/>
           </p:nvPr>
         </p:nvSpPr>
-        <p:spPr/>
+        <p:spPr>
+          <a:xfrm>
+            <a:off x="985838" y="1373021"/>
+            <a:ext cx="9789093" cy="752101"/>
+          </a:xfrm>
+        </p:spPr>
         <p:txBody>
           <a:bodyPr/>
           <a:lstStyle/>
           <a:p>
             <a:r>
               <a:rPr lang="en-US" dirty="0"/>
-              <a:t>What do you do when you get errors?</a:t>
-            </a:r>
-          </a:p>
-          <a:p>
-            <a:endParaRPr lang="en-US" dirty="0"/>
+              <a:t>1) open ./MOMAR/02_files/02_functions_part2.R</a:t>
+            </a:r>
           </a:p>
           <a:p>
             <a:r>
               <a:rPr lang="en-US" dirty="0"/>
-              <a:t>02_files/02_debug.R</a:t>
-            </a:r>
-          </a:p>
-          <a:p>
-            <a:endParaRPr lang="en-US" dirty="0"/>
+              <a:t>2) in small groups, try to write the body of the indicated functions</a:t>
+            </a:r>
           </a:p>
           <a:p>
             <a:endParaRPr lang="en-US" dirty="0"/>
@@ -12402,7 +11980,7 @@
           <p:cNvPr id="4" name="Date Placeholder 3">
             <a:extLst>
               <a:ext uri="{FF2B5EF4-FFF2-40B4-BE49-F238E27FC236}">
-                <a16:creationId xmlns:a16="http://schemas.microsoft.com/office/drawing/2014/main" id="{204954D6-38EE-F000-60EE-A9CBA1784614}"/>
+                <a16:creationId xmlns:a16="http://schemas.microsoft.com/office/drawing/2014/main" id="{66C4E607-BB75-0880-0065-F2F146B772D0}"/>
               </a:ext>
             </a:extLst>
           </p:cNvPr>
@@ -12418,22 +11996,441 @@
           <a:bodyPr/>
           <a:lstStyle/>
           <a:p>
-            <a:fld id="{FB1A12EF-4D31-47C4-8B07-E3C83309B782}" type="datetime1">
+            <a:fld id="{638DA670-DA22-4F3D-8A0F-EFE97634B4C8}" type="datetime1">
               <a:rPr lang="en-GB" smtClean="0"/>
               <a:t>21/11/2023</a:t>
             </a:fld>
             <a:r>
-              <a:rPr lang="en-GB"/>
+              <a:rPr lang="en-GB" dirty="0"/>
               <a:t>07/11/2023</a:t>
             </a:r>
-            <a:endParaRPr lang="en-GB" dirty="0"/>
+          </a:p>
+        </p:txBody>
+      </p:sp>
+      <p:sp>
+        <p:nvSpPr>
+          <p:cNvPr id="5" name="Content Placeholder 2">
+            <a:extLst>
+              <a:ext uri="{FF2B5EF4-FFF2-40B4-BE49-F238E27FC236}">
+                <a16:creationId xmlns:a16="http://schemas.microsoft.com/office/drawing/2014/main" id="{9249ED41-AEA4-06B1-E8DB-6D1DEA1AA277}"/>
+              </a:ext>
+            </a:extLst>
+          </p:cNvPr>
+          <p:cNvSpPr txBox="1">
+            <a:spLocks/>
+          </p:cNvSpPr>
+          <p:nvPr/>
+        </p:nvSpPr>
+        <p:spPr bwMode="auto">
+          <a:xfrm>
+            <a:off x="985839" y="2348880"/>
+            <a:ext cx="10581578" cy="3744416"/>
+          </a:xfrm>
+          <a:prstGeom prst="rect">
+            <a:avLst/>
+          </a:prstGeom>
+          <a:noFill/>
+          <a:ln w="9525">
+            <a:noFill/>
+            <a:miter lim="800000"/>
+            <a:headEnd/>
+            <a:tailEnd/>
+          </a:ln>
+        </p:spPr>
+        <p:txBody>
+          <a:bodyPr vert="horz" wrap="square" lIns="0" tIns="0" rIns="0" bIns="0" numCol="1" anchor="t" anchorCtr="0" compatLnSpc="1">
+            <a:prstTxWarp prst="textNoShape">
+              <a:avLst/>
+            </a:prstTxWarp>
+          </a:bodyPr>
+          <a:lstStyle>
+            <a:lvl1pPr marL="0" indent="0" algn="l" rtl="0" eaLnBrk="1" fontAlgn="base" hangingPunct="1">
+              <a:lnSpc>
+                <a:spcPct val="99000"/>
+              </a:lnSpc>
+              <a:spcBef>
+                <a:spcPts val="600"/>
+              </a:spcBef>
+              <a:spcAft>
+                <a:spcPct val="0"/>
+              </a:spcAft>
+              <a:buClr>
+                <a:schemeClr val="tx1"/>
+              </a:buClr>
+              <a:buSzPct val="100000"/>
+              <a:buFont typeface="Calibri" panose="020F0502020204030204" pitchFamily="34" charset="0"/>
+              <a:buChar char="​"/>
+              <a:defRPr sz="2000" b="0">
+                <a:solidFill>
+                  <a:schemeClr val="tx1"/>
+                </a:solidFill>
+                <a:latin typeface="+mn-lt"/>
+                <a:ea typeface="+mn-ea"/>
+                <a:cs typeface="+mn-cs"/>
+              </a:defRPr>
+            </a:lvl1pPr>
+            <a:lvl2pPr marL="432000" indent="-180000" algn="l" rtl="0" eaLnBrk="1" fontAlgn="base" hangingPunct="1">
+              <a:lnSpc>
+                <a:spcPct val="99000"/>
+              </a:lnSpc>
+              <a:spcBef>
+                <a:spcPts val="600"/>
+              </a:spcBef>
+              <a:spcAft>
+                <a:spcPct val="0"/>
+              </a:spcAft>
+              <a:buClr>
+                <a:schemeClr val="tx1"/>
+              </a:buClr>
+              <a:buSzPct val="100000"/>
+              <a:buFont typeface="Arial" panose="020B0604020202020204" pitchFamily="34" charset="0"/>
+              <a:buChar char="•"/>
+              <a:defRPr sz="2000">
+                <a:solidFill>
+                  <a:schemeClr val="tx1"/>
+                </a:solidFill>
+                <a:latin typeface="+mn-lt"/>
+              </a:defRPr>
+            </a:lvl2pPr>
+            <a:lvl3pPr marL="756000" indent="-180000" algn="l" rtl="0" eaLnBrk="1" fontAlgn="base" hangingPunct="1">
+              <a:lnSpc>
+                <a:spcPct val="99000"/>
+              </a:lnSpc>
+              <a:spcBef>
+                <a:spcPts val="600"/>
+              </a:spcBef>
+              <a:spcAft>
+                <a:spcPct val="0"/>
+              </a:spcAft>
+              <a:buClr>
+                <a:schemeClr val="tx1"/>
+              </a:buClr>
+              <a:buSzPct val="100000"/>
+              <a:buFont typeface="Arial" panose="020B0604020202020204" pitchFamily="34" charset="0"/>
+              <a:buChar char="•"/>
+              <a:defRPr sz="2000">
+                <a:solidFill>
+                  <a:schemeClr val="tx1"/>
+                </a:solidFill>
+                <a:latin typeface="+mn-lt"/>
+              </a:defRPr>
+            </a:lvl3pPr>
+            <a:lvl4pPr marL="1152000" indent="-180000" algn="l" rtl="0" eaLnBrk="1" fontAlgn="base" hangingPunct="1">
+              <a:lnSpc>
+                <a:spcPct val="99000"/>
+              </a:lnSpc>
+              <a:spcBef>
+                <a:spcPts val="600"/>
+              </a:spcBef>
+              <a:spcAft>
+                <a:spcPct val="0"/>
+              </a:spcAft>
+              <a:buClr>
+                <a:schemeClr val="tx1"/>
+              </a:buClr>
+              <a:buSzPct val="100000"/>
+              <a:buFont typeface="Arial" panose="020B0604020202020204" pitchFamily="34" charset="0"/>
+              <a:buChar char="•"/>
+              <a:defRPr sz="2000">
+                <a:solidFill>
+                  <a:schemeClr val="tx1"/>
+                </a:solidFill>
+                <a:latin typeface="+mn-lt"/>
+              </a:defRPr>
+            </a:lvl4pPr>
+            <a:lvl5pPr marL="1512000" indent="-180000" algn="l" rtl="0" eaLnBrk="1" fontAlgn="base" hangingPunct="1">
+              <a:lnSpc>
+                <a:spcPct val="99000"/>
+              </a:lnSpc>
+              <a:spcBef>
+                <a:spcPts val="600"/>
+              </a:spcBef>
+              <a:spcAft>
+                <a:spcPct val="0"/>
+              </a:spcAft>
+              <a:buClr>
+                <a:schemeClr val="tx1"/>
+              </a:buClr>
+              <a:buSzPct val="100000"/>
+              <a:buFont typeface="Arial" panose="020B0604020202020204" pitchFamily="34" charset="0"/>
+              <a:buChar char="•"/>
+              <a:defRPr sz="2000">
+                <a:solidFill>
+                  <a:schemeClr val="tx1"/>
+                </a:solidFill>
+                <a:latin typeface="+mn-lt"/>
+              </a:defRPr>
+            </a:lvl5pPr>
+            <a:lvl6pPr marL="1836000" indent="-180000" algn="l" rtl="0" eaLnBrk="1" fontAlgn="base" hangingPunct="1">
+              <a:lnSpc>
+                <a:spcPct val="99000"/>
+              </a:lnSpc>
+              <a:spcBef>
+                <a:spcPts val="600"/>
+              </a:spcBef>
+              <a:spcAft>
+                <a:spcPct val="0"/>
+              </a:spcAft>
+              <a:buClr>
+                <a:schemeClr val="tx1"/>
+              </a:buClr>
+              <a:buFont typeface="Arial" panose="020B0604020202020204" pitchFamily="34" charset="0"/>
+              <a:buChar char="•"/>
+              <a:defRPr sz="2000">
+                <a:solidFill>
+                  <a:schemeClr val="tx1"/>
+                </a:solidFill>
+                <a:latin typeface="+mn-lt"/>
+              </a:defRPr>
+            </a:lvl6pPr>
+            <a:lvl7pPr marL="1836000" indent="-180000" algn="l" rtl="0" eaLnBrk="1" fontAlgn="base" hangingPunct="1">
+              <a:lnSpc>
+                <a:spcPct val="99000"/>
+              </a:lnSpc>
+              <a:spcBef>
+                <a:spcPts val="600"/>
+              </a:spcBef>
+              <a:spcAft>
+                <a:spcPct val="0"/>
+              </a:spcAft>
+              <a:buClr>
+                <a:schemeClr val="tx1"/>
+              </a:buClr>
+              <a:buFont typeface="Arial" panose="020B0604020202020204" pitchFamily="34" charset="0"/>
+              <a:buChar char="•"/>
+              <a:defRPr sz="2000">
+                <a:solidFill>
+                  <a:schemeClr val="tx1"/>
+                </a:solidFill>
+                <a:latin typeface="+mn-lt"/>
+              </a:defRPr>
+            </a:lvl7pPr>
+            <a:lvl8pPr marL="1836000" indent="-180000" algn="l" rtl="0" eaLnBrk="1" fontAlgn="base" hangingPunct="1">
+              <a:lnSpc>
+                <a:spcPct val="99000"/>
+              </a:lnSpc>
+              <a:spcBef>
+                <a:spcPts val="600"/>
+              </a:spcBef>
+              <a:spcAft>
+                <a:spcPct val="0"/>
+              </a:spcAft>
+              <a:buClr>
+                <a:schemeClr val="tx1"/>
+              </a:buClr>
+              <a:buFont typeface="Arial" panose="020B0604020202020204" pitchFamily="34" charset="0"/>
+              <a:buChar char="•"/>
+              <a:defRPr sz="2000">
+                <a:solidFill>
+                  <a:schemeClr val="tx1"/>
+                </a:solidFill>
+                <a:latin typeface="+mn-lt"/>
+              </a:defRPr>
+            </a:lvl8pPr>
+            <a:lvl9pPr marL="1836000" indent="-180000" algn="l" rtl="0" eaLnBrk="1" fontAlgn="base" hangingPunct="1">
+              <a:lnSpc>
+                <a:spcPct val="99000"/>
+              </a:lnSpc>
+              <a:spcBef>
+                <a:spcPts val="600"/>
+              </a:spcBef>
+              <a:spcAft>
+                <a:spcPct val="0"/>
+              </a:spcAft>
+              <a:buClr>
+                <a:schemeClr val="tx1"/>
+              </a:buClr>
+              <a:buFont typeface="Arial" panose="020B0604020202020204" pitchFamily="34" charset="0"/>
+              <a:buChar char="•"/>
+              <a:defRPr sz="2000">
+                <a:solidFill>
+                  <a:schemeClr val="tx1"/>
+                </a:solidFill>
+                <a:latin typeface="+mn-lt"/>
+              </a:defRPr>
+            </a:lvl9pPr>
+          </a:lstStyle>
+          <a:p>
+            <a:r>
+              <a:rPr lang="en-US" sz="1200" kern="0" dirty="0">
+                <a:latin typeface="Lucida Console" panose="020B0609040504020204" pitchFamily="49" charset="0"/>
+              </a:rPr>
+              <a:t>if: Conditional statement for decision-making in code.</a:t>
+            </a:r>
+          </a:p>
+          <a:p>
+            <a:r>
+              <a:rPr lang="en-US" sz="1200" kern="0" dirty="0">
+                <a:latin typeface="Lucida Console" panose="020B0609040504020204" pitchFamily="49" charset="0"/>
+              </a:rPr>
+              <a:t>Example: if (condition) { code }</a:t>
+            </a:r>
+          </a:p>
+          <a:p>
+            <a:endParaRPr lang="en-US" sz="1200" kern="0" dirty="0">
+              <a:latin typeface="Lucida Console" panose="020B0609040504020204" pitchFamily="49" charset="0"/>
+            </a:endParaRPr>
+          </a:p>
+          <a:p>
+            <a:r>
+              <a:rPr lang="en-US" sz="1200" kern="0" dirty="0">
+                <a:latin typeface="Lucida Console" panose="020B0609040504020204" pitchFamily="49" charset="0"/>
+              </a:rPr>
+              <a:t>else: Alternative code block for false condition in an if statement.</a:t>
+            </a:r>
+          </a:p>
+          <a:p>
+            <a:r>
+              <a:rPr lang="en-US" sz="1200" kern="0" dirty="0">
+                <a:latin typeface="Lucida Console" panose="020B0609040504020204" pitchFamily="49" charset="0"/>
+              </a:rPr>
+              <a:t>Example: if (condition) { code } else { </a:t>
+            </a:r>
+            <a:r>
+              <a:rPr lang="en-US" sz="1200" kern="0" dirty="0" err="1">
+                <a:latin typeface="Lucida Console" panose="020B0609040504020204" pitchFamily="49" charset="0"/>
+              </a:rPr>
+              <a:t>alternative_code</a:t>
+            </a:r>
+            <a:r>
+              <a:rPr lang="en-US" sz="1200" kern="0" dirty="0">
+                <a:latin typeface="Lucida Console" panose="020B0609040504020204" pitchFamily="49" charset="0"/>
+              </a:rPr>
+              <a:t> }</a:t>
+            </a:r>
+          </a:p>
+          <a:p>
+            <a:endParaRPr lang="en-US" sz="1200" kern="0" dirty="0">
+              <a:latin typeface="Lucida Console" panose="020B0609040504020204" pitchFamily="49" charset="0"/>
+            </a:endParaRPr>
+          </a:p>
+          <a:p>
+            <a:r>
+              <a:rPr lang="en-US" sz="1200" kern="0" dirty="0">
+                <a:latin typeface="Lucida Console" panose="020B0609040504020204" pitchFamily="49" charset="0"/>
+              </a:rPr>
+              <a:t>break: Exit a loop prematurely, terminating its execution.</a:t>
+            </a:r>
+          </a:p>
+          <a:p>
+            <a:r>
+              <a:rPr lang="en-US" sz="1200" kern="0" dirty="0">
+                <a:latin typeface="Lucida Console" panose="020B0609040504020204" pitchFamily="49" charset="0"/>
+              </a:rPr>
+              <a:t>Example: for (</a:t>
+            </a:r>
+            <a:r>
+              <a:rPr lang="en-US" sz="1200" kern="0" dirty="0" err="1">
+                <a:latin typeface="Lucida Console" panose="020B0609040504020204" pitchFamily="49" charset="0"/>
+              </a:rPr>
+              <a:t>i</a:t>
+            </a:r>
+            <a:r>
+              <a:rPr lang="en-US" sz="1200" kern="0" dirty="0">
+                <a:latin typeface="Lucida Console" panose="020B0609040504020204" pitchFamily="49" charset="0"/>
+              </a:rPr>
+              <a:t> in 1:10) { if (</a:t>
+            </a:r>
+            <a:r>
+              <a:rPr lang="en-US" sz="1200" kern="0" dirty="0" err="1">
+                <a:latin typeface="Lucida Console" panose="020B0609040504020204" pitchFamily="49" charset="0"/>
+              </a:rPr>
+              <a:t>i</a:t>
+            </a:r>
+            <a:r>
+              <a:rPr lang="en-US" sz="1200" kern="0" dirty="0">
+                <a:latin typeface="Lucida Console" panose="020B0609040504020204" pitchFamily="49" charset="0"/>
+              </a:rPr>
+              <a:t> == 5) { break } }</a:t>
+            </a:r>
+          </a:p>
+          <a:p>
+            <a:endParaRPr lang="en-US" sz="1200" kern="0" dirty="0">
+              <a:latin typeface="Lucida Console" panose="020B0609040504020204" pitchFamily="49" charset="0"/>
+            </a:endParaRPr>
+          </a:p>
+          <a:p>
+            <a:r>
+              <a:rPr lang="en-US" sz="1200" kern="0" dirty="0">
+                <a:latin typeface="Lucida Console" panose="020B0609040504020204" pitchFamily="49" charset="0"/>
+              </a:rPr>
+              <a:t>next: Skip the rest of the current iteration in a loop.</a:t>
+            </a:r>
+          </a:p>
+          <a:p>
+            <a:r>
+              <a:rPr lang="en-US" sz="1200" kern="0" dirty="0">
+                <a:latin typeface="Lucida Console" panose="020B0609040504020204" pitchFamily="49" charset="0"/>
+              </a:rPr>
+              <a:t>Example: for (</a:t>
+            </a:r>
+            <a:r>
+              <a:rPr lang="en-US" sz="1200" kern="0" dirty="0" err="1">
+                <a:latin typeface="Lucida Console" panose="020B0609040504020204" pitchFamily="49" charset="0"/>
+              </a:rPr>
+              <a:t>i</a:t>
+            </a:r>
+            <a:r>
+              <a:rPr lang="en-US" sz="1200" kern="0" dirty="0">
+                <a:latin typeface="Lucida Console" panose="020B0609040504020204" pitchFamily="49" charset="0"/>
+              </a:rPr>
+              <a:t> in 1:10) { if (</a:t>
+            </a:r>
+            <a:r>
+              <a:rPr lang="en-US" sz="1200" kern="0" dirty="0" err="1">
+                <a:latin typeface="Lucida Console" panose="020B0609040504020204" pitchFamily="49" charset="0"/>
+              </a:rPr>
+              <a:t>i</a:t>
+            </a:r>
+            <a:r>
+              <a:rPr lang="en-US" sz="1200" kern="0" dirty="0">
+                <a:latin typeface="Lucida Console" panose="020B0609040504020204" pitchFamily="49" charset="0"/>
+              </a:rPr>
+              <a:t> == 0) { next } }</a:t>
+            </a:r>
+          </a:p>
+          <a:p>
+            <a:endParaRPr lang="en-US" sz="1200" kern="0" dirty="0">
+              <a:latin typeface="Lucida Console" panose="020B0609040504020204" pitchFamily="49" charset="0"/>
+            </a:endParaRPr>
+          </a:p>
+          <a:p>
+            <a:r>
+              <a:rPr lang="en-US" sz="1200" kern="0" dirty="0">
+                <a:latin typeface="Lucida Console" panose="020B0609040504020204" pitchFamily="49" charset="0"/>
+              </a:rPr>
+              <a:t>stop: Halt function execution, generating an error message.</a:t>
+            </a:r>
+          </a:p>
+          <a:p>
+            <a:r>
+              <a:rPr lang="en-US" sz="1200" kern="0" dirty="0">
+                <a:latin typeface="Lucida Console" panose="020B0609040504020204" pitchFamily="49" charset="0"/>
+              </a:rPr>
+              <a:t>Example: if (</a:t>
+            </a:r>
+            <a:r>
+              <a:rPr lang="en-US" sz="1200" kern="0" dirty="0" err="1">
+                <a:latin typeface="Lucida Console" panose="020B0609040504020204" pitchFamily="49" charset="0"/>
+              </a:rPr>
+              <a:t>error_condition</a:t>
+            </a:r>
+            <a:r>
+              <a:rPr lang="en-US" sz="1200" kern="0" dirty="0">
+                <a:latin typeface="Lucida Console" panose="020B0609040504020204" pitchFamily="49" charset="0"/>
+              </a:rPr>
+              <a:t>) { stop("Error message.") }</a:t>
+            </a:r>
+            <a:endParaRPr lang="da-DK" sz="1200" kern="0" dirty="0">
+              <a:latin typeface="Lucida Console" panose="020B0609040504020204" pitchFamily="49" charset="0"/>
+            </a:endParaRPr>
           </a:p>
         </p:txBody>
       </p:sp>
     </p:spTree>
     <p:extLst>
       <p:ext uri="{BB962C8B-B14F-4D97-AF65-F5344CB8AC3E}">
-        <p14:creationId xmlns:p14="http://schemas.microsoft.com/office/powerpoint/2010/main" val="3815178459"/>
+        <p14:creationId xmlns:p14="http://schemas.microsoft.com/office/powerpoint/2010/main" val="2911838739"/>
       </p:ext>
     </p:extLst>
   </p:cSld>
